--- a/Configurazione Anaconda e PyCharm - Introduzione Git.pptx
+++ b/Configurazione Anaconda e PyCharm - Introduzione Git.pptx
@@ -5,7 +5,7 @@
     <p:sldMasterId id="2147483648" r:id="rId1"/>
   </p:sldMasterIdLst>
   <p:notesMasterIdLst>
-    <p:notesMasterId r:id="rId28"/>
+    <p:notesMasterId r:id="rId31"/>
   </p:notesMasterIdLst>
   <p:sldIdLst>
     <p:sldId id="256" r:id="rId2"/>
@@ -19,21 +19,24 @@
     <p:sldId id="335" r:id="rId10"/>
     <p:sldId id="336" r:id="rId11"/>
     <p:sldId id="337" r:id="rId12"/>
-    <p:sldId id="363" r:id="rId13"/>
-    <p:sldId id="343" r:id="rId14"/>
-    <p:sldId id="345" r:id="rId15"/>
-    <p:sldId id="344" r:id="rId16"/>
-    <p:sldId id="346" r:id="rId17"/>
-    <p:sldId id="348" r:id="rId18"/>
-    <p:sldId id="349" r:id="rId19"/>
-    <p:sldId id="350" r:id="rId20"/>
-    <p:sldId id="352" r:id="rId21"/>
-    <p:sldId id="354" r:id="rId22"/>
-    <p:sldId id="357" r:id="rId23"/>
-    <p:sldId id="361" r:id="rId24"/>
-    <p:sldId id="360" r:id="rId25"/>
-    <p:sldId id="359" r:id="rId26"/>
-    <p:sldId id="362" r:id="rId27"/>
+    <p:sldId id="366" r:id="rId13"/>
+    <p:sldId id="363" r:id="rId14"/>
+    <p:sldId id="343" r:id="rId15"/>
+    <p:sldId id="345" r:id="rId16"/>
+    <p:sldId id="344" r:id="rId17"/>
+    <p:sldId id="346" r:id="rId18"/>
+    <p:sldId id="348" r:id="rId19"/>
+    <p:sldId id="364" r:id="rId20"/>
+    <p:sldId id="349" r:id="rId21"/>
+    <p:sldId id="350" r:id="rId22"/>
+    <p:sldId id="352" r:id="rId23"/>
+    <p:sldId id="354" r:id="rId24"/>
+    <p:sldId id="357" r:id="rId25"/>
+    <p:sldId id="361" r:id="rId26"/>
+    <p:sldId id="360" r:id="rId27"/>
+    <p:sldId id="365" r:id="rId28"/>
+    <p:sldId id="359" r:id="rId29"/>
+    <p:sldId id="362" r:id="rId30"/>
   </p:sldIdLst>
   <p:sldSz cx="12192000" cy="6858000"/>
   <p:notesSz cx="6858000" cy="9144000"/>
@@ -222,7 +225,7 @@
           <a:p>
             <a:fld id="{66B0F5FA-2AAF-498D-AFCA-51FB0D034A1C}" type="datetimeFigureOut">
               <a:rPr lang="en-US" smtClean="0"/>
-              <a:t>1/23/2020</a:t>
+              <a:t>5/7/2020</a:t>
             </a:fld>
             <a:endParaRPr lang="en-US"/>
           </a:p>
@@ -621,7 +624,7 @@
           <a:p>
             <a:fld id="{FC46E571-967D-4275-BE62-B9B480D4784B}" type="datetime1">
               <a:rPr lang="en-US" smtClean="0"/>
-              <a:t>1/23/2020</a:t>
+              <a:t>5/7/2020</a:t>
             </a:fld>
             <a:endParaRPr lang="en-US"/>
           </a:p>
@@ -791,7 +794,7 @@
           <a:p>
             <a:fld id="{10A1AFC6-FAF9-424A-9BEA-BC8C6755DA3D}" type="datetime1">
               <a:rPr lang="en-US" smtClean="0"/>
-              <a:t>1/23/2020</a:t>
+              <a:t>5/7/2020</a:t>
             </a:fld>
             <a:endParaRPr lang="en-US"/>
           </a:p>
@@ -971,7 +974,7 @@
           <a:p>
             <a:fld id="{CDA9503B-70A5-4F12-AABB-7B3A773876B9}" type="datetime1">
               <a:rPr lang="en-US" smtClean="0"/>
-              <a:t>1/23/2020</a:t>
+              <a:t>5/7/2020</a:t>
             </a:fld>
             <a:endParaRPr lang="en-US"/>
           </a:p>
@@ -1141,7 +1144,7 @@
           <a:p>
             <a:fld id="{DE3CEC60-EF04-4B60-A32B-A40FCE4E460A}" type="datetime1">
               <a:rPr lang="en-US" smtClean="0"/>
-              <a:t>1/23/2020</a:t>
+              <a:t>5/7/2020</a:t>
             </a:fld>
             <a:endParaRPr lang="en-US"/>
           </a:p>
@@ -1387,7 +1390,7 @@
           <a:p>
             <a:fld id="{9887555A-FC5E-4496-AED2-7FA31D139C83}" type="datetime1">
               <a:rPr lang="en-US" smtClean="0"/>
-              <a:t>1/23/2020</a:t>
+              <a:t>5/7/2020</a:t>
             </a:fld>
             <a:endParaRPr lang="en-US"/>
           </a:p>
@@ -1619,7 +1622,7 @@
           <a:p>
             <a:fld id="{CDBCA5F1-9260-478E-B20F-1A8ABF89FB82}" type="datetime1">
               <a:rPr lang="en-US" smtClean="0"/>
-              <a:t>1/23/2020</a:t>
+              <a:t>5/7/2020</a:t>
             </a:fld>
             <a:endParaRPr lang="en-US"/>
           </a:p>
@@ -1986,7 +1989,7 @@
           <a:p>
             <a:fld id="{C072BA2B-3B1F-4E1F-B2DD-C1A3D5309ED1}" type="datetime1">
               <a:rPr lang="en-US" smtClean="0"/>
-              <a:t>1/23/2020</a:t>
+              <a:t>5/7/2020</a:t>
             </a:fld>
             <a:endParaRPr lang="en-US"/>
           </a:p>
@@ -2104,7 +2107,7 @@
           <a:p>
             <a:fld id="{3691C582-8DCC-47DD-B3DF-A6A84DD63559}" type="datetime1">
               <a:rPr lang="en-US" smtClean="0"/>
-              <a:t>1/23/2020</a:t>
+              <a:t>5/7/2020</a:t>
             </a:fld>
             <a:endParaRPr lang="en-US"/>
           </a:p>
@@ -2199,7 +2202,7 @@
           <a:p>
             <a:fld id="{9F3D2BA6-19BB-4D9B-909C-48E9001C6780}" type="datetime1">
               <a:rPr lang="en-US" smtClean="0"/>
-              <a:t>1/23/2020</a:t>
+              <a:t>5/7/2020</a:t>
             </a:fld>
             <a:endParaRPr lang="en-US"/>
           </a:p>
@@ -2476,7 +2479,7 @@
           <a:p>
             <a:fld id="{F19F5E86-23E4-4686-B7B7-15EF4B618786}" type="datetime1">
               <a:rPr lang="en-US" smtClean="0"/>
-              <a:t>1/23/2020</a:t>
+              <a:t>5/7/2020</a:t>
             </a:fld>
             <a:endParaRPr lang="en-US"/>
           </a:p>
@@ -2729,7 +2732,7 @@
           <a:p>
             <a:fld id="{E5184E3C-ADCD-483A-9BD8-C8ACF9BF6FEB}" type="datetime1">
               <a:rPr lang="en-US" smtClean="0"/>
-              <a:t>1/23/2020</a:t>
+              <a:t>5/7/2020</a:t>
             </a:fld>
             <a:endParaRPr lang="en-US"/>
           </a:p>
@@ -2942,7 +2945,7 @@
           <a:p>
             <a:fld id="{598B6AB2-0519-4530-A396-7A6A760E1950}" type="datetime1">
               <a:rPr lang="en-US" smtClean="0"/>
-              <a:t>1/23/2020</a:t>
+              <a:t>5/7/2020</a:t>
             </a:fld>
             <a:endParaRPr lang="en-US"/>
           </a:p>
@@ -3815,7 +3818,17 @@
                 <a:latin typeface="Times New Roman" panose="02020603050405020304" pitchFamily="18" charset="0"/>
                 <a:cs typeface="Times New Roman" panose="02020603050405020304" pitchFamily="18" charset="0"/>
               </a:rPr>
-              <a:t>     </a:t>
+              <a:t>     Installare </a:t>
+            </a:r>
+            <a:r>
+              <a:rPr lang="it-IT" altLang="it-IT" sz="3600" b="1" kern="0" dirty="0" err="1" smtClean="0">
+                <a:solidFill>
+                  <a:prstClr val="white"/>
+                </a:solidFill>
+                <a:latin typeface="Times New Roman" panose="02020603050405020304" pitchFamily="18" charset="0"/>
+                <a:cs typeface="Times New Roman" panose="02020603050405020304" pitchFamily="18" charset="0"/>
+              </a:rPr>
+              <a:t>PyCharm</a:t>
             </a:r>
             <a:r>
               <a:rPr lang="it-IT" altLang="it-IT" sz="3600" b="1" kern="0" dirty="0" smtClean="0">
@@ -3825,35 +3838,8 @@
                 <a:latin typeface="Times New Roman" panose="02020603050405020304" pitchFamily="18" charset="0"/>
                 <a:cs typeface="Times New Roman" panose="02020603050405020304" pitchFamily="18" charset="0"/>
               </a:rPr>
-              <a:t>Installare </a:t>
-            </a:r>
-            <a:r>
-              <a:rPr lang="it-IT" altLang="it-IT" sz="3600" b="1" kern="0" dirty="0" err="1" smtClean="0">
-                <a:solidFill>
-                  <a:prstClr val="white"/>
-                </a:solidFill>
-                <a:latin typeface="Times New Roman" panose="02020603050405020304" pitchFamily="18" charset="0"/>
-                <a:cs typeface="Times New Roman" panose="02020603050405020304" pitchFamily="18" charset="0"/>
-              </a:rPr>
-              <a:t>PyCharm</a:t>
-            </a:r>
-            <a:r>
-              <a:rPr lang="it-IT" altLang="it-IT" sz="3600" b="1" kern="0" dirty="0" smtClean="0">
-                <a:solidFill>
-                  <a:prstClr val="white"/>
-                </a:solidFill>
-                <a:latin typeface="Times New Roman" panose="02020603050405020304" pitchFamily="18" charset="0"/>
-                <a:cs typeface="Times New Roman" panose="02020603050405020304" pitchFamily="18" charset="0"/>
-              </a:rPr>
               <a:t> - 3</a:t>
             </a:r>
-            <a:endParaRPr lang="it-IT" altLang="it-IT" sz="3600" b="1" kern="0" dirty="0" smtClean="0">
-              <a:solidFill>
-                <a:prstClr val="white"/>
-              </a:solidFill>
-              <a:latin typeface="Times New Roman" panose="02020603050405020304" pitchFamily="18" charset="0"/>
-              <a:cs typeface="Times New Roman" panose="02020603050405020304" pitchFamily="18" charset="0"/>
-            </a:endParaRPr>
           </a:p>
         </p:txBody>
       </p:sp>
@@ -4198,7 +4184,17 @@
                 <a:latin typeface="Times New Roman" panose="02020603050405020304" pitchFamily="18" charset="0"/>
                 <a:cs typeface="Times New Roman" panose="02020603050405020304" pitchFamily="18" charset="0"/>
               </a:rPr>
-              <a:t>     </a:t>
+              <a:t>     Installare </a:t>
+            </a:r>
+            <a:r>
+              <a:rPr lang="it-IT" altLang="it-IT" sz="3600" b="1" kern="0" dirty="0" err="1" smtClean="0">
+                <a:solidFill>
+                  <a:prstClr val="white"/>
+                </a:solidFill>
+                <a:latin typeface="Times New Roman" panose="02020603050405020304" pitchFamily="18" charset="0"/>
+                <a:cs typeface="Times New Roman" panose="02020603050405020304" pitchFamily="18" charset="0"/>
+              </a:rPr>
+              <a:t>PyCharm</a:t>
             </a:r>
             <a:r>
               <a:rPr lang="it-IT" altLang="it-IT" sz="3600" b="1" kern="0" dirty="0" smtClean="0">
@@ -4208,35 +4204,8 @@
                 <a:latin typeface="Times New Roman" panose="02020603050405020304" pitchFamily="18" charset="0"/>
                 <a:cs typeface="Times New Roman" panose="02020603050405020304" pitchFamily="18" charset="0"/>
               </a:rPr>
-              <a:t>Installare </a:t>
-            </a:r>
-            <a:r>
-              <a:rPr lang="it-IT" altLang="it-IT" sz="3600" b="1" kern="0" dirty="0" err="1" smtClean="0">
-                <a:solidFill>
-                  <a:prstClr val="white"/>
-                </a:solidFill>
-                <a:latin typeface="Times New Roman" panose="02020603050405020304" pitchFamily="18" charset="0"/>
-                <a:cs typeface="Times New Roman" panose="02020603050405020304" pitchFamily="18" charset="0"/>
-              </a:rPr>
-              <a:t>PyCharm</a:t>
-            </a:r>
-            <a:r>
-              <a:rPr lang="it-IT" altLang="it-IT" sz="3600" b="1" kern="0" dirty="0" smtClean="0">
-                <a:solidFill>
-                  <a:prstClr val="white"/>
-                </a:solidFill>
-                <a:latin typeface="Times New Roman" panose="02020603050405020304" pitchFamily="18" charset="0"/>
-                <a:cs typeface="Times New Roman" panose="02020603050405020304" pitchFamily="18" charset="0"/>
-              </a:rPr>
               <a:t> - 4</a:t>
             </a:r>
-            <a:endParaRPr lang="it-IT" altLang="it-IT" sz="3600" b="1" kern="0" dirty="0" smtClean="0">
-              <a:solidFill>
-                <a:prstClr val="white"/>
-              </a:solidFill>
-              <a:latin typeface="Times New Roman" panose="02020603050405020304" pitchFamily="18" charset="0"/>
-              <a:cs typeface="Times New Roman" panose="02020603050405020304" pitchFamily="18" charset="0"/>
-            </a:endParaRPr>
           </a:p>
         </p:txBody>
       </p:sp>
@@ -4484,7 +4453,7 @@
                 <a:latin typeface="Times New Roman" panose="02020603050405020304" pitchFamily="18" charset="0"/>
                 <a:cs typeface="Times New Roman" panose="02020603050405020304" pitchFamily="18" charset="0"/>
               </a:rPr>
-              <a:t>Caratteristiche e vantaggi del linguaggio </a:t>
+              <a:t>Configurare Anaconda come interprete del progetto in </a:t>
             </a:r>
             <a:r>
               <a:rPr lang="it-IT" altLang="it-IT" sz="3600" b="1" kern="0" dirty="0" err="1" smtClean="0">
@@ -4494,7 +4463,7 @@
                 <a:latin typeface="Times New Roman" panose="02020603050405020304" pitchFamily="18" charset="0"/>
                 <a:cs typeface="Times New Roman" panose="02020603050405020304" pitchFamily="18" charset="0"/>
               </a:rPr>
-              <a:t>Python</a:t>
+              <a:t>PyCharm</a:t>
             </a:r>
             <a:endParaRPr lang="it-IT" altLang="it-IT" sz="3600" b="1" kern="0" dirty="0" smtClean="0">
               <a:solidFill>
@@ -4529,477 +4498,34 @@
           </a:p>
         </p:txBody>
       </p:sp>
-      <p:sp>
-        <p:nvSpPr>
-          <p:cNvPr id="6" name="Rectangle 5"/>
-          <p:cNvSpPr/>
+      <p:pic>
+        <p:nvPicPr>
+          <p:cNvPr id="3" name="Picture 2"/>
+          <p:cNvPicPr>
+            <a:picLocks noChangeAspect="1"/>
+          </p:cNvPicPr>
           <p:nvPr/>
-        </p:nvSpPr>
+        </p:nvPicPr>
+        <p:blipFill>
+          <a:blip r:embed="rId2"/>
+          <a:stretch>
+            <a:fillRect/>
+          </a:stretch>
+        </p:blipFill>
         <p:spPr>
           <a:xfrm>
-            <a:off x="987493" y="2073540"/>
-            <a:ext cx="10236892" cy="4524315"/>
+            <a:off x="2482940" y="2246069"/>
+            <a:ext cx="7206869" cy="4221405"/>
           </a:xfrm>
           <a:prstGeom prst="rect">
             <a:avLst/>
           </a:prstGeom>
         </p:spPr>
-        <p:txBody>
-          <a:bodyPr wrap="square">
-            <a:spAutoFit/>
-          </a:bodyPr>
-          <a:lstStyle/>
-          <a:p>
-            <a:pPr marL="285750" indent="-285750">
-              <a:buFont typeface="Arial" panose="020B0604020202020204" pitchFamily="34" charset="0"/>
-              <a:buChar char="•"/>
-            </a:pPr>
-            <a:r>
-              <a:rPr lang="it-IT" sz="2400" dirty="0" err="1" smtClean="0">
-                <a:latin typeface="Times New Roman" panose="02020603050405020304" pitchFamily="18" charset="0"/>
-                <a:cs typeface="Times New Roman" panose="02020603050405020304" pitchFamily="18" charset="0"/>
-              </a:rPr>
-              <a:t>Python</a:t>
-            </a:r>
-            <a:r>
-              <a:rPr lang="it-IT" sz="2400" dirty="0" smtClean="0">
-                <a:latin typeface="Times New Roman" panose="02020603050405020304" pitchFamily="18" charset="0"/>
-                <a:cs typeface="Times New Roman" panose="02020603050405020304" pitchFamily="18" charset="0"/>
-              </a:rPr>
-              <a:t> è un linguaggio </a:t>
-            </a:r>
-            <a:r>
-              <a:rPr lang="it-IT" sz="2400" b="1" i="1" dirty="0" smtClean="0">
-                <a:latin typeface="Times New Roman" panose="02020603050405020304" pitchFamily="18" charset="0"/>
-                <a:cs typeface="Times New Roman" panose="02020603050405020304" pitchFamily="18" charset="0"/>
-              </a:rPr>
-              <a:t>open source</a:t>
-            </a:r>
-            <a:r>
-              <a:rPr lang="it-IT" sz="2400" dirty="0" smtClean="0">
-                <a:latin typeface="Times New Roman" panose="02020603050405020304" pitchFamily="18" charset="0"/>
-                <a:cs typeface="Times New Roman" panose="02020603050405020304" pitchFamily="18" charset="0"/>
-              </a:rPr>
-              <a:t>;</a:t>
-            </a:r>
-          </a:p>
-          <a:p>
-            <a:pPr marL="285750" indent="-285750">
-              <a:buFont typeface="Arial" panose="020B0604020202020204" pitchFamily="34" charset="0"/>
-              <a:buChar char="•"/>
-            </a:pPr>
-            <a:r>
-              <a:rPr lang="it-IT" sz="2400" dirty="0" smtClean="0">
-                <a:latin typeface="Times New Roman" panose="02020603050405020304" pitchFamily="18" charset="0"/>
-                <a:cs typeface="Times New Roman" panose="02020603050405020304" pitchFamily="18" charset="0"/>
-              </a:rPr>
-              <a:t>Per tale motivo, </a:t>
-            </a:r>
-            <a:r>
-              <a:rPr lang="it-IT" sz="2400" dirty="0" err="1" smtClean="0">
-                <a:latin typeface="Times New Roman" panose="02020603050405020304" pitchFamily="18" charset="0"/>
-                <a:cs typeface="Times New Roman" panose="02020603050405020304" pitchFamily="18" charset="0"/>
-              </a:rPr>
-              <a:t>Python</a:t>
-            </a:r>
-            <a:r>
-              <a:rPr lang="it-IT" sz="2400" dirty="0" smtClean="0">
-                <a:latin typeface="Times New Roman" panose="02020603050405020304" pitchFamily="18" charset="0"/>
-                <a:cs typeface="Times New Roman" panose="02020603050405020304" pitchFamily="18" charset="0"/>
-              </a:rPr>
-              <a:t> ha un fortissimo supporto della community di </a:t>
-            </a:r>
-            <a:r>
-              <a:rPr lang="it-IT" sz="2400" dirty="0" err="1" smtClean="0">
-                <a:latin typeface="Times New Roman" panose="02020603050405020304" pitchFamily="18" charset="0"/>
-                <a:cs typeface="Times New Roman" panose="02020603050405020304" pitchFamily="18" charset="0"/>
-              </a:rPr>
-              <a:t>developers</a:t>
-            </a:r>
-            <a:r>
-              <a:rPr lang="it-IT" sz="2400" dirty="0" smtClean="0">
-                <a:latin typeface="Times New Roman" panose="02020603050405020304" pitchFamily="18" charset="0"/>
-                <a:cs typeface="Times New Roman" panose="02020603050405020304" pitchFamily="18" charset="0"/>
-              </a:rPr>
-              <a:t> che alimentano migliaia di moduli e librerie gratuite;</a:t>
-            </a:r>
-          </a:p>
-          <a:p>
-            <a:pPr marL="285750" indent="-285750">
-              <a:buFont typeface="Arial" panose="020B0604020202020204" pitchFamily="34" charset="0"/>
-              <a:buChar char="•"/>
-            </a:pPr>
-            <a:r>
-              <a:rPr lang="it-IT" sz="2400" dirty="0" err="1" smtClean="0">
-                <a:latin typeface="Times New Roman" panose="02020603050405020304" pitchFamily="18" charset="0"/>
-                <a:cs typeface="Times New Roman" panose="02020603050405020304" pitchFamily="18" charset="0"/>
-              </a:rPr>
-              <a:t>Python</a:t>
-            </a:r>
-            <a:r>
-              <a:rPr lang="it-IT" sz="2400" dirty="0" smtClean="0">
-                <a:latin typeface="Times New Roman" panose="02020603050405020304" pitchFamily="18" charset="0"/>
-                <a:cs typeface="Times New Roman" panose="02020603050405020304" pitchFamily="18" charset="0"/>
-              </a:rPr>
-              <a:t> è un linguaggio </a:t>
-            </a:r>
-            <a:r>
-              <a:rPr lang="it-IT" sz="2400" b="1" i="1" dirty="0" smtClean="0">
-                <a:latin typeface="Times New Roman" panose="02020603050405020304" pitchFamily="18" charset="0"/>
-                <a:cs typeface="Times New Roman" panose="02020603050405020304" pitchFamily="18" charset="0"/>
-              </a:rPr>
-              <a:t>interpretato</a:t>
-            </a:r>
-            <a:r>
-              <a:rPr lang="it-IT" sz="2400" dirty="0" smtClean="0">
-                <a:latin typeface="Times New Roman" panose="02020603050405020304" pitchFamily="18" charset="0"/>
-                <a:cs typeface="Times New Roman" panose="02020603050405020304" pitchFamily="18" charset="0"/>
-              </a:rPr>
-              <a:t> ovvero è possibile eseguire un’operazione da linea di comando senza compilare un eseguibile </a:t>
-            </a:r>
-          </a:p>
-          <a:p>
-            <a:pPr marL="285750" indent="-285750">
-              <a:buFont typeface="Arial" panose="020B0604020202020204" pitchFamily="34" charset="0"/>
-              <a:buChar char="•"/>
-            </a:pPr>
-            <a:r>
-              <a:rPr lang="it-IT" sz="2400" dirty="0" err="1" smtClean="0">
-                <a:latin typeface="Times New Roman" panose="02020603050405020304" pitchFamily="18" charset="0"/>
-                <a:cs typeface="Times New Roman" panose="02020603050405020304" pitchFamily="18" charset="0"/>
-              </a:rPr>
-              <a:t>Python</a:t>
-            </a:r>
-            <a:r>
-              <a:rPr lang="it-IT" sz="2400" dirty="0" smtClean="0">
-                <a:latin typeface="Times New Roman" panose="02020603050405020304" pitchFamily="18" charset="0"/>
-                <a:cs typeface="Times New Roman" panose="02020603050405020304" pitchFamily="18" charset="0"/>
-              </a:rPr>
-              <a:t> è un linguaggio di </a:t>
-            </a:r>
-            <a:r>
-              <a:rPr lang="it-IT" sz="2400" b="1" i="1" dirty="0" smtClean="0">
-                <a:latin typeface="Times New Roman" panose="02020603050405020304" pitchFamily="18" charset="0"/>
-                <a:cs typeface="Times New Roman" panose="02020603050405020304" pitchFamily="18" charset="0"/>
-              </a:rPr>
-              <a:t>alto livello </a:t>
-            </a:r>
-            <a:r>
-              <a:rPr lang="it-IT" sz="2400" dirty="0" smtClean="0">
-                <a:latin typeface="Times New Roman" panose="02020603050405020304" pitchFamily="18" charset="0"/>
-                <a:cs typeface="Times New Roman" panose="02020603050405020304" pitchFamily="18" charset="0"/>
-              </a:rPr>
-              <a:t>ovvero tanti aspetti finemente tecnici, quali ad esempio la gestione della memoria, sono oscurati all’utente;</a:t>
-            </a:r>
-            <a:r>
-              <a:rPr lang="en-US" sz="2400" dirty="0" smtClean="0">
-                <a:latin typeface="Times New Roman" panose="02020603050405020304" pitchFamily="18" charset="0"/>
-                <a:cs typeface="Times New Roman" panose="02020603050405020304" pitchFamily="18" charset="0"/>
-              </a:rPr>
-              <a:t> </a:t>
-            </a:r>
-          </a:p>
-          <a:p>
-            <a:pPr marL="285750" indent="-285750">
-              <a:buFont typeface="Arial" panose="020B0604020202020204" pitchFamily="34" charset="0"/>
-              <a:buChar char="•"/>
-            </a:pPr>
-            <a:r>
-              <a:rPr lang="en-US" sz="2400" dirty="0" err="1" smtClean="0">
-                <a:latin typeface="Times New Roman" panose="02020603050405020304" pitchFamily="18" charset="0"/>
-                <a:cs typeface="Times New Roman" panose="02020603050405020304" pitchFamily="18" charset="0"/>
-              </a:rPr>
-              <a:t>Ciò</a:t>
-            </a:r>
-            <a:r>
-              <a:rPr lang="en-US" sz="2400" dirty="0" smtClean="0">
-                <a:latin typeface="Times New Roman" panose="02020603050405020304" pitchFamily="18" charset="0"/>
-                <a:cs typeface="Times New Roman" panose="02020603050405020304" pitchFamily="18" charset="0"/>
-              </a:rPr>
-              <a:t> </a:t>
-            </a:r>
-            <a:r>
-              <a:rPr lang="en-US" sz="2400" dirty="0" err="1" smtClean="0">
-                <a:latin typeface="Times New Roman" panose="02020603050405020304" pitchFamily="18" charset="0"/>
-                <a:cs typeface="Times New Roman" panose="02020603050405020304" pitchFamily="18" charset="0"/>
-              </a:rPr>
-              <a:t>che</a:t>
-            </a:r>
-            <a:r>
-              <a:rPr lang="en-US" sz="2400" dirty="0" smtClean="0">
-                <a:latin typeface="Times New Roman" panose="02020603050405020304" pitchFamily="18" charset="0"/>
-                <a:cs typeface="Times New Roman" panose="02020603050405020304" pitchFamily="18" charset="0"/>
-              </a:rPr>
-              <a:t> ha </a:t>
-            </a:r>
-            <a:r>
-              <a:rPr lang="en-US" sz="2400" dirty="0" err="1" smtClean="0">
-                <a:latin typeface="Times New Roman" panose="02020603050405020304" pitchFamily="18" charset="0"/>
-                <a:cs typeface="Times New Roman" panose="02020603050405020304" pitchFamily="18" charset="0"/>
-              </a:rPr>
-              <a:t>favorito</a:t>
-            </a:r>
-            <a:r>
-              <a:rPr lang="en-US" sz="2400" dirty="0" smtClean="0">
-                <a:latin typeface="Times New Roman" panose="02020603050405020304" pitchFamily="18" charset="0"/>
-                <a:cs typeface="Times New Roman" panose="02020603050405020304" pitchFamily="18" charset="0"/>
-              </a:rPr>
-              <a:t> la </a:t>
-            </a:r>
-            <a:r>
-              <a:rPr lang="en-US" sz="2400" dirty="0" err="1" smtClean="0">
-                <a:latin typeface="Times New Roman" panose="02020603050405020304" pitchFamily="18" charset="0"/>
-                <a:cs typeface="Times New Roman" panose="02020603050405020304" pitchFamily="18" charset="0"/>
-              </a:rPr>
-              <a:t>sua</a:t>
-            </a:r>
-            <a:r>
-              <a:rPr lang="en-US" sz="2400" dirty="0" smtClean="0">
-                <a:latin typeface="Times New Roman" panose="02020603050405020304" pitchFamily="18" charset="0"/>
-                <a:cs typeface="Times New Roman" panose="02020603050405020304" pitchFamily="18" charset="0"/>
-              </a:rPr>
-              <a:t> </a:t>
-            </a:r>
-            <a:r>
-              <a:rPr lang="en-US" sz="2400" dirty="0" err="1" smtClean="0">
-                <a:latin typeface="Times New Roman" panose="02020603050405020304" pitchFamily="18" charset="0"/>
-                <a:cs typeface="Times New Roman" panose="02020603050405020304" pitchFamily="18" charset="0"/>
-              </a:rPr>
-              <a:t>enorme</a:t>
-            </a:r>
-            <a:r>
-              <a:rPr lang="en-US" sz="2400" dirty="0" smtClean="0">
-                <a:latin typeface="Times New Roman" panose="02020603050405020304" pitchFamily="18" charset="0"/>
-                <a:cs typeface="Times New Roman" panose="02020603050405020304" pitchFamily="18" charset="0"/>
-              </a:rPr>
-              <a:t> </a:t>
-            </a:r>
-            <a:r>
-              <a:rPr lang="en-US" sz="2400" dirty="0" err="1" smtClean="0">
-                <a:latin typeface="Times New Roman" panose="02020603050405020304" pitchFamily="18" charset="0"/>
-                <a:cs typeface="Times New Roman" panose="02020603050405020304" pitchFamily="18" charset="0"/>
-              </a:rPr>
-              <a:t>diffusione</a:t>
-            </a:r>
-            <a:r>
-              <a:rPr lang="en-US" sz="2400" dirty="0" smtClean="0">
-                <a:latin typeface="Times New Roman" panose="02020603050405020304" pitchFamily="18" charset="0"/>
-                <a:cs typeface="Times New Roman" panose="02020603050405020304" pitchFamily="18" charset="0"/>
-              </a:rPr>
-              <a:t> è la </a:t>
-            </a:r>
-            <a:r>
-              <a:rPr lang="en-US" sz="2400" dirty="0" err="1" smtClean="0">
-                <a:latin typeface="Times New Roman" panose="02020603050405020304" pitchFamily="18" charset="0"/>
-                <a:cs typeface="Times New Roman" panose="02020603050405020304" pitchFamily="18" charset="0"/>
-              </a:rPr>
-              <a:t>sua</a:t>
-            </a:r>
-            <a:r>
-              <a:rPr lang="en-US" sz="2400" dirty="0" smtClean="0">
-                <a:latin typeface="Times New Roman" panose="02020603050405020304" pitchFamily="18" charset="0"/>
-                <a:cs typeface="Times New Roman" panose="02020603050405020304" pitchFamily="18" charset="0"/>
-              </a:rPr>
-              <a:t> </a:t>
-            </a:r>
-            <a:r>
-              <a:rPr lang="en-US" sz="2400" b="1" dirty="0" err="1" smtClean="0">
-                <a:latin typeface="Times New Roman" panose="02020603050405020304" pitchFamily="18" charset="0"/>
-                <a:cs typeface="Times New Roman" panose="02020603050405020304" pitchFamily="18" charset="0"/>
-              </a:rPr>
-              <a:t>sempilicità</a:t>
-            </a:r>
-            <a:r>
-              <a:rPr lang="en-US" sz="2400" b="1" dirty="0">
-                <a:latin typeface="Times New Roman" panose="02020603050405020304" pitchFamily="18" charset="0"/>
-                <a:cs typeface="Times New Roman" panose="02020603050405020304" pitchFamily="18" charset="0"/>
-              </a:rPr>
-              <a:t>:</a:t>
-            </a:r>
-            <a:r>
-              <a:rPr lang="en-US" sz="2400" dirty="0" smtClean="0">
-                <a:latin typeface="Times New Roman" panose="02020603050405020304" pitchFamily="18" charset="0"/>
-                <a:cs typeface="Times New Roman" panose="02020603050405020304" pitchFamily="18" charset="0"/>
-              </a:rPr>
-              <a:t> la </a:t>
-            </a:r>
-            <a:r>
-              <a:rPr lang="en-US" sz="2400" dirty="0" err="1" smtClean="0">
-                <a:latin typeface="Times New Roman" panose="02020603050405020304" pitchFamily="18" charset="0"/>
-                <a:cs typeface="Times New Roman" panose="02020603050405020304" pitchFamily="18" charset="0"/>
-              </a:rPr>
-              <a:t>sintassi</a:t>
-            </a:r>
-            <a:r>
-              <a:rPr lang="en-US" sz="2400" dirty="0" smtClean="0">
-                <a:latin typeface="Times New Roman" panose="02020603050405020304" pitchFamily="18" charset="0"/>
-                <a:cs typeface="Times New Roman" panose="02020603050405020304" pitchFamily="18" charset="0"/>
-              </a:rPr>
-              <a:t> di Python è molto </a:t>
-            </a:r>
-            <a:r>
-              <a:rPr lang="en-US" sz="2400" dirty="0" err="1" smtClean="0">
-                <a:latin typeface="Times New Roman" panose="02020603050405020304" pitchFamily="18" charset="0"/>
-                <a:cs typeface="Times New Roman" panose="02020603050405020304" pitchFamily="18" charset="0"/>
-              </a:rPr>
-              <a:t>intuitiva</a:t>
-            </a:r>
-            <a:r>
-              <a:rPr lang="en-US" sz="2400" dirty="0" smtClean="0">
-                <a:latin typeface="Times New Roman" panose="02020603050405020304" pitchFamily="18" charset="0"/>
-                <a:cs typeface="Times New Roman" panose="02020603050405020304" pitchFamily="18" charset="0"/>
-              </a:rPr>
-              <a:t> e </a:t>
-            </a:r>
-            <a:r>
-              <a:rPr lang="en-US" sz="2400" dirty="0" err="1" smtClean="0">
-                <a:latin typeface="Times New Roman" panose="02020603050405020304" pitchFamily="18" charset="0"/>
-                <a:cs typeface="Times New Roman" panose="02020603050405020304" pitchFamily="18" charset="0"/>
-              </a:rPr>
-              <a:t>potrebbe</a:t>
-            </a:r>
-            <a:r>
-              <a:rPr lang="en-US" sz="2400" dirty="0" smtClean="0">
-                <a:latin typeface="Times New Roman" panose="02020603050405020304" pitchFamily="18" charset="0"/>
-                <a:cs typeface="Times New Roman" panose="02020603050405020304" pitchFamily="18" charset="0"/>
-              </a:rPr>
-              <a:t> </a:t>
-            </a:r>
-            <a:r>
-              <a:rPr lang="en-US" sz="2400" dirty="0" err="1" smtClean="0">
-                <a:latin typeface="Times New Roman" panose="02020603050405020304" pitchFamily="18" charset="0"/>
-                <a:cs typeface="Times New Roman" panose="02020603050405020304" pitchFamily="18" charset="0"/>
-              </a:rPr>
-              <a:t>essere</a:t>
-            </a:r>
-            <a:r>
-              <a:rPr lang="en-US" sz="2400" dirty="0" smtClean="0">
-                <a:latin typeface="Times New Roman" panose="02020603050405020304" pitchFamily="18" charset="0"/>
-                <a:cs typeface="Times New Roman" panose="02020603050405020304" pitchFamily="18" charset="0"/>
-              </a:rPr>
-              <a:t> </a:t>
-            </a:r>
-            <a:r>
-              <a:rPr lang="en-US" sz="2400" dirty="0" err="1" smtClean="0">
-                <a:latin typeface="Times New Roman" panose="02020603050405020304" pitchFamily="18" charset="0"/>
-                <a:cs typeface="Times New Roman" panose="02020603050405020304" pitchFamily="18" charset="0"/>
-              </a:rPr>
-              <a:t>usata</a:t>
-            </a:r>
-            <a:r>
-              <a:rPr lang="en-US" sz="2400" dirty="0" smtClean="0">
-                <a:latin typeface="Times New Roman" panose="02020603050405020304" pitchFamily="18" charset="0"/>
-                <a:cs typeface="Times New Roman" panose="02020603050405020304" pitchFamily="18" charset="0"/>
-              </a:rPr>
-              <a:t> come pseudo-</a:t>
-            </a:r>
-            <a:r>
-              <a:rPr lang="en-US" sz="2400" dirty="0" err="1" smtClean="0">
-                <a:latin typeface="Times New Roman" panose="02020603050405020304" pitchFamily="18" charset="0"/>
-                <a:cs typeface="Times New Roman" panose="02020603050405020304" pitchFamily="18" charset="0"/>
-              </a:rPr>
-              <a:t>codice</a:t>
-            </a:r>
-            <a:r>
-              <a:rPr lang="en-US" sz="2400" dirty="0" smtClean="0">
-                <a:latin typeface="Times New Roman" panose="02020603050405020304" pitchFamily="18" charset="0"/>
-                <a:cs typeface="Times New Roman" panose="02020603050405020304" pitchFamily="18" charset="0"/>
-              </a:rPr>
-              <a:t>;</a:t>
-            </a:r>
-          </a:p>
-          <a:p>
-            <a:pPr marL="285750" indent="-285750">
-              <a:buFont typeface="Arial" panose="020B0604020202020204" pitchFamily="34" charset="0"/>
-              <a:buChar char="•"/>
-            </a:pPr>
-            <a:r>
-              <a:rPr lang="it-IT" sz="2400" dirty="0" smtClean="0">
-                <a:latin typeface="Times New Roman" panose="02020603050405020304" pitchFamily="18" charset="0"/>
-                <a:cs typeface="Times New Roman" panose="02020603050405020304" pitchFamily="18" charset="0"/>
-              </a:rPr>
-              <a:t>Gli </a:t>
-            </a:r>
-            <a:r>
-              <a:rPr lang="it-IT" sz="2400" i="1" dirty="0" smtClean="0">
-                <a:latin typeface="Times New Roman" panose="02020603050405020304" pitchFamily="18" charset="0"/>
-                <a:cs typeface="Times New Roman" panose="02020603050405020304" pitchFamily="18" charset="0"/>
-              </a:rPr>
-              <a:t>scope</a:t>
-            </a:r>
-            <a:r>
-              <a:rPr lang="it-IT" sz="2400" dirty="0" smtClean="0">
-                <a:latin typeface="Times New Roman" panose="02020603050405020304" pitchFamily="18" charset="0"/>
-                <a:cs typeface="Times New Roman" panose="02020603050405020304" pitchFamily="18" charset="0"/>
-              </a:rPr>
-              <a:t> all’interno programmi vengono definiti per </a:t>
-            </a:r>
-            <a:r>
-              <a:rPr lang="it-IT" sz="2400" b="1" i="1" dirty="0" err="1" smtClean="0">
-                <a:latin typeface="Times New Roman" panose="02020603050405020304" pitchFamily="18" charset="0"/>
-                <a:cs typeface="Times New Roman" panose="02020603050405020304" pitchFamily="18" charset="0"/>
-              </a:rPr>
-              <a:t>indentaizone</a:t>
-            </a:r>
-            <a:r>
-              <a:rPr lang="it-IT" sz="2400" dirty="0" smtClean="0">
-                <a:latin typeface="Times New Roman" panose="02020603050405020304" pitchFamily="18" charset="0"/>
-                <a:cs typeface="Times New Roman" panose="02020603050405020304" pitchFamily="18" charset="0"/>
-              </a:rPr>
-              <a:t>;</a:t>
-            </a:r>
-          </a:p>
-          <a:p>
-            <a:pPr marL="285750" indent="-285750">
-              <a:buFont typeface="Arial" panose="020B0604020202020204" pitchFamily="34" charset="0"/>
-              <a:buChar char="•"/>
-            </a:pPr>
-            <a:r>
-              <a:rPr lang="it-IT" sz="2400" dirty="0" smtClean="0">
-                <a:latin typeface="Times New Roman" panose="02020603050405020304" pitchFamily="18" charset="0"/>
-                <a:cs typeface="Times New Roman" panose="02020603050405020304" pitchFamily="18" charset="0"/>
-              </a:rPr>
-              <a:t>Consente di sviluppare codice sia con un </a:t>
-            </a:r>
-            <a:r>
-              <a:rPr lang="it-IT" sz="2400" b="1" dirty="0" smtClean="0">
-                <a:latin typeface="Times New Roman" panose="02020603050405020304" pitchFamily="18" charset="0"/>
-                <a:cs typeface="Times New Roman" panose="02020603050405020304" pitchFamily="18" charset="0"/>
-              </a:rPr>
-              <a:t>paradigma di programmazione funzionale </a:t>
-            </a:r>
-            <a:r>
-              <a:rPr lang="it-IT" sz="2400" dirty="0" smtClean="0">
-                <a:latin typeface="Times New Roman" panose="02020603050405020304" pitchFamily="18" charset="0"/>
-                <a:cs typeface="Times New Roman" panose="02020603050405020304" pitchFamily="18" charset="0"/>
-              </a:rPr>
-              <a:t>che con un </a:t>
-            </a:r>
-            <a:r>
-              <a:rPr lang="it-IT" sz="2400" b="1" dirty="0" smtClean="0">
-                <a:latin typeface="Times New Roman" panose="02020603050405020304" pitchFamily="18" charset="0"/>
-                <a:cs typeface="Times New Roman" panose="02020603050405020304" pitchFamily="18" charset="0"/>
-              </a:rPr>
-              <a:t>paradigma di programmazione orientato agli oggetti</a:t>
-            </a:r>
-            <a:r>
-              <a:rPr lang="it-IT" sz="2400" dirty="0">
-                <a:latin typeface="Times New Roman" panose="02020603050405020304" pitchFamily="18" charset="0"/>
-                <a:cs typeface="Times New Roman" panose="02020603050405020304" pitchFamily="18" charset="0"/>
-              </a:rPr>
-              <a:t>.</a:t>
-            </a:r>
-            <a:endParaRPr lang="it-IT" sz="2400" dirty="0" smtClean="0">
-              <a:latin typeface="Times New Roman" panose="02020603050405020304" pitchFamily="18" charset="0"/>
-              <a:cs typeface="Times New Roman" panose="02020603050405020304" pitchFamily="18" charset="0"/>
-            </a:endParaRPr>
-          </a:p>
-        </p:txBody>
-      </p:sp>
+      </p:pic>
     </p:spTree>
     <p:extLst>
       <p:ext uri="{BB962C8B-B14F-4D97-AF65-F5344CB8AC3E}">
-        <p14:creationId xmlns:p14="http://schemas.microsoft.com/office/powerpoint/2010/main" val="2753453709"/>
+        <p14:creationId xmlns:p14="http://schemas.microsoft.com/office/powerpoint/2010/main" val="2227430359"/>
       </p:ext>
     </p:extLst>
   </p:cSld>
@@ -5127,6 +4653,16 @@
               </a:tabLst>
             </a:pPr>
             <a:r>
+              <a:rPr lang="it-IT" altLang="it-IT" sz="3600" b="1" kern="0" dirty="0">
+                <a:solidFill>
+                  <a:prstClr val="white"/>
+                </a:solidFill>
+                <a:latin typeface="Times New Roman" panose="02020603050405020304" pitchFamily="18" charset="0"/>
+                <a:cs typeface="Times New Roman" panose="02020603050405020304" pitchFamily="18" charset="0"/>
+              </a:rPr>
+              <a:t> </a:t>
+            </a:r>
+            <a:r>
               <a:rPr lang="it-IT" altLang="it-IT" sz="3600" b="1" kern="0" dirty="0" smtClean="0">
                 <a:solidFill>
                   <a:prstClr val="white"/>
@@ -5134,17 +4670,7 @@
                 <a:latin typeface="Times New Roman" panose="02020603050405020304" pitchFamily="18" charset="0"/>
                 <a:cs typeface="Times New Roman" panose="02020603050405020304" pitchFamily="18" charset="0"/>
               </a:rPr>
-              <a:t>      </a:t>
-            </a:r>
-            <a:r>
-              <a:rPr lang="it-IT" altLang="it-IT" sz="3600" b="1" kern="0" dirty="0" smtClean="0">
-                <a:solidFill>
-                  <a:prstClr val="white"/>
-                </a:solidFill>
-                <a:latin typeface="Times New Roman" panose="02020603050405020304" pitchFamily="18" charset="0"/>
-                <a:cs typeface="Times New Roman" panose="02020603050405020304" pitchFamily="18" charset="0"/>
-              </a:rPr>
-              <a:t>Cos’è un </a:t>
+              <a:t>     Caratteristiche e vantaggi del linguaggio </a:t>
             </a:r>
             <a:r>
               <a:rPr lang="it-IT" altLang="it-IT" sz="3600" b="1" kern="0" dirty="0" err="1" smtClean="0">
@@ -5154,17 +4680,7 @@
                 <a:latin typeface="Times New Roman" panose="02020603050405020304" pitchFamily="18" charset="0"/>
                 <a:cs typeface="Times New Roman" panose="02020603050405020304" pitchFamily="18" charset="0"/>
               </a:rPr>
-              <a:t>repository</a:t>
-            </a:r>
-            <a:r>
-              <a:rPr lang="it-IT" altLang="it-IT" sz="3600" b="1" kern="0" dirty="0" smtClean="0">
-                <a:solidFill>
-                  <a:prstClr val="white"/>
-                </a:solidFill>
-                <a:latin typeface="Times New Roman" panose="02020603050405020304" pitchFamily="18" charset="0"/>
-                <a:cs typeface="Times New Roman" panose="02020603050405020304" pitchFamily="18" charset="0"/>
-              </a:rPr>
-              <a:t>?</a:t>
+              <a:t>Python</a:t>
             </a:r>
             <a:endParaRPr lang="it-IT" altLang="it-IT" sz="3600" b="1" kern="0" dirty="0" smtClean="0">
               <a:solidFill>
@@ -5201,14 +4717,14 @@
       </p:sp>
       <p:sp>
         <p:nvSpPr>
-          <p:cNvPr id="5" name="Rectangle 4"/>
+          <p:cNvPr id="6" name="Rectangle 5"/>
           <p:cNvSpPr/>
           <p:nvPr/>
         </p:nvSpPr>
         <p:spPr>
           <a:xfrm>
-            <a:off x="977554" y="2094857"/>
-            <a:ext cx="10217642" cy="4616648"/>
+            <a:off x="987493" y="2073540"/>
+            <a:ext cx="10236892" cy="4524315"/>
           </a:xfrm>
           <a:prstGeom prst="rect">
             <a:avLst/>
@@ -5220,301 +4736,456 @@
           </a:bodyPr>
           <a:lstStyle/>
           <a:p>
-            <a:pPr marL="342900" indent="-342900" algn="just">
+            <a:pPr marL="285750" indent="-285750">
               <a:buFont typeface="Arial" panose="020B0604020202020204" pitchFamily="34" charset="0"/>
               <a:buChar char="•"/>
             </a:pPr>
             <a:r>
-              <a:rPr lang="it-IT" sz="2100" dirty="0" smtClean="0">
-                <a:latin typeface="Times New Roman" panose="02020603050405020304" pitchFamily="18" charset="0"/>
-                <a:cs typeface="Times New Roman" panose="02020603050405020304" pitchFamily="18" charset="0"/>
-              </a:rPr>
-              <a:t>Un </a:t>
-            </a:r>
-            <a:r>
-              <a:rPr lang="it-IT" sz="2100" b="1" i="1" dirty="0" err="1" smtClean="0">
-                <a:latin typeface="Times New Roman" panose="02020603050405020304" pitchFamily="18" charset="0"/>
-                <a:cs typeface="Times New Roman" panose="02020603050405020304" pitchFamily="18" charset="0"/>
-              </a:rPr>
-              <a:t>repository</a:t>
-            </a:r>
-            <a:r>
-              <a:rPr lang="it-IT" sz="2100" dirty="0" smtClean="0">
-                <a:latin typeface="Times New Roman" panose="02020603050405020304" pitchFamily="18" charset="0"/>
-                <a:cs typeface="Times New Roman" panose="02020603050405020304" pitchFamily="18" charset="0"/>
-              </a:rPr>
-              <a:t> (in italiano andrebbe tradotto con il sostantivo «ripostiglio») </a:t>
-            </a:r>
-            <a:r>
-              <a:rPr lang="it-IT" sz="2100" dirty="0">
-                <a:latin typeface="Times New Roman" panose="02020603050405020304" pitchFamily="18" charset="0"/>
-                <a:cs typeface="Times New Roman" panose="02020603050405020304" pitchFamily="18" charset="0"/>
-              </a:rPr>
-              <a:t>è l'archivio </a:t>
-            </a:r>
-            <a:r>
-              <a:rPr lang="it-IT" sz="2100" dirty="0" smtClean="0">
-                <a:latin typeface="Times New Roman" panose="02020603050405020304" pitchFamily="18" charset="0"/>
-                <a:cs typeface="Times New Roman" panose="02020603050405020304" pitchFamily="18" charset="0"/>
-              </a:rPr>
-              <a:t>nel quale i </a:t>
-            </a:r>
-            <a:r>
-              <a:rPr lang="it-IT" sz="2100" dirty="0">
-                <a:latin typeface="Times New Roman" panose="02020603050405020304" pitchFamily="18" charset="0"/>
-                <a:cs typeface="Times New Roman" panose="02020603050405020304" pitchFamily="18" charset="0"/>
-              </a:rPr>
-              <a:t>file </a:t>
-            </a:r>
-            <a:r>
-              <a:rPr lang="it-IT" sz="2100" dirty="0" smtClean="0">
-                <a:latin typeface="Times New Roman" panose="02020603050405020304" pitchFamily="18" charset="0"/>
-                <a:cs typeface="Times New Roman" panose="02020603050405020304" pitchFamily="18" charset="0"/>
-              </a:rPr>
-              <a:t>di un progetto di sviluppo codice sono </a:t>
-            </a:r>
-            <a:r>
-              <a:rPr lang="it-IT" sz="2100" dirty="0">
-                <a:latin typeface="Times New Roman" panose="02020603050405020304" pitchFamily="18" charset="0"/>
-                <a:cs typeface="Times New Roman" panose="02020603050405020304" pitchFamily="18" charset="0"/>
-              </a:rPr>
-              <a:t>memorizzati, </a:t>
-            </a:r>
-            <a:r>
-              <a:rPr lang="it-IT" sz="2100" dirty="0" smtClean="0">
-                <a:latin typeface="Times New Roman" panose="02020603050405020304" pitchFamily="18" charset="0"/>
-                <a:cs typeface="Times New Roman" panose="02020603050405020304" pitchFamily="18" charset="0"/>
-              </a:rPr>
-              <a:t>spesso su server in remoto;</a:t>
-            </a:r>
-          </a:p>
-          <a:p>
-            <a:pPr marL="342900" indent="-342900" algn="just">
+              <a:rPr lang="it-IT" sz="2400" dirty="0" err="1" smtClean="0">
+                <a:latin typeface="Times New Roman" panose="02020603050405020304" pitchFamily="18" charset="0"/>
+                <a:cs typeface="Times New Roman" panose="02020603050405020304" pitchFamily="18" charset="0"/>
+              </a:rPr>
+              <a:t>Python</a:t>
+            </a:r>
+            <a:r>
+              <a:rPr lang="it-IT" sz="2400" dirty="0" smtClean="0">
+                <a:latin typeface="Times New Roman" panose="02020603050405020304" pitchFamily="18" charset="0"/>
+                <a:cs typeface="Times New Roman" panose="02020603050405020304" pitchFamily="18" charset="0"/>
+              </a:rPr>
+              <a:t> è un linguaggio </a:t>
+            </a:r>
+            <a:r>
+              <a:rPr lang="it-IT" sz="2400" b="1" i="1" dirty="0" smtClean="0">
+                <a:latin typeface="Times New Roman" panose="02020603050405020304" pitchFamily="18" charset="0"/>
+                <a:cs typeface="Times New Roman" panose="02020603050405020304" pitchFamily="18" charset="0"/>
+              </a:rPr>
+              <a:t>open source</a:t>
+            </a:r>
+            <a:r>
+              <a:rPr lang="it-IT" sz="2400" dirty="0" smtClean="0">
+                <a:latin typeface="Times New Roman" panose="02020603050405020304" pitchFamily="18" charset="0"/>
+                <a:cs typeface="Times New Roman" panose="02020603050405020304" pitchFamily="18" charset="0"/>
+              </a:rPr>
+              <a:t>;</a:t>
+            </a:r>
+          </a:p>
+          <a:p>
+            <a:pPr marL="285750" indent="-285750">
               <a:buFont typeface="Arial" panose="020B0604020202020204" pitchFamily="34" charset="0"/>
               <a:buChar char="•"/>
             </a:pPr>
             <a:r>
-              <a:rPr lang="it-IT" sz="2100" dirty="0">
-                <a:latin typeface="Times New Roman" panose="02020603050405020304" pitchFamily="18" charset="0"/>
-                <a:cs typeface="Times New Roman" panose="02020603050405020304" pitchFamily="18" charset="0"/>
-              </a:rPr>
-              <a:t>Un </a:t>
-            </a:r>
-            <a:r>
-              <a:rPr lang="it-IT" sz="2100" b="1" i="1" dirty="0">
-                <a:latin typeface="Times New Roman" panose="02020603050405020304" pitchFamily="18" charset="0"/>
-                <a:cs typeface="Times New Roman" panose="02020603050405020304" pitchFamily="18" charset="0"/>
-              </a:rPr>
-              <a:t>check-out </a:t>
-            </a:r>
-            <a:r>
-              <a:rPr lang="it-IT" sz="2100" dirty="0">
-                <a:latin typeface="Times New Roman" panose="02020603050405020304" pitchFamily="18" charset="0"/>
-                <a:cs typeface="Times New Roman" panose="02020603050405020304" pitchFamily="18" charset="0"/>
-              </a:rPr>
-              <a:t>effettua una copia dei file di progetto dal </a:t>
-            </a:r>
-            <a:r>
-              <a:rPr lang="it-IT" sz="2100" dirty="0" err="1">
-                <a:latin typeface="Times New Roman" panose="02020603050405020304" pitchFamily="18" charset="0"/>
-                <a:cs typeface="Times New Roman" panose="02020603050405020304" pitchFamily="18" charset="0"/>
-              </a:rPr>
-              <a:t>repository</a:t>
-            </a:r>
-            <a:r>
-              <a:rPr lang="it-IT" sz="2100" dirty="0">
-                <a:latin typeface="Times New Roman" panose="02020603050405020304" pitchFamily="18" charset="0"/>
-                <a:cs typeface="Times New Roman" panose="02020603050405020304" pitchFamily="18" charset="0"/>
-              </a:rPr>
-              <a:t> (può essere visto come l'operazione inversa dell'importazione) alla propria directory locale. Il check-out è il prelievo del file nonché lo stato corrispondente</a:t>
-            </a:r>
-            <a:r>
-              <a:rPr lang="it-IT" sz="2100" dirty="0" smtClean="0">
-                <a:latin typeface="Times New Roman" panose="02020603050405020304" pitchFamily="18" charset="0"/>
-                <a:cs typeface="Times New Roman" panose="02020603050405020304" pitchFamily="18" charset="0"/>
-              </a:rPr>
-              <a:t>;</a:t>
-            </a:r>
-          </a:p>
-          <a:p>
-            <a:pPr marL="342900" indent="-342900" algn="just">
+              <a:rPr lang="it-IT" sz="2400" dirty="0" smtClean="0">
+                <a:latin typeface="Times New Roman" panose="02020603050405020304" pitchFamily="18" charset="0"/>
+                <a:cs typeface="Times New Roman" panose="02020603050405020304" pitchFamily="18" charset="0"/>
+              </a:rPr>
+              <a:t>Per tale motivo, </a:t>
+            </a:r>
+            <a:r>
+              <a:rPr lang="it-IT" sz="2400" dirty="0" err="1" smtClean="0">
+                <a:latin typeface="Times New Roman" panose="02020603050405020304" pitchFamily="18" charset="0"/>
+                <a:cs typeface="Times New Roman" panose="02020603050405020304" pitchFamily="18" charset="0"/>
+              </a:rPr>
+              <a:t>Python</a:t>
+            </a:r>
+            <a:r>
+              <a:rPr lang="it-IT" sz="2400" dirty="0" smtClean="0">
+                <a:latin typeface="Times New Roman" panose="02020603050405020304" pitchFamily="18" charset="0"/>
+                <a:cs typeface="Times New Roman" panose="02020603050405020304" pitchFamily="18" charset="0"/>
+              </a:rPr>
+              <a:t> ha un fortissimo supporto della community di </a:t>
+            </a:r>
+            <a:r>
+              <a:rPr lang="it-IT" sz="2400" dirty="0" err="1" smtClean="0">
+                <a:latin typeface="Times New Roman" panose="02020603050405020304" pitchFamily="18" charset="0"/>
+                <a:cs typeface="Times New Roman" panose="02020603050405020304" pitchFamily="18" charset="0"/>
+              </a:rPr>
+              <a:t>developers</a:t>
+            </a:r>
+            <a:r>
+              <a:rPr lang="it-IT" sz="2400" dirty="0" smtClean="0">
+                <a:latin typeface="Times New Roman" panose="02020603050405020304" pitchFamily="18" charset="0"/>
+                <a:cs typeface="Times New Roman" panose="02020603050405020304" pitchFamily="18" charset="0"/>
+              </a:rPr>
+              <a:t> che alimentano migliaia di moduli e librerie gratuite;</a:t>
+            </a:r>
+          </a:p>
+          <a:p>
+            <a:pPr marL="285750" indent="-285750">
               <a:buFont typeface="Arial" panose="020B0604020202020204" pitchFamily="34" charset="0"/>
               <a:buChar char="•"/>
             </a:pPr>
             <a:r>
-              <a:rPr lang="it-IT" sz="2100" dirty="0" smtClean="0">
-                <a:latin typeface="Times New Roman" panose="02020603050405020304" pitchFamily="18" charset="0"/>
-                <a:cs typeface="Times New Roman" panose="02020603050405020304" pitchFamily="18" charset="0"/>
-              </a:rPr>
-              <a:t>Un </a:t>
-            </a:r>
-            <a:r>
-              <a:rPr lang="it-IT" sz="2100" b="1" i="1" dirty="0">
-                <a:latin typeface="Times New Roman" panose="02020603050405020304" pitchFamily="18" charset="0"/>
-                <a:cs typeface="Times New Roman" panose="02020603050405020304" pitchFamily="18" charset="0"/>
-              </a:rPr>
-              <a:t>check-in</a:t>
-            </a:r>
-            <a:r>
-              <a:rPr lang="it-IT" sz="2100" dirty="0">
-                <a:latin typeface="Times New Roman" panose="02020603050405020304" pitchFamily="18" charset="0"/>
-                <a:cs typeface="Times New Roman" panose="02020603050405020304" pitchFamily="18" charset="0"/>
-              </a:rPr>
-              <a:t> </a:t>
-            </a:r>
-            <a:r>
-              <a:rPr lang="it-IT" sz="2100" dirty="0" smtClean="0">
-                <a:latin typeface="Times New Roman" panose="02020603050405020304" pitchFamily="18" charset="0"/>
-                <a:cs typeface="Times New Roman" panose="02020603050405020304" pitchFamily="18" charset="0"/>
-              </a:rPr>
-              <a:t>si </a:t>
-            </a:r>
-            <a:r>
-              <a:rPr lang="it-IT" sz="2100" dirty="0">
-                <a:latin typeface="Times New Roman" panose="02020603050405020304" pitchFamily="18" charset="0"/>
-                <a:cs typeface="Times New Roman" panose="02020603050405020304" pitchFamily="18" charset="0"/>
-              </a:rPr>
-              <a:t>effettua quando si copiano le modifiche </a:t>
-            </a:r>
-            <a:r>
-              <a:rPr lang="it-IT" sz="2100" dirty="0" smtClean="0">
-                <a:latin typeface="Times New Roman" panose="02020603050405020304" pitchFamily="18" charset="0"/>
-                <a:cs typeface="Times New Roman" panose="02020603050405020304" pitchFamily="18" charset="0"/>
-              </a:rPr>
-              <a:t>eseguite sui </a:t>
-            </a:r>
-            <a:r>
-              <a:rPr lang="it-IT" sz="2100" dirty="0">
-                <a:latin typeface="Times New Roman" panose="02020603050405020304" pitchFamily="18" charset="0"/>
-                <a:cs typeface="Times New Roman" panose="02020603050405020304" pitchFamily="18" charset="0"/>
-              </a:rPr>
-              <a:t>file </a:t>
-            </a:r>
-            <a:r>
-              <a:rPr lang="it-IT" sz="2100" dirty="0" smtClean="0">
-                <a:latin typeface="Times New Roman" panose="02020603050405020304" pitchFamily="18" charset="0"/>
-                <a:cs typeface="Times New Roman" panose="02020603050405020304" pitchFamily="18" charset="0"/>
-              </a:rPr>
-              <a:t>in locale nel server remoto del </a:t>
-            </a:r>
-            <a:r>
-              <a:rPr lang="it-IT" sz="2100" dirty="0" err="1" smtClean="0">
-                <a:latin typeface="Times New Roman" panose="02020603050405020304" pitchFamily="18" charset="0"/>
-                <a:cs typeface="Times New Roman" panose="02020603050405020304" pitchFamily="18" charset="0"/>
-              </a:rPr>
-              <a:t>repository</a:t>
-            </a:r>
-            <a:r>
-              <a:rPr lang="it-IT" sz="2100" dirty="0" smtClean="0">
-                <a:latin typeface="Times New Roman" panose="02020603050405020304" pitchFamily="18" charset="0"/>
-                <a:cs typeface="Times New Roman" panose="02020603050405020304" pitchFamily="18" charset="0"/>
-              </a:rPr>
-              <a:t> </a:t>
-            </a:r>
-            <a:r>
-              <a:rPr lang="it-IT" sz="2100" dirty="0">
-                <a:latin typeface="Times New Roman" panose="02020603050405020304" pitchFamily="18" charset="0"/>
-                <a:cs typeface="Times New Roman" panose="02020603050405020304" pitchFamily="18" charset="0"/>
-              </a:rPr>
-              <a:t>(il software di controllo versione controlla quali file sono stati modificati dall'ultima sincronizzazione). Il check-in è l'inserimento del file nonché lo stato </a:t>
-            </a:r>
-            <a:r>
-              <a:rPr lang="it-IT" sz="2100" dirty="0" smtClean="0">
-                <a:latin typeface="Times New Roman" panose="02020603050405020304" pitchFamily="18" charset="0"/>
-                <a:cs typeface="Times New Roman" panose="02020603050405020304" pitchFamily="18" charset="0"/>
-              </a:rPr>
-              <a:t>corrispondente;</a:t>
-            </a:r>
-          </a:p>
-          <a:p>
-            <a:pPr marL="342900" indent="-342900" algn="just">
+              <a:rPr lang="it-IT" sz="2400" dirty="0" err="1" smtClean="0">
+                <a:latin typeface="Times New Roman" panose="02020603050405020304" pitchFamily="18" charset="0"/>
+                <a:cs typeface="Times New Roman" panose="02020603050405020304" pitchFamily="18" charset="0"/>
+              </a:rPr>
+              <a:t>Python</a:t>
+            </a:r>
+            <a:r>
+              <a:rPr lang="it-IT" sz="2400" dirty="0" smtClean="0">
+                <a:latin typeface="Times New Roman" panose="02020603050405020304" pitchFamily="18" charset="0"/>
+                <a:cs typeface="Times New Roman" panose="02020603050405020304" pitchFamily="18" charset="0"/>
+              </a:rPr>
+              <a:t> è un linguaggio </a:t>
+            </a:r>
+            <a:r>
+              <a:rPr lang="it-IT" sz="2400" b="1" i="1" dirty="0" smtClean="0">
+                <a:latin typeface="Times New Roman" panose="02020603050405020304" pitchFamily="18" charset="0"/>
+                <a:cs typeface="Times New Roman" panose="02020603050405020304" pitchFamily="18" charset="0"/>
+              </a:rPr>
+              <a:t>interpretato</a:t>
+            </a:r>
+            <a:r>
+              <a:rPr lang="it-IT" sz="2400" dirty="0" smtClean="0">
+                <a:latin typeface="Times New Roman" panose="02020603050405020304" pitchFamily="18" charset="0"/>
+                <a:cs typeface="Times New Roman" panose="02020603050405020304" pitchFamily="18" charset="0"/>
+              </a:rPr>
+              <a:t> ovvero è possibile eseguire un’operazione da linea di comando senza compilare un eseguibile </a:t>
+            </a:r>
+          </a:p>
+          <a:p>
+            <a:pPr marL="285750" indent="-285750">
               <a:buFont typeface="Arial" panose="020B0604020202020204" pitchFamily="34" charset="0"/>
               <a:buChar char="•"/>
             </a:pPr>
             <a:r>
-              <a:rPr lang="it-IT" sz="2100" dirty="0" smtClean="0">
-                <a:latin typeface="Times New Roman" panose="02020603050405020304" pitchFamily="18" charset="0"/>
-                <a:cs typeface="Times New Roman" panose="02020603050405020304" pitchFamily="18" charset="0"/>
-              </a:rPr>
-              <a:t>Un </a:t>
-            </a:r>
-            <a:r>
-              <a:rPr lang="it-IT" sz="2100" b="1" i="1" dirty="0">
-                <a:latin typeface="Times New Roman" panose="02020603050405020304" pitchFamily="18" charset="0"/>
-                <a:cs typeface="Times New Roman" panose="02020603050405020304" pitchFamily="18" charset="0"/>
-              </a:rPr>
-              <a:t>conflitto</a:t>
-            </a:r>
-            <a:r>
-              <a:rPr lang="it-IT" sz="2100" dirty="0">
-                <a:latin typeface="Times New Roman" panose="02020603050405020304" pitchFamily="18" charset="0"/>
-                <a:cs typeface="Times New Roman" panose="02020603050405020304" pitchFamily="18" charset="0"/>
-              </a:rPr>
-              <a:t> si presenta quando diversi soggetti </a:t>
-            </a:r>
-            <a:r>
-              <a:rPr lang="it-IT" sz="2100" dirty="0" smtClean="0">
-                <a:latin typeface="Times New Roman" panose="02020603050405020304" pitchFamily="18" charset="0"/>
-                <a:cs typeface="Times New Roman" panose="02020603050405020304" pitchFamily="18" charset="0"/>
-              </a:rPr>
-              <a:t>apportano </a:t>
-            </a:r>
-            <a:r>
-              <a:rPr lang="it-IT" sz="2100" dirty="0">
-                <a:latin typeface="Times New Roman" panose="02020603050405020304" pitchFamily="18" charset="0"/>
-                <a:cs typeface="Times New Roman" panose="02020603050405020304" pitchFamily="18" charset="0"/>
-              </a:rPr>
-              <a:t>modifiche in contemporanea allo stesso </a:t>
-            </a:r>
-            <a:r>
-              <a:rPr lang="it-IT" sz="2100" dirty="0" smtClean="0">
-                <a:latin typeface="Times New Roman" panose="02020603050405020304" pitchFamily="18" charset="0"/>
-                <a:cs typeface="Times New Roman" panose="02020603050405020304" pitchFamily="18" charset="0"/>
-              </a:rPr>
-              <a:t>file non avendo </a:t>
-            </a:r>
-            <a:r>
-              <a:rPr lang="it-IT" sz="2100" dirty="0" err="1" smtClean="0">
-                <a:latin typeface="Times New Roman" panose="02020603050405020304" pitchFamily="18" charset="0"/>
-                <a:cs typeface="Times New Roman" panose="02020603050405020304" pitchFamily="18" charset="0"/>
-              </a:rPr>
-              <a:t>visibiltà</a:t>
-            </a:r>
-            <a:r>
-              <a:rPr lang="it-IT" sz="2100" dirty="0" smtClean="0">
+              <a:rPr lang="it-IT" sz="2400" dirty="0" err="1" smtClean="0">
+                <a:latin typeface="Times New Roman" panose="02020603050405020304" pitchFamily="18" charset="0"/>
+                <a:cs typeface="Times New Roman" panose="02020603050405020304" pitchFamily="18" charset="0"/>
+              </a:rPr>
+              <a:t>Python</a:t>
+            </a:r>
+            <a:r>
+              <a:rPr lang="it-IT" sz="2400" dirty="0" smtClean="0">
+                <a:latin typeface="Times New Roman" panose="02020603050405020304" pitchFamily="18" charset="0"/>
+                <a:cs typeface="Times New Roman" panose="02020603050405020304" pitchFamily="18" charset="0"/>
+              </a:rPr>
+              <a:t> è un linguaggio di </a:t>
+            </a:r>
+            <a:r>
+              <a:rPr lang="it-IT" sz="2400" b="1" i="1" dirty="0" smtClean="0">
+                <a:latin typeface="Times New Roman" panose="02020603050405020304" pitchFamily="18" charset="0"/>
+                <a:cs typeface="Times New Roman" panose="02020603050405020304" pitchFamily="18" charset="0"/>
+              </a:rPr>
+              <a:t>alto livello </a:t>
+            </a:r>
+            <a:r>
+              <a:rPr lang="it-IT" sz="2400" dirty="0" smtClean="0">
+                <a:latin typeface="Times New Roman" panose="02020603050405020304" pitchFamily="18" charset="0"/>
+                <a:cs typeface="Times New Roman" panose="02020603050405020304" pitchFamily="18" charset="0"/>
+              </a:rPr>
+              <a:t>ovvero tanti aspetti finemente tecnici, quali ad esempio la gestione della memoria, sono oscurati all’utente;</a:t>
+            </a:r>
+            <a:r>
+              <a:rPr lang="en-US" sz="2400" dirty="0" smtClean="0">
                 <a:latin typeface="Times New Roman" panose="02020603050405020304" pitchFamily="18" charset="0"/>
                 <a:cs typeface="Times New Roman" panose="02020603050405020304" pitchFamily="18" charset="0"/>
               </a:rPr>
               <a:t> </a:t>
             </a:r>
-            <a:r>
-              <a:rPr lang="it-IT" sz="2100" dirty="0">
-                <a:latin typeface="Times New Roman" panose="02020603050405020304" pitchFamily="18" charset="0"/>
-                <a:cs typeface="Times New Roman" panose="02020603050405020304" pitchFamily="18" charset="0"/>
-              </a:rPr>
-              <a:t>l'uno le modifiche che sta apportando l'altro e che potrebbero sovrapporsi. Non essendo il software abbastanza intelligente da decidere quale tra le modifiche è </a:t>
-            </a:r>
-            <a:r>
-              <a:rPr lang="it-IT" sz="2100" dirty="0" smtClean="0">
-                <a:latin typeface="Times New Roman" panose="02020603050405020304" pitchFamily="18" charset="0"/>
-                <a:cs typeface="Times New Roman" panose="02020603050405020304" pitchFamily="18" charset="0"/>
-              </a:rPr>
-              <a:t>quella «corretta», </a:t>
-            </a:r>
-            <a:r>
-              <a:rPr lang="it-IT" sz="2100" dirty="0">
-                <a:latin typeface="Times New Roman" panose="02020603050405020304" pitchFamily="18" charset="0"/>
-                <a:cs typeface="Times New Roman" panose="02020603050405020304" pitchFamily="18" charset="0"/>
-              </a:rPr>
-              <a:t>si richiede ad un utente di risolvere il conflitto.</a:t>
-            </a:r>
+          </a:p>
+          <a:p>
+            <a:pPr marL="285750" indent="-285750">
+              <a:buFont typeface="Arial" panose="020B0604020202020204" pitchFamily="34" charset="0"/>
+              <a:buChar char="•"/>
+            </a:pPr>
+            <a:r>
+              <a:rPr lang="en-US" sz="2400" dirty="0" err="1" smtClean="0">
+                <a:latin typeface="Times New Roman" panose="02020603050405020304" pitchFamily="18" charset="0"/>
+                <a:cs typeface="Times New Roman" panose="02020603050405020304" pitchFamily="18" charset="0"/>
+              </a:rPr>
+              <a:t>Ciò</a:t>
+            </a:r>
+            <a:r>
+              <a:rPr lang="en-US" sz="2400" dirty="0" smtClean="0">
+                <a:latin typeface="Times New Roman" panose="02020603050405020304" pitchFamily="18" charset="0"/>
+                <a:cs typeface="Times New Roman" panose="02020603050405020304" pitchFamily="18" charset="0"/>
+              </a:rPr>
+              <a:t> </a:t>
+            </a:r>
+            <a:r>
+              <a:rPr lang="en-US" sz="2400" dirty="0" err="1" smtClean="0">
+                <a:latin typeface="Times New Roman" panose="02020603050405020304" pitchFamily="18" charset="0"/>
+                <a:cs typeface="Times New Roman" panose="02020603050405020304" pitchFamily="18" charset="0"/>
+              </a:rPr>
+              <a:t>che</a:t>
+            </a:r>
+            <a:r>
+              <a:rPr lang="en-US" sz="2400" dirty="0" smtClean="0">
+                <a:latin typeface="Times New Roman" panose="02020603050405020304" pitchFamily="18" charset="0"/>
+                <a:cs typeface="Times New Roman" panose="02020603050405020304" pitchFamily="18" charset="0"/>
+              </a:rPr>
+              <a:t> ha </a:t>
+            </a:r>
+            <a:r>
+              <a:rPr lang="en-US" sz="2400" dirty="0" err="1" smtClean="0">
+                <a:latin typeface="Times New Roman" panose="02020603050405020304" pitchFamily="18" charset="0"/>
+                <a:cs typeface="Times New Roman" panose="02020603050405020304" pitchFamily="18" charset="0"/>
+              </a:rPr>
+              <a:t>favorito</a:t>
+            </a:r>
+            <a:r>
+              <a:rPr lang="en-US" sz="2400" dirty="0" smtClean="0">
+                <a:latin typeface="Times New Roman" panose="02020603050405020304" pitchFamily="18" charset="0"/>
+                <a:cs typeface="Times New Roman" panose="02020603050405020304" pitchFamily="18" charset="0"/>
+              </a:rPr>
+              <a:t> la </a:t>
+            </a:r>
+            <a:r>
+              <a:rPr lang="en-US" sz="2400" dirty="0" err="1" smtClean="0">
+                <a:latin typeface="Times New Roman" panose="02020603050405020304" pitchFamily="18" charset="0"/>
+                <a:cs typeface="Times New Roman" panose="02020603050405020304" pitchFamily="18" charset="0"/>
+              </a:rPr>
+              <a:t>sua</a:t>
+            </a:r>
+            <a:r>
+              <a:rPr lang="en-US" sz="2400" dirty="0" smtClean="0">
+                <a:latin typeface="Times New Roman" panose="02020603050405020304" pitchFamily="18" charset="0"/>
+                <a:cs typeface="Times New Roman" panose="02020603050405020304" pitchFamily="18" charset="0"/>
+              </a:rPr>
+              <a:t> </a:t>
+            </a:r>
+            <a:r>
+              <a:rPr lang="en-US" sz="2400" dirty="0" err="1" smtClean="0">
+                <a:latin typeface="Times New Roman" panose="02020603050405020304" pitchFamily="18" charset="0"/>
+                <a:cs typeface="Times New Roman" panose="02020603050405020304" pitchFamily="18" charset="0"/>
+              </a:rPr>
+              <a:t>enorme</a:t>
+            </a:r>
+            <a:r>
+              <a:rPr lang="en-US" sz="2400" dirty="0" smtClean="0">
+                <a:latin typeface="Times New Roman" panose="02020603050405020304" pitchFamily="18" charset="0"/>
+                <a:cs typeface="Times New Roman" panose="02020603050405020304" pitchFamily="18" charset="0"/>
+              </a:rPr>
+              <a:t> </a:t>
+            </a:r>
+            <a:r>
+              <a:rPr lang="en-US" sz="2400" dirty="0" err="1" smtClean="0">
+                <a:latin typeface="Times New Roman" panose="02020603050405020304" pitchFamily="18" charset="0"/>
+                <a:cs typeface="Times New Roman" panose="02020603050405020304" pitchFamily="18" charset="0"/>
+              </a:rPr>
+              <a:t>diffusione</a:t>
+            </a:r>
+            <a:r>
+              <a:rPr lang="en-US" sz="2400" dirty="0" smtClean="0">
+                <a:latin typeface="Times New Roman" panose="02020603050405020304" pitchFamily="18" charset="0"/>
+                <a:cs typeface="Times New Roman" panose="02020603050405020304" pitchFamily="18" charset="0"/>
+              </a:rPr>
+              <a:t> è la </a:t>
+            </a:r>
+            <a:r>
+              <a:rPr lang="en-US" sz="2400" dirty="0" err="1" smtClean="0">
+                <a:latin typeface="Times New Roman" panose="02020603050405020304" pitchFamily="18" charset="0"/>
+                <a:cs typeface="Times New Roman" panose="02020603050405020304" pitchFamily="18" charset="0"/>
+              </a:rPr>
+              <a:t>sua</a:t>
+            </a:r>
+            <a:r>
+              <a:rPr lang="en-US" sz="2400" dirty="0" smtClean="0">
+                <a:latin typeface="Times New Roman" panose="02020603050405020304" pitchFamily="18" charset="0"/>
+                <a:cs typeface="Times New Roman" panose="02020603050405020304" pitchFamily="18" charset="0"/>
+              </a:rPr>
+              <a:t> </a:t>
+            </a:r>
+            <a:r>
+              <a:rPr lang="en-US" sz="2400" b="1" dirty="0" err="1" smtClean="0">
+                <a:latin typeface="Times New Roman" panose="02020603050405020304" pitchFamily="18" charset="0"/>
+                <a:cs typeface="Times New Roman" panose="02020603050405020304" pitchFamily="18" charset="0"/>
+              </a:rPr>
+              <a:t>semplicità</a:t>
+            </a:r>
+            <a:r>
+              <a:rPr lang="en-US" sz="2400" b="1" dirty="0">
+                <a:latin typeface="Times New Roman" panose="02020603050405020304" pitchFamily="18" charset="0"/>
+                <a:cs typeface="Times New Roman" panose="02020603050405020304" pitchFamily="18" charset="0"/>
+              </a:rPr>
+              <a:t>:</a:t>
+            </a:r>
+            <a:r>
+              <a:rPr lang="en-US" sz="2400" dirty="0" smtClean="0">
+                <a:latin typeface="Times New Roman" panose="02020603050405020304" pitchFamily="18" charset="0"/>
+                <a:cs typeface="Times New Roman" panose="02020603050405020304" pitchFamily="18" charset="0"/>
+              </a:rPr>
+              <a:t> la </a:t>
+            </a:r>
+            <a:r>
+              <a:rPr lang="en-US" sz="2400" dirty="0" err="1" smtClean="0">
+                <a:latin typeface="Times New Roman" panose="02020603050405020304" pitchFamily="18" charset="0"/>
+                <a:cs typeface="Times New Roman" panose="02020603050405020304" pitchFamily="18" charset="0"/>
+              </a:rPr>
+              <a:t>sintassi</a:t>
+            </a:r>
+            <a:r>
+              <a:rPr lang="en-US" sz="2400" dirty="0" smtClean="0">
+                <a:latin typeface="Times New Roman" panose="02020603050405020304" pitchFamily="18" charset="0"/>
+                <a:cs typeface="Times New Roman" panose="02020603050405020304" pitchFamily="18" charset="0"/>
+              </a:rPr>
+              <a:t> di Python è molto </a:t>
+            </a:r>
+            <a:r>
+              <a:rPr lang="en-US" sz="2400" dirty="0" err="1" smtClean="0">
+                <a:latin typeface="Times New Roman" panose="02020603050405020304" pitchFamily="18" charset="0"/>
+                <a:cs typeface="Times New Roman" panose="02020603050405020304" pitchFamily="18" charset="0"/>
+              </a:rPr>
+              <a:t>intuitiva</a:t>
+            </a:r>
+            <a:r>
+              <a:rPr lang="en-US" sz="2400" dirty="0" smtClean="0">
+                <a:latin typeface="Times New Roman" panose="02020603050405020304" pitchFamily="18" charset="0"/>
+                <a:cs typeface="Times New Roman" panose="02020603050405020304" pitchFamily="18" charset="0"/>
+              </a:rPr>
+              <a:t> e </a:t>
+            </a:r>
+            <a:r>
+              <a:rPr lang="en-US" sz="2400" dirty="0" err="1" smtClean="0">
+                <a:latin typeface="Times New Roman" panose="02020603050405020304" pitchFamily="18" charset="0"/>
+                <a:cs typeface="Times New Roman" panose="02020603050405020304" pitchFamily="18" charset="0"/>
+              </a:rPr>
+              <a:t>potrebbe</a:t>
+            </a:r>
+            <a:r>
+              <a:rPr lang="en-US" sz="2400" dirty="0" smtClean="0">
+                <a:latin typeface="Times New Roman" panose="02020603050405020304" pitchFamily="18" charset="0"/>
+                <a:cs typeface="Times New Roman" panose="02020603050405020304" pitchFamily="18" charset="0"/>
+              </a:rPr>
+              <a:t> </a:t>
+            </a:r>
+            <a:r>
+              <a:rPr lang="en-US" sz="2400" dirty="0" err="1" smtClean="0">
+                <a:latin typeface="Times New Roman" panose="02020603050405020304" pitchFamily="18" charset="0"/>
+                <a:cs typeface="Times New Roman" panose="02020603050405020304" pitchFamily="18" charset="0"/>
+              </a:rPr>
+              <a:t>essere</a:t>
+            </a:r>
+            <a:r>
+              <a:rPr lang="en-US" sz="2400" dirty="0" smtClean="0">
+                <a:latin typeface="Times New Roman" panose="02020603050405020304" pitchFamily="18" charset="0"/>
+                <a:cs typeface="Times New Roman" panose="02020603050405020304" pitchFamily="18" charset="0"/>
+              </a:rPr>
+              <a:t> </a:t>
+            </a:r>
+            <a:r>
+              <a:rPr lang="en-US" sz="2400" dirty="0" err="1" smtClean="0">
+                <a:latin typeface="Times New Roman" panose="02020603050405020304" pitchFamily="18" charset="0"/>
+                <a:cs typeface="Times New Roman" panose="02020603050405020304" pitchFamily="18" charset="0"/>
+              </a:rPr>
+              <a:t>usata</a:t>
+            </a:r>
+            <a:r>
+              <a:rPr lang="en-US" sz="2400" dirty="0" smtClean="0">
+                <a:latin typeface="Times New Roman" panose="02020603050405020304" pitchFamily="18" charset="0"/>
+                <a:cs typeface="Times New Roman" panose="02020603050405020304" pitchFamily="18" charset="0"/>
+              </a:rPr>
+              <a:t> come pseudo-</a:t>
+            </a:r>
+            <a:r>
+              <a:rPr lang="en-US" sz="2400" dirty="0" err="1" smtClean="0">
+                <a:latin typeface="Times New Roman" panose="02020603050405020304" pitchFamily="18" charset="0"/>
+                <a:cs typeface="Times New Roman" panose="02020603050405020304" pitchFamily="18" charset="0"/>
+              </a:rPr>
+              <a:t>codice</a:t>
+            </a:r>
+            <a:r>
+              <a:rPr lang="en-US" sz="2400" dirty="0" smtClean="0">
+                <a:latin typeface="Times New Roman" panose="02020603050405020304" pitchFamily="18" charset="0"/>
+                <a:cs typeface="Times New Roman" panose="02020603050405020304" pitchFamily="18" charset="0"/>
+              </a:rPr>
+              <a:t>;</a:t>
+            </a:r>
+          </a:p>
+          <a:p>
+            <a:pPr marL="285750" indent="-285750">
+              <a:buFont typeface="Arial" panose="020B0604020202020204" pitchFamily="34" charset="0"/>
+              <a:buChar char="•"/>
+            </a:pPr>
+            <a:r>
+              <a:rPr lang="it-IT" sz="2400" dirty="0" smtClean="0">
+                <a:latin typeface="Times New Roman" panose="02020603050405020304" pitchFamily="18" charset="0"/>
+                <a:cs typeface="Times New Roman" panose="02020603050405020304" pitchFamily="18" charset="0"/>
+              </a:rPr>
+              <a:t>Gli </a:t>
+            </a:r>
+            <a:r>
+              <a:rPr lang="it-IT" sz="2400" i="1" dirty="0" smtClean="0">
+                <a:latin typeface="Times New Roman" panose="02020603050405020304" pitchFamily="18" charset="0"/>
+                <a:cs typeface="Times New Roman" panose="02020603050405020304" pitchFamily="18" charset="0"/>
+              </a:rPr>
+              <a:t>scope</a:t>
+            </a:r>
+            <a:r>
+              <a:rPr lang="it-IT" sz="2400" dirty="0" smtClean="0">
+                <a:latin typeface="Times New Roman" panose="02020603050405020304" pitchFamily="18" charset="0"/>
+                <a:cs typeface="Times New Roman" panose="02020603050405020304" pitchFamily="18" charset="0"/>
+              </a:rPr>
+              <a:t> all’interno programmi vengono definiti per </a:t>
+            </a:r>
+            <a:r>
+              <a:rPr lang="it-IT" sz="2400" b="1" i="1" dirty="0" smtClean="0">
+                <a:latin typeface="Times New Roman" panose="02020603050405020304" pitchFamily="18" charset="0"/>
+                <a:cs typeface="Times New Roman" panose="02020603050405020304" pitchFamily="18" charset="0"/>
+              </a:rPr>
+              <a:t>indentazione</a:t>
+            </a:r>
+            <a:r>
+              <a:rPr lang="it-IT" sz="2400" dirty="0" smtClean="0">
+                <a:latin typeface="Times New Roman" panose="02020603050405020304" pitchFamily="18" charset="0"/>
+                <a:cs typeface="Times New Roman" panose="02020603050405020304" pitchFamily="18" charset="0"/>
+              </a:rPr>
+              <a:t>;</a:t>
+            </a:r>
+          </a:p>
+          <a:p>
+            <a:pPr marL="285750" indent="-285750">
+              <a:buFont typeface="Arial" panose="020B0604020202020204" pitchFamily="34" charset="0"/>
+              <a:buChar char="•"/>
+            </a:pPr>
+            <a:r>
+              <a:rPr lang="it-IT" sz="2400" dirty="0" smtClean="0">
+                <a:latin typeface="Times New Roman" panose="02020603050405020304" pitchFamily="18" charset="0"/>
+                <a:cs typeface="Times New Roman" panose="02020603050405020304" pitchFamily="18" charset="0"/>
+              </a:rPr>
+              <a:t>Consente di sviluppare codice sia con un </a:t>
+            </a:r>
+            <a:r>
+              <a:rPr lang="it-IT" sz="2400" b="1" dirty="0" smtClean="0">
+                <a:latin typeface="Times New Roman" panose="02020603050405020304" pitchFamily="18" charset="0"/>
+                <a:cs typeface="Times New Roman" panose="02020603050405020304" pitchFamily="18" charset="0"/>
+              </a:rPr>
+              <a:t>paradigma di programmazione funzionale </a:t>
+            </a:r>
+            <a:r>
+              <a:rPr lang="it-IT" sz="2400" dirty="0" smtClean="0">
+                <a:latin typeface="Times New Roman" panose="02020603050405020304" pitchFamily="18" charset="0"/>
+                <a:cs typeface="Times New Roman" panose="02020603050405020304" pitchFamily="18" charset="0"/>
+              </a:rPr>
+              <a:t>che con un </a:t>
+            </a:r>
+            <a:r>
+              <a:rPr lang="it-IT" sz="2400" b="1" dirty="0" smtClean="0">
+                <a:latin typeface="Times New Roman" panose="02020603050405020304" pitchFamily="18" charset="0"/>
+                <a:cs typeface="Times New Roman" panose="02020603050405020304" pitchFamily="18" charset="0"/>
+              </a:rPr>
+              <a:t>paradigma di programmazione orientato agli oggetti</a:t>
+            </a:r>
+            <a:r>
+              <a:rPr lang="it-IT" sz="2400" dirty="0">
+                <a:latin typeface="Times New Roman" panose="02020603050405020304" pitchFamily="18" charset="0"/>
+                <a:cs typeface="Times New Roman" panose="02020603050405020304" pitchFamily="18" charset="0"/>
+              </a:rPr>
+              <a:t>.</a:t>
+            </a:r>
+            <a:endParaRPr lang="it-IT" sz="2400" dirty="0" smtClean="0">
+              <a:latin typeface="Times New Roman" panose="02020603050405020304" pitchFamily="18" charset="0"/>
+              <a:cs typeface="Times New Roman" panose="02020603050405020304" pitchFamily="18" charset="0"/>
+            </a:endParaRPr>
           </a:p>
         </p:txBody>
       </p:sp>
     </p:spTree>
     <p:extLst>
       <p:ext uri="{BB962C8B-B14F-4D97-AF65-F5344CB8AC3E}">
-        <p14:creationId xmlns:p14="http://schemas.microsoft.com/office/powerpoint/2010/main" val="156768873"/>
+        <p14:creationId xmlns:p14="http://schemas.microsoft.com/office/powerpoint/2010/main" val="2753453709"/>
       </p:ext>
     </p:extLst>
   </p:cSld>
@@ -5649,7 +5320,17 @@
                 <a:latin typeface="Times New Roman" panose="02020603050405020304" pitchFamily="18" charset="0"/>
                 <a:cs typeface="Times New Roman" panose="02020603050405020304" pitchFamily="18" charset="0"/>
               </a:rPr>
-              <a:t>      </a:t>
+              <a:t>      Cos’è un </a:t>
+            </a:r>
+            <a:r>
+              <a:rPr lang="it-IT" altLang="it-IT" sz="3600" b="1" kern="0" dirty="0" err="1" smtClean="0">
+                <a:solidFill>
+                  <a:prstClr val="white"/>
+                </a:solidFill>
+                <a:latin typeface="Times New Roman" panose="02020603050405020304" pitchFamily="18" charset="0"/>
+                <a:cs typeface="Times New Roman" panose="02020603050405020304" pitchFamily="18" charset="0"/>
+              </a:rPr>
+              <a:t>repository</a:t>
             </a:r>
             <a:r>
               <a:rPr lang="it-IT" altLang="it-IT" sz="3600" b="1" kern="0" dirty="0" smtClean="0">
@@ -5659,35 +5340,8 @@
                 <a:latin typeface="Times New Roman" panose="02020603050405020304" pitchFamily="18" charset="0"/>
                 <a:cs typeface="Times New Roman" panose="02020603050405020304" pitchFamily="18" charset="0"/>
               </a:rPr>
-              <a:t>Cos’è </a:t>
-            </a:r>
-            <a:r>
-              <a:rPr lang="it-IT" altLang="it-IT" sz="3600" b="1" kern="0" dirty="0" err="1" smtClean="0">
-                <a:solidFill>
-                  <a:prstClr val="white"/>
-                </a:solidFill>
-                <a:latin typeface="Times New Roman" panose="02020603050405020304" pitchFamily="18" charset="0"/>
-                <a:cs typeface="Times New Roman" panose="02020603050405020304" pitchFamily="18" charset="0"/>
-              </a:rPr>
-              <a:t>GitHub</a:t>
-            </a:r>
-            <a:r>
-              <a:rPr lang="it-IT" altLang="it-IT" sz="3600" b="1" kern="0" dirty="0" smtClean="0">
-                <a:solidFill>
-                  <a:prstClr val="white"/>
-                </a:solidFill>
-                <a:latin typeface="Times New Roman" panose="02020603050405020304" pitchFamily="18" charset="0"/>
-                <a:cs typeface="Times New Roman" panose="02020603050405020304" pitchFamily="18" charset="0"/>
-              </a:rPr>
               <a:t>?</a:t>
             </a:r>
-            <a:endParaRPr lang="it-IT" altLang="it-IT" sz="3600" b="1" kern="0" dirty="0" smtClean="0">
-              <a:solidFill>
-                <a:prstClr val="white"/>
-              </a:solidFill>
-              <a:latin typeface="Times New Roman" panose="02020603050405020304" pitchFamily="18" charset="0"/>
-              <a:cs typeface="Times New Roman" panose="02020603050405020304" pitchFamily="18" charset="0"/>
-            </a:endParaRPr>
           </a:p>
         </p:txBody>
       </p:sp>
@@ -5722,8 +5376,8 @@
         </p:nvSpPr>
         <p:spPr>
           <a:xfrm>
-            <a:off x="977554" y="2214125"/>
-            <a:ext cx="10217642" cy="4154984"/>
+            <a:off x="977554" y="2094857"/>
+            <a:ext cx="10217642" cy="4616648"/>
           </a:xfrm>
           <a:prstGeom prst="rect">
             <a:avLst/>
@@ -5735,310 +5389,294 @@
           </a:bodyPr>
           <a:lstStyle/>
           <a:p>
-            <a:pPr marL="285750" indent="-285750" algn="just">
+            <a:pPr marL="342900" indent="-342900" algn="just">
               <a:buFont typeface="Arial" panose="020B0604020202020204" pitchFamily="34" charset="0"/>
               <a:buChar char="•"/>
             </a:pPr>
             <a:r>
-              <a:rPr lang="it-IT" sz="2400" dirty="0">
-                <a:latin typeface="Times New Roman" panose="02020603050405020304" pitchFamily="18" charset="0"/>
-                <a:cs typeface="Times New Roman" panose="02020603050405020304" pitchFamily="18" charset="0"/>
-              </a:rPr>
-              <a:t>Il sito </a:t>
-            </a:r>
-            <a:r>
-              <a:rPr lang="it-IT" sz="2400" b="1" dirty="0" err="1" smtClean="0">
-                <a:latin typeface="Times New Roman" panose="02020603050405020304" pitchFamily="18" charset="0"/>
-                <a:cs typeface="Times New Roman" panose="02020603050405020304" pitchFamily="18" charset="0"/>
-              </a:rPr>
-              <a:t>GitHub</a:t>
-            </a:r>
-            <a:r>
-              <a:rPr lang="it-IT" sz="2400" dirty="0" smtClean="0">
-                <a:latin typeface="Times New Roman" panose="02020603050405020304" pitchFamily="18" charset="0"/>
-                <a:cs typeface="Times New Roman" panose="02020603050405020304" pitchFamily="18" charset="0"/>
-              </a:rPr>
-              <a:t> è utilizzabile </a:t>
-            </a:r>
-            <a:r>
-              <a:rPr lang="it-IT" sz="2400" dirty="0">
-                <a:latin typeface="Times New Roman" panose="02020603050405020304" pitchFamily="18" charset="0"/>
-                <a:cs typeface="Times New Roman" panose="02020603050405020304" pitchFamily="18" charset="0"/>
-              </a:rPr>
-              <a:t>dagli sviluppatori, che caricano il codice sorgente dei loro programmi e lo rendono scaricabile dagli utenti. Questi ultimi possono interagire con lo sviluppatore tramite un sistema di </a:t>
-            </a:r>
-            <a:r>
-              <a:rPr lang="it-IT" sz="2400" i="1" dirty="0" err="1">
-                <a:latin typeface="Times New Roman" panose="02020603050405020304" pitchFamily="18" charset="0"/>
-                <a:cs typeface="Times New Roman" panose="02020603050405020304" pitchFamily="18" charset="0"/>
-              </a:rPr>
-              <a:t>issue</a:t>
-            </a:r>
-            <a:r>
-              <a:rPr lang="it-IT" sz="2400" i="1" dirty="0">
-                <a:latin typeface="Times New Roman" panose="02020603050405020304" pitchFamily="18" charset="0"/>
-                <a:cs typeface="Times New Roman" panose="02020603050405020304" pitchFamily="18" charset="0"/>
-              </a:rPr>
-              <a:t> </a:t>
-            </a:r>
-            <a:r>
-              <a:rPr lang="it-IT" sz="2400" i="1" dirty="0" err="1">
-                <a:latin typeface="Times New Roman" panose="02020603050405020304" pitchFamily="18" charset="0"/>
-                <a:cs typeface="Times New Roman" panose="02020603050405020304" pitchFamily="18" charset="0"/>
-              </a:rPr>
-              <a:t>tracking</a:t>
-            </a:r>
-            <a:r>
-              <a:rPr lang="it-IT" sz="2400" dirty="0">
-                <a:latin typeface="Times New Roman" panose="02020603050405020304" pitchFamily="18" charset="0"/>
-                <a:cs typeface="Times New Roman" panose="02020603050405020304" pitchFamily="18" charset="0"/>
-              </a:rPr>
-              <a:t>, </a:t>
-            </a:r>
-            <a:r>
-              <a:rPr lang="it-IT" sz="2400" i="1" dirty="0">
-                <a:latin typeface="Times New Roman" panose="02020603050405020304" pitchFamily="18" charset="0"/>
-                <a:cs typeface="Times New Roman" panose="02020603050405020304" pitchFamily="18" charset="0"/>
-              </a:rPr>
-              <a:t>pull </a:t>
-            </a:r>
-            <a:r>
-              <a:rPr lang="it-IT" sz="2400" i="1" dirty="0" err="1">
-                <a:latin typeface="Times New Roman" panose="02020603050405020304" pitchFamily="18" charset="0"/>
-                <a:cs typeface="Times New Roman" panose="02020603050405020304" pitchFamily="18" charset="0"/>
-              </a:rPr>
-              <a:t>request</a:t>
-            </a:r>
-            <a:r>
-              <a:rPr lang="it-IT" sz="2400" i="1" dirty="0">
-                <a:latin typeface="Times New Roman" panose="02020603050405020304" pitchFamily="18" charset="0"/>
-                <a:cs typeface="Times New Roman" panose="02020603050405020304" pitchFamily="18" charset="0"/>
-              </a:rPr>
-              <a:t> </a:t>
-            </a:r>
-            <a:r>
-              <a:rPr lang="it-IT" sz="2400" dirty="0">
-                <a:latin typeface="Times New Roman" panose="02020603050405020304" pitchFamily="18" charset="0"/>
-                <a:cs typeface="Times New Roman" panose="02020603050405020304" pitchFamily="18" charset="0"/>
-              </a:rPr>
-              <a:t>e commenti che permette di migliorare il codice del </a:t>
-            </a:r>
-            <a:r>
-              <a:rPr lang="it-IT" sz="2400" dirty="0" err="1">
+              <a:rPr lang="it-IT" sz="2100" dirty="0" smtClean="0">
+                <a:latin typeface="Times New Roman" panose="02020603050405020304" pitchFamily="18" charset="0"/>
+                <a:cs typeface="Times New Roman" panose="02020603050405020304" pitchFamily="18" charset="0"/>
+              </a:rPr>
+              <a:t>Un </a:t>
+            </a:r>
+            <a:r>
+              <a:rPr lang="it-IT" sz="2100" b="1" i="1" dirty="0" err="1" smtClean="0">
                 <a:latin typeface="Times New Roman" panose="02020603050405020304" pitchFamily="18" charset="0"/>
                 <a:cs typeface="Times New Roman" panose="02020603050405020304" pitchFamily="18" charset="0"/>
               </a:rPr>
               <a:t>repository</a:t>
             </a:r>
             <a:r>
-              <a:rPr lang="it-IT" sz="2400" dirty="0">
-                <a:latin typeface="Times New Roman" panose="02020603050405020304" pitchFamily="18" charset="0"/>
-                <a:cs typeface="Times New Roman" panose="02020603050405020304" pitchFamily="18" charset="0"/>
-              </a:rPr>
-              <a:t> risolvendo bug o aggiungendo funzionalità. Inoltre </a:t>
-            </a:r>
-            <a:r>
-              <a:rPr lang="it-IT" sz="2400" dirty="0" err="1">
-                <a:latin typeface="Times New Roman" panose="02020603050405020304" pitchFamily="18" charset="0"/>
-                <a:cs typeface="Times New Roman" panose="02020603050405020304" pitchFamily="18" charset="0"/>
-              </a:rPr>
-              <a:t>Github</a:t>
-            </a:r>
-            <a:r>
-              <a:rPr lang="it-IT" sz="2400" dirty="0">
-                <a:latin typeface="Times New Roman" panose="02020603050405020304" pitchFamily="18" charset="0"/>
-                <a:cs typeface="Times New Roman" panose="02020603050405020304" pitchFamily="18" charset="0"/>
-              </a:rPr>
-              <a:t> elabora dettagliate pagine che riassumono come gli sviluppatori lavorano sulle varie </a:t>
-            </a:r>
-            <a:r>
-              <a:rPr lang="it-IT" sz="2400" dirty="0" smtClean="0">
-                <a:latin typeface="Times New Roman" panose="02020603050405020304" pitchFamily="18" charset="0"/>
-                <a:cs typeface="Times New Roman" panose="02020603050405020304" pitchFamily="18" charset="0"/>
-              </a:rPr>
-              <a:t>diramazioni, dette </a:t>
-            </a:r>
-            <a:r>
-              <a:rPr lang="it-IT" sz="2400" b="1" dirty="0" err="1" smtClean="0">
-                <a:latin typeface="Times New Roman" panose="02020603050405020304" pitchFamily="18" charset="0"/>
-                <a:cs typeface="Times New Roman" panose="02020603050405020304" pitchFamily="18" charset="0"/>
-              </a:rPr>
-              <a:t>branches</a:t>
-            </a:r>
-            <a:r>
-              <a:rPr lang="it-IT" sz="2400" b="1" dirty="0" smtClean="0">
-                <a:latin typeface="Times New Roman" panose="02020603050405020304" pitchFamily="18" charset="0"/>
-                <a:cs typeface="Times New Roman" panose="02020603050405020304" pitchFamily="18" charset="0"/>
-              </a:rPr>
-              <a:t>,</a:t>
-            </a:r>
-            <a:r>
-              <a:rPr lang="it-IT" sz="2400" dirty="0" smtClean="0">
-                <a:latin typeface="Times New Roman" panose="02020603050405020304" pitchFamily="18" charset="0"/>
-                <a:cs typeface="Times New Roman" panose="02020603050405020304" pitchFamily="18" charset="0"/>
-              </a:rPr>
-              <a:t> </a:t>
-            </a:r>
-            <a:r>
-              <a:rPr lang="it-IT" sz="2400" dirty="0">
-                <a:latin typeface="Times New Roman" panose="02020603050405020304" pitchFamily="18" charset="0"/>
-                <a:cs typeface="Times New Roman" panose="02020603050405020304" pitchFamily="18" charset="0"/>
-              </a:rPr>
-              <a:t>dei </a:t>
-            </a:r>
-            <a:r>
-              <a:rPr lang="it-IT" sz="2400" b="1" dirty="0" err="1" smtClean="0">
-                <a:latin typeface="Times New Roman" panose="02020603050405020304" pitchFamily="18" charset="0"/>
-                <a:cs typeface="Times New Roman" panose="02020603050405020304" pitchFamily="18" charset="0"/>
-              </a:rPr>
-              <a:t>repository</a:t>
-            </a:r>
-            <a:r>
-              <a:rPr lang="it-IT" sz="2400" b="1" dirty="0" smtClean="0">
-                <a:latin typeface="Times New Roman" panose="02020603050405020304" pitchFamily="18" charset="0"/>
-                <a:cs typeface="Times New Roman" panose="02020603050405020304" pitchFamily="18" charset="0"/>
-              </a:rPr>
-              <a:t> </a:t>
-            </a:r>
-            <a:r>
-              <a:rPr lang="it-IT" sz="2400" dirty="0" err="1" smtClean="0">
-                <a:latin typeface="Times New Roman" panose="02020603050405020304" pitchFamily="18" charset="0"/>
-                <a:cs typeface="Times New Roman" panose="02020603050405020304" pitchFamily="18" charset="0"/>
-              </a:rPr>
-              <a:t>versionato</a:t>
-            </a:r>
-            <a:r>
-              <a:rPr lang="it-IT" sz="2400" dirty="0" smtClean="0">
-                <a:latin typeface="Times New Roman" panose="02020603050405020304" pitchFamily="18" charset="0"/>
-                <a:cs typeface="Times New Roman" panose="02020603050405020304" pitchFamily="18" charset="0"/>
-              </a:rPr>
-              <a:t> con </a:t>
-            </a:r>
-            <a:r>
-              <a:rPr lang="it-IT" sz="2400" dirty="0" err="1" smtClean="0">
-                <a:latin typeface="Times New Roman" panose="02020603050405020304" pitchFamily="18" charset="0"/>
-                <a:cs typeface="Times New Roman" panose="02020603050405020304" pitchFamily="18" charset="0"/>
-              </a:rPr>
-              <a:t>Git</a:t>
-            </a:r>
-            <a:r>
-              <a:rPr lang="it-IT" sz="2400" dirty="0" smtClean="0">
-                <a:latin typeface="Times New Roman" panose="02020603050405020304" pitchFamily="18" charset="0"/>
-                <a:cs typeface="Times New Roman" panose="02020603050405020304" pitchFamily="18" charset="0"/>
-              </a:rPr>
-              <a:t>;</a:t>
-            </a:r>
-            <a:endParaRPr lang="it-IT" sz="2400" dirty="0">
-              <a:latin typeface="Times New Roman" panose="02020603050405020304" pitchFamily="18" charset="0"/>
-              <a:cs typeface="Times New Roman" panose="02020603050405020304" pitchFamily="18" charset="0"/>
-            </a:endParaRPr>
-          </a:p>
-          <a:p>
-            <a:pPr marL="285750" indent="-285750" algn="just">
+              <a:rPr lang="it-IT" sz="2100" dirty="0" smtClean="0">
+                <a:latin typeface="Times New Roman" panose="02020603050405020304" pitchFamily="18" charset="0"/>
+                <a:cs typeface="Times New Roman" panose="02020603050405020304" pitchFamily="18" charset="0"/>
+              </a:rPr>
+              <a:t> (in italiano andrebbe tradotto con il sostantivo «ripostiglio») </a:t>
+            </a:r>
+            <a:r>
+              <a:rPr lang="it-IT" sz="2100" dirty="0">
+                <a:latin typeface="Times New Roman" panose="02020603050405020304" pitchFamily="18" charset="0"/>
+                <a:cs typeface="Times New Roman" panose="02020603050405020304" pitchFamily="18" charset="0"/>
+              </a:rPr>
+              <a:t>è l'archivio </a:t>
+            </a:r>
+            <a:r>
+              <a:rPr lang="it-IT" sz="2100" dirty="0" smtClean="0">
+                <a:latin typeface="Times New Roman" panose="02020603050405020304" pitchFamily="18" charset="0"/>
+                <a:cs typeface="Times New Roman" panose="02020603050405020304" pitchFamily="18" charset="0"/>
+              </a:rPr>
+              <a:t>nel quale i </a:t>
+            </a:r>
+            <a:r>
+              <a:rPr lang="it-IT" sz="2100" dirty="0">
+                <a:latin typeface="Times New Roman" panose="02020603050405020304" pitchFamily="18" charset="0"/>
+                <a:cs typeface="Times New Roman" panose="02020603050405020304" pitchFamily="18" charset="0"/>
+              </a:rPr>
+              <a:t>file </a:t>
+            </a:r>
+            <a:r>
+              <a:rPr lang="it-IT" sz="2100" dirty="0" smtClean="0">
+                <a:latin typeface="Times New Roman" panose="02020603050405020304" pitchFamily="18" charset="0"/>
+                <a:cs typeface="Times New Roman" panose="02020603050405020304" pitchFamily="18" charset="0"/>
+              </a:rPr>
+              <a:t>di un progetto di sviluppo codice sono </a:t>
+            </a:r>
+            <a:r>
+              <a:rPr lang="it-IT" sz="2100" dirty="0">
+                <a:latin typeface="Times New Roman" panose="02020603050405020304" pitchFamily="18" charset="0"/>
+                <a:cs typeface="Times New Roman" panose="02020603050405020304" pitchFamily="18" charset="0"/>
+              </a:rPr>
+              <a:t>memorizzati, </a:t>
+            </a:r>
+            <a:r>
+              <a:rPr lang="it-IT" sz="2100" dirty="0" smtClean="0">
+                <a:latin typeface="Times New Roman" panose="02020603050405020304" pitchFamily="18" charset="0"/>
+                <a:cs typeface="Times New Roman" panose="02020603050405020304" pitchFamily="18" charset="0"/>
+              </a:rPr>
+              <a:t>spesso su server in remoto;</a:t>
+            </a:r>
+          </a:p>
+          <a:p>
+            <a:pPr marL="342900" indent="-342900" algn="just">
               <a:buFont typeface="Arial" panose="020B0604020202020204" pitchFamily="34" charset="0"/>
               <a:buChar char="•"/>
             </a:pPr>
             <a:r>
-              <a:rPr lang="it-IT" sz="2400" dirty="0">
-                <a:latin typeface="Times New Roman" panose="02020603050405020304" pitchFamily="18" charset="0"/>
-                <a:cs typeface="Times New Roman" panose="02020603050405020304" pitchFamily="18" charset="0"/>
-              </a:rPr>
-              <a:t>Moltissime aziende che offrono servizi a livello internazionale usano </a:t>
-            </a:r>
-            <a:r>
-              <a:rPr lang="it-IT" sz="2400" dirty="0" err="1">
-                <a:latin typeface="Times New Roman" panose="02020603050405020304" pitchFamily="18" charset="0"/>
-                <a:cs typeface="Times New Roman" panose="02020603050405020304" pitchFamily="18" charset="0"/>
-              </a:rPr>
-              <a:t>GitHub</a:t>
-            </a:r>
-            <a:r>
-              <a:rPr lang="it-IT" sz="2400" dirty="0">
-                <a:latin typeface="Times New Roman" panose="02020603050405020304" pitchFamily="18" charset="0"/>
-                <a:cs typeface="Times New Roman" panose="02020603050405020304" pitchFamily="18" charset="0"/>
-              </a:rPr>
-              <a:t>, le principali sono Google, Apple, Microsoft, NASA, </a:t>
-            </a:r>
-            <a:r>
-              <a:rPr lang="it-IT" sz="2400" dirty="0" err="1">
-                <a:latin typeface="Times New Roman" panose="02020603050405020304" pitchFamily="18" charset="0"/>
-                <a:cs typeface="Times New Roman" panose="02020603050405020304" pitchFamily="18" charset="0"/>
-              </a:rPr>
-              <a:t>Facebook</a:t>
-            </a:r>
-            <a:r>
-              <a:rPr lang="it-IT" sz="2400" dirty="0">
-                <a:latin typeface="Times New Roman" panose="02020603050405020304" pitchFamily="18" charset="0"/>
-                <a:cs typeface="Times New Roman" panose="02020603050405020304" pitchFamily="18" charset="0"/>
-              </a:rPr>
-              <a:t>, </a:t>
-            </a:r>
-            <a:r>
-              <a:rPr lang="it-IT" sz="2400" dirty="0" err="1" smtClean="0">
-                <a:latin typeface="Times New Roman" panose="02020603050405020304" pitchFamily="18" charset="0"/>
-                <a:cs typeface="Times New Roman" panose="02020603050405020304" pitchFamily="18" charset="0"/>
-              </a:rPr>
-              <a:t>Twitter</a:t>
-            </a:r>
-            <a:r>
-              <a:rPr lang="it-IT" sz="2400" dirty="0" smtClean="0">
-                <a:latin typeface="Times New Roman" panose="02020603050405020304" pitchFamily="18" charset="0"/>
-                <a:cs typeface="Times New Roman" panose="02020603050405020304" pitchFamily="18" charset="0"/>
-              </a:rPr>
-              <a:t>, </a:t>
-            </a:r>
-            <a:r>
-              <a:rPr lang="it-IT" sz="2400" dirty="0" err="1" smtClean="0">
-                <a:latin typeface="Times New Roman" panose="02020603050405020304" pitchFamily="18" charset="0"/>
-                <a:cs typeface="Times New Roman" panose="02020603050405020304" pitchFamily="18" charset="0"/>
-              </a:rPr>
-              <a:t>Jetbrains</a:t>
-            </a:r>
-            <a:r>
-              <a:rPr lang="it-IT" sz="2400" dirty="0">
-                <a:latin typeface="Times New Roman" panose="02020603050405020304" pitchFamily="18" charset="0"/>
-                <a:cs typeface="Times New Roman" panose="02020603050405020304" pitchFamily="18" charset="0"/>
-              </a:rPr>
-              <a:t>, </a:t>
-            </a:r>
-            <a:r>
-              <a:rPr lang="it-IT" sz="2400" dirty="0" smtClean="0">
-                <a:latin typeface="Times New Roman" panose="02020603050405020304" pitchFamily="18" charset="0"/>
-                <a:cs typeface="Times New Roman" panose="02020603050405020304" pitchFamily="18" charset="0"/>
-              </a:rPr>
-              <a:t>e </a:t>
-            </a:r>
-            <a:r>
-              <a:rPr lang="it-IT" sz="2400" dirty="0" err="1">
-                <a:latin typeface="Times New Roman" panose="02020603050405020304" pitchFamily="18" charset="0"/>
-                <a:cs typeface="Times New Roman" panose="02020603050405020304" pitchFamily="18" charset="0"/>
-              </a:rPr>
-              <a:t>GitHub</a:t>
-            </a:r>
-            <a:r>
-              <a:rPr lang="it-IT" sz="2400" dirty="0">
-                <a:latin typeface="Times New Roman" panose="02020603050405020304" pitchFamily="18" charset="0"/>
-                <a:cs typeface="Times New Roman" panose="02020603050405020304" pitchFamily="18" charset="0"/>
-              </a:rPr>
-              <a:t> stesso.</a:t>
-            </a:r>
-          </a:p>
-          <a:p>
-            <a:pPr marL="285750" indent="-285750">
+              <a:rPr lang="it-IT" sz="2100" dirty="0">
+                <a:latin typeface="Times New Roman" panose="02020603050405020304" pitchFamily="18" charset="0"/>
+                <a:cs typeface="Times New Roman" panose="02020603050405020304" pitchFamily="18" charset="0"/>
+              </a:rPr>
+              <a:t>Un </a:t>
+            </a:r>
+            <a:r>
+              <a:rPr lang="it-IT" sz="2100" b="1" i="1" dirty="0">
+                <a:latin typeface="Times New Roman" panose="02020603050405020304" pitchFamily="18" charset="0"/>
+                <a:cs typeface="Times New Roman" panose="02020603050405020304" pitchFamily="18" charset="0"/>
+              </a:rPr>
+              <a:t>check-out </a:t>
+            </a:r>
+            <a:r>
+              <a:rPr lang="it-IT" sz="2100" dirty="0">
+                <a:latin typeface="Times New Roman" panose="02020603050405020304" pitchFamily="18" charset="0"/>
+                <a:cs typeface="Times New Roman" panose="02020603050405020304" pitchFamily="18" charset="0"/>
+              </a:rPr>
+              <a:t>effettua una copia dei file di progetto dal </a:t>
+            </a:r>
+            <a:r>
+              <a:rPr lang="it-IT" sz="2100" dirty="0" err="1">
+                <a:latin typeface="Times New Roman" panose="02020603050405020304" pitchFamily="18" charset="0"/>
+                <a:cs typeface="Times New Roman" panose="02020603050405020304" pitchFamily="18" charset="0"/>
+              </a:rPr>
+              <a:t>repository</a:t>
+            </a:r>
+            <a:r>
+              <a:rPr lang="it-IT" sz="2100" dirty="0">
+                <a:latin typeface="Times New Roman" panose="02020603050405020304" pitchFamily="18" charset="0"/>
+                <a:cs typeface="Times New Roman" panose="02020603050405020304" pitchFamily="18" charset="0"/>
+              </a:rPr>
+              <a:t> (può essere visto come l'operazione inversa dell'importazione) alla propria directory locale. Il check-out è il prelievo del file nonché lo stato corrispondente</a:t>
+            </a:r>
+            <a:r>
+              <a:rPr lang="it-IT" sz="2100" dirty="0" smtClean="0">
+                <a:latin typeface="Times New Roman" panose="02020603050405020304" pitchFamily="18" charset="0"/>
+                <a:cs typeface="Times New Roman" panose="02020603050405020304" pitchFamily="18" charset="0"/>
+              </a:rPr>
+              <a:t>;</a:t>
+            </a:r>
+          </a:p>
+          <a:p>
+            <a:pPr marL="342900" indent="-342900" algn="just">
               <a:buFont typeface="Arial" panose="020B0604020202020204" pitchFamily="34" charset="0"/>
               <a:buChar char="•"/>
             </a:pPr>
-            <a:endParaRPr lang="it-IT" sz="2400" dirty="0">
-              <a:latin typeface="Times New Roman" panose="02020603050405020304" pitchFamily="18" charset="0"/>
-              <a:cs typeface="Times New Roman" panose="02020603050405020304" pitchFamily="18" charset="0"/>
-            </a:endParaRPr>
+            <a:r>
+              <a:rPr lang="it-IT" sz="2100" dirty="0" smtClean="0">
+                <a:latin typeface="Times New Roman" panose="02020603050405020304" pitchFamily="18" charset="0"/>
+                <a:cs typeface="Times New Roman" panose="02020603050405020304" pitchFamily="18" charset="0"/>
+              </a:rPr>
+              <a:t>Un </a:t>
+            </a:r>
+            <a:r>
+              <a:rPr lang="it-IT" sz="2100" b="1" i="1" dirty="0">
+                <a:latin typeface="Times New Roman" panose="02020603050405020304" pitchFamily="18" charset="0"/>
+                <a:cs typeface="Times New Roman" panose="02020603050405020304" pitchFamily="18" charset="0"/>
+              </a:rPr>
+              <a:t>check-in</a:t>
+            </a:r>
+            <a:r>
+              <a:rPr lang="it-IT" sz="2100" dirty="0">
+                <a:latin typeface="Times New Roman" panose="02020603050405020304" pitchFamily="18" charset="0"/>
+                <a:cs typeface="Times New Roman" panose="02020603050405020304" pitchFamily="18" charset="0"/>
+              </a:rPr>
+              <a:t> </a:t>
+            </a:r>
+            <a:r>
+              <a:rPr lang="it-IT" sz="2100" dirty="0" smtClean="0">
+                <a:latin typeface="Times New Roman" panose="02020603050405020304" pitchFamily="18" charset="0"/>
+                <a:cs typeface="Times New Roman" panose="02020603050405020304" pitchFamily="18" charset="0"/>
+              </a:rPr>
+              <a:t>si </a:t>
+            </a:r>
+            <a:r>
+              <a:rPr lang="it-IT" sz="2100" dirty="0">
+                <a:latin typeface="Times New Roman" panose="02020603050405020304" pitchFamily="18" charset="0"/>
+                <a:cs typeface="Times New Roman" panose="02020603050405020304" pitchFamily="18" charset="0"/>
+              </a:rPr>
+              <a:t>effettua quando si copiano le modifiche </a:t>
+            </a:r>
+            <a:r>
+              <a:rPr lang="it-IT" sz="2100" dirty="0" smtClean="0">
+                <a:latin typeface="Times New Roman" panose="02020603050405020304" pitchFamily="18" charset="0"/>
+                <a:cs typeface="Times New Roman" panose="02020603050405020304" pitchFamily="18" charset="0"/>
+              </a:rPr>
+              <a:t>eseguite sui </a:t>
+            </a:r>
+            <a:r>
+              <a:rPr lang="it-IT" sz="2100" dirty="0">
+                <a:latin typeface="Times New Roman" panose="02020603050405020304" pitchFamily="18" charset="0"/>
+                <a:cs typeface="Times New Roman" panose="02020603050405020304" pitchFamily="18" charset="0"/>
+              </a:rPr>
+              <a:t>file </a:t>
+            </a:r>
+            <a:r>
+              <a:rPr lang="it-IT" sz="2100" dirty="0" smtClean="0">
+                <a:latin typeface="Times New Roman" panose="02020603050405020304" pitchFamily="18" charset="0"/>
+                <a:cs typeface="Times New Roman" panose="02020603050405020304" pitchFamily="18" charset="0"/>
+              </a:rPr>
+              <a:t>in locale nel server remoto del </a:t>
+            </a:r>
+            <a:r>
+              <a:rPr lang="it-IT" sz="2100" dirty="0" err="1" smtClean="0">
+                <a:latin typeface="Times New Roman" panose="02020603050405020304" pitchFamily="18" charset="0"/>
+                <a:cs typeface="Times New Roman" panose="02020603050405020304" pitchFamily="18" charset="0"/>
+              </a:rPr>
+              <a:t>repository</a:t>
+            </a:r>
+            <a:r>
+              <a:rPr lang="it-IT" sz="2100" dirty="0" smtClean="0">
+                <a:latin typeface="Times New Roman" panose="02020603050405020304" pitchFamily="18" charset="0"/>
+                <a:cs typeface="Times New Roman" panose="02020603050405020304" pitchFamily="18" charset="0"/>
+              </a:rPr>
+              <a:t> </a:t>
+            </a:r>
+            <a:r>
+              <a:rPr lang="it-IT" sz="2100" dirty="0">
+                <a:latin typeface="Times New Roman" panose="02020603050405020304" pitchFamily="18" charset="0"/>
+                <a:cs typeface="Times New Roman" panose="02020603050405020304" pitchFamily="18" charset="0"/>
+              </a:rPr>
+              <a:t>(il software di controllo versione controlla quali file sono stati modificati dall'ultima sincronizzazione). Il check-in è l'inserimento del file nonché lo stato </a:t>
+            </a:r>
+            <a:r>
+              <a:rPr lang="it-IT" sz="2100" dirty="0" smtClean="0">
+                <a:latin typeface="Times New Roman" panose="02020603050405020304" pitchFamily="18" charset="0"/>
+                <a:cs typeface="Times New Roman" panose="02020603050405020304" pitchFamily="18" charset="0"/>
+              </a:rPr>
+              <a:t>corrispondente;</a:t>
+            </a:r>
+          </a:p>
+          <a:p>
+            <a:pPr marL="342900" indent="-342900" algn="just">
+              <a:buFont typeface="Arial" panose="020B0604020202020204" pitchFamily="34" charset="0"/>
+              <a:buChar char="•"/>
+            </a:pPr>
+            <a:r>
+              <a:rPr lang="it-IT" sz="2100" dirty="0" smtClean="0">
+                <a:latin typeface="Times New Roman" panose="02020603050405020304" pitchFamily="18" charset="0"/>
+                <a:cs typeface="Times New Roman" panose="02020603050405020304" pitchFamily="18" charset="0"/>
+              </a:rPr>
+              <a:t>Un </a:t>
+            </a:r>
+            <a:r>
+              <a:rPr lang="it-IT" sz="2100" b="1" i="1" dirty="0">
+                <a:latin typeface="Times New Roman" panose="02020603050405020304" pitchFamily="18" charset="0"/>
+                <a:cs typeface="Times New Roman" panose="02020603050405020304" pitchFamily="18" charset="0"/>
+              </a:rPr>
+              <a:t>conflitto</a:t>
+            </a:r>
+            <a:r>
+              <a:rPr lang="it-IT" sz="2100" dirty="0">
+                <a:latin typeface="Times New Roman" panose="02020603050405020304" pitchFamily="18" charset="0"/>
+                <a:cs typeface="Times New Roman" panose="02020603050405020304" pitchFamily="18" charset="0"/>
+              </a:rPr>
+              <a:t> si presenta quando diversi soggetti </a:t>
+            </a:r>
+            <a:r>
+              <a:rPr lang="it-IT" sz="2100" dirty="0" smtClean="0">
+                <a:latin typeface="Times New Roman" panose="02020603050405020304" pitchFamily="18" charset="0"/>
+                <a:cs typeface="Times New Roman" panose="02020603050405020304" pitchFamily="18" charset="0"/>
+              </a:rPr>
+              <a:t>apportano </a:t>
+            </a:r>
+            <a:r>
+              <a:rPr lang="it-IT" sz="2100" dirty="0">
+                <a:latin typeface="Times New Roman" panose="02020603050405020304" pitchFamily="18" charset="0"/>
+                <a:cs typeface="Times New Roman" panose="02020603050405020304" pitchFamily="18" charset="0"/>
+              </a:rPr>
+              <a:t>modifiche in contemporanea allo stesso </a:t>
+            </a:r>
+            <a:r>
+              <a:rPr lang="it-IT" sz="2100" dirty="0" smtClean="0">
+                <a:latin typeface="Times New Roman" panose="02020603050405020304" pitchFamily="18" charset="0"/>
+                <a:cs typeface="Times New Roman" panose="02020603050405020304" pitchFamily="18" charset="0"/>
+              </a:rPr>
+              <a:t>file non avendo </a:t>
+            </a:r>
+            <a:r>
+              <a:rPr lang="it-IT" sz="2100" dirty="0" smtClean="0">
+                <a:latin typeface="Times New Roman" panose="02020603050405020304" pitchFamily="18" charset="0"/>
+                <a:cs typeface="Times New Roman" panose="02020603050405020304" pitchFamily="18" charset="0"/>
+              </a:rPr>
+              <a:t>visibilità </a:t>
+            </a:r>
+            <a:r>
+              <a:rPr lang="it-IT" sz="2100" dirty="0">
+                <a:latin typeface="Times New Roman" panose="02020603050405020304" pitchFamily="18" charset="0"/>
+                <a:cs typeface="Times New Roman" panose="02020603050405020304" pitchFamily="18" charset="0"/>
+              </a:rPr>
+              <a:t>l'uno le modifiche che sta apportando l'altro e che potrebbero sovrapporsi. Non essendo il software abbastanza intelligente da decidere quale tra le modifiche è </a:t>
+            </a:r>
+            <a:r>
+              <a:rPr lang="it-IT" sz="2100" dirty="0" smtClean="0">
+                <a:latin typeface="Times New Roman" panose="02020603050405020304" pitchFamily="18" charset="0"/>
+                <a:cs typeface="Times New Roman" panose="02020603050405020304" pitchFamily="18" charset="0"/>
+              </a:rPr>
+              <a:t>quella «corretta», </a:t>
+            </a:r>
+            <a:r>
+              <a:rPr lang="it-IT" sz="2100" dirty="0">
+                <a:latin typeface="Times New Roman" panose="02020603050405020304" pitchFamily="18" charset="0"/>
+                <a:cs typeface="Times New Roman" panose="02020603050405020304" pitchFamily="18" charset="0"/>
+              </a:rPr>
+              <a:t>si richiede ad un utente di risolvere il conflitto.</a:t>
+            </a:r>
           </a:p>
         </p:txBody>
       </p:sp>
     </p:spTree>
     <p:extLst>
       <p:ext uri="{BB962C8B-B14F-4D97-AF65-F5344CB8AC3E}">
-        <p14:creationId xmlns:p14="http://schemas.microsoft.com/office/powerpoint/2010/main" val="4013908337"/>
+        <p14:creationId xmlns:p14="http://schemas.microsoft.com/office/powerpoint/2010/main" val="156768873"/>
       </p:ext>
     </p:extLst>
   </p:cSld>
@@ -6166,16 +5804,6 @@
               </a:tabLst>
             </a:pPr>
             <a:r>
-              <a:rPr lang="it-IT" altLang="it-IT" sz="3600" b="1" kern="0" dirty="0">
-                <a:solidFill>
-                  <a:prstClr val="white"/>
-                </a:solidFill>
-                <a:latin typeface="Times New Roman" panose="02020603050405020304" pitchFamily="18" charset="0"/>
-                <a:cs typeface="Times New Roman" panose="02020603050405020304" pitchFamily="18" charset="0"/>
-              </a:rPr>
-              <a:t> </a:t>
-            </a:r>
-            <a:r>
               <a:rPr lang="it-IT" altLang="it-IT" sz="3600" b="1" kern="0" dirty="0" smtClean="0">
                 <a:solidFill>
                   <a:prstClr val="white"/>
@@ -6183,7 +5811,17 @@
                 <a:latin typeface="Times New Roman" panose="02020603050405020304" pitchFamily="18" charset="0"/>
                 <a:cs typeface="Times New Roman" panose="02020603050405020304" pitchFamily="18" charset="0"/>
               </a:rPr>
-              <a:t>     </a:t>
+              <a:t>      Cos’è </a:t>
+            </a:r>
+            <a:r>
+              <a:rPr lang="it-IT" altLang="it-IT" sz="3600" b="1" kern="0" dirty="0" err="1" smtClean="0">
+                <a:solidFill>
+                  <a:prstClr val="white"/>
+                </a:solidFill>
+                <a:latin typeface="Times New Roman" panose="02020603050405020304" pitchFamily="18" charset="0"/>
+                <a:cs typeface="Times New Roman" panose="02020603050405020304" pitchFamily="18" charset="0"/>
+              </a:rPr>
+              <a:t>GitHub</a:t>
             </a:r>
             <a:r>
               <a:rPr lang="it-IT" altLang="it-IT" sz="3600" b="1" kern="0" dirty="0" smtClean="0">
@@ -6193,25 +5831,8 @@
                 <a:latin typeface="Times New Roman" panose="02020603050405020304" pitchFamily="18" charset="0"/>
                 <a:cs typeface="Times New Roman" panose="02020603050405020304" pitchFamily="18" charset="0"/>
               </a:rPr>
-              <a:t>Creare un account su </a:t>
-            </a:r>
-            <a:r>
-              <a:rPr lang="it-IT" altLang="it-IT" sz="3600" b="1" kern="0" dirty="0" err="1" smtClean="0">
-                <a:solidFill>
-                  <a:prstClr val="white"/>
-                </a:solidFill>
-                <a:latin typeface="Times New Roman" panose="02020603050405020304" pitchFamily="18" charset="0"/>
-                <a:cs typeface="Times New Roman" panose="02020603050405020304" pitchFamily="18" charset="0"/>
-              </a:rPr>
-              <a:t>GitHub</a:t>
-            </a:r>
-            <a:endParaRPr lang="it-IT" altLang="it-IT" sz="3600" b="1" kern="0" dirty="0" smtClean="0">
-              <a:solidFill>
-                <a:prstClr val="white"/>
-              </a:solidFill>
-              <a:latin typeface="Times New Roman" panose="02020603050405020304" pitchFamily="18" charset="0"/>
-              <a:cs typeface="Times New Roman" panose="02020603050405020304" pitchFamily="18" charset="0"/>
-            </a:endParaRPr>
+              <a:t>?</a:t>
+            </a:r>
           </a:p>
         </p:txBody>
       </p:sp>
@@ -6238,93 +5859,321 @@
           </a:p>
         </p:txBody>
       </p:sp>
-      <p:pic>
-        <p:nvPicPr>
-          <p:cNvPr id="3" name="Picture 2"/>
-          <p:cNvPicPr>
-            <a:picLocks noChangeAspect="1"/>
-          </p:cNvPicPr>
+      <p:sp>
+        <p:nvSpPr>
+          <p:cNvPr id="5" name="Rectangle 4"/>
+          <p:cNvSpPr/>
           <p:nvPr/>
-        </p:nvPicPr>
-        <p:blipFill>
-          <a:blip r:embed="rId2"/>
-          <a:stretch>
-            <a:fillRect/>
-          </a:stretch>
-        </p:blipFill>
+        </p:nvSpPr>
         <p:spPr>
           <a:xfrm>
-            <a:off x="2524666" y="3286708"/>
-            <a:ext cx="7123418" cy="3033546"/>
+            <a:off x="977554" y="2214125"/>
+            <a:ext cx="10217642" cy="4154984"/>
           </a:xfrm>
           <a:prstGeom prst="rect">
             <a:avLst/>
           </a:prstGeom>
         </p:spPr>
-      </p:pic>
-      <p:sp>
-        <p:nvSpPr>
-          <p:cNvPr id="5" name="Rectangle 4"/>
-          <p:cNvSpPr/>
-          <p:nvPr/>
-        </p:nvSpPr>
-        <p:spPr>
-          <a:xfrm>
-            <a:off x="977554" y="2214125"/>
-            <a:ext cx="10217642" cy="830997"/>
-          </a:xfrm>
-          <a:prstGeom prst="rect">
-            <a:avLst/>
-          </a:prstGeom>
-        </p:spPr>
         <p:txBody>
           <a:bodyPr wrap="square">
             <a:spAutoFit/>
           </a:bodyPr>
           <a:lstStyle/>
           <a:p>
+            <a:pPr marL="285750" indent="-285750" algn="just">
+              <a:buFont typeface="Arial" panose="020B0604020202020204" pitchFamily="34" charset="0"/>
+              <a:buChar char="•"/>
+            </a:pPr>
+            <a:r>
+              <a:rPr lang="it-IT" sz="2400" dirty="0">
+                <a:latin typeface="Times New Roman" panose="02020603050405020304" pitchFamily="18" charset="0"/>
+                <a:cs typeface="Times New Roman" panose="02020603050405020304" pitchFamily="18" charset="0"/>
+              </a:rPr>
+              <a:t>Il sito </a:t>
+            </a:r>
+            <a:r>
+              <a:rPr lang="it-IT" sz="2400" b="1" dirty="0" err="1" smtClean="0">
+                <a:latin typeface="Times New Roman" panose="02020603050405020304" pitchFamily="18" charset="0"/>
+                <a:cs typeface="Times New Roman" panose="02020603050405020304" pitchFamily="18" charset="0"/>
+              </a:rPr>
+              <a:t>GitHub</a:t>
+            </a:r>
+            <a:r>
+              <a:rPr lang="it-IT" sz="2400" dirty="0" smtClean="0">
+                <a:latin typeface="Times New Roman" panose="02020603050405020304" pitchFamily="18" charset="0"/>
+                <a:cs typeface="Times New Roman" panose="02020603050405020304" pitchFamily="18" charset="0"/>
+              </a:rPr>
+              <a:t> è utilizzabile </a:t>
+            </a:r>
+            <a:r>
+              <a:rPr lang="it-IT" sz="2400" dirty="0">
+                <a:latin typeface="Times New Roman" panose="02020603050405020304" pitchFamily="18" charset="0"/>
+                <a:cs typeface="Times New Roman" panose="02020603050405020304" pitchFamily="18" charset="0"/>
+              </a:rPr>
+              <a:t>dagli sviluppatori, che caricano il codice sorgente dei loro programmi e lo rendono scaricabile dagli utenti. Questi ultimi possono interagire con lo sviluppatore tramite un sistema di </a:t>
+            </a:r>
+            <a:r>
+              <a:rPr lang="it-IT" sz="2400" i="1" dirty="0" err="1">
+                <a:latin typeface="Times New Roman" panose="02020603050405020304" pitchFamily="18" charset="0"/>
+                <a:cs typeface="Times New Roman" panose="02020603050405020304" pitchFamily="18" charset="0"/>
+              </a:rPr>
+              <a:t>issue</a:t>
+            </a:r>
+            <a:r>
+              <a:rPr lang="it-IT" sz="2400" i="1" dirty="0">
+                <a:latin typeface="Times New Roman" panose="02020603050405020304" pitchFamily="18" charset="0"/>
+                <a:cs typeface="Times New Roman" panose="02020603050405020304" pitchFamily="18" charset="0"/>
+              </a:rPr>
+              <a:t> </a:t>
+            </a:r>
+            <a:r>
+              <a:rPr lang="it-IT" sz="2400" i="1" dirty="0" err="1">
+                <a:latin typeface="Times New Roman" panose="02020603050405020304" pitchFamily="18" charset="0"/>
+                <a:cs typeface="Times New Roman" panose="02020603050405020304" pitchFamily="18" charset="0"/>
+              </a:rPr>
+              <a:t>tracking</a:t>
+            </a:r>
+            <a:r>
+              <a:rPr lang="it-IT" sz="2400" dirty="0">
+                <a:latin typeface="Times New Roman" panose="02020603050405020304" pitchFamily="18" charset="0"/>
+                <a:cs typeface="Times New Roman" panose="02020603050405020304" pitchFamily="18" charset="0"/>
+              </a:rPr>
+              <a:t>, </a:t>
+            </a:r>
+            <a:r>
+              <a:rPr lang="it-IT" sz="2400" i="1" dirty="0">
+                <a:latin typeface="Times New Roman" panose="02020603050405020304" pitchFamily="18" charset="0"/>
+                <a:cs typeface="Times New Roman" panose="02020603050405020304" pitchFamily="18" charset="0"/>
+              </a:rPr>
+              <a:t>pull </a:t>
+            </a:r>
+            <a:r>
+              <a:rPr lang="it-IT" sz="2400" i="1" dirty="0" err="1">
+                <a:latin typeface="Times New Roman" panose="02020603050405020304" pitchFamily="18" charset="0"/>
+                <a:cs typeface="Times New Roman" panose="02020603050405020304" pitchFamily="18" charset="0"/>
+              </a:rPr>
+              <a:t>request</a:t>
+            </a:r>
+            <a:r>
+              <a:rPr lang="it-IT" sz="2400" i="1" dirty="0">
+                <a:latin typeface="Times New Roman" panose="02020603050405020304" pitchFamily="18" charset="0"/>
+                <a:cs typeface="Times New Roman" panose="02020603050405020304" pitchFamily="18" charset="0"/>
+              </a:rPr>
+              <a:t> </a:t>
+            </a:r>
+            <a:r>
+              <a:rPr lang="it-IT" sz="2400" dirty="0">
+                <a:latin typeface="Times New Roman" panose="02020603050405020304" pitchFamily="18" charset="0"/>
+                <a:cs typeface="Times New Roman" panose="02020603050405020304" pitchFamily="18" charset="0"/>
+              </a:rPr>
+              <a:t>e commenti che permette di migliorare il codice del </a:t>
+            </a:r>
+            <a:r>
+              <a:rPr lang="it-IT" sz="2400" dirty="0" err="1">
+                <a:latin typeface="Times New Roman" panose="02020603050405020304" pitchFamily="18" charset="0"/>
+                <a:cs typeface="Times New Roman" panose="02020603050405020304" pitchFamily="18" charset="0"/>
+              </a:rPr>
+              <a:t>repository</a:t>
+            </a:r>
+            <a:r>
+              <a:rPr lang="it-IT" sz="2400" dirty="0">
+                <a:latin typeface="Times New Roman" panose="02020603050405020304" pitchFamily="18" charset="0"/>
+                <a:cs typeface="Times New Roman" panose="02020603050405020304" pitchFamily="18" charset="0"/>
+              </a:rPr>
+              <a:t> risolvendo bug o aggiungendo funzionalità. Inoltre </a:t>
+            </a:r>
+            <a:r>
+              <a:rPr lang="it-IT" sz="2400" dirty="0" err="1">
+                <a:latin typeface="Times New Roman" panose="02020603050405020304" pitchFamily="18" charset="0"/>
+                <a:cs typeface="Times New Roman" panose="02020603050405020304" pitchFamily="18" charset="0"/>
+              </a:rPr>
+              <a:t>Github</a:t>
+            </a:r>
+            <a:r>
+              <a:rPr lang="it-IT" sz="2400" dirty="0">
+                <a:latin typeface="Times New Roman" panose="02020603050405020304" pitchFamily="18" charset="0"/>
+                <a:cs typeface="Times New Roman" panose="02020603050405020304" pitchFamily="18" charset="0"/>
+              </a:rPr>
+              <a:t> elabora dettagliate pagine che riassumono come gli sviluppatori lavorano sulle varie </a:t>
+            </a:r>
+            <a:r>
+              <a:rPr lang="it-IT" sz="2400" dirty="0" smtClean="0">
+                <a:latin typeface="Times New Roman" panose="02020603050405020304" pitchFamily="18" charset="0"/>
+                <a:cs typeface="Times New Roman" panose="02020603050405020304" pitchFamily="18" charset="0"/>
+              </a:rPr>
+              <a:t>diramazioni, dette </a:t>
+            </a:r>
+            <a:r>
+              <a:rPr lang="it-IT" sz="2400" b="1" dirty="0" err="1" smtClean="0">
+                <a:latin typeface="Times New Roman" panose="02020603050405020304" pitchFamily="18" charset="0"/>
+                <a:cs typeface="Times New Roman" panose="02020603050405020304" pitchFamily="18" charset="0"/>
+              </a:rPr>
+              <a:t>branches</a:t>
+            </a:r>
+            <a:r>
+              <a:rPr lang="it-IT" sz="2400" b="1" dirty="0" smtClean="0">
+                <a:latin typeface="Times New Roman" panose="02020603050405020304" pitchFamily="18" charset="0"/>
+                <a:cs typeface="Times New Roman" panose="02020603050405020304" pitchFamily="18" charset="0"/>
+              </a:rPr>
+              <a:t>,</a:t>
+            </a:r>
+            <a:r>
+              <a:rPr lang="it-IT" sz="2400" dirty="0" smtClean="0">
+                <a:latin typeface="Times New Roman" panose="02020603050405020304" pitchFamily="18" charset="0"/>
+                <a:cs typeface="Times New Roman" panose="02020603050405020304" pitchFamily="18" charset="0"/>
+              </a:rPr>
+              <a:t> </a:t>
+            </a:r>
+            <a:r>
+              <a:rPr lang="it-IT" sz="2400" dirty="0">
+                <a:latin typeface="Times New Roman" panose="02020603050405020304" pitchFamily="18" charset="0"/>
+                <a:cs typeface="Times New Roman" panose="02020603050405020304" pitchFamily="18" charset="0"/>
+              </a:rPr>
+              <a:t>dei </a:t>
+            </a:r>
+            <a:r>
+              <a:rPr lang="it-IT" sz="2400" b="1" dirty="0" err="1" smtClean="0">
+                <a:latin typeface="Times New Roman" panose="02020603050405020304" pitchFamily="18" charset="0"/>
+                <a:cs typeface="Times New Roman" panose="02020603050405020304" pitchFamily="18" charset="0"/>
+              </a:rPr>
+              <a:t>repository</a:t>
+            </a:r>
+            <a:r>
+              <a:rPr lang="it-IT" sz="2400" b="1" dirty="0" smtClean="0">
+                <a:latin typeface="Times New Roman" panose="02020603050405020304" pitchFamily="18" charset="0"/>
+                <a:cs typeface="Times New Roman" panose="02020603050405020304" pitchFamily="18" charset="0"/>
+              </a:rPr>
+              <a:t> </a:t>
+            </a:r>
+            <a:r>
+              <a:rPr lang="it-IT" sz="2400" dirty="0" err="1" smtClean="0">
+                <a:latin typeface="Times New Roman" panose="02020603050405020304" pitchFamily="18" charset="0"/>
+                <a:cs typeface="Times New Roman" panose="02020603050405020304" pitchFamily="18" charset="0"/>
+              </a:rPr>
+              <a:t>versionato</a:t>
+            </a:r>
+            <a:r>
+              <a:rPr lang="it-IT" sz="2400" dirty="0" smtClean="0">
+                <a:latin typeface="Times New Roman" panose="02020603050405020304" pitchFamily="18" charset="0"/>
+                <a:cs typeface="Times New Roman" panose="02020603050405020304" pitchFamily="18" charset="0"/>
+              </a:rPr>
+              <a:t> con </a:t>
+            </a:r>
+            <a:r>
+              <a:rPr lang="it-IT" sz="2400" dirty="0" err="1" smtClean="0">
+                <a:latin typeface="Times New Roman" panose="02020603050405020304" pitchFamily="18" charset="0"/>
+                <a:cs typeface="Times New Roman" panose="02020603050405020304" pitchFamily="18" charset="0"/>
+              </a:rPr>
+              <a:t>Git</a:t>
+            </a:r>
+            <a:r>
+              <a:rPr lang="it-IT" sz="2400" dirty="0" smtClean="0">
+                <a:latin typeface="Times New Roman" panose="02020603050405020304" pitchFamily="18" charset="0"/>
+                <a:cs typeface="Times New Roman" panose="02020603050405020304" pitchFamily="18" charset="0"/>
+              </a:rPr>
+              <a:t>;</a:t>
+            </a:r>
+            <a:endParaRPr lang="it-IT" sz="2400" dirty="0">
+              <a:latin typeface="Times New Roman" panose="02020603050405020304" pitchFamily="18" charset="0"/>
+              <a:cs typeface="Times New Roman" panose="02020603050405020304" pitchFamily="18" charset="0"/>
+            </a:endParaRPr>
+          </a:p>
+          <a:p>
+            <a:pPr marL="285750" indent="-285750" algn="just">
+              <a:buFont typeface="Arial" panose="020B0604020202020204" pitchFamily="34" charset="0"/>
+              <a:buChar char="•"/>
+            </a:pPr>
+            <a:r>
+              <a:rPr lang="it-IT" sz="2400" dirty="0">
+                <a:latin typeface="Times New Roman" panose="02020603050405020304" pitchFamily="18" charset="0"/>
+                <a:cs typeface="Times New Roman" panose="02020603050405020304" pitchFamily="18" charset="0"/>
+              </a:rPr>
+              <a:t>Moltissime aziende che offrono servizi a livello internazionale usano </a:t>
+            </a:r>
+            <a:r>
+              <a:rPr lang="it-IT" sz="2400" dirty="0" err="1">
+                <a:latin typeface="Times New Roman" panose="02020603050405020304" pitchFamily="18" charset="0"/>
+                <a:cs typeface="Times New Roman" panose="02020603050405020304" pitchFamily="18" charset="0"/>
+              </a:rPr>
+              <a:t>GitHub</a:t>
+            </a:r>
+            <a:r>
+              <a:rPr lang="it-IT" sz="2400" dirty="0">
+                <a:latin typeface="Times New Roman" panose="02020603050405020304" pitchFamily="18" charset="0"/>
+                <a:cs typeface="Times New Roman" panose="02020603050405020304" pitchFamily="18" charset="0"/>
+              </a:rPr>
+              <a:t>, le principali sono Google, Apple, Microsoft, NASA, </a:t>
+            </a:r>
+            <a:r>
+              <a:rPr lang="it-IT" sz="2400" dirty="0" err="1">
+                <a:latin typeface="Times New Roman" panose="02020603050405020304" pitchFamily="18" charset="0"/>
+                <a:cs typeface="Times New Roman" panose="02020603050405020304" pitchFamily="18" charset="0"/>
+              </a:rPr>
+              <a:t>Facebook</a:t>
+            </a:r>
+            <a:r>
+              <a:rPr lang="it-IT" sz="2400" dirty="0">
+                <a:latin typeface="Times New Roman" panose="02020603050405020304" pitchFamily="18" charset="0"/>
+                <a:cs typeface="Times New Roman" panose="02020603050405020304" pitchFamily="18" charset="0"/>
+              </a:rPr>
+              <a:t>, </a:t>
+            </a:r>
+            <a:r>
+              <a:rPr lang="it-IT" sz="2400" dirty="0" err="1" smtClean="0">
+                <a:latin typeface="Times New Roman" panose="02020603050405020304" pitchFamily="18" charset="0"/>
+                <a:cs typeface="Times New Roman" panose="02020603050405020304" pitchFamily="18" charset="0"/>
+              </a:rPr>
+              <a:t>Twitter</a:t>
+            </a:r>
+            <a:r>
+              <a:rPr lang="it-IT" sz="2400" dirty="0" smtClean="0">
+                <a:latin typeface="Times New Roman" panose="02020603050405020304" pitchFamily="18" charset="0"/>
+                <a:cs typeface="Times New Roman" panose="02020603050405020304" pitchFamily="18" charset="0"/>
+              </a:rPr>
+              <a:t>, </a:t>
+            </a:r>
+            <a:r>
+              <a:rPr lang="it-IT" sz="2400" dirty="0" err="1" smtClean="0">
+                <a:latin typeface="Times New Roman" panose="02020603050405020304" pitchFamily="18" charset="0"/>
+                <a:cs typeface="Times New Roman" panose="02020603050405020304" pitchFamily="18" charset="0"/>
+              </a:rPr>
+              <a:t>Jetbrains</a:t>
+            </a:r>
+            <a:r>
+              <a:rPr lang="it-IT" sz="2400" dirty="0">
+                <a:latin typeface="Times New Roman" panose="02020603050405020304" pitchFamily="18" charset="0"/>
+                <a:cs typeface="Times New Roman" panose="02020603050405020304" pitchFamily="18" charset="0"/>
+              </a:rPr>
+              <a:t>, </a:t>
+            </a:r>
+            <a:r>
+              <a:rPr lang="it-IT" sz="2400" dirty="0" smtClean="0">
+                <a:latin typeface="Times New Roman" panose="02020603050405020304" pitchFamily="18" charset="0"/>
+                <a:cs typeface="Times New Roman" panose="02020603050405020304" pitchFamily="18" charset="0"/>
+              </a:rPr>
+              <a:t>e </a:t>
+            </a:r>
+            <a:r>
+              <a:rPr lang="it-IT" sz="2400" dirty="0" err="1">
+                <a:latin typeface="Times New Roman" panose="02020603050405020304" pitchFamily="18" charset="0"/>
+                <a:cs typeface="Times New Roman" panose="02020603050405020304" pitchFamily="18" charset="0"/>
+              </a:rPr>
+              <a:t>GitHub</a:t>
+            </a:r>
+            <a:r>
+              <a:rPr lang="it-IT" sz="2400" dirty="0">
+                <a:latin typeface="Times New Roman" panose="02020603050405020304" pitchFamily="18" charset="0"/>
+                <a:cs typeface="Times New Roman" panose="02020603050405020304" pitchFamily="18" charset="0"/>
+              </a:rPr>
+              <a:t> stesso.</a:t>
+            </a:r>
+          </a:p>
+          <a:p>
             <a:pPr marL="285750" indent="-285750">
               <a:buFont typeface="Arial" panose="020B0604020202020204" pitchFamily="34" charset="0"/>
               <a:buChar char="•"/>
             </a:pPr>
-            <a:r>
-              <a:rPr lang="it-IT" sz="2400" dirty="0">
-                <a:latin typeface="Times New Roman" panose="02020603050405020304" pitchFamily="18" charset="0"/>
-                <a:cs typeface="Times New Roman" panose="02020603050405020304" pitchFamily="18" charset="0"/>
-              </a:rPr>
-              <a:t>Recarsi all’ URL </a:t>
-            </a:r>
-            <a:r>
-              <a:rPr lang="en-US" sz="2400" dirty="0">
-                <a:latin typeface="Times New Roman" panose="02020603050405020304" pitchFamily="18" charset="0"/>
-                <a:cs typeface="Times New Roman" panose="02020603050405020304" pitchFamily="18" charset="0"/>
-                <a:hlinkClick r:id="rId3"/>
-              </a:rPr>
-              <a:t>https</a:t>
-            </a:r>
-            <a:r>
-              <a:rPr lang="en-US" sz="2400" dirty="0" smtClean="0">
-                <a:latin typeface="Times New Roman" panose="02020603050405020304" pitchFamily="18" charset="0"/>
-                <a:cs typeface="Times New Roman" panose="02020603050405020304" pitchFamily="18" charset="0"/>
-                <a:hlinkClick r:id="rId3"/>
-              </a:rPr>
-              <a:t>://github.com/</a:t>
-            </a:r>
-            <a:r>
-              <a:rPr lang="en-US" sz="2400" dirty="0" smtClean="0">
-                <a:latin typeface="Times New Roman" panose="02020603050405020304" pitchFamily="18" charset="0"/>
-                <a:cs typeface="Times New Roman" panose="02020603050405020304" pitchFamily="18" charset="0"/>
-              </a:rPr>
-              <a:t> </a:t>
-            </a:r>
-            <a:r>
-              <a:rPr lang="it-IT" sz="2400" dirty="0" smtClean="0">
-                <a:latin typeface="Times New Roman" panose="02020603050405020304" pitchFamily="18" charset="0"/>
-                <a:cs typeface="Times New Roman" panose="02020603050405020304" pitchFamily="18" charset="0"/>
-              </a:rPr>
-              <a:t>e creare il proprio account seguendo le istruzioni a video.</a:t>
-            </a:r>
-            <a:endParaRPr lang="en-US" sz="2400" dirty="0">
+            <a:endParaRPr lang="it-IT" sz="2400" dirty="0">
               <a:latin typeface="Times New Roman" panose="02020603050405020304" pitchFamily="18" charset="0"/>
               <a:cs typeface="Times New Roman" panose="02020603050405020304" pitchFamily="18" charset="0"/>
             </a:endParaRPr>
@@ -6334,7 +6183,7 @@
     </p:spTree>
     <p:extLst>
       <p:ext uri="{BB962C8B-B14F-4D97-AF65-F5344CB8AC3E}">
-        <p14:creationId xmlns:p14="http://schemas.microsoft.com/office/powerpoint/2010/main" val="2810641402"/>
+        <p14:creationId xmlns:p14="http://schemas.microsoft.com/office/powerpoint/2010/main" val="4013908337"/>
       </p:ext>
     </p:extLst>
   </p:cSld>
@@ -6479,17 +6328,7 @@
                 <a:latin typeface="Times New Roman" panose="02020603050405020304" pitchFamily="18" charset="0"/>
                 <a:cs typeface="Times New Roman" panose="02020603050405020304" pitchFamily="18" charset="0"/>
               </a:rPr>
-              <a:t>     </a:t>
-            </a:r>
-            <a:r>
-              <a:rPr lang="it-IT" altLang="it-IT" sz="3600" b="1" kern="0" dirty="0" smtClean="0">
-                <a:solidFill>
-                  <a:prstClr val="white"/>
-                </a:solidFill>
-                <a:latin typeface="Times New Roman" panose="02020603050405020304" pitchFamily="18" charset="0"/>
-                <a:cs typeface="Times New Roman" panose="02020603050405020304" pitchFamily="18" charset="0"/>
-              </a:rPr>
-              <a:t>Installare la versione «</a:t>
+              <a:t>     Creare un account su </a:t>
             </a:r>
             <a:r>
               <a:rPr lang="it-IT" altLang="it-IT" sz="3600" b="1" kern="0" dirty="0" err="1" smtClean="0">
@@ -6499,57 +6338,7 @@
                 <a:latin typeface="Times New Roman" panose="02020603050405020304" pitchFamily="18" charset="0"/>
                 <a:cs typeface="Times New Roman" panose="02020603050405020304" pitchFamily="18" charset="0"/>
               </a:rPr>
-              <a:t>portable</a:t>
-            </a:r>
-            <a:r>
-              <a:rPr lang="it-IT" altLang="it-IT" sz="3600" b="1" kern="0" dirty="0" smtClean="0">
-                <a:solidFill>
-                  <a:prstClr val="white"/>
-                </a:solidFill>
-                <a:latin typeface="Times New Roman" panose="02020603050405020304" pitchFamily="18" charset="0"/>
-                <a:cs typeface="Times New Roman" panose="02020603050405020304" pitchFamily="18" charset="0"/>
-              </a:rPr>
-              <a:t>» di </a:t>
-            </a:r>
-            <a:r>
-              <a:rPr lang="it-IT" altLang="it-IT" sz="3600" b="1" kern="0" dirty="0" err="1" smtClean="0">
-                <a:solidFill>
-                  <a:prstClr val="white"/>
-                </a:solidFill>
-                <a:latin typeface="Times New Roman" panose="02020603050405020304" pitchFamily="18" charset="0"/>
-                <a:cs typeface="Times New Roman" panose="02020603050405020304" pitchFamily="18" charset="0"/>
-              </a:rPr>
-              <a:t>Git</a:t>
-            </a:r>
-            <a:r>
-              <a:rPr lang="it-IT" altLang="it-IT" sz="3600" b="1" kern="0" dirty="0">
-                <a:solidFill>
-                  <a:prstClr val="white"/>
-                </a:solidFill>
-                <a:latin typeface="Times New Roman" panose="02020603050405020304" pitchFamily="18" charset="0"/>
-                <a:cs typeface="Times New Roman" panose="02020603050405020304" pitchFamily="18" charset="0"/>
-              </a:rPr>
-              <a:t> </a:t>
-            </a:r>
-            <a:r>
-              <a:rPr lang="it-IT" altLang="it-IT" sz="3600" b="1" kern="0" dirty="0" smtClean="0">
-                <a:solidFill>
-                  <a:prstClr val="white"/>
-                </a:solidFill>
-                <a:latin typeface="Times New Roman" panose="02020603050405020304" pitchFamily="18" charset="0"/>
-                <a:cs typeface="Times New Roman" panose="02020603050405020304" pitchFamily="18" charset="0"/>
-              </a:rPr>
-              <a:t>e </a:t>
-            </a:r>
-            <a:r>
-              <a:rPr lang="it-IT" altLang="it-IT" sz="3600" b="1" kern="0" dirty="0" err="1" smtClean="0">
-                <a:solidFill>
-                  <a:prstClr val="white"/>
-                </a:solidFill>
-                <a:latin typeface="Times New Roman" panose="02020603050405020304" pitchFamily="18" charset="0"/>
-                <a:cs typeface="Times New Roman" panose="02020603050405020304" pitchFamily="18" charset="0"/>
-              </a:rPr>
-              <a:t>Git-bash</a:t>
+              <a:t>GitHub</a:t>
             </a:r>
             <a:endParaRPr lang="it-IT" altLang="it-IT" sz="3600" b="1" kern="0" dirty="0" smtClean="0">
               <a:solidFill>
@@ -6579,6 +6368,342 @@
             <a:fld id="{A001332D-C347-4A08-BEBF-37FDE9C42D7D}" type="slidenum">
               <a:rPr lang="en-US" smtClean="0"/>
               <a:t>16</a:t>
+            </a:fld>
+            <a:endParaRPr lang="en-US"/>
+          </a:p>
+        </p:txBody>
+      </p:sp>
+      <p:pic>
+        <p:nvPicPr>
+          <p:cNvPr id="3" name="Picture 2"/>
+          <p:cNvPicPr>
+            <a:picLocks noChangeAspect="1"/>
+          </p:cNvPicPr>
+          <p:nvPr/>
+        </p:nvPicPr>
+        <p:blipFill>
+          <a:blip r:embed="rId2"/>
+          <a:stretch>
+            <a:fillRect/>
+          </a:stretch>
+        </p:blipFill>
+        <p:spPr>
+          <a:xfrm>
+            <a:off x="2524666" y="3286708"/>
+            <a:ext cx="7123418" cy="3033546"/>
+          </a:xfrm>
+          <a:prstGeom prst="rect">
+            <a:avLst/>
+          </a:prstGeom>
+        </p:spPr>
+      </p:pic>
+      <p:sp>
+        <p:nvSpPr>
+          <p:cNvPr id="5" name="Rectangle 4"/>
+          <p:cNvSpPr/>
+          <p:nvPr/>
+        </p:nvSpPr>
+        <p:spPr>
+          <a:xfrm>
+            <a:off x="977554" y="2214125"/>
+            <a:ext cx="10217642" cy="830997"/>
+          </a:xfrm>
+          <a:prstGeom prst="rect">
+            <a:avLst/>
+          </a:prstGeom>
+        </p:spPr>
+        <p:txBody>
+          <a:bodyPr wrap="square">
+            <a:spAutoFit/>
+          </a:bodyPr>
+          <a:lstStyle/>
+          <a:p>
+            <a:pPr marL="285750" indent="-285750">
+              <a:buFont typeface="Arial" panose="020B0604020202020204" pitchFamily="34" charset="0"/>
+              <a:buChar char="•"/>
+            </a:pPr>
+            <a:r>
+              <a:rPr lang="it-IT" sz="2400" dirty="0">
+                <a:latin typeface="Times New Roman" panose="02020603050405020304" pitchFamily="18" charset="0"/>
+                <a:cs typeface="Times New Roman" panose="02020603050405020304" pitchFamily="18" charset="0"/>
+              </a:rPr>
+              <a:t>Recarsi all’ URL </a:t>
+            </a:r>
+            <a:r>
+              <a:rPr lang="en-US" sz="2400" dirty="0">
+                <a:latin typeface="Times New Roman" panose="02020603050405020304" pitchFamily="18" charset="0"/>
+                <a:cs typeface="Times New Roman" panose="02020603050405020304" pitchFamily="18" charset="0"/>
+                <a:hlinkClick r:id="rId3"/>
+              </a:rPr>
+              <a:t>https</a:t>
+            </a:r>
+            <a:r>
+              <a:rPr lang="en-US" sz="2400" dirty="0" smtClean="0">
+                <a:latin typeface="Times New Roman" panose="02020603050405020304" pitchFamily="18" charset="0"/>
+                <a:cs typeface="Times New Roman" panose="02020603050405020304" pitchFamily="18" charset="0"/>
+                <a:hlinkClick r:id="rId3"/>
+              </a:rPr>
+              <a:t>://github.com/</a:t>
+            </a:r>
+            <a:r>
+              <a:rPr lang="en-US" sz="2400" dirty="0" smtClean="0">
+                <a:latin typeface="Times New Roman" panose="02020603050405020304" pitchFamily="18" charset="0"/>
+                <a:cs typeface="Times New Roman" panose="02020603050405020304" pitchFamily="18" charset="0"/>
+              </a:rPr>
+              <a:t> </a:t>
+            </a:r>
+            <a:r>
+              <a:rPr lang="it-IT" sz="2400" dirty="0" smtClean="0">
+                <a:latin typeface="Times New Roman" panose="02020603050405020304" pitchFamily="18" charset="0"/>
+                <a:cs typeface="Times New Roman" panose="02020603050405020304" pitchFamily="18" charset="0"/>
+              </a:rPr>
+              <a:t>e creare il proprio account seguendo le istruzioni a video.</a:t>
+            </a:r>
+            <a:endParaRPr lang="en-US" sz="2400" dirty="0">
+              <a:latin typeface="Times New Roman" panose="02020603050405020304" pitchFamily="18" charset="0"/>
+              <a:cs typeface="Times New Roman" panose="02020603050405020304" pitchFamily="18" charset="0"/>
+            </a:endParaRPr>
+          </a:p>
+        </p:txBody>
+      </p:sp>
+    </p:spTree>
+    <p:extLst>
+      <p:ext uri="{BB962C8B-B14F-4D97-AF65-F5344CB8AC3E}">
+        <p14:creationId xmlns:p14="http://schemas.microsoft.com/office/powerpoint/2010/main" val="2810641402"/>
+      </p:ext>
+    </p:extLst>
+  </p:cSld>
+  <p:clrMapOvr>
+    <a:masterClrMapping/>
+  </p:clrMapOvr>
+  <p:timing>
+    <p:tnLst>
+      <p:par>
+        <p:cTn id="1" dur="indefinite" restart="never" nodeType="tmRoot"/>
+      </p:par>
+    </p:tnLst>
+  </p:timing>
+</p:sld>
+</file>
+
+<file path=ppt/slides/slide17.xml><?xml version="1.0" encoding="utf-8"?>
+<p:sld xmlns:a="http://schemas.openxmlformats.org/drawingml/2006/main" xmlns:r="http://schemas.openxmlformats.org/officeDocument/2006/relationships" xmlns:p="http://schemas.openxmlformats.org/presentationml/2006/main">
+  <p:cSld>
+    <p:spTree>
+      <p:nvGrpSpPr>
+        <p:cNvPr id="1" name=""/>
+        <p:cNvGrpSpPr/>
+        <p:nvPr/>
+      </p:nvGrpSpPr>
+      <p:grpSpPr>
+        <a:xfrm>
+          <a:off x="0" y="0"/>
+          <a:ext cx="0" cy="0"/>
+          <a:chOff x="0" y="0"/>
+          <a:chExt cx="0" cy="0"/>
+        </a:xfrm>
+      </p:grpSpPr>
+      <p:sp>
+        <p:nvSpPr>
+          <p:cNvPr id="2" name="Title 1"/>
+          <p:cNvSpPr>
+            <a:spLocks noGrp="1"/>
+          </p:cNvSpPr>
+          <p:nvPr>
+            <p:ph type="title"/>
+          </p:nvPr>
+        </p:nvSpPr>
+        <p:spPr/>
+        <p:txBody>
+          <a:bodyPr/>
+          <a:lstStyle/>
+          <a:p>
+            <a:r>
+              <a:rPr lang="it-IT" dirty="0" smtClean="0">
+                <a:latin typeface="Times New Roman" panose="02020603050405020304" pitchFamily="18" charset="0"/>
+                <a:cs typeface="Times New Roman" panose="02020603050405020304" pitchFamily="18" charset="0"/>
+              </a:rPr>
+              <a:t>Processi Stocastici</a:t>
+            </a:r>
+            <a:endParaRPr lang="en-US" dirty="0">
+              <a:latin typeface="Times New Roman" panose="02020603050405020304" pitchFamily="18" charset="0"/>
+              <a:cs typeface="Times New Roman" panose="02020603050405020304" pitchFamily="18" charset="0"/>
+            </a:endParaRPr>
+          </a:p>
+        </p:txBody>
+      </p:sp>
+      <p:sp>
+        <p:nvSpPr>
+          <p:cNvPr id="9" name="Title 3"/>
+          <p:cNvSpPr txBox="1">
+            <a:spLocks/>
+          </p:cNvSpPr>
+          <p:nvPr/>
+        </p:nvSpPr>
+        <p:spPr bwMode="gray">
+          <a:xfrm>
+            <a:off x="977554" y="614951"/>
+            <a:ext cx="10217642" cy="1381292"/>
+          </a:xfrm>
+          <a:prstGeom prst="rect">
+            <a:avLst/>
+          </a:prstGeom>
+          <a:solidFill>
+            <a:srgbClr val="597189"/>
+          </a:solidFill>
+          <a:ln w="9525" cap="flat" cmpd="sng" algn="ctr">
+            <a:solidFill>
+              <a:sysClr val="window" lastClr="FFFFFF"/>
+            </a:solidFill>
+            <a:prstDash val="solid"/>
+          </a:ln>
+          <a:effectLst/>
+        </p:spPr>
+        <p:txBody>
+          <a:bodyPr vert="horz" lIns="36000" tIns="36000" rIns="36000" bIns="36000" rtlCol="0" anchor="ctr">
+            <a:normAutofit/>
+          </a:bodyPr>
+          <a:lstStyle>
+            <a:lvl1pPr algn="l" defTabSz="914400" rtl="0" eaLnBrk="1" latinLnBrk="0" hangingPunct="1">
+              <a:lnSpc>
+                <a:spcPct val="90000"/>
+              </a:lnSpc>
+              <a:spcBef>
+                <a:spcPct val="0"/>
+              </a:spcBef>
+              <a:buNone/>
+              <a:defRPr sz="4400" kern="1200">
+                <a:solidFill>
+                  <a:schemeClr val="tx1"/>
+                </a:solidFill>
+                <a:latin typeface="+mj-lt"/>
+                <a:ea typeface="+mj-ea"/>
+                <a:cs typeface="+mj-cs"/>
+              </a:defRPr>
+            </a:lvl1pPr>
+          </a:lstStyle>
+          <a:p>
+            <a:pPr defTabSz="1039020">
+              <a:spcBef>
+                <a:spcPts val="0"/>
+              </a:spcBef>
+              <a:tabLst>
+                <a:tab pos="3849665" algn="r"/>
+                <a:tab pos="4750255" algn="r"/>
+                <a:tab pos="5627511" algn="r"/>
+                <a:tab pos="6493881" algn="r"/>
+                <a:tab pos="7277811" algn="r"/>
+                <a:tab pos="8352606" algn="r"/>
+              </a:tabLst>
+            </a:pPr>
+            <a:r>
+              <a:rPr lang="it-IT" altLang="it-IT" sz="3600" b="1" kern="0" dirty="0">
+                <a:solidFill>
+                  <a:prstClr val="white"/>
+                </a:solidFill>
+                <a:latin typeface="Times New Roman" panose="02020603050405020304" pitchFamily="18" charset="0"/>
+                <a:cs typeface="Times New Roman" panose="02020603050405020304" pitchFamily="18" charset="0"/>
+              </a:rPr>
+              <a:t> </a:t>
+            </a:r>
+            <a:r>
+              <a:rPr lang="it-IT" altLang="it-IT" sz="3600" b="1" kern="0" dirty="0" smtClean="0">
+                <a:solidFill>
+                  <a:prstClr val="white"/>
+                </a:solidFill>
+                <a:latin typeface="Times New Roman" panose="02020603050405020304" pitchFamily="18" charset="0"/>
+                <a:cs typeface="Times New Roman" panose="02020603050405020304" pitchFamily="18" charset="0"/>
+              </a:rPr>
+              <a:t>     Installare la versione «</a:t>
+            </a:r>
+            <a:r>
+              <a:rPr lang="it-IT" altLang="it-IT" sz="3600" b="1" kern="0" dirty="0" err="1" smtClean="0">
+                <a:solidFill>
+                  <a:prstClr val="white"/>
+                </a:solidFill>
+                <a:latin typeface="Times New Roman" panose="02020603050405020304" pitchFamily="18" charset="0"/>
+                <a:cs typeface="Times New Roman" panose="02020603050405020304" pitchFamily="18" charset="0"/>
+              </a:rPr>
+              <a:t>portable</a:t>
+            </a:r>
+            <a:r>
+              <a:rPr lang="it-IT" altLang="it-IT" sz="3600" b="1" kern="0" dirty="0" smtClean="0">
+                <a:solidFill>
+                  <a:prstClr val="white"/>
+                </a:solidFill>
+                <a:latin typeface="Times New Roman" panose="02020603050405020304" pitchFamily="18" charset="0"/>
+                <a:cs typeface="Times New Roman" panose="02020603050405020304" pitchFamily="18" charset="0"/>
+              </a:rPr>
+              <a:t>» di </a:t>
+            </a:r>
+            <a:r>
+              <a:rPr lang="it-IT" altLang="it-IT" sz="3600" b="1" kern="0" dirty="0" err="1" smtClean="0">
+                <a:solidFill>
+                  <a:prstClr val="white"/>
+                </a:solidFill>
+                <a:latin typeface="Times New Roman" panose="02020603050405020304" pitchFamily="18" charset="0"/>
+                <a:cs typeface="Times New Roman" panose="02020603050405020304" pitchFamily="18" charset="0"/>
+              </a:rPr>
+              <a:t>Git</a:t>
+            </a:r>
+            <a:r>
+              <a:rPr lang="it-IT" altLang="it-IT" sz="3600" b="1" kern="0" dirty="0">
+                <a:solidFill>
+                  <a:prstClr val="white"/>
+                </a:solidFill>
+                <a:latin typeface="Times New Roman" panose="02020603050405020304" pitchFamily="18" charset="0"/>
+                <a:cs typeface="Times New Roman" panose="02020603050405020304" pitchFamily="18" charset="0"/>
+              </a:rPr>
+              <a:t> </a:t>
+            </a:r>
+            <a:r>
+              <a:rPr lang="it-IT" altLang="it-IT" sz="3600" b="1" kern="0" dirty="0" smtClean="0">
+                <a:solidFill>
+                  <a:prstClr val="white"/>
+                </a:solidFill>
+                <a:latin typeface="Times New Roman" panose="02020603050405020304" pitchFamily="18" charset="0"/>
+                <a:cs typeface="Times New Roman" panose="02020603050405020304" pitchFamily="18" charset="0"/>
+              </a:rPr>
+              <a:t>e </a:t>
+            </a:r>
+            <a:r>
+              <a:rPr lang="it-IT" altLang="it-IT" sz="3600" b="1" kern="0" dirty="0" err="1" smtClean="0">
+                <a:solidFill>
+                  <a:prstClr val="white"/>
+                </a:solidFill>
+                <a:latin typeface="Times New Roman" panose="02020603050405020304" pitchFamily="18" charset="0"/>
+                <a:cs typeface="Times New Roman" panose="02020603050405020304" pitchFamily="18" charset="0"/>
+              </a:rPr>
+              <a:t>Git-Bash</a:t>
+            </a:r>
+            <a:endParaRPr lang="it-IT" altLang="it-IT" sz="3600" b="1" kern="0" dirty="0" smtClean="0">
+              <a:solidFill>
+                <a:prstClr val="white"/>
+              </a:solidFill>
+              <a:latin typeface="Times New Roman" panose="02020603050405020304" pitchFamily="18" charset="0"/>
+              <a:cs typeface="Times New Roman" panose="02020603050405020304" pitchFamily="18" charset="0"/>
+            </a:endParaRPr>
+          </a:p>
+        </p:txBody>
+      </p:sp>
+      <p:sp>
+        <p:nvSpPr>
+          <p:cNvPr id="8" name="Slide Number Placeholder 7"/>
+          <p:cNvSpPr>
+            <a:spLocks noGrp="1"/>
+          </p:cNvSpPr>
+          <p:nvPr>
+            <p:ph type="sldNum" sz="quarter" idx="12"/>
+          </p:nvPr>
+        </p:nvSpPr>
+        <p:spPr/>
+        <p:txBody>
+          <a:bodyPr/>
+          <a:lstStyle/>
+          <a:p>
+            <a:fld id="{A001332D-C347-4A08-BEBF-37FDE9C42D7D}" type="slidenum">
+              <a:rPr lang="en-US" smtClean="0"/>
+              <a:t>17</a:t>
             </a:fld>
             <a:endParaRPr lang="en-US"/>
           </a:p>
@@ -6753,7 +6878,7 @@
 </p:sld>
 </file>
 
-<file path=ppt/slides/slide17.xml><?xml version="1.0" encoding="utf-8"?>
+<file path=ppt/slides/slide18.xml><?xml version="1.0" encoding="utf-8"?>
 <p:sld xmlns:a="http://schemas.openxmlformats.org/drawingml/2006/main" xmlns:r="http://schemas.openxmlformats.org/officeDocument/2006/relationships" xmlns:p="http://schemas.openxmlformats.org/presentationml/2006/main">
   <p:cSld>
     <p:spTree>
@@ -6881,7 +7006,7 @@
                 <a:latin typeface="Times New Roman" panose="02020603050405020304" pitchFamily="18" charset="0"/>
                 <a:cs typeface="Times New Roman" panose="02020603050405020304" pitchFamily="18" charset="0"/>
               </a:rPr>
-              <a:t>Git-bash</a:t>
+              <a:t>Git-Bash</a:t>
             </a:r>
             <a:endParaRPr lang="it-IT" altLang="it-IT" sz="3600" b="1" kern="0" dirty="0" smtClean="0">
               <a:solidFill>
@@ -6910,7 +7035,7 @@
           <a:p>
             <a:fld id="{A001332D-C347-4A08-BEBF-37FDE9C42D7D}" type="slidenum">
               <a:rPr lang="en-US" smtClean="0"/>
-              <a:t>17</a:t>
+              <a:t>18</a:t>
             </a:fld>
             <a:endParaRPr lang="en-US"/>
           </a:p>
@@ -6960,7 +7085,7 @@
 </p:sld>
 </file>
 
-<file path=ppt/slides/slide18.xml><?xml version="1.0" encoding="utf-8"?>
+<file path=ppt/slides/slide19.xml><?xml version="1.0" encoding="utf-8"?>
 <p:sld xmlns:a="http://schemas.openxmlformats.org/drawingml/2006/main" xmlns:r="http://schemas.openxmlformats.org/officeDocument/2006/relationships" xmlns:p="http://schemas.openxmlformats.org/presentationml/2006/main">
   <p:cSld>
     <p:spTree>
@@ -7078,7 +7203,37 @@
                 <a:latin typeface="Times New Roman" panose="02020603050405020304" pitchFamily="18" charset="0"/>
                 <a:cs typeface="Times New Roman" panose="02020603050405020304" pitchFamily="18" charset="0"/>
               </a:rPr>
-              <a:t>      Funzionamento di un sistema di controllo versione</a:t>
+              <a:t>      </a:t>
+            </a:r>
+            <a:r>
+              <a:rPr lang="it-IT" altLang="it-IT" sz="3600" b="1" kern="0" dirty="0" smtClean="0">
+                <a:solidFill>
+                  <a:prstClr val="white"/>
+                </a:solidFill>
+                <a:latin typeface="Times New Roman" panose="02020603050405020304" pitchFamily="18" charset="0"/>
+                <a:cs typeface="Times New Roman" panose="02020603050405020304" pitchFamily="18" charset="0"/>
+              </a:rPr>
+              <a:t>Terminale di </a:t>
+            </a:r>
+            <a:r>
+              <a:rPr lang="it-IT" altLang="it-IT" sz="3600" b="1" kern="0" dirty="0" err="1" smtClean="0">
+                <a:solidFill>
+                  <a:prstClr val="white"/>
+                </a:solidFill>
+                <a:latin typeface="Times New Roman" panose="02020603050405020304" pitchFamily="18" charset="0"/>
+                <a:cs typeface="Times New Roman" panose="02020603050405020304" pitchFamily="18" charset="0"/>
+              </a:rPr>
+              <a:t>Git-Bash</a:t>
+            </a:r>
+            <a:r>
+              <a:rPr lang="it-IT" altLang="it-IT" sz="3600" b="1" kern="0" dirty="0" smtClean="0">
+                <a:solidFill>
+                  <a:prstClr val="white"/>
+                </a:solidFill>
+                <a:latin typeface="Times New Roman" panose="02020603050405020304" pitchFamily="18" charset="0"/>
+                <a:cs typeface="Times New Roman" panose="02020603050405020304" pitchFamily="18" charset="0"/>
+              </a:rPr>
+              <a:t>: comandi di base (UNIX) </a:t>
             </a:r>
             <a:endParaRPr lang="it-IT" altLang="it-IT" sz="3600" b="1" kern="0" dirty="0" smtClean="0">
               <a:solidFill>
@@ -7107,7 +7262,7 @@
           <a:p>
             <a:fld id="{A001332D-C347-4A08-BEBF-37FDE9C42D7D}" type="slidenum">
               <a:rPr lang="en-US" smtClean="0"/>
-              <a:t>18</a:t>
+              <a:t>19</a:t>
             </a:fld>
             <a:endParaRPr lang="en-US"/>
           </a:p>
@@ -7115,14 +7270,14 @@
       </p:sp>
       <p:sp>
         <p:nvSpPr>
-          <p:cNvPr id="4" name="Rectangle 3"/>
+          <p:cNvPr id="7" name="Rectangle 6"/>
           <p:cNvSpPr/>
           <p:nvPr/>
         </p:nvSpPr>
         <p:spPr>
           <a:xfrm>
-            <a:off x="1023730" y="2881409"/>
-            <a:ext cx="10171466" cy="2308324"/>
+            <a:off x="977554" y="2214125"/>
+            <a:ext cx="10376246" cy="4555093"/>
           </a:xfrm>
           <a:prstGeom prst="rect">
             <a:avLst/>
@@ -7134,185 +7289,307 @@
           </a:bodyPr>
           <a:lstStyle/>
           <a:p>
-            <a:pPr algn="just"/>
-            <a:r>
-              <a:rPr lang="it-IT" sz="2400" dirty="0">
-                <a:latin typeface="Times New Roman" panose="02020603050405020304" pitchFamily="18" charset="0"/>
-                <a:cs typeface="Times New Roman" panose="02020603050405020304" pitchFamily="18" charset="0"/>
-              </a:rPr>
-              <a:t>Un </a:t>
-            </a:r>
-            <a:r>
-              <a:rPr lang="it-IT" sz="2400" dirty="0" smtClean="0">
-                <a:latin typeface="Times New Roman" panose="02020603050405020304" pitchFamily="18" charset="0"/>
-                <a:cs typeface="Times New Roman" panose="02020603050405020304" pitchFamily="18" charset="0"/>
-              </a:rPr>
-              <a:t>sistema di controllo versione (VCS) conserva </a:t>
-            </a:r>
-            <a:r>
-              <a:rPr lang="it-IT" sz="2400" dirty="0">
-                <a:latin typeface="Times New Roman" panose="02020603050405020304" pitchFamily="18" charset="0"/>
-                <a:cs typeface="Times New Roman" panose="02020603050405020304" pitchFamily="18" charset="0"/>
-              </a:rPr>
-              <a:t>le </a:t>
-            </a:r>
-            <a:r>
-              <a:rPr lang="it-IT" sz="2400" dirty="0" smtClean="0">
-                <a:latin typeface="Times New Roman" panose="02020603050405020304" pitchFamily="18" charset="0"/>
-                <a:cs typeface="Times New Roman" panose="02020603050405020304" pitchFamily="18" charset="0"/>
-              </a:rPr>
-              <a:t>modifiche effettuate </a:t>
-            </a:r>
-            <a:r>
-              <a:rPr lang="it-IT" sz="2400" dirty="0">
-                <a:latin typeface="Times New Roman" panose="02020603050405020304" pitchFamily="18" charset="0"/>
-                <a:cs typeface="Times New Roman" panose="02020603050405020304" pitchFamily="18" charset="0"/>
-              </a:rPr>
-              <a:t>sui file </a:t>
-            </a:r>
-            <a:r>
-              <a:rPr lang="it-IT" sz="2400" dirty="0" smtClean="0">
-                <a:latin typeface="Times New Roman" panose="02020603050405020304" pitchFamily="18" charset="0"/>
-                <a:cs typeface="Times New Roman" panose="02020603050405020304" pitchFamily="18" charset="0"/>
-              </a:rPr>
-              <a:t>tracciati in:</a:t>
-            </a:r>
-          </a:p>
-          <a:p>
-            <a:pPr algn="just"/>
-            <a:endParaRPr lang="it-IT" sz="2400" dirty="0" smtClean="0">
+            <a:pPr marL="800100" lvl="1" indent="-342900">
+              <a:buFont typeface="Arial" panose="020B0604020202020204" pitchFamily="34" charset="0"/>
+              <a:buChar char="•"/>
+            </a:pPr>
+            <a:r>
+              <a:rPr lang="it-IT" sz="2200" b="1" dirty="0" err="1" smtClean="0">
+                <a:latin typeface="Times New Roman" panose="02020603050405020304" pitchFamily="18" charset="0"/>
+                <a:cs typeface="Times New Roman" panose="02020603050405020304" pitchFamily="18" charset="0"/>
+              </a:rPr>
+              <a:t>Change</a:t>
+            </a:r>
+            <a:r>
+              <a:rPr lang="it-IT" sz="2200" b="1" dirty="0" smtClean="0">
+                <a:latin typeface="Times New Roman" panose="02020603050405020304" pitchFamily="18" charset="0"/>
+                <a:cs typeface="Times New Roman" panose="02020603050405020304" pitchFamily="18" charset="0"/>
+              </a:rPr>
+              <a:t> Directory</a:t>
+            </a:r>
+            <a:r>
+              <a:rPr lang="it-IT" sz="2200" dirty="0" smtClean="0">
+                <a:latin typeface="Times New Roman" panose="02020603050405020304" pitchFamily="18" charset="0"/>
+                <a:cs typeface="Times New Roman" panose="02020603050405020304" pitchFamily="18" charset="0"/>
+              </a:rPr>
+              <a:t>: con il seguente comando ci si dirigerà nella folder prescelta. Con il tasto </a:t>
+            </a:r>
+            <a:r>
+              <a:rPr lang="it-IT" sz="2200" dirty="0" err="1" smtClean="0">
+                <a:latin typeface="Times New Roman" panose="02020603050405020304" pitchFamily="18" charset="0"/>
+                <a:cs typeface="Times New Roman" panose="02020603050405020304" pitchFamily="18" charset="0"/>
+              </a:rPr>
+              <a:t>Tab</a:t>
+            </a:r>
+            <a:r>
+              <a:rPr lang="it-IT" sz="2200" dirty="0" smtClean="0">
+                <a:latin typeface="Times New Roman" panose="02020603050405020304" pitchFamily="18" charset="0"/>
+                <a:cs typeface="Times New Roman" panose="02020603050405020304" pitchFamily="18" charset="0"/>
+              </a:rPr>
+              <a:t> si attiva l’auto compilazione (</a:t>
+            </a:r>
+            <a:r>
+              <a:rPr lang="it-IT" sz="2200" dirty="0" err="1" smtClean="0">
+                <a:latin typeface="Times New Roman" panose="02020603050405020304" pitchFamily="18" charset="0"/>
+                <a:cs typeface="Times New Roman" panose="02020603050405020304" pitchFamily="18" charset="0"/>
+              </a:rPr>
+              <a:t>affichè</a:t>
+            </a:r>
+            <a:r>
+              <a:rPr lang="it-IT" sz="2200" dirty="0" smtClean="0">
+                <a:latin typeface="Times New Roman" panose="02020603050405020304" pitchFamily="18" charset="0"/>
+                <a:cs typeface="Times New Roman" panose="02020603050405020304" pitchFamily="18" charset="0"/>
+              </a:rPr>
+              <a:t> ciò funzioni occorre che la directory annidata sia univoca)</a:t>
+            </a:r>
+          </a:p>
+          <a:p>
+            <a:pPr lvl="1"/>
+            <a:r>
+              <a:rPr lang="it-IT" sz="2200" b="1" dirty="0" smtClean="0">
+                <a:latin typeface="Times New Roman" panose="02020603050405020304" pitchFamily="18" charset="0"/>
+                <a:cs typeface="Times New Roman" panose="02020603050405020304" pitchFamily="18" charset="0"/>
+              </a:rPr>
+              <a:t>		$ cd C/</a:t>
+            </a:r>
+            <a:r>
+              <a:rPr lang="it-IT" sz="2200" b="1" dirty="0" err="1" smtClean="0">
+                <a:latin typeface="Times New Roman" panose="02020603050405020304" pitchFamily="18" charset="0"/>
+                <a:cs typeface="Times New Roman" panose="02020603050405020304" pitchFamily="18" charset="0"/>
+              </a:rPr>
+              <a:t>Users</a:t>
+            </a:r>
+            <a:r>
+              <a:rPr lang="it-IT" sz="2200" b="1" dirty="0" smtClean="0">
+                <a:latin typeface="Times New Roman" panose="02020603050405020304" pitchFamily="18" charset="0"/>
+                <a:cs typeface="Times New Roman" panose="02020603050405020304" pitchFamily="18" charset="0"/>
+              </a:rPr>
+              <a:t>/</a:t>
+            </a:r>
+            <a:r>
+              <a:rPr lang="it-IT" sz="2200" b="1" dirty="0" err="1" smtClean="0">
+                <a:latin typeface="Times New Roman" panose="02020603050405020304" pitchFamily="18" charset="0"/>
+                <a:cs typeface="Times New Roman" panose="02020603050405020304" pitchFamily="18" charset="0"/>
+              </a:rPr>
+              <a:t>vcorallo</a:t>
+            </a:r>
+            <a:endParaRPr lang="it-IT" sz="2200" b="1" dirty="0">
               <a:latin typeface="Times New Roman" panose="02020603050405020304" pitchFamily="18" charset="0"/>
               <a:cs typeface="Times New Roman" panose="02020603050405020304" pitchFamily="18" charset="0"/>
             </a:endParaRPr>
           </a:p>
           <a:p>
-            <a:pPr marL="742950" lvl="1" indent="-285750" algn="just">
+            <a:pPr lvl="1"/>
+            <a:r>
+              <a:rPr lang="it-IT" sz="2200" dirty="0" smtClean="0">
+                <a:latin typeface="Times New Roman" panose="02020603050405020304" pitchFamily="18" charset="0"/>
+                <a:cs typeface="Times New Roman" panose="02020603050405020304" pitchFamily="18" charset="0"/>
+              </a:rPr>
+              <a:t>	Rispettivamente, con il comandi:</a:t>
+            </a:r>
+          </a:p>
+          <a:p>
+            <a:pPr lvl="1"/>
+            <a:r>
+              <a:rPr lang="it-IT" sz="2200" b="1" dirty="0" smtClean="0">
+                <a:latin typeface="Times New Roman" panose="02020603050405020304" pitchFamily="18" charset="0"/>
+                <a:cs typeface="Times New Roman" panose="02020603050405020304" pitchFamily="18" charset="0"/>
+              </a:rPr>
+              <a:t>		$ </a:t>
+            </a:r>
+            <a:r>
+              <a:rPr lang="it-IT" sz="2200" b="1" dirty="0">
+                <a:latin typeface="Times New Roman" panose="02020603050405020304" pitchFamily="18" charset="0"/>
+                <a:cs typeface="Times New Roman" panose="02020603050405020304" pitchFamily="18" charset="0"/>
+              </a:rPr>
+              <a:t>cd</a:t>
+            </a:r>
+            <a:r>
+              <a:rPr lang="it-IT" sz="2200" b="1" dirty="0">
+                <a:latin typeface="Times New Roman" panose="02020603050405020304" pitchFamily="18" charset="0"/>
+                <a:cs typeface="Times New Roman" panose="02020603050405020304" pitchFamily="18" charset="0"/>
+              </a:rPr>
+              <a:t> </a:t>
+            </a:r>
+            <a:r>
+              <a:rPr lang="it-IT" sz="2200" b="1" dirty="0" smtClean="0">
+                <a:latin typeface="Times New Roman" panose="02020603050405020304" pitchFamily="18" charset="0"/>
+                <a:cs typeface="Times New Roman" panose="02020603050405020304" pitchFamily="18" charset="0"/>
+              </a:rPr>
+              <a:t>.. 		</a:t>
+            </a:r>
+            <a:r>
+              <a:rPr lang="it-IT" sz="2200" dirty="0" smtClean="0">
+                <a:latin typeface="Times New Roman" panose="02020603050405020304" pitchFamily="18" charset="0"/>
+                <a:cs typeface="Times New Roman" panose="02020603050405020304" pitchFamily="18" charset="0"/>
+              </a:rPr>
+              <a:t>si risale di un livello;</a:t>
+            </a:r>
+          </a:p>
+          <a:p>
+            <a:pPr lvl="1"/>
+            <a:r>
+              <a:rPr lang="it-IT" sz="2200" b="1" dirty="0" smtClean="0">
+                <a:latin typeface="Times New Roman" panose="02020603050405020304" pitchFamily="18" charset="0"/>
+                <a:cs typeface="Times New Roman" panose="02020603050405020304" pitchFamily="18" charset="0"/>
+              </a:rPr>
+              <a:t>		$ cd ../.. 	</a:t>
+            </a:r>
+            <a:r>
+              <a:rPr lang="it-IT" sz="2200" dirty="0" smtClean="0">
+                <a:latin typeface="Times New Roman" panose="02020603050405020304" pitchFamily="18" charset="0"/>
+                <a:cs typeface="Times New Roman" panose="02020603050405020304" pitchFamily="18" charset="0"/>
+              </a:rPr>
+              <a:t>si risale di due livelli e così via.</a:t>
+            </a:r>
+          </a:p>
+          <a:p>
+            <a:pPr lvl="1"/>
+            <a:endParaRPr lang="it-IT" sz="2200" dirty="0" smtClean="0">
+              <a:latin typeface="Times New Roman" panose="02020603050405020304" pitchFamily="18" charset="0"/>
+              <a:cs typeface="Times New Roman" panose="02020603050405020304" pitchFamily="18" charset="0"/>
+            </a:endParaRPr>
+          </a:p>
+          <a:p>
+            <a:pPr marL="800100" lvl="1" indent="-342900">
               <a:buFont typeface="Arial" panose="020B0604020202020204" pitchFamily="34" charset="0"/>
               <a:buChar char="•"/>
             </a:pPr>
             <a:r>
-              <a:rPr lang="it-IT" sz="2400" b="1" i="1" dirty="0" smtClean="0">
-                <a:latin typeface="Times New Roman" panose="02020603050405020304" pitchFamily="18" charset="0"/>
-                <a:cs typeface="Times New Roman" panose="02020603050405020304" pitchFamily="18" charset="0"/>
-              </a:rPr>
-              <a:t>locale</a:t>
-            </a:r>
-            <a:r>
-              <a:rPr lang="it-IT" sz="2400" dirty="0">
-                <a:latin typeface="Times New Roman" panose="02020603050405020304" pitchFamily="18" charset="0"/>
-                <a:cs typeface="Times New Roman" panose="02020603050405020304" pitchFamily="18" charset="0"/>
-              </a:rPr>
-              <a:t>: i file tracciati risiedono sulla propria </a:t>
+              <a:rPr lang="it-IT" sz="2200" b="1" dirty="0" smtClean="0">
+                <a:latin typeface="Times New Roman" panose="02020603050405020304" pitchFamily="18" charset="0"/>
+                <a:cs typeface="Times New Roman" panose="02020603050405020304" pitchFamily="18" charset="0"/>
+              </a:rPr>
+              <a:t>Directory listing</a:t>
+            </a:r>
+            <a:r>
+              <a:rPr lang="it-IT" sz="2200" dirty="0" smtClean="0">
+                <a:latin typeface="Times New Roman" panose="02020603050405020304" pitchFamily="18" charset="0"/>
+                <a:cs typeface="Times New Roman" panose="02020603050405020304" pitchFamily="18" charset="0"/>
+              </a:rPr>
+              <a:t>: per visualizzare i file e le folder presenti nella directory corrente occorre digitare il comando:</a:t>
+            </a:r>
+          </a:p>
+          <a:p>
+            <a:pPr lvl="1"/>
+            <a:r>
+              <a:rPr lang="it-IT" sz="2200" b="1" dirty="0" smtClean="0">
+                <a:latin typeface="Times New Roman" panose="02020603050405020304" pitchFamily="18" charset="0"/>
+                <a:cs typeface="Times New Roman" panose="02020603050405020304" pitchFamily="18" charset="0"/>
+              </a:rPr>
+              <a:t>		$ </a:t>
+            </a:r>
+            <a:r>
+              <a:rPr lang="it-IT" sz="2200" b="1" dirty="0" err="1" smtClean="0">
+                <a:latin typeface="Times New Roman" panose="02020603050405020304" pitchFamily="18" charset="0"/>
+                <a:cs typeface="Times New Roman" panose="02020603050405020304" pitchFamily="18" charset="0"/>
+              </a:rPr>
+              <a:t>ls</a:t>
+            </a:r>
+            <a:endParaRPr lang="it-IT" sz="2200" b="1" dirty="0" smtClean="0">
+              <a:latin typeface="Times New Roman" panose="02020603050405020304" pitchFamily="18" charset="0"/>
+              <a:cs typeface="Times New Roman" panose="02020603050405020304" pitchFamily="18" charset="0"/>
+            </a:endParaRPr>
+          </a:p>
+          <a:p>
+            <a:pPr lvl="1"/>
+            <a:r>
+              <a:rPr lang="it-IT" sz="2200" dirty="0" smtClean="0">
+                <a:latin typeface="Times New Roman" panose="02020603050405020304" pitchFamily="18" charset="0"/>
+                <a:cs typeface="Times New Roman" panose="02020603050405020304" pitchFamily="18" charset="0"/>
+              </a:rPr>
+              <a:t>Sono disponibili </a:t>
+            </a:r>
+            <a:r>
+              <a:rPr lang="it-IT" sz="2200" dirty="0" err="1" smtClean="0">
+                <a:latin typeface="Times New Roman" panose="02020603050405020304" pitchFamily="18" charset="0"/>
+                <a:cs typeface="Times New Roman" panose="02020603050405020304" pitchFamily="18" charset="0"/>
+              </a:rPr>
+              <a:t>Git</a:t>
+            </a:r>
+            <a:r>
+              <a:rPr lang="it-IT" sz="2200" dirty="0" smtClean="0">
+                <a:latin typeface="Times New Roman" panose="02020603050405020304" pitchFamily="18" charset="0"/>
+                <a:cs typeface="Times New Roman" panose="02020603050405020304" pitchFamily="18" charset="0"/>
+              </a:rPr>
+              <a:t> manager dotati di interfaccia grafica (</a:t>
+            </a:r>
+            <a:r>
+              <a:rPr lang="it-IT" sz="2200" dirty="0" err="1" smtClean="0">
+                <a:latin typeface="Times New Roman" panose="02020603050405020304" pitchFamily="18" charset="0"/>
+                <a:cs typeface="Times New Roman" panose="02020603050405020304" pitchFamily="18" charset="0"/>
+              </a:rPr>
+              <a:t>eg</a:t>
+            </a:r>
+            <a:r>
+              <a:rPr lang="it-IT" sz="2200" dirty="0" smtClean="0">
+                <a:latin typeface="Times New Roman" panose="02020603050405020304" pitchFamily="18" charset="0"/>
+                <a:cs typeface="Times New Roman" panose="02020603050405020304" pitchFamily="18" charset="0"/>
+              </a:rPr>
+              <a:t>. </a:t>
+            </a:r>
+            <a:r>
+              <a:rPr lang="it-IT" sz="2200" b="1" dirty="0" err="1" smtClean="0">
+                <a:latin typeface="Times New Roman" panose="02020603050405020304" pitchFamily="18" charset="0"/>
+                <a:cs typeface="Times New Roman" panose="02020603050405020304" pitchFamily="18" charset="0"/>
+              </a:rPr>
+              <a:t>Git</a:t>
+            </a:r>
+            <a:r>
+              <a:rPr lang="it-IT" sz="2200" b="1" dirty="0" smtClean="0">
+                <a:latin typeface="Times New Roman" panose="02020603050405020304" pitchFamily="18" charset="0"/>
+                <a:cs typeface="Times New Roman" panose="02020603050405020304" pitchFamily="18" charset="0"/>
+              </a:rPr>
+              <a:t> Extensions</a:t>
             </a:r>
             <a:r>
               <a:rPr lang="it-IT" sz="2400" dirty="0" smtClean="0">
                 <a:latin typeface="Times New Roman" panose="02020603050405020304" pitchFamily="18" charset="0"/>
                 <a:cs typeface="Times New Roman" panose="02020603050405020304" pitchFamily="18" charset="0"/>
               </a:rPr>
-              <a:t>macchina;</a:t>
-            </a:r>
-          </a:p>
-          <a:p>
-            <a:pPr marL="742950" lvl="1" indent="-285750" algn="just">
-              <a:buFont typeface="Arial" panose="020B0604020202020204" pitchFamily="34" charset="0"/>
-              <a:buChar char="•"/>
-            </a:pPr>
-            <a:r>
-              <a:rPr lang="it-IT" sz="2400" b="1" i="1" dirty="0" smtClean="0">
-                <a:latin typeface="Times New Roman" panose="02020603050405020304" pitchFamily="18" charset="0"/>
-                <a:cs typeface="Times New Roman" panose="02020603050405020304" pitchFamily="18" charset="0"/>
-              </a:rPr>
-              <a:t>globale</a:t>
+              <a:t>) e «indicatori grafici» sullo stato dei file nel progetto (</a:t>
+            </a:r>
+            <a:r>
+              <a:rPr lang="it-IT" sz="2400" dirty="0" err="1" smtClean="0">
+                <a:latin typeface="Times New Roman" panose="02020603050405020304" pitchFamily="18" charset="0"/>
+                <a:cs typeface="Times New Roman" panose="02020603050405020304" pitchFamily="18" charset="0"/>
+              </a:rPr>
+              <a:t>eg</a:t>
             </a:r>
             <a:r>
               <a:rPr lang="it-IT" sz="2400" dirty="0" smtClean="0">
                 <a:latin typeface="Times New Roman" panose="02020603050405020304" pitchFamily="18" charset="0"/>
                 <a:cs typeface="Times New Roman" panose="02020603050405020304" pitchFamily="18" charset="0"/>
               </a:rPr>
-              <a:t>: </a:t>
-            </a:r>
-            <a:r>
-              <a:rPr lang="it-IT" sz="2400" dirty="0">
-                <a:latin typeface="Times New Roman" panose="02020603050405020304" pitchFamily="18" charset="0"/>
-                <a:cs typeface="Times New Roman" panose="02020603050405020304" pitchFamily="18" charset="0"/>
-              </a:rPr>
-              <a:t>i file tracciati risiedono </a:t>
+              <a:t>. </a:t>
+            </a:r>
+            <a:r>
+              <a:rPr lang="it-IT" sz="2400" b="1" dirty="0" err="1" smtClean="0">
+                <a:latin typeface="Times New Roman" panose="02020603050405020304" pitchFamily="18" charset="0"/>
+                <a:cs typeface="Times New Roman" panose="02020603050405020304" pitchFamily="18" charset="0"/>
+              </a:rPr>
+              <a:t>Tortois</a:t>
+            </a:r>
+            <a:r>
+              <a:rPr lang="it-IT" sz="2400" b="1" dirty="0" err="1">
+                <a:latin typeface="Times New Roman" panose="02020603050405020304" pitchFamily="18" charset="0"/>
+                <a:cs typeface="Times New Roman" panose="02020603050405020304" pitchFamily="18" charset="0"/>
+              </a:rPr>
+              <a:t>e</a:t>
+            </a:r>
+            <a:r>
+              <a:rPr lang="it-IT" sz="2400" b="1" dirty="0" err="1" smtClean="0">
+                <a:latin typeface="Times New Roman" panose="02020603050405020304" pitchFamily="18" charset="0"/>
+                <a:cs typeface="Times New Roman" panose="02020603050405020304" pitchFamily="18" charset="0"/>
+              </a:rPr>
+              <a:t>Git</a:t>
             </a:r>
             <a:r>
               <a:rPr lang="it-IT" sz="2400" dirty="0" smtClean="0">
                 <a:latin typeface="Times New Roman" panose="02020603050405020304" pitchFamily="18" charset="0"/>
                 <a:cs typeface="Times New Roman" panose="02020603050405020304" pitchFamily="18" charset="0"/>
               </a:rPr>
-              <a:t>su </a:t>
-            </a:r>
-            <a:r>
-              <a:rPr lang="it-IT" sz="2400" dirty="0">
-                <a:latin typeface="Times New Roman" panose="02020603050405020304" pitchFamily="18" charset="0"/>
-                <a:cs typeface="Times New Roman" panose="02020603050405020304" pitchFamily="18" charset="0"/>
-              </a:rPr>
-              <a:t>un </a:t>
-            </a:r>
-            <a:r>
-              <a:rPr lang="it-IT" sz="2400" dirty="0" smtClean="0">
-                <a:latin typeface="Times New Roman" panose="02020603050405020304" pitchFamily="18" charset="0"/>
-                <a:cs typeface="Times New Roman" panose="02020603050405020304" pitchFamily="18" charset="0"/>
-              </a:rPr>
-              <a:t>server remoto;</a:t>
-            </a:r>
-          </a:p>
-          <a:p>
-            <a:pPr marL="742950" lvl="1" indent="-285750" algn="just">
-              <a:buFont typeface="Arial" panose="020B0604020202020204" pitchFamily="34" charset="0"/>
-              <a:buChar char="•"/>
-            </a:pPr>
-            <a:r>
-              <a:rPr lang="it-IT" sz="2400" b="1" i="1" dirty="0" smtClean="0">
-                <a:latin typeface="Times New Roman" panose="02020603050405020304" pitchFamily="18" charset="0"/>
-                <a:cs typeface="Times New Roman" panose="02020603050405020304" pitchFamily="18" charset="0"/>
-              </a:rPr>
-              <a:t>distribuito</a:t>
-            </a:r>
-            <a:r>
-              <a:rPr lang="it-IT" sz="2400" dirty="0">
-                <a:latin typeface="Times New Roman" panose="02020603050405020304" pitchFamily="18" charset="0"/>
-                <a:cs typeface="Times New Roman" panose="02020603050405020304" pitchFamily="18" charset="0"/>
-              </a:rPr>
-              <a:t>: </a:t>
-            </a:r>
-            <a:r>
-              <a:rPr lang="it-IT" sz="2400" dirty="0" smtClean="0">
-                <a:latin typeface="Times New Roman" panose="02020603050405020304" pitchFamily="18" charset="0"/>
-                <a:cs typeface="Times New Roman" panose="02020603050405020304" pitchFamily="18" charset="0"/>
-              </a:rPr>
-              <a:t>i </a:t>
-            </a:r>
-            <a:r>
-              <a:rPr lang="it-IT" sz="2400" dirty="0">
-                <a:latin typeface="Times New Roman" panose="02020603050405020304" pitchFamily="18" charset="0"/>
-                <a:cs typeface="Times New Roman" panose="02020603050405020304" pitchFamily="18" charset="0"/>
-              </a:rPr>
-              <a:t>file tracciati risiedono </a:t>
-            </a:r>
-            <a:r>
-              <a:rPr lang="it-IT" sz="2400" dirty="0" smtClean="0">
-                <a:latin typeface="Times New Roman" panose="02020603050405020304" pitchFamily="18" charset="0"/>
-                <a:cs typeface="Times New Roman" panose="02020603050405020304" pitchFamily="18" charset="0"/>
-              </a:rPr>
-              <a:t>sulle macchine </a:t>
-            </a:r>
-            <a:r>
-              <a:rPr lang="it-IT" sz="2400" dirty="0">
-                <a:latin typeface="Times New Roman" panose="02020603050405020304" pitchFamily="18" charset="0"/>
-                <a:cs typeface="Times New Roman" panose="02020603050405020304" pitchFamily="18" charset="0"/>
-              </a:rPr>
-              <a:t>di ciascun </a:t>
-            </a:r>
-            <a:r>
-              <a:rPr lang="it-IT" sz="2400" dirty="0" smtClean="0">
-                <a:latin typeface="Times New Roman" panose="02020603050405020304" pitchFamily="18" charset="0"/>
-                <a:cs typeface="Times New Roman" panose="02020603050405020304" pitchFamily="18" charset="0"/>
-              </a:rPr>
-              <a:t>utente.</a:t>
+              <a:t>)</a:t>
             </a:r>
             <a:endParaRPr lang="en-US" sz="2400" dirty="0">
               <a:latin typeface="Times New Roman" panose="02020603050405020304" pitchFamily="18" charset="0"/>
@@ -7324,439 +7601,7 @@
     </p:spTree>
     <p:extLst>
       <p:ext uri="{BB962C8B-B14F-4D97-AF65-F5344CB8AC3E}">
-        <p14:creationId xmlns:p14="http://schemas.microsoft.com/office/powerpoint/2010/main" val="3902235878"/>
-      </p:ext>
-    </p:extLst>
-  </p:cSld>
-  <p:clrMapOvr>
-    <a:masterClrMapping/>
-  </p:clrMapOvr>
-  <p:timing>
-    <p:tnLst>
-      <p:par>
-        <p:cTn id="1" dur="indefinite" restart="never" nodeType="tmRoot"/>
-      </p:par>
-    </p:tnLst>
-  </p:timing>
-</p:sld>
-</file>
-
-<file path=ppt/slides/slide19.xml><?xml version="1.0" encoding="utf-8"?>
-<p:sld xmlns:a="http://schemas.openxmlformats.org/drawingml/2006/main" xmlns:r="http://schemas.openxmlformats.org/officeDocument/2006/relationships" xmlns:p="http://schemas.openxmlformats.org/presentationml/2006/main">
-  <p:cSld>
-    <p:spTree>
-      <p:nvGrpSpPr>
-        <p:cNvPr id="1" name=""/>
-        <p:cNvGrpSpPr/>
-        <p:nvPr/>
-      </p:nvGrpSpPr>
-      <p:grpSpPr>
-        <a:xfrm>
-          <a:off x="0" y="0"/>
-          <a:ext cx="0" cy="0"/>
-          <a:chOff x="0" y="0"/>
-          <a:chExt cx="0" cy="0"/>
-        </a:xfrm>
-      </p:grpSpPr>
-      <p:sp>
-        <p:nvSpPr>
-          <p:cNvPr id="2" name="Title 1"/>
-          <p:cNvSpPr>
-            <a:spLocks noGrp="1"/>
-          </p:cNvSpPr>
-          <p:nvPr>
-            <p:ph type="title"/>
-          </p:nvPr>
-        </p:nvSpPr>
-        <p:spPr/>
-        <p:txBody>
-          <a:bodyPr/>
-          <a:lstStyle/>
-          <a:p>
-            <a:r>
-              <a:rPr lang="it-IT" dirty="0" smtClean="0">
-                <a:latin typeface="Times New Roman" panose="02020603050405020304" pitchFamily="18" charset="0"/>
-                <a:cs typeface="Times New Roman" panose="02020603050405020304" pitchFamily="18" charset="0"/>
-              </a:rPr>
-              <a:t>Processi Stocastici</a:t>
-            </a:r>
-            <a:endParaRPr lang="en-US" dirty="0">
-              <a:latin typeface="Times New Roman" panose="02020603050405020304" pitchFamily="18" charset="0"/>
-              <a:cs typeface="Times New Roman" panose="02020603050405020304" pitchFamily="18" charset="0"/>
-            </a:endParaRPr>
-          </a:p>
-        </p:txBody>
-      </p:sp>
-      <p:sp>
-        <p:nvSpPr>
-          <p:cNvPr id="9" name="Title 3"/>
-          <p:cNvSpPr txBox="1">
-            <a:spLocks/>
-          </p:cNvSpPr>
-          <p:nvPr/>
-        </p:nvSpPr>
-        <p:spPr bwMode="gray">
-          <a:xfrm>
-            <a:off x="977554" y="614951"/>
-            <a:ext cx="10217642" cy="1381292"/>
-          </a:xfrm>
-          <a:prstGeom prst="rect">
-            <a:avLst/>
-          </a:prstGeom>
-          <a:solidFill>
-            <a:srgbClr val="597189"/>
-          </a:solidFill>
-          <a:ln w="9525" cap="flat" cmpd="sng" algn="ctr">
-            <a:solidFill>
-              <a:sysClr val="window" lastClr="FFFFFF"/>
-            </a:solidFill>
-            <a:prstDash val="solid"/>
-          </a:ln>
-          <a:effectLst/>
-        </p:spPr>
-        <p:txBody>
-          <a:bodyPr vert="horz" lIns="36000" tIns="36000" rIns="36000" bIns="36000" rtlCol="0" anchor="ctr">
-            <a:normAutofit/>
-          </a:bodyPr>
-          <a:lstStyle>
-            <a:lvl1pPr algn="l" defTabSz="914400" rtl="0" eaLnBrk="1" latinLnBrk="0" hangingPunct="1">
-              <a:lnSpc>
-                <a:spcPct val="90000"/>
-              </a:lnSpc>
-              <a:spcBef>
-                <a:spcPct val="0"/>
-              </a:spcBef>
-              <a:buNone/>
-              <a:defRPr sz="4400" kern="1200">
-                <a:solidFill>
-                  <a:schemeClr val="tx1"/>
-                </a:solidFill>
-                <a:latin typeface="+mj-lt"/>
-                <a:ea typeface="+mj-ea"/>
-                <a:cs typeface="+mj-cs"/>
-              </a:defRPr>
-            </a:lvl1pPr>
-          </a:lstStyle>
-          <a:p>
-            <a:pPr defTabSz="1039020">
-              <a:spcBef>
-                <a:spcPts val="0"/>
-              </a:spcBef>
-              <a:tabLst>
-                <a:tab pos="3849665" algn="r"/>
-                <a:tab pos="4750255" algn="r"/>
-                <a:tab pos="5627511" algn="r"/>
-                <a:tab pos="6493881" algn="r"/>
-                <a:tab pos="7277811" algn="r"/>
-                <a:tab pos="8352606" algn="r"/>
-              </a:tabLst>
-            </a:pPr>
-            <a:r>
-              <a:rPr lang="it-IT" altLang="it-IT" sz="3600" b="1" kern="0" dirty="0" smtClean="0">
-                <a:solidFill>
-                  <a:prstClr val="white"/>
-                </a:solidFill>
-                <a:latin typeface="Times New Roman" panose="02020603050405020304" pitchFamily="18" charset="0"/>
-                <a:cs typeface="Times New Roman" panose="02020603050405020304" pitchFamily="18" charset="0"/>
-              </a:rPr>
-              <a:t>      Benefici del </a:t>
-            </a:r>
-            <a:r>
-              <a:rPr lang="it-IT" altLang="it-IT" sz="3600" b="1" kern="0" dirty="0" err="1" smtClean="0">
-                <a:solidFill>
-                  <a:prstClr val="white"/>
-                </a:solidFill>
-                <a:latin typeface="Times New Roman" panose="02020603050405020304" pitchFamily="18" charset="0"/>
-                <a:cs typeface="Times New Roman" panose="02020603050405020304" pitchFamily="18" charset="0"/>
-              </a:rPr>
-              <a:t>versionamento</a:t>
-            </a:r>
-            <a:endParaRPr lang="it-IT" altLang="it-IT" sz="3600" b="1" kern="0" dirty="0" smtClean="0">
-              <a:solidFill>
-                <a:prstClr val="white"/>
-              </a:solidFill>
-              <a:latin typeface="Times New Roman" panose="02020603050405020304" pitchFamily="18" charset="0"/>
-              <a:cs typeface="Times New Roman" panose="02020603050405020304" pitchFamily="18" charset="0"/>
-            </a:endParaRPr>
-          </a:p>
-        </p:txBody>
-      </p:sp>
-      <p:sp>
-        <p:nvSpPr>
-          <p:cNvPr id="8" name="Slide Number Placeholder 7"/>
-          <p:cNvSpPr>
-            <a:spLocks noGrp="1"/>
-          </p:cNvSpPr>
-          <p:nvPr>
-            <p:ph type="sldNum" sz="quarter" idx="12"/>
-          </p:nvPr>
-        </p:nvSpPr>
-        <p:spPr/>
-        <p:txBody>
-          <a:bodyPr/>
-          <a:lstStyle/>
-          <a:p>
-            <a:fld id="{A001332D-C347-4A08-BEBF-37FDE9C42D7D}" type="slidenum">
-              <a:rPr lang="en-US" smtClean="0"/>
-              <a:t>19</a:t>
-            </a:fld>
-            <a:endParaRPr lang="en-US"/>
-          </a:p>
-        </p:txBody>
-      </p:sp>
-      <p:sp>
-        <p:nvSpPr>
-          <p:cNvPr id="4" name="Rectangle 3"/>
-          <p:cNvSpPr/>
-          <p:nvPr/>
-        </p:nvSpPr>
-        <p:spPr>
-          <a:xfrm>
-            <a:off x="1023730" y="2881409"/>
-            <a:ext cx="10171466" cy="3046988"/>
-          </a:xfrm>
-          <a:prstGeom prst="rect">
-            <a:avLst/>
-          </a:prstGeom>
-        </p:spPr>
-        <p:txBody>
-          <a:bodyPr wrap="square">
-            <a:spAutoFit/>
-          </a:bodyPr>
-          <a:lstStyle/>
-          <a:p>
-            <a:pPr algn="just"/>
-            <a:r>
-              <a:rPr lang="it-IT" sz="2400" dirty="0" err="1" smtClean="0">
-                <a:latin typeface="Times New Roman" panose="02020603050405020304" pitchFamily="18" charset="0"/>
-                <a:cs typeface="Times New Roman" panose="02020603050405020304" pitchFamily="18" charset="0"/>
-              </a:rPr>
-              <a:t>Git</a:t>
-            </a:r>
-            <a:r>
-              <a:rPr lang="it-IT" sz="2400" dirty="0" smtClean="0">
-                <a:latin typeface="Times New Roman" panose="02020603050405020304" pitchFamily="18" charset="0"/>
-                <a:cs typeface="Times New Roman" panose="02020603050405020304" pitchFamily="18" charset="0"/>
-              </a:rPr>
-              <a:t> </a:t>
-            </a:r>
-            <a:r>
-              <a:rPr lang="it-IT" sz="2400" dirty="0">
-                <a:latin typeface="Times New Roman" panose="02020603050405020304" pitchFamily="18" charset="0"/>
-                <a:cs typeface="Times New Roman" panose="02020603050405020304" pitchFamily="18" charset="0"/>
-              </a:rPr>
-              <a:t>è un VCS decentralizzato, che tiene traccia delle modifiche ai</a:t>
-            </a:r>
-          </a:p>
-          <a:p>
-            <a:pPr algn="just"/>
-            <a:r>
-              <a:rPr lang="it-IT" sz="2400" dirty="0">
-                <a:latin typeface="Times New Roman" panose="02020603050405020304" pitchFamily="18" charset="0"/>
-                <a:cs typeface="Times New Roman" panose="02020603050405020304" pitchFamily="18" charset="0"/>
-              </a:rPr>
-              <a:t>file tramite </a:t>
-            </a:r>
-            <a:r>
-              <a:rPr lang="it-IT" sz="2400" dirty="0" smtClean="0">
-                <a:latin typeface="Times New Roman" panose="02020603050405020304" pitchFamily="18" charset="0"/>
-                <a:cs typeface="Times New Roman" panose="02020603050405020304" pitchFamily="18" charset="0"/>
-              </a:rPr>
-              <a:t>particolari «</a:t>
-            </a:r>
-            <a:r>
-              <a:rPr lang="it-IT" sz="2400" dirty="0" err="1" smtClean="0">
-                <a:latin typeface="Times New Roman" panose="02020603050405020304" pitchFamily="18" charset="0"/>
-                <a:cs typeface="Times New Roman" panose="02020603050405020304" pitchFamily="18" charset="0"/>
-              </a:rPr>
-              <a:t>snapshot</a:t>
-            </a:r>
-            <a:r>
-              <a:rPr lang="it-IT" sz="2400" dirty="0" smtClean="0">
-                <a:latin typeface="Times New Roman" panose="02020603050405020304" pitchFamily="18" charset="0"/>
-                <a:cs typeface="Times New Roman" panose="02020603050405020304" pitchFamily="18" charset="0"/>
-              </a:rPr>
-              <a:t>» chiamati </a:t>
-            </a:r>
-            <a:r>
-              <a:rPr lang="it-IT" sz="2400" b="1" i="1" dirty="0" err="1" smtClean="0">
-                <a:latin typeface="Times New Roman" panose="02020603050405020304" pitchFamily="18" charset="0"/>
-                <a:cs typeface="Times New Roman" panose="02020603050405020304" pitchFamily="18" charset="0"/>
-              </a:rPr>
-              <a:t>commit</a:t>
-            </a:r>
-            <a:r>
-              <a:rPr lang="it-IT" sz="2400" dirty="0" smtClean="0">
-                <a:latin typeface="Times New Roman" panose="02020603050405020304" pitchFamily="18" charset="0"/>
-                <a:cs typeface="Times New Roman" panose="02020603050405020304" pitchFamily="18" charset="0"/>
-              </a:rPr>
-              <a:t>, che includono le modifiche eseguite </a:t>
-            </a:r>
-            <a:r>
-              <a:rPr lang="it-IT" sz="2400" dirty="0">
-                <a:latin typeface="Times New Roman" panose="02020603050405020304" pitchFamily="18" charset="0"/>
-                <a:cs typeface="Times New Roman" panose="02020603050405020304" pitchFamily="18" charset="0"/>
-              </a:rPr>
-              <a:t>in </a:t>
-            </a:r>
-            <a:r>
-              <a:rPr lang="it-IT" sz="2400" dirty="0" smtClean="0">
-                <a:latin typeface="Times New Roman" panose="02020603050405020304" pitchFamily="18" charset="0"/>
-                <a:cs typeface="Times New Roman" panose="02020603050405020304" pitchFamily="18" charset="0"/>
-              </a:rPr>
-              <a:t>locale rispetto ai </a:t>
-            </a:r>
-            <a:r>
-              <a:rPr lang="it-IT" sz="2400" dirty="0" err="1" smtClean="0">
-                <a:latin typeface="Times New Roman" panose="02020603050405020304" pitchFamily="18" charset="0"/>
-                <a:cs typeface="Times New Roman" panose="02020603050405020304" pitchFamily="18" charset="0"/>
-              </a:rPr>
-              <a:t>commit</a:t>
-            </a:r>
-            <a:r>
-              <a:rPr lang="it-IT" sz="2400" dirty="0" smtClean="0">
-                <a:latin typeface="Times New Roman" panose="02020603050405020304" pitchFamily="18" charset="0"/>
-                <a:cs typeface="Times New Roman" panose="02020603050405020304" pitchFamily="18" charset="0"/>
-              </a:rPr>
-              <a:t> precedenti.</a:t>
-            </a:r>
-            <a:endParaRPr lang="it-IT" sz="2400" dirty="0">
-              <a:latin typeface="Times New Roman" panose="02020603050405020304" pitchFamily="18" charset="0"/>
-              <a:cs typeface="Times New Roman" panose="02020603050405020304" pitchFamily="18" charset="0"/>
-            </a:endParaRPr>
-          </a:p>
-          <a:p>
-            <a:pPr algn="just"/>
-            <a:r>
-              <a:rPr lang="it-IT" sz="2400" dirty="0">
-                <a:latin typeface="Times New Roman" panose="02020603050405020304" pitchFamily="18" charset="0"/>
-                <a:cs typeface="Times New Roman" panose="02020603050405020304" pitchFamily="18" charset="0"/>
-              </a:rPr>
-              <a:t>• </a:t>
-            </a:r>
-            <a:r>
-              <a:rPr lang="it-IT" sz="2400" dirty="0" smtClean="0">
-                <a:latin typeface="Times New Roman" panose="02020603050405020304" pitchFamily="18" charset="0"/>
-                <a:cs typeface="Times New Roman" panose="02020603050405020304" pitchFamily="18" charset="0"/>
-              </a:rPr>
-              <a:t>nei progetti di sviluppo su cui lavorano più </a:t>
-            </a:r>
-            <a:r>
-              <a:rPr lang="it-IT" sz="2400" dirty="0" err="1" smtClean="0">
-                <a:latin typeface="Times New Roman" panose="02020603050405020304" pitchFamily="18" charset="0"/>
-                <a:cs typeface="Times New Roman" panose="02020603050405020304" pitchFamily="18" charset="0"/>
-              </a:rPr>
-              <a:t>developers</a:t>
-            </a:r>
-            <a:r>
-              <a:rPr lang="it-IT" sz="2400" dirty="0" smtClean="0">
-                <a:latin typeface="Times New Roman" panose="02020603050405020304" pitchFamily="18" charset="0"/>
-                <a:cs typeface="Times New Roman" panose="02020603050405020304" pitchFamily="18" charset="0"/>
-              </a:rPr>
-              <a:t> ogni </a:t>
-            </a:r>
-            <a:r>
-              <a:rPr lang="it-IT" sz="2400" dirty="0">
-                <a:latin typeface="Times New Roman" panose="02020603050405020304" pitchFamily="18" charset="0"/>
-                <a:cs typeface="Times New Roman" panose="02020603050405020304" pitchFamily="18" charset="0"/>
-              </a:rPr>
-              <a:t>modifica viene salvata </a:t>
-            </a:r>
-            <a:r>
-              <a:rPr lang="it-IT" sz="2400" dirty="0" smtClean="0">
-                <a:latin typeface="Times New Roman" panose="02020603050405020304" pitchFamily="18" charset="0"/>
-                <a:cs typeface="Times New Roman" panose="02020603050405020304" pitchFamily="18" charset="0"/>
-              </a:rPr>
-              <a:t>previo un meccanismo di controllo </a:t>
-            </a:r>
-            <a:r>
-              <a:rPr lang="it-IT" sz="2400" dirty="0">
-                <a:latin typeface="Times New Roman" panose="02020603050405020304" pitchFamily="18" charset="0"/>
-                <a:cs typeface="Times New Roman" panose="02020603050405020304" pitchFamily="18" charset="0"/>
-              </a:rPr>
-              <a:t>di </a:t>
-            </a:r>
-            <a:r>
-              <a:rPr lang="it-IT" sz="2400" dirty="0" smtClean="0">
-                <a:latin typeface="Times New Roman" panose="02020603050405020304" pitchFamily="18" charset="0"/>
-                <a:cs typeface="Times New Roman" panose="02020603050405020304" pitchFamily="18" charset="0"/>
-              </a:rPr>
-              <a:t>integrità e relativo feedback (</a:t>
-            </a:r>
-            <a:r>
-              <a:rPr lang="it-IT" sz="2400" b="1" i="1" dirty="0" smtClean="0">
-                <a:latin typeface="Times New Roman" panose="02020603050405020304" pitchFamily="18" charset="0"/>
-                <a:cs typeface="Times New Roman" panose="02020603050405020304" pitchFamily="18" charset="0"/>
-              </a:rPr>
-              <a:t>code </a:t>
-            </a:r>
-            <a:r>
-              <a:rPr lang="it-IT" sz="2400" b="1" i="1" dirty="0" err="1" smtClean="0">
-                <a:latin typeface="Times New Roman" panose="02020603050405020304" pitchFamily="18" charset="0"/>
-                <a:cs typeface="Times New Roman" panose="02020603050405020304" pitchFamily="18" charset="0"/>
-              </a:rPr>
-              <a:t>review</a:t>
-            </a:r>
-            <a:r>
-              <a:rPr lang="it-IT" sz="2400" dirty="0" smtClean="0">
-                <a:latin typeface="Times New Roman" panose="02020603050405020304" pitchFamily="18" charset="0"/>
-                <a:cs typeface="Times New Roman" panose="02020603050405020304" pitchFamily="18" charset="0"/>
-              </a:rPr>
-              <a:t>);</a:t>
-            </a:r>
-            <a:endParaRPr lang="it-IT" sz="2400" dirty="0">
-              <a:latin typeface="Times New Roman" panose="02020603050405020304" pitchFamily="18" charset="0"/>
-              <a:cs typeface="Times New Roman" panose="02020603050405020304" pitchFamily="18" charset="0"/>
-            </a:endParaRPr>
-          </a:p>
-          <a:p>
-            <a:pPr algn="just"/>
-            <a:r>
-              <a:rPr lang="it-IT" sz="2400" dirty="0">
-                <a:latin typeface="Times New Roman" panose="02020603050405020304" pitchFamily="18" charset="0"/>
-                <a:cs typeface="Times New Roman" panose="02020603050405020304" pitchFamily="18" charset="0"/>
-              </a:rPr>
-              <a:t>• </a:t>
-            </a:r>
-            <a:r>
-              <a:rPr lang="it-IT" sz="2400" dirty="0" err="1" smtClean="0">
-                <a:latin typeface="Times New Roman" panose="02020603050405020304" pitchFamily="18" charset="0"/>
-                <a:cs typeface="Times New Roman" panose="02020603050405020304" pitchFamily="18" charset="0"/>
-              </a:rPr>
-              <a:t>Git</a:t>
-            </a:r>
-            <a:r>
-              <a:rPr lang="it-IT" sz="2400" dirty="0" smtClean="0">
-                <a:latin typeface="Times New Roman" panose="02020603050405020304" pitchFamily="18" charset="0"/>
-                <a:cs typeface="Times New Roman" panose="02020603050405020304" pitchFamily="18" charset="0"/>
-              </a:rPr>
-              <a:t> è utile nel caso di modifica </a:t>
-            </a:r>
-            <a:r>
-              <a:rPr lang="it-IT" sz="2400" dirty="0">
-                <a:latin typeface="Times New Roman" panose="02020603050405020304" pitchFamily="18" charset="0"/>
-                <a:cs typeface="Times New Roman" panose="02020603050405020304" pitchFamily="18" charset="0"/>
-              </a:rPr>
-              <a:t>o</a:t>
-            </a:r>
-            <a:r>
-              <a:rPr lang="it-IT" sz="2400" dirty="0" smtClean="0">
-                <a:latin typeface="Times New Roman" panose="02020603050405020304" pitchFamily="18" charset="0"/>
-                <a:cs typeface="Times New Roman" panose="02020603050405020304" pitchFamily="18" charset="0"/>
-              </a:rPr>
-              <a:t> cancellazione involontaria di informazioni contenute nei file tracciati</a:t>
-            </a:r>
-            <a:endParaRPr lang="en-US" sz="2400" dirty="0">
-              <a:latin typeface="Times New Roman" panose="02020603050405020304" pitchFamily="18" charset="0"/>
-              <a:cs typeface="Times New Roman" panose="02020603050405020304" pitchFamily="18" charset="0"/>
-            </a:endParaRPr>
-          </a:p>
-        </p:txBody>
-      </p:sp>
-    </p:spTree>
-    <p:extLst>
-      <p:ext uri="{BB962C8B-B14F-4D97-AF65-F5344CB8AC3E}">
-        <p14:creationId xmlns:p14="http://schemas.microsoft.com/office/powerpoint/2010/main" val="3762477708"/>
+        <p14:creationId xmlns:p14="http://schemas.microsoft.com/office/powerpoint/2010/main" val="3583698020"/>
       </p:ext>
     </p:extLst>
   </p:cSld>
@@ -7901,25 +7746,8 @@
                 <a:latin typeface="Times New Roman" panose="02020603050405020304" pitchFamily="18" charset="0"/>
                 <a:cs typeface="Times New Roman" panose="02020603050405020304" pitchFamily="18" charset="0"/>
               </a:rPr>
-              <a:t>     </a:t>
-            </a:r>
-            <a:r>
-              <a:rPr lang="it-IT" altLang="it-IT" sz="3600" b="1" kern="0" dirty="0" smtClean="0">
-                <a:solidFill>
-                  <a:prstClr val="white"/>
-                </a:solidFill>
-                <a:latin typeface="Times New Roman" panose="02020603050405020304" pitchFamily="18" charset="0"/>
-                <a:cs typeface="Times New Roman" panose="02020603050405020304" pitchFamily="18" charset="0"/>
-              </a:rPr>
-              <a:t>Cos’è Anaconda?  </a:t>
-            </a:r>
-            <a:endParaRPr lang="it-IT" altLang="it-IT" sz="3600" b="1" kern="0" dirty="0" smtClean="0">
-              <a:solidFill>
-                <a:prstClr val="white"/>
-              </a:solidFill>
-              <a:latin typeface="Times New Roman" panose="02020603050405020304" pitchFamily="18" charset="0"/>
-              <a:cs typeface="Times New Roman" panose="02020603050405020304" pitchFamily="18" charset="0"/>
-            </a:endParaRPr>
+              <a:t>     Cos’è Anaconda?  </a:t>
+            </a:r>
           </a:p>
         </p:txBody>
       </p:sp>
@@ -8323,35 +8151,8 @@
                 <a:latin typeface="Times New Roman" panose="02020603050405020304" pitchFamily="18" charset="0"/>
                 <a:cs typeface="Times New Roman" panose="02020603050405020304" pitchFamily="18" charset="0"/>
               </a:rPr>
-              <a:t>      Inizializzare un </a:t>
-            </a:r>
-            <a:r>
-              <a:rPr lang="it-IT" altLang="it-IT" sz="3600" b="1" kern="0" dirty="0" err="1" smtClean="0">
-                <a:solidFill>
-                  <a:prstClr val="white"/>
-                </a:solidFill>
-                <a:latin typeface="Times New Roman" panose="02020603050405020304" pitchFamily="18" charset="0"/>
-                <a:cs typeface="Times New Roman" panose="02020603050405020304" pitchFamily="18" charset="0"/>
-              </a:rPr>
-              <a:t>repository</a:t>
-            </a:r>
-            <a:r>
-              <a:rPr lang="it-IT" altLang="it-IT" sz="3600" b="1" kern="0" dirty="0" smtClean="0">
-                <a:solidFill>
-                  <a:prstClr val="white"/>
-                </a:solidFill>
-                <a:latin typeface="Times New Roman" panose="02020603050405020304" pitchFamily="18" charset="0"/>
-                <a:cs typeface="Times New Roman" panose="02020603050405020304" pitchFamily="18" charset="0"/>
-              </a:rPr>
-              <a:t> locale</a:t>
-            </a:r>
-            <a:endParaRPr lang="it-IT" altLang="it-IT" sz="3600" b="1" kern="0" dirty="0" smtClean="0">
-              <a:solidFill>
-                <a:prstClr val="white"/>
-              </a:solidFill>
-              <a:latin typeface="Times New Roman" panose="02020603050405020304" pitchFamily="18" charset="0"/>
-              <a:cs typeface="Times New Roman" panose="02020603050405020304" pitchFamily="18" charset="0"/>
-            </a:endParaRPr>
+              <a:t>      Funzionamento di un sistema di controllo versione</a:t>
+            </a:r>
           </a:p>
         </p:txBody>
       </p:sp>
@@ -8387,7 +8188,7 @@
         <p:spPr>
           <a:xfrm>
             <a:off x="1023730" y="2881409"/>
-            <a:ext cx="10171466" cy="3416320"/>
+            <a:ext cx="10171466" cy="2308324"/>
           </a:xfrm>
           <a:prstGeom prst="rect">
             <a:avLst/>
@@ -8401,218 +8202,195 @@
           <a:p>
             <a:pPr algn="just"/>
             <a:r>
+              <a:rPr lang="it-IT" sz="2400" dirty="0">
+                <a:latin typeface="Times New Roman" panose="02020603050405020304" pitchFamily="18" charset="0"/>
+                <a:cs typeface="Times New Roman" panose="02020603050405020304" pitchFamily="18" charset="0"/>
+              </a:rPr>
+              <a:t>Un </a:t>
+            </a:r>
+            <a:r>
               <a:rPr lang="it-IT" sz="2400" dirty="0" smtClean="0">
                 <a:latin typeface="Times New Roman" panose="02020603050405020304" pitchFamily="18" charset="0"/>
                 <a:cs typeface="Times New Roman" panose="02020603050405020304" pitchFamily="18" charset="0"/>
               </a:rPr>
-              <a:t>La directory in </a:t>
+              <a:t>sistema di controllo versione (VCS) conserva </a:t>
             </a:r>
             <a:r>
               <a:rPr lang="it-IT" sz="2400" dirty="0">
                 <a:latin typeface="Times New Roman" panose="02020603050405020304" pitchFamily="18" charset="0"/>
                 <a:cs typeface="Times New Roman" panose="02020603050405020304" pitchFamily="18" charset="0"/>
               </a:rPr>
-              <a:t>cui file siano tracciati da </a:t>
-            </a:r>
-            <a:r>
-              <a:rPr lang="it-IT" sz="2400" dirty="0" err="1" smtClean="0">
-                <a:latin typeface="Times New Roman" panose="02020603050405020304" pitchFamily="18" charset="0"/>
-                <a:cs typeface="Times New Roman" panose="02020603050405020304" pitchFamily="18" charset="0"/>
-              </a:rPr>
-              <a:t>Git</a:t>
+              <a:t>le </a:t>
             </a:r>
             <a:r>
               <a:rPr lang="it-IT" sz="2400" dirty="0" smtClean="0">
                 <a:latin typeface="Times New Roman" panose="02020603050405020304" pitchFamily="18" charset="0"/>
                 <a:cs typeface="Times New Roman" panose="02020603050405020304" pitchFamily="18" charset="0"/>
               </a:rPr>
-              <a:t> sono </a:t>
-            </a:r>
-            <a:r>
-              <a:rPr lang="it-IT" sz="2400" dirty="0" err="1" smtClean="0">
-                <a:latin typeface="Times New Roman" panose="02020603050405020304" pitchFamily="18" charset="0"/>
-                <a:cs typeface="Times New Roman" panose="02020603050405020304" pitchFamily="18" charset="0"/>
-              </a:rPr>
-              <a:t>storati</a:t>
+              <a:t>modifiche effettuate </a:t>
+            </a:r>
+            <a:r>
+              <a:rPr lang="it-IT" sz="2400" dirty="0">
+                <a:latin typeface="Times New Roman" panose="02020603050405020304" pitchFamily="18" charset="0"/>
+                <a:cs typeface="Times New Roman" panose="02020603050405020304" pitchFamily="18" charset="0"/>
+              </a:rPr>
+              <a:t>sui file </a:t>
             </a:r>
             <a:r>
               <a:rPr lang="it-IT" sz="2400" dirty="0" smtClean="0">
                 <a:latin typeface="Times New Roman" panose="02020603050405020304" pitchFamily="18" charset="0"/>
                 <a:cs typeface="Times New Roman" panose="02020603050405020304" pitchFamily="18" charset="0"/>
               </a:rPr>
-              <a:t> si configura come versione locale del </a:t>
-            </a:r>
-            <a:r>
-              <a:rPr lang="it-IT" sz="2400" dirty="0" err="1" smtClean="0">
-                <a:latin typeface="Times New Roman" panose="02020603050405020304" pitchFamily="18" charset="0"/>
-                <a:cs typeface="Times New Roman" panose="02020603050405020304" pitchFamily="18" charset="0"/>
-              </a:rPr>
-              <a:t>repository</a:t>
-            </a:r>
-            <a:r>
-              <a:rPr lang="it-IT" sz="2400" dirty="0">
-                <a:latin typeface="Times New Roman" panose="02020603050405020304" pitchFamily="18" charset="0"/>
-                <a:cs typeface="Times New Roman" panose="02020603050405020304" pitchFamily="18" charset="0"/>
-              </a:rPr>
-              <a:t>.</a:t>
-            </a:r>
-            <a:r>
-              <a:rPr lang="it-IT" sz="2400" dirty="0" smtClean="0">
-                <a:latin typeface="Times New Roman" panose="02020603050405020304" pitchFamily="18" charset="0"/>
-                <a:cs typeface="Times New Roman" panose="02020603050405020304" pitchFamily="18" charset="0"/>
-              </a:rPr>
-              <a:t> </a:t>
+              <a:t>tracciati in:</a:t>
             </a:r>
           </a:p>
           <a:p>
             <a:pPr algn="just"/>
-            <a:endParaRPr lang="it-IT" sz="2400" dirty="0">
+            <a:endParaRPr lang="it-IT" sz="2400" dirty="0" smtClean="0">
               <a:latin typeface="Times New Roman" panose="02020603050405020304" pitchFamily="18" charset="0"/>
               <a:cs typeface="Times New Roman" panose="02020603050405020304" pitchFamily="18" charset="0"/>
             </a:endParaRPr>
           </a:p>
           <a:p>
-            <a:pPr algn="just"/>
+            <a:pPr marL="742950" lvl="1" indent="-285750" algn="just">
+              <a:buFont typeface="Arial" panose="020B0604020202020204" pitchFamily="34" charset="0"/>
+              <a:buChar char="•"/>
+            </a:pPr>
+            <a:r>
+              <a:rPr lang="it-IT" sz="2400" b="1" i="1" dirty="0" smtClean="0">
+                <a:latin typeface="Times New Roman" panose="02020603050405020304" pitchFamily="18" charset="0"/>
+                <a:cs typeface="Times New Roman" panose="02020603050405020304" pitchFamily="18" charset="0"/>
+              </a:rPr>
+              <a:t>locale</a:t>
+            </a:r>
+            <a:r>
+              <a:rPr lang="it-IT" sz="2400" dirty="0">
+                <a:latin typeface="Times New Roman" panose="02020603050405020304" pitchFamily="18" charset="0"/>
+                <a:cs typeface="Times New Roman" panose="02020603050405020304" pitchFamily="18" charset="0"/>
+              </a:rPr>
+              <a:t>: i file tracciati risiedono sulla propria </a:t>
+            </a:r>
             <a:r>
               <a:rPr lang="it-IT" sz="2400" dirty="0" smtClean="0">
                 <a:latin typeface="Times New Roman" panose="02020603050405020304" pitchFamily="18" charset="0"/>
                 <a:cs typeface="Times New Roman" panose="02020603050405020304" pitchFamily="18" charset="0"/>
               </a:rPr>
-              <a:t>Per inizializzare un </a:t>
-            </a:r>
-            <a:r>
-              <a:rPr lang="it-IT" sz="2400" dirty="0" err="1" smtClean="0">
-                <a:latin typeface="Times New Roman" panose="02020603050405020304" pitchFamily="18" charset="0"/>
-                <a:cs typeface="Times New Roman" panose="02020603050405020304" pitchFamily="18" charset="0"/>
-              </a:rPr>
-              <a:t>repository</a:t>
+              <a:t>macchina;</a:t>
+            </a:r>
+          </a:p>
+          <a:p>
+            <a:pPr marL="742950" lvl="1" indent="-285750" algn="just">
+              <a:buFont typeface="Arial" panose="020B0604020202020204" pitchFamily="34" charset="0"/>
+              <a:buChar char="•"/>
+            </a:pPr>
+            <a:r>
+              <a:rPr lang="it-IT" sz="2400" b="1" i="1" dirty="0" smtClean="0">
+                <a:latin typeface="Times New Roman" panose="02020603050405020304" pitchFamily="18" charset="0"/>
+                <a:cs typeface="Times New Roman" panose="02020603050405020304" pitchFamily="18" charset="0"/>
+              </a:rPr>
+              <a:t>globale</a:t>
             </a:r>
             <a:r>
               <a:rPr lang="it-IT" sz="2400" dirty="0" smtClean="0">
                 <a:latin typeface="Times New Roman" panose="02020603050405020304" pitchFamily="18" charset="0"/>
                 <a:cs typeface="Times New Roman" panose="02020603050405020304" pitchFamily="18" charset="0"/>
               </a:rPr>
-              <a:t> locale occorre:</a:t>
-            </a:r>
-            <a:endParaRPr lang="it-IT" sz="2400" dirty="0">
+              <a:t>: </a:t>
+            </a:r>
+            <a:r>
+              <a:rPr lang="it-IT" sz="2400" dirty="0">
+                <a:latin typeface="Times New Roman" panose="02020603050405020304" pitchFamily="18" charset="0"/>
+                <a:cs typeface="Times New Roman" panose="02020603050405020304" pitchFamily="18" charset="0"/>
+              </a:rPr>
+              <a:t>i file tracciati risiedono </a:t>
+            </a:r>
+            <a:r>
+              <a:rPr lang="it-IT" sz="2400" dirty="0" smtClean="0">
+                <a:latin typeface="Times New Roman" panose="02020603050405020304" pitchFamily="18" charset="0"/>
+                <a:cs typeface="Times New Roman" panose="02020603050405020304" pitchFamily="18" charset="0"/>
+              </a:rPr>
+              <a:t>su </a:t>
+            </a:r>
+            <a:r>
+              <a:rPr lang="it-IT" sz="2400" dirty="0">
+                <a:latin typeface="Times New Roman" panose="02020603050405020304" pitchFamily="18" charset="0"/>
+                <a:cs typeface="Times New Roman" panose="02020603050405020304" pitchFamily="18" charset="0"/>
+              </a:rPr>
+              <a:t>un </a:t>
+            </a:r>
+            <a:r>
+              <a:rPr lang="it-IT" sz="2400" dirty="0" smtClean="0">
+                <a:latin typeface="Times New Roman" panose="02020603050405020304" pitchFamily="18" charset="0"/>
+                <a:cs typeface="Times New Roman" panose="02020603050405020304" pitchFamily="18" charset="0"/>
+              </a:rPr>
+              <a:t>server remoto;</a:t>
+            </a:r>
+          </a:p>
+          <a:p>
+            <a:pPr marL="742950" lvl="1" indent="-285750" algn="just">
+              <a:buFont typeface="Arial" panose="020B0604020202020204" pitchFamily="34" charset="0"/>
+              <a:buChar char="•"/>
+            </a:pPr>
+            <a:r>
+              <a:rPr lang="it-IT" sz="2400" b="1" i="1" dirty="0" smtClean="0">
+                <a:latin typeface="Times New Roman" panose="02020603050405020304" pitchFamily="18" charset="0"/>
+                <a:cs typeface="Times New Roman" panose="02020603050405020304" pitchFamily="18" charset="0"/>
+              </a:rPr>
+              <a:t>distribuito</a:t>
+            </a:r>
+            <a:r>
+              <a:rPr lang="it-IT" sz="2400" dirty="0">
+                <a:latin typeface="Times New Roman" panose="02020603050405020304" pitchFamily="18" charset="0"/>
+                <a:cs typeface="Times New Roman" panose="02020603050405020304" pitchFamily="18" charset="0"/>
+              </a:rPr>
+              <a:t>: </a:t>
+            </a:r>
+            <a:r>
+              <a:rPr lang="it-IT" sz="2400" dirty="0" smtClean="0">
+                <a:latin typeface="Times New Roman" panose="02020603050405020304" pitchFamily="18" charset="0"/>
+                <a:cs typeface="Times New Roman" panose="02020603050405020304" pitchFamily="18" charset="0"/>
+              </a:rPr>
+              <a:t>i </a:t>
+            </a:r>
+            <a:r>
+              <a:rPr lang="it-IT" sz="2400" dirty="0">
+                <a:latin typeface="Times New Roman" panose="02020603050405020304" pitchFamily="18" charset="0"/>
+                <a:cs typeface="Times New Roman" panose="02020603050405020304" pitchFamily="18" charset="0"/>
+              </a:rPr>
+              <a:t>file tracciati risiedono </a:t>
+            </a:r>
+            <a:r>
+              <a:rPr lang="it-IT" sz="2400" dirty="0" smtClean="0">
+                <a:latin typeface="Times New Roman" panose="02020603050405020304" pitchFamily="18" charset="0"/>
+                <a:cs typeface="Times New Roman" panose="02020603050405020304" pitchFamily="18" charset="0"/>
+              </a:rPr>
+              <a:t>sulle macchine </a:t>
+            </a:r>
+            <a:r>
+              <a:rPr lang="it-IT" sz="2400" dirty="0">
+                <a:latin typeface="Times New Roman" panose="02020603050405020304" pitchFamily="18" charset="0"/>
+                <a:cs typeface="Times New Roman" panose="02020603050405020304" pitchFamily="18" charset="0"/>
+              </a:rPr>
+              <a:t>di ciascun </a:t>
+            </a:r>
+            <a:r>
+              <a:rPr lang="it-IT" sz="2400" dirty="0" smtClean="0">
+                <a:latin typeface="Times New Roman" panose="02020603050405020304" pitchFamily="18" charset="0"/>
+                <a:cs typeface="Times New Roman" panose="02020603050405020304" pitchFamily="18" charset="0"/>
+              </a:rPr>
+              <a:t>utente.</a:t>
+            </a:r>
+            <a:endParaRPr lang="en-US" sz="2400" dirty="0">
               <a:latin typeface="Times New Roman" panose="02020603050405020304" pitchFamily="18" charset="0"/>
               <a:cs typeface="Times New Roman" panose="02020603050405020304" pitchFamily="18" charset="0"/>
             </a:endParaRPr>
           </a:p>
-          <a:p>
-            <a:pPr algn="just"/>
-            <a:r>
-              <a:rPr lang="it-IT" sz="2400" dirty="0">
-                <a:latin typeface="Times New Roman" panose="02020603050405020304" pitchFamily="18" charset="0"/>
-                <a:cs typeface="Times New Roman" panose="02020603050405020304" pitchFamily="18" charset="0"/>
-              </a:rPr>
-              <a:t>• </a:t>
-            </a:r>
-            <a:r>
-              <a:rPr lang="it-IT" sz="2400" dirty="0" smtClean="0">
-                <a:latin typeface="Times New Roman" panose="02020603050405020304" pitchFamily="18" charset="0"/>
-                <a:cs typeface="Times New Roman" panose="02020603050405020304" pitchFamily="18" charset="0"/>
-              </a:rPr>
-              <a:t>attraverso </a:t>
-            </a:r>
-            <a:r>
-              <a:rPr lang="it-IT" sz="2400" dirty="0" err="1" smtClean="0">
-                <a:latin typeface="Times New Roman" panose="02020603050405020304" pitchFamily="18" charset="0"/>
-                <a:cs typeface="Times New Roman" panose="02020603050405020304" pitchFamily="18" charset="0"/>
-              </a:rPr>
-              <a:t>Git-bash</a:t>
-            </a:r>
-            <a:r>
-              <a:rPr lang="it-IT" sz="2400" dirty="0" smtClean="0">
-                <a:latin typeface="Times New Roman" panose="02020603050405020304" pitchFamily="18" charset="0"/>
-                <a:cs typeface="Times New Roman" panose="02020603050405020304" pitchFamily="18" charset="0"/>
-              </a:rPr>
-              <a:t>, dirigersi </a:t>
-            </a:r>
-            <a:r>
-              <a:rPr lang="it-IT" sz="2400" dirty="0">
-                <a:latin typeface="Times New Roman" panose="02020603050405020304" pitchFamily="18" charset="0"/>
-                <a:cs typeface="Times New Roman" panose="02020603050405020304" pitchFamily="18" charset="0"/>
-              </a:rPr>
-              <a:t>nella directory radice del progetto che si </a:t>
-            </a:r>
-            <a:r>
-              <a:rPr lang="it-IT" sz="2400" dirty="0" smtClean="0">
-                <a:latin typeface="Times New Roman" panose="02020603050405020304" pitchFamily="18" charset="0"/>
-                <a:cs typeface="Times New Roman" panose="02020603050405020304" pitchFamily="18" charset="0"/>
-              </a:rPr>
-              <a:t>vuole tracciare;</a:t>
-            </a:r>
-            <a:endParaRPr lang="it-IT" sz="2400" dirty="0">
-              <a:latin typeface="Times New Roman" panose="02020603050405020304" pitchFamily="18" charset="0"/>
-              <a:cs typeface="Times New Roman" panose="02020603050405020304" pitchFamily="18" charset="0"/>
-            </a:endParaRPr>
-          </a:p>
-          <a:p>
-            <a:pPr algn="just"/>
-            <a:r>
-              <a:rPr lang="it-IT" sz="2400" dirty="0">
-                <a:latin typeface="Times New Roman" panose="02020603050405020304" pitchFamily="18" charset="0"/>
-                <a:cs typeface="Times New Roman" panose="02020603050405020304" pitchFamily="18" charset="0"/>
-              </a:rPr>
-              <a:t>• </a:t>
-            </a:r>
-            <a:r>
-              <a:rPr lang="it-IT" sz="2400" dirty="0" smtClean="0">
-                <a:latin typeface="Times New Roman" panose="02020603050405020304" pitchFamily="18" charset="0"/>
-                <a:cs typeface="Times New Roman" panose="02020603050405020304" pitchFamily="18" charset="0"/>
-              </a:rPr>
-              <a:t>digitare il comando (senza mai includere il simbolo dollaro, che semplicemente compare sempre all’inizio della riga di comando):</a:t>
-            </a:r>
-          </a:p>
-          <a:p>
-            <a:pPr algn="just"/>
-            <a:r>
-              <a:rPr lang="it-IT" sz="2400" dirty="0">
-                <a:latin typeface="Times New Roman" panose="02020603050405020304" pitchFamily="18" charset="0"/>
-                <a:cs typeface="Times New Roman" panose="02020603050405020304" pitchFamily="18" charset="0"/>
-              </a:rPr>
-              <a:t>	</a:t>
-            </a:r>
-            <a:r>
-              <a:rPr lang="it-IT" sz="2400" b="1" dirty="0" smtClean="0">
-                <a:latin typeface="Times New Roman" panose="02020603050405020304" pitchFamily="18" charset="0"/>
-                <a:cs typeface="Times New Roman" panose="02020603050405020304" pitchFamily="18" charset="0"/>
-              </a:rPr>
-              <a:t>$ </a:t>
-            </a:r>
-            <a:r>
-              <a:rPr lang="it-IT" sz="2400" b="1" dirty="0" err="1">
-                <a:latin typeface="Times New Roman" panose="02020603050405020304" pitchFamily="18" charset="0"/>
-                <a:cs typeface="Times New Roman" panose="02020603050405020304" pitchFamily="18" charset="0"/>
-              </a:rPr>
-              <a:t>git</a:t>
-            </a:r>
-            <a:r>
-              <a:rPr lang="it-IT" sz="2400" b="1" dirty="0">
-                <a:latin typeface="Times New Roman" panose="02020603050405020304" pitchFamily="18" charset="0"/>
-                <a:cs typeface="Times New Roman" panose="02020603050405020304" pitchFamily="18" charset="0"/>
-              </a:rPr>
-              <a:t> </a:t>
-            </a:r>
-            <a:r>
-              <a:rPr lang="it-IT" sz="2400" b="1" dirty="0" err="1">
-                <a:latin typeface="Times New Roman" panose="02020603050405020304" pitchFamily="18" charset="0"/>
-                <a:cs typeface="Times New Roman" panose="02020603050405020304" pitchFamily="18" charset="0"/>
-              </a:rPr>
-              <a:t>init</a:t>
-            </a:r>
-            <a:endParaRPr lang="it-IT" sz="2400" b="1" dirty="0" smtClean="0">
-              <a:latin typeface="Times New Roman" panose="02020603050405020304" pitchFamily="18" charset="0"/>
-              <a:cs typeface="Times New Roman" panose="02020603050405020304" pitchFamily="18" charset="0"/>
-            </a:endParaRPr>
-          </a:p>
         </p:txBody>
       </p:sp>
     </p:spTree>
     <p:extLst>
       <p:ext uri="{BB962C8B-B14F-4D97-AF65-F5344CB8AC3E}">
-        <p14:creationId xmlns:p14="http://schemas.microsoft.com/office/powerpoint/2010/main" val="3217568271"/>
+        <p14:creationId xmlns:p14="http://schemas.microsoft.com/office/powerpoint/2010/main" val="3902235878"/>
       </p:ext>
     </p:extLst>
   </p:cSld>
@@ -8747,7 +8525,7 @@
                 <a:latin typeface="Times New Roman" panose="02020603050405020304" pitchFamily="18" charset="0"/>
                 <a:cs typeface="Times New Roman" panose="02020603050405020304" pitchFamily="18" charset="0"/>
               </a:rPr>
-              <a:t>      Configurare il proprio account di </a:t>
+              <a:t>      Benefici del </a:t>
             </a:r>
             <a:r>
               <a:rPr lang="it-IT" altLang="it-IT" sz="3600" b="1" kern="0" dirty="0" err="1" smtClean="0">
@@ -8757,7 +8535,7 @@
                 <a:latin typeface="Times New Roman" panose="02020603050405020304" pitchFamily="18" charset="0"/>
                 <a:cs typeface="Times New Roman" panose="02020603050405020304" pitchFamily="18" charset="0"/>
               </a:rPr>
-              <a:t>GitHub</a:t>
+              <a:t>versionamento</a:t>
             </a:r>
             <a:endParaRPr lang="it-IT" altLang="it-IT" sz="3600" b="1" kern="0" dirty="0" smtClean="0">
               <a:solidFill>
@@ -8788,7 +8566,7 @@
               <a:rPr lang="en-US" smtClean="0"/>
               <a:t>21</a:t>
             </a:fld>
-            <a:endParaRPr lang="en-US" dirty="0"/>
+            <a:endParaRPr lang="en-US"/>
           </a:p>
         </p:txBody>
       </p:sp>
@@ -8815,311 +8593,236 @@
           <a:p>
             <a:pPr algn="just"/>
             <a:r>
+              <a:rPr lang="it-IT" sz="2400" dirty="0" err="1" smtClean="0">
+                <a:latin typeface="Times New Roman" panose="02020603050405020304" pitchFamily="18" charset="0"/>
+                <a:cs typeface="Times New Roman" panose="02020603050405020304" pitchFamily="18" charset="0"/>
+              </a:rPr>
+              <a:t>Git</a:t>
+            </a:r>
+            <a:r>
               <a:rPr lang="it-IT" sz="2400" dirty="0" smtClean="0">
                 <a:latin typeface="Times New Roman" panose="02020603050405020304" pitchFamily="18" charset="0"/>
                 <a:cs typeface="Times New Roman" panose="02020603050405020304" pitchFamily="18" charset="0"/>
               </a:rPr>
-              <a:t>Al fine di configurare il proprio account </a:t>
+              <a:t> </a:t>
+            </a:r>
+            <a:r>
+              <a:rPr lang="it-IT" sz="2400" dirty="0">
+                <a:latin typeface="Times New Roman" panose="02020603050405020304" pitchFamily="18" charset="0"/>
+                <a:cs typeface="Times New Roman" panose="02020603050405020304" pitchFamily="18" charset="0"/>
+              </a:rPr>
+              <a:t>è un VCS decentralizzato, che tiene traccia delle modifiche ai</a:t>
+            </a:r>
+          </a:p>
+          <a:p>
+            <a:pPr algn="just"/>
+            <a:r>
+              <a:rPr lang="it-IT" sz="2400" dirty="0">
+                <a:latin typeface="Times New Roman" panose="02020603050405020304" pitchFamily="18" charset="0"/>
+                <a:cs typeface="Times New Roman" panose="02020603050405020304" pitchFamily="18" charset="0"/>
+              </a:rPr>
+              <a:t>file tramite </a:t>
+            </a:r>
+            <a:r>
+              <a:rPr lang="it-IT" sz="2400" dirty="0" smtClean="0">
+                <a:latin typeface="Times New Roman" panose="02020603050405020304" pitchFamily="18" charset="0"/>
+                <a:cs typeface="Times New Roman" panose="02020603050405020304" pitchFamily="18" charset="0"/>
+              </a:rPr>
+              <a:t>particolari «</a:t>
             </a:r>
             <a:r>
               <a:rPr lang="it-IT" sz="2400" dirty="0" err="1" smtClean="0">
                 <a:latin typeface="Times New Roman" panose="02020603050405020304" pitchFamily="18" charset="0"/>
                 <a:cs typeface="Times New Roman" panose="02020603050405020304" pitchFamily="18" charset="0"/>
               </a:rPr>
-              <a:t>GitHub</a:t>
+              <a:t>snapshot</a:t>
             </a:r>
             <a:r>
               <a:rPr lang="it-IT" sz="2400" dirty="0" smtClean="0">
                 <a:latin typeface="Times New Roman" panose="02020603050405020304" pitchFamily="18" charset="0"/>
                 <a:cs typeface="Times New Roman" panose="02020603050405020304" pitchFamily="18" charset="0"/>
               </a:rPr>
-              <a:t> in </a:t>
+              <a:t>» chiamati </a:t>
+            </a:r>
+            <a:r>
+              <a:rPr lang="it-IT" sz="2400" b="1" i="1" dirty="0" err="1" smtClean="0">
+                <a:latin typeface="Times New Roman" panose="02020603050405020304" pitchFamily="18" charset="0"/>
+                <a:cs typeface="Times New Roman" panose="02020603050405020304" pitchFamily="18" charset="0"/>
+              </a:rPr>
+              <a:t>commit</a:t>
+            </a:r>
+            <a:r>
+              <a:rPr lang="it-IT" sz="2400" dirty="0" smtClean="0">
+                <a:latin typeface="Times New Roman" panose="02020603050405020304" pitchFamily="18" charset="0"/>
+                <a:cs typeface="Times New Roman" panose="02020603050405020304" pitchFamily="18" charset="0"/>
+              </a:rPr>
+              <a:t>, che includono le modifiche eseguite </a:t>
+            </a:r>
+            <a:r>
+              <a:rPr lang="it-IT" sz="2400" dirty="0">
+                <a:latin typeface="Times New Roman" panose="02020603050405020304" pitchFamily="18" charset="0"/>
+                <a:cs typeface="Times New Roman" panose="02020603050405020304" pitchFamily="18" charset="0"/>
+              </a:rPr>
+              <a:t>in </a:t>
+            </a:r>
+            <a:r>
+              <a:rPr lang="it-IT" sz="2400" dirty="0" smtClean="0">
+                <a:latin typeface="Times New Roman" panose="02020603050405020304" pitchFamily="18" charset="0"/>
+                <a:cs typeface="Times New Roman" panose="02020603050405020304" pitchFamily="18" charset="0"/>
+              </a:rPr>
+              <a:t>locale rispetto ai </a:t>
             </a:r>
             <a:r>
               <a:rPr lang="it-IT" sz="2400" dirty="0" err="1" smtClean="0">
                 <a:latin typeface="Times New Roman" panose="02020603050405020304" pitchFamily="18" charset="0"/>
                 <a:cs typeface="Times New Roman" panose="02020603050405020304" pitchFamily="18" charset="0"/>
               </a:rPr>
-              <a:t>Git-Bash</a:t>
+              <a:t>commit</a:t>
             </a:r>
             <a:r>
               <a:rPr lang="it-IT" sz="2400" dirty="0" smtClean="0">
                 <a:latin typeface="Times New Roman" panose="02020603050405020304" pitchFamily="18" charset="0"/>
                 <a:cs typeface="Times New Roman" panose="02020603050405020304" pitchFamily="18" charset="0"/>
               </a:rPr>
-              <a:t> occorre digitare, per esempio:</a:t>
-            </a:r>
-          </a:p>
-          <a:p>
-            <a:pPr algn="just"/>
-            <a:r>
-              <a:rPr lang="it-IT" sz="2400" b="1" dirty="0">
-                <a:latin typeface="Times New Roman" panose="02020603050405020304" pitchFamily="18" charset="0"/>
-                <a:cs typeface="Times New Roman" panose="02020603050405020304" pitchFamily="18" charset="0"/>
-              </a:rPr>
-              <a:t>	</a:t>
-            </a:r>
-            <a:r>
-              <a:rPr lang="it-IT" sz="2400" b="1" dirty="0" smtClean="0">
-                <a:latin typeface="Times New Roman" panose="02020603050405020304" pitchFamily="18" charset="0"/>
-                <a:cs typeface="Times New Roman" panose="02020603050405020304" pitchFamily="18" charset="0"/>
-              </a:rPr>
-              <a:t>$ </a:t>
-            </a:r>
-            <a:r>
-              <a:rPr lang="it-IT" sz="2400" b="1" dirty="0" err="1">
-                <a:latin typeface="Times New Roman" panose="02020603050405020304" pitchFamily="18" charset="0"/>
-                <a:cs typeface="Times New Roman" panose="02020603050405020304" pitchFamily="18" charset="0"/>
-              </a:rPr>
-              <a:t>git</a:t>
-            </a:r>
-            <a:r>
-              <a:rPr lang="it-IT" sz="2400" b="1" dirty="0">
-                <a:latin typeface="Times New Roman" panose="02020603050405020304" pitchFamily="18" charset="0"/>
-                <a:cs typeface="Times New Roman" panose="02020603050405020304" pitchFamily="18" charset="0"/>
-              </a:rPr>
-              <a:t> </a:t>
-            </a:r>
-            <a:r>
-              <a:rPr lang="it-IT" sz="2400" b="1" dirty="0" err="1">
-                <a:latin typeface="Times New Roman" panose="02020603050405020304" pitchFamily="18" charset="0"/>
-                <a:cs typeface="Times New Roman" panose="02020603050405020304" pitchFamily="18" charset="0"/>
-              </a:rPr>
-              <a:t>config</a:t>
-            </a:r>
-            <a:r>
-              <a:rPr lang="it-IT" sz="2400" b="1" dirty="0">
-                <a:latin typeface="Times New Roman" panose="02020603050405020304" pitchFamily="18" charset="0"/>
-                <a:cs typeface="Times New Roman" panose="02020603050405020304" pitchFamily="18" charset="0"/>
-              </a:rPr>
-              <a:t> </a:t>
-            </a:r>
-            <a:r>
-              <a:rPr lang="it-IT" sz="2400" b="1" dirty="0" smtClean="0">
-                <a:latin typeface="Times New Roman" panose="02020603050405020304" pitchFamily="18" charset="0"/>
-                <a:cs typeface="Times New Roman" panose="02020603050405020304" pitchFamily="18" charset="0"/>
-              </a:rPr>
-              <a:t>--global </a:t>
-            </a:r>
-            <a:r>
-              <a:rPr lang="it-IT" sz="2400" b="1" dirty="0">
-                <a:latin typeface="Times New Roman" panose="02020603050405020304" pitchFamily="18" charset="0"/>
-                <a:cs typeface="Times New Roman" panose="02020603050405020304" pitchFamily="18" charset="0"/>
-              </a:rPr>
-              <a:t>user.name </a:t>
-            </a:r>
-            <a:r>
-              <a:rPr lang="it-IT" sz="2400" b="1" dirty="0" smtClean="0">
-                <a:latin typeface="Times New Roman" panose="02020603050405020304" pitchFamily="18" charset="0"/>
-                <a:cs typeface="Times New Roman" panose="02020603050405020304" pitchFamily="18" charset="0"/>
-              </a:rPr>
-              <a:t>«Vincenzo Corallo»</a:t>
-            </a:r>
-            <a:endParaRPr lang="it-IT" sz="2400" b="1" dirty="0">
-              <a:latin typeface="Times New Roman" panose="02020603050405020304" pitchFamily="18" charset="0"/>
-              <a:cs typeface="Times New Roman" panose="02020603050405020304" pitchFamily="18" charset="0"/>
-            </a:endParaRPr>
-          </a:p>
-          <a:p>
-            <a:pPr algn="just"/>
-            <a:r>
-              <a:rPr lang="it-IT" sz="2400" dirty="0" smtClean="0">
-                <a:latin typeface="Times New Roman" panose="02020603050405020304" pitchFamily="18" charset="0"/>
-                <a:cs typeface="Times New Roman" panose="02020603050405020304" pitchFamily="18" charset="0"/>
-              </a:rPr>
-              <a:t>	</a:t>
-            </a:r>
-            <a:r>
-              <a:rPr lang="it-IT" sz="2400" dirty="0" smtClean="0">
-                <a:latin typeface="Times New Roman" panose="02020603050405020304" pitchFamily="18" charset="0"/>
-                <a:cs typeface="Times New Roman" panose="02020603050405020304" pitchFamily="18" charset="0"/>
-                <a:sym typeface="Wingdings" panose="05000000000000000000" pitchFamily="2" charset="2"/>
-              </a:rPr>
-              <a:t> </a:t>
-            </a:r>
-            <a:r>
-              <a:rPr lang="it-IT" sz="2400" dirty="0" smtClean="0">
-                <a:latin typeface="Times New Roman" panose="02020603050405020304" pitchFamily="18" charset="0"/>
-                <a:cs typeface="Times New Roman" panose="02020603050405020304" pitchFamily="18" charset="0"/>
-              </a:rPr>
-              <a:t>Imposta </a:t>
-            </a:r>
-            <a:r>
-              <a:rPr lang="it-IT" sz="2400" dirty="0">
-                <a:latin typeface="Times New Roman" panose="02020603050405020304" pitchFamily="18" charset="0"/>
-                <a:cs typeface="Times New Roman" panose="02020603050405020304" pitchFamily="18" charset="0"/>
-              </a:rPr>
-              <a:t>il nome utente che sarà associato alle </a:t>
-            </a:r>
-            <a:r>
-              <a:rPr lang="it-IT" sz="2400" dirty="0" smtClean="0">
-                <a:latin typeface="Times New Roman" panose="02020603050405020304" pitchFamily="18" charset="0"/>
-                <a:cs typeface="Times New Roman" panose="02020603050405020304" pitchFamily="18" charset="0"/>
-              </a:rPr>
-              <a:t>modifiche</a:t>
-            </a:r>
-          </a:p>
-          <a:p>
-            <a:pPr algn="just"/>
-            <a:r>
-              <a:rPr lang="it-IT" sz="2400" b="1" dirty="0">
-                <a:latin typeface="Times New Roman" panose="02020603050405020304" pitchFamily="18" charset="0"/>
-                <a:cs typeface="Times New Roman" panose="02020603050405020304" pitchFamily="18" charset="0"/>
-              </a:rPr>
-              <a:t>	</a:t>
-            </a:r>
-            <a:endParaRPr lang="it-IT" sz="2400" b="1" dirty="0" smtClean="0">
-              <a:latin typeface="Times New Roman" panose="02020603050405020304" pitchFamily="18" charset="0"/>
-              <a:cs typeface="Times New Roman" panose="02020603050405020304" pitchFamily="18" charset="0"/>
-            </a:endParaRPr>
-          </a:p>
-          <a:p>
-            <a:pPr algn="just"/>
-            <a:r>
-              <a:rPr lang="it-IT" sz="2400" b="1" dirty="0">
-                <a:latin typeface="Times New Roman" panose="02020603050405020304" pitchFamily="18" charset="0"/>
-                <a:cs typeface="Times New Roman" panose="02020603050405020304" pitchFamily="18" charset="0"/>
-              </a:rPr>
-              <a:t>	</a:t>
-            </a:r>
-            <a:r>
-              <a:rPr lang="it-IT" sz="2400" b="1" dirty="0" smtClean="0">
-                <a:latin typeface="Times New Roman" panose="02020603050405020304" pitchFamily="18" charset="0"/>
-                <a:cs typeface="Times New Roman" panose="02020603050405020304" pitchFamily="18" charset="0"/>
-              </a:rPr>
-              <a:t>$ </a:t>
-            </a:r>
-            <a:r>
-              <a:rPr lang="it-IT" sz="2400" b="1" dirty="0" err="1">
-                <a:latin typeface="Times New Roman" panose="02020603050405020304" pitchFamily="18" charset="0"/>
-                <a:cs typeface="Times New Roman" panose="02020603050405020304" pitchFamily="18" charset="0"/>
-              </a:rPr>
-              <a:t>git</a:t>
-            </a:r>
-            <a:r>
-              <a:rPr lang="it-IT" sz="2400" b="1" dirty="0">
-                <a:latin typeface="Times New Roman" panose="02020603050405020304" pitchFamily="18" charset="0"/>
-                <a:cs typeface="Times New Roman" panose="02020603050405020304" pitchFamily="18" charset="0"/>
-              </a:rPr>
-              <a:t> </a:t>
-            </a:r>
-            <a:r>
-              <a:rPr lang="it-IT" sz="2400" b="1" dirty="0" err="1">
-                <a:latin typeface="Times New Roman" panose="02020603050405020304" pitchFamily="18" charset="0"/>
-                <a:cs typeface="Times New Roman" panose="02020603050405020304" pitchFamily="18" charset="0"/>
-              </a:rPr>
-              <a:t>config</a:t>
-            </a:r>
-            <a:r>
-              <a:rPr lang="it-IT" sz="2400" b="1" dirty="0">
-                <a:latin typeface="Times New Roman" panose="02020603050405020304" pitchFamily="18" charset="0"/>
-                <a:cs typeface="Times New Roman" panose="02020603050405020304" pitchFamily="18" charset="0"/>
-              </a:rPr>
-              <a:t> </a:t>
-            </a:r>
-            <a:r>
-              <a:rPr lang="it-IT" sz="2400" b="1" dirty="0" smtClean="0">
-                <a:latin typeface="Times New Roman" panose="02020603050405020304" pitchFamily="18" charset="0"/>
-                <a:cs typeface="Times New Roman" panose="02020603050405020304" pitchFamily="18" charset="0"/>
-              </a:rPr>
-              <a:t>-- global </a:t>
-            </a:r>
-            <a:r>
-              <a:rPr lang="it-IT" sz="2400" b="1" dirty="0" err="1">
-                <a:latin typeface="Times New Roman" panose="02020603050405020304" pitchFamily="18" charset="0"/>
-                <a:cs typeface="Times New Roman" panose="02020603050405020304" pitchFamily="18" charset="0"/>
-              </a:rPr>
-              <a:t>user.email</a:t>
-            </a:r>
-            <a:r>
-              <a:rPr lang="it-IT" sz="2400" b="1" dirty="0">
-                <a:latin typeface="Times New Roman" panose="02020603050405020304" pitchFamily="18" charset="0"/>
-                <a:cs typeface="Times New Roman" panose="02020603050405020304" pitchFamily="18" charset="0"/>
-              </a:rPr>
-              <a:t> </a:t>
-            </a:r>
-            <a:r>
-              <a:rPr lang="it-IT" sz="2400" b="1" dirty="0" smtClean="0">
-                <a:latin typeface="Times New Roman" panose="02020603050405020304" pitchFamily="18" charset="0"/>
-                <a:cs typeface="Times New Roman" panose="02020603050405020304" pitchFamily="18" charset="0"/>
-              </a:rPr>
-              <a:t>vincenzo.corallo@gmail.com</a:t>
-            </a:r>
-            <a:endParaRPr lang="it-IT" sz="2400" b="1" dirty="0">
-              <a:latin typeface="Times New Roman" panose="02020603050405020304" pitchFamily="18" charset="0"/>
-              <a:cs typeface="Times New Roman" panose="02020603050405020304" pitchFamily="18" charset="0"/>
-            </a:endParaRPr>
-          </a:p>
-          <a:p>
-            <a:pPr algn="just"/>
-            <a:r>
-              <a:rPr lang="it-IT" sz="2400" dirty="0">
-                <a:latin typeface="Times New Roman" panose="02020603050405020304" pitchFamily="18" charset="0"/>
-                <a:cs typeface="Times New Roman" panose="02020603050405020304" pitchFamily="18" charset="0"/>
-              </a:rPr>
-              <a:t>	</a:t>
-            </a:r>
-            <a:r>
-              <a:rPr lang="it-IT" sz="2400" dirty="0" smtClean="0">
-                <a:latin typeface="Times New Roman" panose="02020603050405020304" pitchFamily="18" charset="0"/>
-                <a:cs typeface="Times New Roman" panose="02020603050405020304" pitchFamily="18" charset="0"/>
-                <a:sym typeface="Wingdings" panose="05000000000000000000" pitchFamily="2" charset="2"/>
-              </a:rPr>
-              <a:t> </a:t>
-            </a:r>
-            <a:r>
-              <a:rPr lang="it-IT" sz="2400" dirty="0" smtClean="0">
-                <a:latin typeface="Times New Roman" panose="02020603050405020304" pitchFamily="18" charset="0"/>
-                <a:cs typeface="Times New Roman" panose="02020603050405020304" pitchFamily="18" charset="0"/>
-              </a:rPr>
-              <a:t>Imposta </a:t>
-            </a:r>
-            <a:r>
-              <a:rPr lang="it-IT" sz="2400" dirty="0">
-                <a:latin typeface="Times New Roman" panose="02020603050405020304" pitchFamily="18" charset="0"/>
-                <a:cs typeface="Times New Roman" panose="02020603050405020304" pitchFamily="18" charset="0"/>
-              </a:rPr>
-              <a:t>anche una mail da associare </a:t>
-            </a:r>
-            <a:r>
-              <a:rPr lang="it-IT" sz="2400" dirty="0" smtClean="0">
-                <a:latin typeface="Times New Roman" panose="02020603050405020304" pitchFamily="18" charset="0"/>
-                <a:cs typeface="Times New Roman" panose="02020603050405020304" pitchFamily="18" charset="0"/>
-              </a:rPr>
-              <a:t>al nome utente (</a:t>
-            </a:r>
-            <a:r>
-              <a:rPr lang="it-IT" sz="2400" i="1" dirty="0" err="1" smtClean="0">
-                <a:latin typeface="Times New Roman" panose="02020603050405020304" pitchFamily="18" charset="0"/>
-                <a:cs typeface="Times New Roman" panose="02020603050405020304" pitchFamily="18" charset="0"/>
-              </a:rPr>
-              <a:t>n.b.</a:t>
-            </a:r>
-            <a:r>
-              <a:rPr lang="it-IT" sz="2400" i="1" dirty="0" smtClean="0">
-                <a:latin typeface="Times New Roman" panose="02020603050405020304" pitchFamily="18" charset="0"/>
-                <a:cs typeface="Times New Roman" panose="02020603050405020304" pitchFamily="18" charset="0"/>
-              </a:rPr>
-              <a:t> </a:t>
-            </a:r>
-            <a:r>
-              <a:rPr lang="it-IT" sz="2400" dirty="0" smtClean="0">
-                <a:latin typeface="Times New Roman" panose="02020603050405020304" pitchFamily="18" charset="0"/>
-                <a:cs typeface="Times New Roman" panose="02020603050405020304" pitchFamily="18" charset="0"/>
-              </a:rPr>
-              <a:t>verrà richiesto l’inserimento della password scelta)</a:t>
+              <a:t> precedenti.</a:t>
             </a:r>
             <a:endParaRPr lang="it-IT" sz="2400" dirty="0">
               <a:latin typeface="Times New Roman" panose="02020603050405020304" pitchFamily="18" charset="0"/>
               <a:cs typeface="Times New Roman" panose="02020603050405020304" pitchFamily="18" charset="0"/>
             </a:endParaRPr>
           </a:p>
+          <a:p>
+            <a:pPr algn="just"/>
+            <a:r>
+              <a:rPr lang="it-IT" sz="2400" dirty="0">
+                <a:latin typeface="Times New Roman" panose="02020603050405020304" pitchFamily="18" charset="0"/>
+                <a:cs typeface="Times New Roman" panose="02020603050405020304" pitchFamily="18" charset="0"/>
+              </a:rPr>
+              <a:t>• </a:t>
+            </a:r>
+            <a:r>
+              <a:rPr lang="it-IT" sz="2400" dirty="0" smtClean="0">
+                <a:latin typeface="Times New Roman" panose="02020603050405020304" pitchFamily="18" charset="0"/>
+                <a:cs typeface="Times New Roman" panose="02020603050405020304" pitchFamily="18" charset="0"/>
+              </a:rPr>
+              <a:t>nei progetti di sviluppo su cui lavorano più </a:t>
+            </a:r>
+            <a:r>
+              <a:rPr lang="it-IT" sz="2400" dirty="0" err="1" smtClean="0">
+                <a:latin typeface="Times New Roman" panose="02020603050405020304" pitchFamily="18" charset="0"/>
+                <a:cs typeface="Times New Roman" panose="02020603050405020304" pitchFamily="18" charset="0"/>
+              </a:rPr>
+              <a:t>developers</a:t>
+            </a:r>
+            <a:r>
+              <a:rPr lang="it-IT" sz="2400" dirty="0" smtClean="0">
+                <a:latin typeface="Times New Roman" panose="02020603050405020304" pitchFamily="18" charset="0"/>
+                <a:cs typeface="Times New Roman" panose="02020603050405020304" pitchFamily="18" charset="0"/>
+              </a:rPr>
+              <a:t> ogni </a:t>
+            </a:r>
+            <a:r>
+              <a:rPr lang="it-IT" sz="2400" dirty="0">
+                <a:latin typeface="Times New Roman" panose="02020603050405020304" pitchFamily="18" charset="0"/>
+                <a:cs typeface="Times New Roman" panose="02020603050405020304" pitchFamily="18" charset="0"/>
+              </a:rPr>
+              <a:t>modifica viene salvata </a:t>
+            </a:r>
+            <a:r>
+              <a:rPr lang="it-IT" sz="2400" dirty="0" smtClean="0">
+                <a:latin typeface="Times New Roman" panose="02020603050405020304" pitchFamily="18" charset="0"/>
+                <a:cs typeface="Times New Roman" panose="02020603050405020304" pitchFamily="18" charset="0"/>
+              </a:rPr>
+              <a:t>previo un meccanismo di controllo </a:t>
+            </a:r>
+            <a:r>
+              <a:rPr lang="it-IT" sz="2400" dirty="0">
+                <a:latin typeface="Times New Roman" panose="02020603050405020304" pitchFamily="18" charset="0"/>
+                <a:cs typeface="Times New Roman" panose="02020603050405020304" pitchFamily="18" charset="0"/>
+              </a:rPr>
+              <a:t>di </a:t>
+            </a:r>
+            <a:r>
+              <a:rPr lang="it-IT" sz="2400" dirty="0" smtClean="0">
+                <a:latin typeface="Times New Roman" panose="02020603050405020304" pitchFamily="18" charset="0"/>
+                <a:cs typeface="Times New Roman" panose="02020603050405020304" pitchFamily="18" charset="0"/>
+              </a:rPr>
+              <a:t>integrità e relativo feedback (</a:t>
+            </a:r>
+            <a:r>
+              <a:rPr lang="it-IT" sz="2400" b="1" i="1" dirty="0" smtClean="0">
+                <a:latin typeface="Times New Roman" panose="02020603050405020304" pitchFamily="18" charset="0"/>
+                <a:cs typeface="Times New Roman" panose="02020603050405020304" pitchFamily="18" charset="0"/>
+              </a:rPr>
+              <a:t>code </a:t>
+            </a:r>
+            <a:r>
+              <a:rPr lang="it-IT" sz="2400" b="1" i="1" dirty="0" err="1" smtClean="0">
+                <a:latin typeface="Times New Roman" panose="02020603050405020304" pitchFamily="18" charset="0"/>
+                <a:cs typeface="Times New Roman" panose="02020603050405020304" pitchFamily="18" charset="0"/>
+              </a:rPr>
+              <a:t>review</a:t>
+            </a:r>
+            <a:r>
+              <a:rPr lang="it-IT" sz="2400" dirty="0" smtClean="0">
+                <a:latin typeface="Times New Roman" panose="02020603050405020304" pitchFamily="18" charset="0"/>
+                <a:cs typeface="Times New Roman" panose="02020603050405020304" pitchFamily="18" charset="0"/>
+              </a:rPr>
+              <a:t>);</a:t>
+            </a:r>
+            <a:endParaRPr lang="it-IT" sz="2400" dirty="0">
+              <a:latin typeface="Times New Roman" panose="02020603050405020304" pitchFamily="18" charset="0"/>
+              <a:cs typeface="Times New Roman" panose="02020603050405020304" pitchFamily="18" charset="0"/>
+            </a:endParaRPr>
+          </a:p>
+          <a:p>
+            <a:pPr algn="just"/>
+            <a:r>
+              <a:rPr lang="it-IT" sz="2400" dirty="0">
+                <a:latin typeface="Times New Roman" panose="02020603050405020304" pitchFamily="18" charset="0"/>
+                <a:cs typeface="Times New Roman" panose="02020603050405020304" pitchFamily="18" charset="0"/>
+              </a:rPr>
+              <a:t>• </a:t>
+            </a:r>
+            <a:r>
+              <a:rPr lang="it-IT" sz="2400" dirty="0" err="1" smtClean="0">
+                <a:latin typeface="Times New Roman" panose="02020603050405020304" pitchFamily="18" charset="0"/>
+                <a:cs typeface="Times New Roman" panose="02020603050405020304" pitchFamily="18" charset="0"/>
+              </a:rPr>
+              <a:t>Git</a:t>
+            </a:r>
+            <a:r>
+              <a:rPr lang="it-IT" sz="2400" dirty="0" smtClean="0">
+                <a:latin typeface="Times New Roman" panose="02020603050405020304" pitchFamily="18" charset="0"/>
+                <a:cs typeface="Times New Roman" panose="02020603050405020304" pitchFamily="18" charset="0"/>
+              </a:rPr>
+              <a:t> è utile nel caso di modifica </a:t>
+            </a:r>
+            <a:r>
+              <a:rPr lang="it-IT" sz="2400" dirty="0">
+                <a:latin typeface="Times New Roman" panose="02020603050405020304" pitchFamily="18" charset="0"/>
+                <a:cs typeface="Times New Roman" panose="02020603050405020304" pitchFamily="18" charset="0"/>
+              </a:rPr>
+              <a:t>o</a:t>
+            </a:r>
+            <a:r>
+              <a:rPr lang="it-IT" sz="2400" dirty="0" smtClean="0">
+                <a:latin typeface="Times New Roman" panose="02020603050405020304" pitchFamily="18" charset="0"/>
+                <a:cs typeface="Times New Roman" panose="02020603050405020304" pitchFamily="18" charset="0"/>
+              </a:rPr>
+              <a:t> cancellazione involontaria di informazioni contenute nei file tracciati</a:t>
+            </a:r>
+            <a:endParaRPr lang="en-US" sz="2400" dirty="0">
+              <a:latin typeface="Times New Roman" panose="02020603050405020304" pitchFamily="18" charset="0"/>
+              <a:cs typeface="Times New Roman" panose="02020603050405020304" pitchFamily="18" charset="0"/>
+            </a:endParaRPr>
+          </a:p>
         </p:txBody>
       </p:sp>
     </p:spTree>
     <p:extLst>
       <p:ext uri="{BB962C8B-B14F-4D97-AF65-F5344CB8AC3E}">
-        <p14:creationId xmlns:p14="http://schemas.microsoft.com/office/powerpoint/2010/main" val="2710106811"/>
+        <p14:creationId xmlns:p14="http://schemas.microsoft.com/office/powerpoint/2010/main" val="3762477708"/>
       </p:ext>
     </p:extLst>
   </p:cSld>
@@ -9254,7 +8957,7 @@
                 <a:latin typeface="Times New Roman" panose="02020603050405020304" pitchFamily="18" charset="0"/>
                 <a:cs typeface="Times New Roman" panose="02020603050405020304" pitchFamily="18" charset="0"/>
               </a:rPr>
-              <a:t>      Clonare un </a:t>
+              <a:t>      Inizializzare un </a:t>
             </a:r>
             <a:r>
               <a:rPr lang="it-IT" altLang="it-IT" sz="3600" b="1" kern="0" dirty="0" err="1" smtClean="0">
@@ -9274,15 +8977,8 @@
                 <a:latin typeface="Times New Roman" panose="02020603050405020304" pitchFamily="18" charset="0"/>
                 <a:cs typeface="Times New Roman" panose="02020603050405020304" pitchFamily="18" charset="0"/>
               </a:rPr>
-              <a:t> remoto in locale</a:t>
-            </a:r>
-            <a:endParaRPr lang="it-IT" altLang="it-IT" sz="3600" b="1" kern="0" dirty="0" smtClean="0">
-              <a:solidFill>
-                <a:prstClr val="white"/>
-              </a:solidFill>
-              <a:latin typeface="Times New Roman" panose="02020603050405020304" pitchFamily="18" charset="0"/>
-              <a:cs typeface="Times New Roman" panose="02020603050405020304" pitchFamily="18" charset="0"/>
-            </a:endParaRPr>
+              <a:t> locale</a:t>
+            </a:r>
           </a:p>
         </p:txBody>
       </p:sp>
@@ -9305,7 +9001,7 @@
               <a:rPr lang="en-US" smtClean="0"/>
               <a:t>22</a:t>
             </a:fld>
-            <a:endParaRPr lang="en-US" dirty="0"/>
+            <a:endParaRPr lang="en-US"/>
           </a:p>
         </p:txBody>
       </p:sp>
@@ -9317,8 +9013,8 @@
         </p:nvSpPr>
         <p:spPr>
           <a:xfrm>
-            <a:off x="1023730" y="2139536"/>
-            <a:ext cx="10171466" cy="4524315"/>
+            <a:off x="1023730" y="2881409"/>
+            <a:ext cx="10171466" cy="3416320"/>
           </a:xfrm>
           <a:prstGeom prst="rect">
             <a:avLst/>
@@ -9336,282 +9032,214 @@
                 <a:latin typeface="Times New Roman" panose="02020603050405020304" pitchFamily="18" charset="0"/>
                 <a:cs typeface="Times New Roman" panose="02020603050405020304" pitchFamily="18" charset="0"/>
               </a:rPr>
-              <a:t>Al fine di clonare un </a:t>
+              <a:t>La directory in </a:t>
+            </a:r>
+            <a:r>
+              <a:rPr lang="it-IT" sz="2400" dirty="0">
+                <a:latin typeface="Times New Roman" panose="02020603050405020304" pitchFamily="18" charset="0"/>
+                <a:cs typeface="Times New Roman" panose="02020603050405020304" pitchFamily="18" charset="0"/>
+              </a:rPr>
+              <a:t>cui file siano tracciati da </a:t>
             </a:r>
             <a:r>
               <a:rPr lang="it-IT" sz="2400" dirty="0" err="1" smtClean="0">
                 <a:latin typeface="Times New Roman" panose="02020603050405020304" pitchFamily="18" charset="0"/>
                 <a:cs typeface="Times New Roman" panose="02020603050405020304" pitchFamily="18" charset="0"/>
               </a:rPr>
+              <a:t>Git</a:t>
+            </a:r>
+            <a:r>
+              <a:rPr lang="it-IT" sz="2400" dirty="0" smtClean="0">
+                <a:latin typeface="Times New Roman" panose="02020603050405020304" pitchFamily="18" charset="0"/>
+                <a:cs typeface="Times New Roman" panose="02020603050405020304" pitchFamily="18" charset="0"/>
+              </a:rPr>
+              <a:t> sono </a:t>
+            </a:r>
+            <a:r>
+              <a:rPr lang="it-IT" sz="2400" dirty="0" err="1" smtClean="0">
+                <a:latin typeface="Times New Roman" panose="02020603050405020304" pitchFamily="18" charset="0"/>
+                <a:cs typeface="Times New Roman" panose="02020603050405020304" pitchFamily="18" charset="0"/>
+              </a:rPr>
+              <a:t>storati</a:t>
+            </a:r>
+            <a:r>
+              <a:rPr lang="it-IT" sz="2400" dirty="0" smtClean="0">
+                <a:latin typeface="Times New Roman" panose="02020603050405020304" pitchFamily="18" charset="0"/>
+                <a:cs typeface="Times New Roman" panose="02020603050405020304" pitchFamily="18" charset="0"/>
+              </a:rPr>
+              <a:t> si configura come versione locale del </a:t>
+            </a:r>
+            <a:r>
+              <a:rPr lang="it-IT" sz="2400" dirty="0" err="1" smtClean="0">
+                <a:latin typeface="Times New Roman" panose="02020603050405020304" pitchFamily="18" charset="0"/>
+                <a:cs typeface="Times New Roman" panose="02020603050405020304" pitchFamily="18" charset="0"/>
+              </a:rPr>
               <a:t>repository</a:t>
             </a:r>
             <a:r>
+              <a:rPr lang="it-IT" sz="2400" dirty="0">
+                <a:latin typeface="Times New Roman" panose="02020603050405020304" pitchFamily="18" charset="0"/>
+                <a:cs typeface="Times New Roman" panose="02020603050405020304" pitchFamily="18" charset="0"/>
+              </a:rPr>
+              <a:t>.</a:t>
+            </a:r>
+            <a:r>
               <a:rPr lang="it-IT" sz="2400" dirty="0" smtClean="0">
                 <a:latin typeface="Times New Roman" panose="02020603050405020304" pitchFamily="18" charset="0"/>
                 <a:cs typeface="Times New Roman" panose="02020603050405020304" pitchFamily="18" charset="0"/>
               </a:rPr>
-              <a:t> remoto in locale, occorre digitare, per esempio:</a:t>
+              <a:t> </a:t>
             </a:r>
           </a:p>
           <a:p>
             <a:pPr algn="just"/>
+            <a:endParaRPr lang="it-IT" sz="2400" dirty="0">
+              <a:latin typeface="Times New Roman" panose="02020603050405020304" pitchFamily="18" charset="0"/>
+              <a:cs typeface="Times New Roman" panose="02020603050405020304" pitchFamily="18" charset="0"/>
+            </a:endParaRPr>
+          </a:p>
+          <a:p>
+            <a:pPr algn="just"/>
+            <a:r>
+              <a:rPr lang="it-IT" sz="2400" dirty="0" smtClean="0">
+                <a:latin typeface="Times New Roman" panose="02020603050405020304" pitchFamily="18" charset="0"/>
+                <a:cs typeface="Times New Roman" panose="02020603050405020304" pitchFamily="18" charset="0"/>
+              </a:rPr>
+              <a:t>Per inizializzare un </a:t>
+            </a:r>
+            <a:r>
+              <a:rPr lang="it-IT" sz="2400" dirty="0" err="1" smtClean="0">
+                <a:latin typeface="Times New Roman" panose="02020603050405020304" pitchFamily="18" charset="0"/>
+                <a:cs typeface="Times New Roman" panose="02020603050405020304" pitchFamily="18" charset="0"/>
+              </a:rPr>
+              <a:t>repository</a:t>
+            </a:r>
+            <a:r>
+              <a:rPr lang="it-IT" sz="2400" dirty="0" smtClean="0">
+                <a:latin typeface="Times New Roman" panose="02020603050405020304" pitchFamily="18" charset="0"/>
+                <a:cs typeface="Times New Roman" panose="02020603050405020304" pitchFamily="18" charset="0"/>
+              </a:rPr>
+              <a:t> locale occorre:</a:t>
+            </a:r>
+            <a:endParaRPr lang="it-IT" sz="2400" dirty="0">
+              <a:latin typeface="Times New Roman" panose="02020603050405020304" pitchFamily="18" charset="0"/>
+              <a:cs typeface="Times New Roman" panose="02020603050405020304" pitchFamily="18" charset="0"/>
+            </a:endParaRPr>
+          </a:p>
+          <a:p>
+            <a:pPr algn="just"/>
+            <a:r>
+              <a:rPr lang="it-IT" sz="2400" dirty="0">
+                <a:latin typeface="Times New Roman" panose="02020603050405020304" pitchFamily="18" charset="0"/>
+                <a:cs typeface="Times New Roman" panose="02020603050405020304" pitchFamily="18" charset="0"/>
+              </a:rPr>
+              <a:t>• </a:t>
+            </a:r>
+            <a:r>
+              <a:rPr lang="it-IT" sz="2400" dirty="0" smtClean="0">
+                <a:latin typeface="Times New Roman" panose="02020603050405020304" pitchFamily="18" charset="0"/>
+                <a:cs typeface="Times New Roman" panose="02020603050405020304" pitchFamily="18" charset="0"/>
+              </a:rPr>
+              <a:t>attraverso </a:t>
+            </a:r>
+            <a:r>
+              <a:rPr lang="it-IT" sz="2400" dirty="0" err="1" smtClean="0">
+                <a:latin typeface="Times New Roman" panose="02020603050405020304" pitchFamily="18" charset="0"/>
+                <a:cs typeface="Times New Roman" panose="02020603050405020304" pitchFamily="18" charset="0"/>
+              </a:rPr>
+              <a:t>Git-bash</a:t>
+            </a:r>
+            <a:r>
+              <a:rPr lang="it-IT" sz="2400" dirty="0" smtClean="0">
+                <a:latin typeface="Times New Roman" panose="02020603050405020304" pitchFamily="18" charset="0"/>
+                <a:cs typeface="Times New Roman" panose="02020603050405020304" pitchFamily="18" charset="0"/>
+              </a:rPr>
+              <a:t>, dirigersi </a:t>
+            </a:r>
+            <a:r>
+              <a:rPr lang="it-IT" sz="2400" dirty="0">
+                <a:latin typeface="Times New Roman" panose="02020603050405020304" pitchFamily="18" charset="0"/>
+                <a:cs typeface="Times New Roman" panose="02020603050405020304" pitchFamily="18" charset="0"/>
+              </a:rPr>
+              <a:t>nella directory radice del progetto che si </a:t>
+            </a:r>
+            <a:r>
+              <a:rPr lang="it-IT" sz="2400" dirty="0" smtClean="0">
+                <a:latin typeface="Times New Roman" panose="02020603050405020304" pitchFamily="18" charset="0"/>
+                <a:cs typeface="Times New Roman" panose="02020603050405020304" pitchFamily="18" charset="0"/>
+              </a:rPr>
+              <a:t>vuole tracciare;</a:t>
+            </a:r>
+            <a:endParaRPr lang="it-IT" sz="2400" dirty="0">
+              <a:latin typeface="Times New Roman" panose="02020603050405020304" pitchFamily="18" charset="0"/>
+              <a:cs typeface="Times New Roman" panose="02020603050405020304" pitchFamily="18" charset="0"/>
+            </a:endParaRPr>
+          </a:p>
+          <a:p>
+            <a:pPr algn="just"/>
+            <a:r>
+              <a:rPr lang="it-IT" sz="2400" dirty="0">
+                <a:latin typeface="Times New Roman" panose="02020603050405020304" pitchFamily="18" charset="0"/>
+                <a:cs typeface="Times New Roman" panose="02020603050405020304" pitchFamily="18" charset="0"/>
+              </a:rPr>
+              <a:t>• </a:t>
+            </a:r>
+            <a:r>
+              <a:rPr lang="it-IT" sz="2400" dirty="0" smtClean="0">
+                <a:latin typeface="Times New Roman" panose="02020603050405020304" pitchFamily="18" charset="0"/>
+                <a:cs typeface="Times New Roman" panose="02020603050405020304" pitchFamily="18" charset="0"/>
+              </a:rPr>
+              <a:t>digitare il comando (senza mai includere il simbolo dollaro, che semplicemente compare sempre all’inizio della riga di comando):</a:t>
+            </a:r>
+          </a:p>
+          <a:p>
+            <a:pPr algn="just"/>
+            <a:r>
+              <a:rPr lang="it-IT" sz="2400" dirty="0">
+                <a:latin typeface="Times New Roman" panose="02020603050405020304" pitchFamily="18" charset="0"/>
+                <a:cs typeface="Times New Roman" panose="02020603050405020304" pitchFamily="18" charset="0"/>
+              </a:rPr>
+              <a:t>	</a:t>
+            </a:r>
+            <a:r>
+              <a:rPr lang="it-IT" sz="2400" b="1" dirty="0" smtClean="0">
+                <a:latin typeface="Times New Roman" panose="02020603050405020304" pitchFamily="18" charset="0"/>
+                <a:cs typeface="Times New Roman" panose="02020603050405020304" pitchFamily="18" charset="0"/>
+              </a:rPr>
+              <a:t>$ </a:t>
+            </a:r>
+            <a:r>
+              <a:rPr lang="it-IT" sz="2400" b="1" dirty="0" err="1">
+                <a:latin typeface="Times New Roman" panose="02020603050405020304" pitchFamily="18" charset="0"/>
+                <a:cs typeface="Times New Roman" panose="02020603050405020304" pitchFamily="18" charset="0"/>
+              </a:rPr>
+              <a:t>git</a:t>
+            </a:r>
             <a:r>
               <a:rPr lang="it-IT" sz="2400" b="1" dirty="0">
                 <a:latin typeface="Times New Roman" panose="02020603050405020304" pitchFamily="18" charset="0"/>
                 <a:cs typeface="Times New Roman" panose="02020603050405020304" pitchFamily="18" charset="0"/>
               </a:rPr>
-              <a:t>	</a:t>
-            </a:r>
-            <a:r>
-              <a:rPr lang="it-IT" sz="2400" b="1" dirty="0" smtClean="0">
-                <a:latin typeface="Times New Roman" panose="02020603050405020304" pitchFamily="18" charset="0"/>
-                <a:cs typeface="Times New Roman" panose="02020603050405020304" pitchFamily="18" charset="0"/>
-              </a:rPr>
-              <a:t>$ </a:t>
+              <a:t> </a:t>
             </a:r>
             <a:r>
               <a:rPr lang="it-IT" sz="2400" b="1" dirty="0" err="1">
                 <a:latin typeface="Times New Roman" panose="02020603050405020304" pitchFamily="18" charset="0"/>
                 <a:cs typeface="Times New Roman" panose="02020603050405020304" pitchFamily="18" charset="0"/>
               </a:rPr>
-              <a:t>git</a:t>
-            </a:r>
-            <a:r>
-              <a:rPr lang="it-IT" sz="2400" b="1" dirty="0">
-                <a:latin typeface="Times New Roman" panose="02020603050405020304" pitchFamily="18" charset="0"/>
-                <a:cs typeface="Times New Roman" panose="02020603050405020304" pitchFamily="18" charset="0"/>
-              </a:rPr>
-              <a:t> </a:t>
-            </a:r>
-            <a:r>
-              <a:rPr lang="it-IT" sz="2400" b="1" dirty="0" smtClean="0">
-                <a:latin typeface="Times New Roman" panose="02020603050405020304" pitchFamily="18" charset="0"/>
-                <a:cs typeface="Times New Roman" panose="02020603050405020304" pitchFamily="18" charset="0"/>
-              </a:rPr>
-              <a:t>clone </a:t>
-            </a:r>
-            <a:r>
-              <a:rPr lang="it-IT" sz="2400" b="1" dirty="0" smtClean="0">
-                <a:latin typeface="Times New Roman" panose="02020603050405020304" pitchFamily="18" charset="0"/>
-                <a:cs typeface="Times New Roman" panose="02020603050405020304" pitchFamily="18" charset="0"/>
-                <a:hlinkClick r:id="rId2"/>
-              </a:rPr>
-              <a:t>https</a:t>
-            </a:r>
-            <a:r>
-              <a:rPr lang="it-IT" sz="2400" b="1" dirty="0">
-                <a:latin typeface="Times New Roman" panose="02020603050405020304" pitchFamily="18" charset="0"/>
-                <a:cs typeface="Times New Roman" panose="02020603050405020304" pitchFamily="18" charset="0"/>
-                <a:hlinkClick r:id="rId2"/>
-              </a:rPr>
-              <a:t>://</a:t>
-            </a:r>
-            <a:r>
-              <a:rPr lang="it-IT" sz="2400" b="1" dirty="0" smtClean="0">
-                <a:latin typeface="Times New Roman" panose="02020603050405020304" pitchFamily="18" charset="0"/>
-                <a:cs typeface="Times New Roman" panose="02020603050405020304" pitchFamily="18" charset="0"/>
-                <a:hlinkClick r:id="rId2"/>
-              </a:rPr>
-              <a:t>github.com/lballabio/QuantLib.git</a:t>
+              <a:t>init</a:t>
             </a:r>
             <a:endParaRPr lang="it-IT" sz="2400" b="1" dirty="0" smtClean="0">
               <a:latin typeface="Times New Roman" panose="02020603050405020304" pitchFamily="18" charset="0"/>
               <a:cs typeface="Times New Roman" panose="02020603050405020304" pitchFamily="18" charset="0"/>
             </a:endParaRPr>
           </a:p>
-          <a:p>
-            <a:pPr algn="just"/>
-            <a:endParaRPr lang="it-IT" sz="2400" b="1" dirty="0">
-              <a:latin typeface="Times New Roman" panose="02020603050405020304" pitchFamily="18" charset="0"/>
-              <a:cs typeface="Times New Roman" panose="02020603050405020304" pitchFamily="18" charset="0"/>
-            </a:endParaRPr>
-          </a:p>
-          <a:p>
-            <a:pPr algn="just"/>
-            <a:r>
-              <a:rPr lang="it-IT" sz="2400" dirty="0" smtClean="0">
-                <a:latin typeface="Times New Roman" panose="02020603050405020304" pitchFamily="18" charset="0"/>
-                <a:cs typeface="Times New Roman" panose="02020603050405020304" pitchFamily="18" charset="0"/>
-              </a:rPr>
-              <a:t>Per verificare lo stato di sincronizzazione tra il </a:t>
-            </a:r>
-            <a:r>
-              <a:rPr lang="it-IT" sz="2400" dirty="0" err="1" smtClean="0">
-                <a:latin typeface="Times New Roman" panose="02020603050405020304" pitchFamily="18" charset="0"/>
-                <a:cs typeface="Times New Roman" panose="02020603050405020304" pitchFamily="18" charset="0"/>
-              </a:rPr>
-              <a:t>repository</a:t>
-            </a:r>
-            <a:r>
-              <a:rPr lang="it-IT" sz="2400" dirty="0" smtClean="0">
-                <a:latin typeface="Times New Roman" panose="02020603050405020304" pitchFamily="18" charset="0"/>
-                <a:cs typeface="Times New Roman" panose="02020603050405020304" pitchFamily="18" charset="0"/>
-              </a:rPr>
-              <a:t> locale e la versione del </a:t>
-            </a:r>
-            <a:r>
-              <a:rPr lang="it-IT" sz="2400" dirty="0" err="1" smtClean="0">
-                <a:latin typeface="Times New Roman" panose="02020603050405020304" pitchFamily="18" charset="0"/>
-                <a:cs typeface="Times New Roman" panose="02020603050405020304" pitchFamily="18" charset="0"/>
-              </a:rPr>
-              <a:t>repository</a:t>
-            </a:r>
-            <a:r>
-              <a:rPr lang="it-IT" sz="2400" dirty="0" smtClean="0">
-                <a:latin typeface="Times New Roman" panose="02020603050405020304" pitchFamily="18" charset="0"/>
-                <a:cs typeface="Times New Roman" panose="02020603050405020304" pitchFamily="18" charset="0"/>
-              </a:rPr>
-              <a:t> in remoto occorre digitare:</a:t>
-            </a:r>
-          </a:p>
-          <a:p>
-            <a:pPr algn="just"/>
-            <a:r>
-              <a:rPr lang="it-IT" sz="2400" b="1" dirty="0">
-                <a:latin typeface="Times New Roman" panose="02020603050405020304" pitchFamily="18" charset="0"/>
-                <a:cs typeface="Times New Roman" panose="02020603050405020304" pitchFamily="18" charset="0"/>
-              </a:rPr>
-              <a:t>	</a:t>
-            </a:r>
-            <a:r>
-              <a:rPr lang="it-IT" sz="2400" b="1" dirty="0" smtClean="0">
-                <a:latin typeface="Times New Roman" panose="02020603050405020304" pitchFamily="18" charset="0"/>
-                <a:cs typeface="Times New Roman" panose="02020603050405020304" pitchFamily="18" charset="0"/>
-              </a:rPr>
-              <a:t>$ </a:t>
-            </a:r>
-            <a:r>
-              <a:rPr lang="it-IT" sz="2400" b="1" dirty="0" err="1" smtClean="0">
-                <a:latin typeface="Times New Roman" panose="02020603050405020304" pitchFamily="18" charset="0"/>
-                <a:cs typeface="Times New Roman" panose="02020603050405020304" pitchFamily="18" charset="0"/>
-              </a:rPr>
-              <a:t>git</a:t>
-            </a:r>
-            <a:r>
-              <a:rPr lang="it-IT" sz="2400" b="1" dirty="0" smtClean="0">
-                <a:latin typeface="Times New Roman" panose="02020603050405020304" pitchFamily="18" charset="0"/>
-                <a:cs typeface="Times New Roman" panose="02020603050405020304" pitchFamily="18" charset="0"/>
-              </a:rPr>
-              <a:t> status</a:t>
-            </a:r>
-          </a:p>
-          <a:p>
-            <a:pPr algn="just"/>
-            <a:endParaRPr lang="it-IT" sz="2400" b="1" dirty="0" smtClean="0">
-              <a:latin typeface="Times New Roman" panose="02020603050405020304" pitchFamily="18" charset="0"/>
-              <a:cs typeface="Times New Roman" panose="02020603050405020304" pitchFamily="18" charset="0"/>
-            </a:endParaRPr>
-          </a:p>
-          <a:p>
-            <a:pPr algn="just"/>
-            <a:r>
-              <a:rPr lang="it-IT" sz="2400" dirty="0" smtClean="0">
-                <a:latin typeface="Times New Roman" panose="02020603050405020304" pitchFamily="18" charset="0"/>
-                <a:cs typeface="Times New Roman" panose="02020603050405020304" pitchFamily="18" charset="0"/>
-              </a:rPr>
-              <a:t>Per osservare la storia dei </a:t>
-            </a:r>
-            <a:r>
-              <a:rPr lang="it-IT" sz="2400" dirty="0" err="1" smtClean="0">
-                <a:latin typeface="Times New Roman" panose="02020603050405020304" pitchFamily="18" charset="0"/>
-                <a:cs typeface="Times New Roman" panose="02020603050405020304" pitchFamily="18" charset="0"/>
-              </a:rPr>
-              <a:t>commit</a:t>
-            </a:r>
-            <a:r>
-              <a:rPr lang="it-IT" sz="2400" dirty="0" smtClean="0">
-                <a:latin typeface="Times New Roman" panose="02020603050405020304" pitchFamily="18" charset="0"/>
-                <a:cs typeface="Times New Roman" panose="02020603050405020304" pitchFamily="18" charset="0"/>
-              </a:rPr>
-              <a:t> con i relativi autori, data del </a:t>
-            </a:r>
-            <a:r>
-              <a:rPr lang="it-IT" sz="2400" dirty="0" err="1" smtClean="0">
-                <a:latin typeface="Times New Roman" panose="02020603050405020304" pitchFamily="18" charset="0"/>
-                <a:cs typeface="Times New Roman" panose="02020603050405020304" pitchFamily="18" charset="0"/>
-              </a:rPr>
-              <a:t>commit</a:t>
-            </a:r>
-            <a:r>
-              <a:rPr lang="it-IT" sz="2400" dirty="0" smtClean="0">
-                <a:latin typeface="Times New Roman" panose="02020603050405020304" pitchFamily="18" charset="0"/>
-                <a:cs typeface="Times New Roman" panose="02020603050405020304" pitchFamily="18" charset="0"/>
-              </a:rPr>
-              <a:t>, identificativo univoco (detto </a:t>
-            </a:r>
-            <a:r>
-              <a:rPr lang="it-IT" sz="2400" b="1" i="1" dirty="0" err="1" smtClean="0">
-                <a:latin typeface="Times New Roman" panose="02020603050405020304" pitchFamily="18" charset="0"/>
-                <a:cs typeface="Times New Roman" panose="02020603050405020304" pitchFamily="18" charset="0"/>
-              </a:rPr>
-              <a:t>hash</a:t>
-            </a:r>
-            <a:r>
-              <a:rPr lang="it-IT" sz="2400" dirty="0" smtClean="0">
-                <a:latin typeface="Times New Roman" panose="02020603050405020304" pitchFamily="18" charset="0"/>
-                <a:cs typeface="Times New Roman" panose="02020603050405020304" pitchFamily="18" charset="0"/>
-              </a:rPr>
-              <a:t>) del </a:t>
-            </a:r>
-            <a:r>
-              <a:rPr lang="it-IT" sz="2400" dirty="0" err="1" smtClean="0">
-                <a:latin typeface="Times New Roman" panose="02020603050405020304" pitchFamily="18" charset="0"/>
-                <a:cs typeface="Times New Roman" panose="02020603050405020304" pitchFamily="18" charset="0"/>
-              </a:rPr>
-              <a:t>commit</a:t>
-            </a:r>
-            <a:r>
-              <a:rPr lang="it-IT" sz="2400" dirty="0" smtClean="0">
-                <a:latin typeface="Times New Roman" panose="02020603050405020304" pitchFamily="18" charset="0"/>
-                <a:cs typeface="Times New Roman" panose="02020603050405020304" pitchFamily="18" charset="0"/>
-              </a:rPr>
-              <a:t> e il titolo della stessa occorre digitare:</a:t>
-            </a:r>
-          </a:p>
-          <a:p>
-            <a:pPr algn="just"/>
-            <a:r>
-              <a:rPr lang="it-IT" sz="2400" dirty="0">
-                <a:latin typeface="Times New Roman" panose="02020603050405020304" pitchFamily="18" charset="0"/>
-                <a:cs typeface="Times New Roman" panose="02020603050405020304" pitchFamily="18" charset="0"/>
-              </a:rPr>
-              <a:t>	</a:t>
-            </a:r>
-            <a:r>
-              <a:rPr lang="it-IT" sz="2400" b="1" dirty="0" smtClean="0">
-                <a:latin typeface="Times New Roman" panose="02020603050405020304" pitchFamily="18" charset="0"/>
-                <a:cs typeface="Times New Roman" panose="02020603050405020304" pitchFamily="18" charset="0"/>
-              </a:rPr>
-              <a:t>$ </a:t>
-            </a:r>
-            <a:r>
-              <a:rPr lang="it-IT" sz="2400" b="1" dirty="0" err="1" smtClean="0">
-                <a:latin typeface="Times New Roman" panose="02020603050405020304" pitchFamily="18" charset="0"/>
-                <a:cs typeface="Times New Roman" panose="02020603050405020304" pitchFamily="18" charset="0"/>
-              </a:rPr>
-              <a:t>git</a:t>
-            </a:r>
-            <a:r>
-              <a:rPr lang="it-IT" sz="2400" b="1" dirty="0" smtClean="0">
-                <a:latin typeface="Times New Roman" panose="02020603050405020304" pitchFamily="18" charset="0"/>
-                <a:cs typeface="Times New Roman" panose="02020603050405020304" pitchFamily="18" charset="0"/>
-              </a:rPr>
-              <a:t> log</a:t>
-            </a:r>
-          </a:p>
-          <a:p>
-            <a:pPr algn="just"/>
-            <a:endParaRPr lang="it-IT" sz="2400" b="1" dirty="0">
-              <a:latin typeface="Times New Roman" panose="02020603050405020304" pitchFamily="18" charset="0"/>
-              <a:cs typeface="Times New Roman" panose="02020603050405020304" pitchFamily="18" charset="0"/>
-            </a:endParaRPr>
-          </a:p>
         </p:txBody>
       </p:sp>
     </p:spTree>
     <p:extLst>
       <p:ext uri="{BB962C8B-B14F-4D97-AF65-F5344CB8AC3E}">
-        <p14:creationId xmlns:p14="http://schemas.microsoft.com/office/powerpoint/2010/main" val="2959345568"/>
+        <p14:creationId xmlns:p14="http://schemas.microsoft.com/office/powerpoint/2010/main" val="3217568271"/>
       </p:ext>
     </p:extLst>
   </p:cSld>
@@ -9746,7 +9374,7 @@
                 <a:latin typeface="Times New Roman" panose="02020603050405020304" pitchFamily="18" charset="0"/>
                 <a:cs typeface="Times New Roman" panose="02020603050405020304" pitchFamily="18" charset="0"/>
               </a:rPr>
-              <a:t>      Le </a:t>
+              <a:t>      Configurare il proprio account di </a:t>
             </a:r>
             <a:r>
               <a:rPr lang="it-IT" altLang="it-IT" sz="3600" b="1" kern="0" dirty="0" err="1" smtClean="0">
@@ -9756,7 +9384,7 @@
                 <a:latin typeface="Times New Roman" panose="02020603050405020304" pitchFamily="18" charset="0"/>
                 <a:cs typeface="Times New Roman" panose="02020603050405020304" pitchFamily="18" charset="0"/>
               </a:rPr>
-              <a:t>branch</a:t>
+              <a:t>GitHub</a:t>
             </a:r>
             <a:r>
               <a:rPr lang="it-IT" altLang="it-IT" sz="3600" b="1" kern="0" dirty="0" smtClean="0">
@@ -9766,7 +9394,17 @@
                 <a:latin typeface="Times New Roman" panose="02020603050405020304" pitchFamily="18" charset="0"/>
                 <a:cs typeface="Times New Roman" panose="02020603050405020304" pitchFamily="18" charset="0"/>
               </a:rPr>
-              <a:t> - 1</a:t>
+              <a:t> su </a:t>
+            </a:r>
+            <a:r>
+              <a:rPr lang="it-IT" altLang="it-IT" sz="3600" b="1" kern="0" dirty="0" err="1" smtClean="0">
+                <a:solidFill>
+                  <a:prstClr val="white"/>
+                </a:solidFill>
+                <a:latin typeface="Times New Roman" panose="02020603050405020304" pitchFamily="18" charset="0"/>
+                <a:cs typeface="Times New Roman" panose="02020603050405020304" pitchFamily="18" charset="0"/>
+              </a:rPr>
+              <a:t>GitBash</a:t>
             </a:r>
             <a:endParaRPr lang="it-IT" altLang="it-IT" sz="3600" b="1" kern="0" dirty="0" smtClean="0">
               <a:solidFill>
@@ -9809,8 +9447,8 @@
         </p:nvSpPr>
         <p:spPr>
           <a:xfrm>
-            <a:off x="1023730" y="2036018"/>
-            <a:ext cx="10171466" cy="1200329"/>
+            <a:off x="1023730" y="2881409"/>
+            <a:ext cx="10171466" cy="3046988"/>
           </a:xfrm>
           <a:prstGeom prst="rect">
             <a:avLst/>
@@ -9828,193 +9466,155 @@
                 <a:latin typeface="Times New Roman" panose="02020603050405020304" pitchFamily="18" charset="0"/>
                 <a:cs typeface="Times New Roman" panose="02020603050405020304" pitchFamily="18" charset="0"/>
               </a:rPr>
-              <a:t>Le </a:t>
+              <a:t>Al fine di configurare il proprio account </a:t>
             </a:r>
             <a:r>
               <a:rPr lang="it-IT" sz="2400" dirty="0" err="1" smtClean="0">
                 <a:latin typeface="Times New Roman" panose="02020603050405020304" pitchFamily="18" charset="0"/>
                 <a:cs typeface="Times New Roman" panose="02020603050405020304" pitchFamily="18" charset="0"/>
               </a:rPr>
-              <a:t>branch</a:t>
+              <a:t>GitHub</a:t>
             </a:r>
             <a:r>
               <a:rPr lang="it-IT" sz="2400" dirty="0" smtClean="0">
                 <a:latin typeface="Times New Roman" panose="02020603050405020304" pitchFamily="18" charset="0"/>
                 <a:cs typeface="Times New Roman" panose="02020603050405020304" pitchFamily="18" charset="0"/>
               </a:rPr>
-              <a:t> locali (le equivalenti remote prendono il nome di </a:t>
-            </a:r>
-            <a:r>
-              <a:rPr lang="it-IT" sz="2400" b="1" i="1" dirty="0" err="1" smtClean="0">
-                <a:latin typeface="Times New Roman" panose="02020603050405020304" pitchFamily="18" charset="0"/>
-                <a:cs typeface="Times New Roman" panose="02020603050405020304" pitchFamily="18" charset="0"/>
-              </a:rPr>
-              <a:t>sandbox</a:t>
+              <a:t> in </a:t>
+            </a:r>
+            <a:r>
+              <a:rPr lang="it-IT" sz="2400" dirty="0" err="1" smtClean="0">
+                <a:latin typeface="Times New Roman" panose="02020603050405020304" pitchFamily="18" charset="0"/>
+                <a:cs typeface="Times New Roman" panose="02020603050405020304" pitchFamily="18" charset="0"/>
+              </a:rPr>
+              <a:t>Git-Bash</a:t>
             </a:r>
             <a:r>
               <a:rPr lang="it-IT" sz="2400" dirty="0" smtClean="0">
                 <a:latin typeface="Times New Roman" panose="02020603050405020304" pitchFamily="18" charset="0"/>
                 <a:cs typeface="Times New Roman" panose="02020603050405020304" pitchFamily="18" charset="0"/>
               </a:rPr>
-              <a:t>) sono delle diramazioni di quella principale detta </a:t>
+              <a:t> occorre digitare, per esempio:</a:t>
+            </a:r>
+          </a:p>
+          <a:p>
+            <a:pPr algn="just"/>
+            <a:r>
+              <a:rPr lang="it-IT" sz="2400" b="1" dirty="0">
+                <a:latin typeface="Times New Roman" panose="02020603050405020304" pitchFamily="18" charset="0"/>
+                <a:cs typeface="Times New Roman" panose="02020603050405020304" pitchFamily="18" charset="0"/>
+              </a:rPr>
+              <a:t>	</a:t>
             </a:r>
             <a:r>
               <a:rPr lang="it-IT" sz="2400" b="1" dirty="0" smtClean="0">
                 <a:latin typeface="Times New Roman" panose="02020603050405020304" pitchFamily="18" charset="0"/>
                 <a:cs typeface="Times New Roman" panose="02020603050405020304" pitchFamily="18" charset="0"/>
               </a:rPr>
-              <a:t>«master»</a:t>
-            </a:r>
-            <a:r>
-              <a:rPr lang="it-IT" sz="2400" dirty="0" smtClean="0">
-                <a:latin typeface="Times New Roman" panose="02020603050405020304" pitchFamily="18" charset="0"/>
-                <a:cs typeface="Times New Roman" panose="02020603050405020304" pitchFamily="18" charset="0"/>
-              </a:rPr>
-              <a:t>, che vengono create per eseguire degli sviluppi specifici. </a:t>
+              <a:t>$ </a:t>
+            </a:r>
+            <a:r>
+              <a:rPr lang="it-IT" sz="2400" b="1" dirty="0" err="1">
+                <a:latin typeface="Times New Roman" panose="02020603050405020304" pitchFamily="18" charset="0"/>
+                <a:cs typeface="Times New Roman" panose="02020603050405020304" pitchFamily="18" charset="0"/>
+              </a:rPr>
+              <a:t>git</a:t>
+            </a:r>
+            <a:r>
+              <a:rPr lang="it-IT" sz="2400" b="1" dirty="0">
+                <a:latin typeface="Times New Roman" panose="02020603050405020304" pitchFamily="18" charset="0"/>
+                <a:cs typeface="Times New Roman" panose="02020603050405020304" pitchFamily="18" charset="0"/>
+              </a:rPr>
+              <a:t> </a:t>
+            </a:r>
+            <a:r>
+              <a:rPr lang="it-IT" sz="2400" b="1" dirty="0" err="1">
+                <a:latin typeface="Times New Roman" panose="02020603050405020304" pitchFamily="18" charset="0"/>
+                <a:cs typeface="Times New Roman" panose="02020603050405020304" pitchFamily="18" charset="0"/>
+              </a:rPr>
+              <a:t>config</a:t>
+            </a:r>
+            <a:r>
+              <a:rPr lang="it-IT" sz="2400" b="1" dirty="0">
+                <a:latin typeface="Times New Roman" panose="02020603050405020304" pitchFamily="18" charset="0"/>
+                <a:cs typeface="Times New Roman" panose="02020603050405020304" pitchFamily="18" charset="0"/>
+              </a:rPr>
+              <a:t> </a:t>
+            </a:r>
+            <a:r>
+              <a:rPr lang="it-IT" sz="2400" b="1" dirty="0" smtClean="0">
+                <a:latin typeface="Times New Roman" panose="02020603050405020304" pitchFamily="18" charset="0"/>
+                <a:cs typeface="Times New Roman" panose="02020603050405020304" pitchFamily="18" charset="0"/>
+              </a:rPr>
+              <a:t>--global </a:t>
+            </a:r>
+            <a:r>
+              <a:rPr lang="it-IT" sz="2400" b="1" dirty="0">
+                <a:latin typeface="Times New Roman" panose="02020603050405020304" pitchFamily="18" charset="0"/>
+                <a:cs typeface="Times New Roman" panose="02020603050405020304" pitchFamily="18" charset="0"/>
+              </a:rPr>
+              <a:t>user.name </a:t>
+            </a:r>
+            <a:r>
+              <a:rPr lang="it-IT" sz="2400" b="1" dirty="0" smtClean="0">
+                <a:latin typeface="Times New Roman" panose="02020603050405020304" pitchFamily="18" charset="0"/>
+                <a:cs typeface="Times New Roman" panose="02020603050405020304" pitchFamily="18" charset="0"/>
+              </a:rPr>
+              <a:t>«Vincenzo Corallo»</a:t>
             </a:r>
             <a:endParaRPr lang="it-IT" sz="2400" b="1" dirty="0">
               <a:latin typeface="Times New Roman" panose="02020603050405020304" pitchFamily="18" charset="0"/>
               <a:cs typeface="Times New Roman" panose="02020603050405020304" pitchFamily="18" charset="0"/>
             </a:endParaRPr>
           </a:p>
-        </p:txBody>
-      </p:sp>
-      <p:pic>
-        <p:nvPicPr>
-          <p:cNvPr id="6" name="Picture 5"/>
-          <p:cNvPicPr>
-            <a:picLocks noChangeAspect="1"/>
-          </p:cNvPicPr>
-          <p:nvPr/>
-        </p:nvPicPr>
-        <p:blipFill>
-          <a:blip r:embed="rId2"/>
-          <a:stretch>
-            <a:fillRect/>
-          </a:stretch>
-        </p:blipFill>
-        <p:spPr>
-          <a:xfrm>
-            <a:off x="4357238" y="3290247"/>
-            <a:ext cx="3028950" cy="1504950"/>
-          </a:xfrm>
-          <a:prstGeom prst="rect">
-            <a:avLst/>
-          </a:prstGeom>
-        </p:spPr>
-      </p:pic>
-      <p:sp>
-        <p:nvSpPr>
-          <p:cNvPr id="10" name="Rectangle 9"/>
-          <p:cNvSpPr/>
-          <p:nvPr/>
-        </p:nvSpPr>
-        <p:spPr>
-          <a:xfrm>
-            <a:off x="977554" y="4690073"/>
-            <a:ext cx="10171466" cy="2677656"/>
-          </a:xfrm>
-          <a:prstGeom prst="rect">
-            <a:avLst/>
-          </a:prstGeom>
-        </p:spPr>
-        <p:txBody>
-          <a:bodyPr wrap="square">
-            <a:spAutoFit/>
-          </a:bodyPr>
-          <a:lstStyle/>
           <a:p>
             <a:pPr algn="just"/>
-            <a:endParaRPr lang="it-IT" sz="2400" dirty="0" smtClean="0">
-              <a:latin typeface="Times New Roman" panose="02020603050405020304" pitchFamily="18" charset="0"/>
-              <a:cs typeface="Times New Roman" panose="02020603050405020304" pitchFamily="18" charset="0"/>
-            </a:endParaRPr>
+            <a:r>
+              <a:rPr lang="it-IT" sz="2400" dirty="0" smtClean="0">
+                <a:latin typeface="Times New Roman" panose="02020603050405020304" pitchFamily="18" charset="0"/>
+                <a:cs typeface="Times New Roman" panose="02020603050405020304" pitchFamily="18" charset="0"/>
+              </a:rPr>
+              <a:t>	</a:t>
+            </a:r>
+            <a:r>
+              <a:rPr lang="it-IT" sz="2400" dirty="0" smtClean="0">
+                <a:latin typeface="Times New Roman" panose="02020603050405020304" pitchFamily="18" charset="0"/>
+                <a:cs typeface="Times New Roman" panose="02020603050405020304" pitchFamily="18" charset="0"/>
+                <a:sym typeface="Wingdings" panose="05000000000000000000" pitchFamily="2" charset="2"/>
+              </a:rPr>
+              <a:t> </a:t>
+            </a:r>
+            <a:r>
+              <a:rPr lang="it-IT" sz="2400" dirty="0" smtClean="0">
+                <a:latin typeface="Times New Roman" panose="02020603050405020304" pitchFamily="18" charset="0"/>
+                <a:cs typeface="Times New Roman" panose="02020603050405020304" pitchFamily="18" charset="0"/>
+              </a:rPr>
+              <a:t>Imposta </a:t>
+            </a:r>
+            <a:r>
+              <a:rPr lang="it-IT" sz="2400" dirty="0">
+                <a:latin typeface="Times New Roman" panose="02020603050405020304" pitchFamily="18" charset="0"/>
+                <a:cs typeface="Times New Roman" panose="02020603050405020304" pitchFamily="18" charset="0"/>
+              </a:rPr>
+              <a:t>il nome utente che sarà associato alle </a:t>
+            </a:r>
+            <a:r>
+              <a:rPr lang="it-IT" sz="2400" dirty="0" smtClean="0">
+                <a:latin typeface="Times New Roman" panose="02020603050405020304" pitchFamily="18" charset="0"/>
+                <a:cs typeface="Times New Roman" panose="02020603050405020304" pitchFamily="18" charset="0"/>
+              </a:rPr>
+              <a:t>modifiche</a:t>
+            </a:r>
           </a:p>
           <a:p>
             <a:pPr algn="just"/>
             <a:r>
-              <a:rPr lang="it-IT" sz="2400" dirty="0" smtClean="0">
-                <a:latin typeface="Times New Roman" panose="02020603050405020304" pitchFamily="18" charset="0"/>
-                <a:cs typeface="Times New Roman" panose="02020603050405020304" pitchFamily="18" charset="0"/>
-              </a:rPr>
-              <a:t>Per creare una </a:t>
-            </a:r>
-            <a:r>
-              <a:rPr lang="it-IT" sz="2400" dirty="0" err="1" smtClean="0">
-                <a:latin typeface="Times New Roman" panose="02020603050405020304" pitchFamily="18" charset="0"/>
-                <a:cs typeface="Times New Roman" panose="02020603050405020304" pitchFamily="18" charset="0"/>
-              </a:rPr>
-              <a:t>branch</a:t>
-            </a:r>
-            <a:r>
-              <a:rPr lang="it-IT" sz="2400" dirty="0" smtClean="0">
-                <a:latin typeface="Times New Roman" panose="02020603050405020304" pitchFamily="18" charset="0"/>
-                <a:cs typeface="Times New Roman" panose="02020603050405020304" pitchFamily="18" charset="0"/>
-              </a:rPr>
-              <a:t> occorre digitare:</a:t>
-            </a:r>
-          </a:p>
-          <a:p>
-            <a:pPr algn="just"/>
-            <a:r>
-              <a:rPr lang="it-IT" sz="2400" b="1" dirty="0" smtClean="0">
-                <a:latin typeface="Times New Roman" panose="02020603050405020304" pitchFamily="18" charset="0"/>
-                <a:cs typeface="Times New Roman" panose="02020603050405020304" pitchFamily="18" charset="0"/>
-              </a:rPr>
-              <a:t>	$ </a:t>
-            </a:r>
-            <a:r>
-              <a:rPr lang="it-IT" sz="2400" b="1" dirty="0" err="1" smtClean="0">
-                <a:latin typeface="Times New Roman" panose="02020603050405020304" pitchFamily="18" charset="0"/>
-                <a:cs typeface="Times New Roman" panose="02020603050405020304" pitchFamily="18" charset="0"/>
-              </a:rPr>
-              <a:t>git</a:t>
-            </a:r>
-            <a:r>
-              <a:rPr lang="it-IT" sz="2400" b="1" dirty="0" smtClean="0">
-                <a:latin typeface="Times New Roman" panose="02020603050405020304" pitchFamily="18" charset="0"/>
-                <a:cs typeface="Times New Roman" panose="02020603050405020304" pitchFamily="18" charset="0"/>
-              </a:rPr>
-              <a:t> checkout –b &lt;</a:t>
-            </a:r>
-            <a:r>
-              <a:rPr lang="it-IT" sz="2400" b="1" dirty="0" err="1" smtClean="0">
-                <a:latin typeface="Times New Roman" panose="02020603050405020304" pitchFamily="18" charset="0"/>
-                <a:cs typeface="Times New Roman" panose="02020603050405020304" pitchFamily="18" charset="0"/>
-              </a:rPr>
-              <a:t>nomeBranch</a:t>
-            </a:r>
-            <a:r>
-              <a:rPr lang="it-IT" sz="2400" b="1" dirty="0" smtClean="0">
-                <a:latin typeface="Times New Roman" panose="02020603050405020304" pitchFamily="18" charset="0"/>
-                <a:cs typeface="Times New Roman" panose="02020603050405020304" pitchFamily="18" charset="0"/>
-              </a:rPr>
-              <a:t>&gt;</a:t>
-            </a:r>
-          </a:p>
-          <a:p>
-            <a:pPr algn="just"/>
-            <a:endParaRPr lang="it-IT" sz="2400" dirty="0" smtClean="0">
-              <a:latin typeface="Times New Roman" panose="02020603050405020304" pitchFamily="18" charset="0"/>
-              <a:cs typeface="Times New Roman" panose="02020603050405020304" pitchFamily="18" charset="0"/>
-            </a:endParaRPr>
-          </a:p>
-          <a:p>
-            <a:pPr algn="just"/>
-            <a:r>
-              <a:rPr lang="it-IT" sz="2400" dirty="0">
+              <a:rPr lang="it-IT" sz="2400" b="1" dirty="0">
                 <a:latin typeface="Times New Roman" panose="02020603050405020304" pitchFamily="18" charset="0"/>
                 <a:cs typeface="Times New Roman" panose="02020603050405020304" pitchFamily="18" charset="0"/>
               </a:rPr>
               <a:t>	</a:t>
             </a:r>
-            <a:endParaRPr lang="it-IT" sz="2400" dirty="0" smtClean="0">
-              <a:latin typeface="Times New Roman" panose="02020603050405020304" pitchFamily="18" charset="0"/>
-              <a:cs typeface="Times New Roman" panose="02020603050405020304" pitchFamily="18" charset="0"/>
-            </a:endParaRPr>
-          </a:p>
-          <a:p>
-            <a:pPr algn="just"/>
             <a:endParaRPr lang="it-IT" sz="2400" b="1" dirty="0" smtClean="0">
               <a:latin typeface="Times New Roman" panose="02020603050405020304" pitchFamily="18" charset="0"/>
               <a:cs typeface="Times New Roman" panose="02020603050405020304" pitchFamily="18" charset="0"/>
@@ -10022,17 +9622,151 @@
           </a:p>
           <a:p>
             <a:pPr algn="just"/>
+            <a:r>
+              <a:rPr lang="it-IT" sz="2400" b="1" dirty="0">
+                <a:latin typeface="Times New Roman" panose="02020603050405020304" pitchFamily="18" charset="0"/>
+                <a:cs typeface="Times New Roman" panose="02020603050405020304" pitchFamily="18" charset="0"/>
+              </a:rPr>
+              <a:t>	</a:t>
+            </a:r>
+            <a:r>
+              <a:rPr lang="it-IT" sz="2400" b="1" dirty="0" smtClean="0">
+                <a:latin typeface="Times New Roman" panose="02020603050405020304" pitchFamily="18" charset="0"/>
+                <a:cs typeface="Times New Roman" panose="02020603050405020304" pitchFamily="18" charset="0"/>
+              </a:rPr>
+              <a:t>$ </a:t>
+            </a:r>
+            <a:r>
+              <a:rPr lang="it-IT" sz="2400" b="1" dirty="0" err="1">
+                <a:latin typeface="Times New Roman" panose="02020603050405020304" pitchFamily="18" charset="0"/>
+                <a:cs typeface="Times New Roman" panose="02020603050405020304" pitchFamily="18" charset="0"/>
+              </a:rPr>
+              <a:t>git</a:t>
+            </a:r>
+            <a:r>
+              <a:rPr lang="it-IT" sz="2400" b="1" dirty="0">
+                <a:latin typeface="Times New Roman" panose="02020603050405020304" pitchFamily="18" charset="0"/>
+                <a:cs typeface="Times New Roman" panose="02020603050405020304" pitchFamily="18" charset="0"/>
+              </a:rPr>
+              <a:t> </a:t>
+            </a:r>
+            <a:r>
+              <a:rPr lang="it-IT" sz="2400" b="1" dirty="0" err="1">
+                <a:latin typeface="Times New Roman" panose="02020603050405020304" pitchFamily="18" charset="0"/>
+                <a:cs typeface="Times New Roman" panose="02020603050405020304" pitchFamily="18" charset="0"/>
+              </a:rPr>
+              <a:t>config</a:t>
+            </a:r>
+            <a:r>
+              <a:rPr lang="it-IT" sz="2400" b="1" dirty="0">
+                <a:latin typeface="Times New Roman" panose="02020603050405020304" pitchFamily="18" charset="0"/>
+                <a:cs typeface="Times New Roman" panose="02020603050405020304" pitchFamily="18" charset="0"/>
+              </a:rPr>
+              <a:t> </a:t>
+            </a:r>
+            <a:r>
+              <a:rPr lang="it-IT" sz="2400" b="1" dirty="0" smtClean="0">
+                <a:latin typeface="Times New Roman" panose="02020603050405020304" pitchFamily="18" charset="0"/>
+                <a:cs typeface="Times New Roman" panose="02020603050405020304" pitchFamily="18" charset="0"/>
+              </a:rPr>
+              <a:t>-- global </a:t>
+            </a:r>
+            <a:r>
+              <a:rPr lang="it-IT" sz="2400" b="1" dirty="0" err="1">
+                <a:latin typeface="Times New Roman" panose="02020603050405020304" pitchFamily="18" charset="0"/>
+                <a:cs typeface="Times New Roman" panose="02020603050405020304" pitchFamily="18" charset="0"/>
+              </a:rPr>
+              <a:t>user.email</a:t>
+            </a:r>
+            <a:r>
+              <a:rPr lang="it-IT" sz="2400" b="1" dirty="0">
+                <a:latin typeface="Times New Roman" panose="02020603050405020304" pitchFamily="18" charset="0"/>
+                <a:cs typeface="Times New Roman" panose="02020603050405020304" pitchFamily="18" charset="0"/>
+              </a:rPr>
+              <a:t> </a:t>
+            </a:r>
+            <a:r>
+              <a:rPr lang="it-IT" sz="2400" b="1" dirty="0" smtClean="0">
+                <a:latin typeface="Times New Roman" panose="02020603050405020304" pitchFamily="18" charset="0"/>
+                <a:cs typeface="Times New Roman" panose="02020603050405020304" pitchFamily="18" charset="0"/>
+              </a:rPr>
+              <a:t>vincenzo.corallo@gmail.com</a:t>
+            </a:r>
             <a:endParaRPr lang="it-IT" sz="2400" b="1" dirty="0">
               <a:latin typeface="Times New Roman" panose="02020603050405020304" pitchFamily="18" charset="0"/>
               <a:cs typeface="Times New Roman" panose="02020603050405020304" pitchFamily="18" charset="0"/>
             </a:endParaRPr>
           </a:p>
+          <a:p>
+            <a:pPr algn="just"/>
+            <a:r>
+              <a:rPr lang="it-IT" sz="2400" dirty="0">
+                <a:latin typeface="Times New Roman" panose="02020603050405020304" pitchFamily="18" charset="0"/>
+                <a:cs typeface="Times New Roman" panose="02020603050405020304" pitchFamily="18" charset="0"/>
+              </a:rPr>
+              <a:t>	</a:t>
+            </a:r>
+            <a:r>
+              <a:rPr lang="it-IT" sz="2400" dirty="0" smtClean="0">
+                <a:latin typeface="Times New Roman" panose="02020603050405020304" pitchFamily="18" charset="0"/>
+                <a:cs typeface="Times New Roman" panose="02020603050405020304" pitchFamily="18" charset="0"/>
+                <a:sym typeface="Wingdings" panose="05000000000000000000" pitchFamily="2" charset="2"/>
+              </a:rPr>
+              <a:t> </a:t>
+            </a:r>
+            <a:r>
+              <a:rPr lang="it-IT" sz="2400" dirty="0" smtClean="0">
+                <a:latin typeface="Times New Roman" panose="02020603050405020304" pitchFamily="18" charset="0"/>
+                <a:cs typeface="Times New Roman" panose="02020603050405020304" pitchFamily="18" charset="0"/>
+              </a:rPr>
+              <a:t>Imposta </a:t>
+            </a:r>
+            <a:r>
+              <a:rPr lang="it-IT" sz="2400" dirty="0">
+                <a:latin typeface="Times New Roman" panose="02020603050405020304" pitchFamily="18" charset="0"/>
+                <a:cs typeface="Times New Roman" panose="02020603050405020304" pitchFamily="18" charset="0"/>
+              </a:rPr>
+              <a:t>anche una mail da associare </a:t>
+            </a:r>
+            <a:r>
+              <a:rPr lang="it-IT" sz="2400" dirty="0" smtClean="0">
+                <a:latin typeface="Times New Roman" panose="02020603050405020304" pitchFamily="18" charset="0"/>
+                <a:cs typeface="Times New Roman" panose="02020603050405020304" pitchFamily="18" charset="0"/>
+              </a:rPr>
+              <a:t>al nome utente (</a:t>
+            </a:r>
+            <a:r>
+              <a:rPr lang="it-IT" sz="2400" i="1" dirty="0" err="1" smtClean="0">
+                <a:latin typeface="Times New Roman" panose="02020603050405020304" pitchFamily="18" charset="0"/>
+                <a:cs typeface="Times New Roman" panose="02020603050405020304" pitchFamily="18" charset="0"/>
+              </a:rPr>
+              <a:t>n.b.</a:t>
+            </a:r>
+            <a:r>
+              <a:rPr lang="it-IT" sz="2400" i="1" dirty="0" smtClean="0">
+                <a:latin typeface="Times New Roman" panose="02020603050405020304" pitchFamily="18" charset="0"/>
+                <a:cs typeface="Times New Roman" panose="02020603050405020304" pitchFamily="18" charset="0"/>
+              </a:rPr>
+              <a:t> </a:t>
+            </a:r>
+            <a:r>
+              <a:rPr lang="it-IT" sz="2400" dirty="0" smtClean="0">
+                <a:latin typeface="Times New Roman" panose="02020603050405020304" pitchFamily="18" charset="0"/>
+                <a:cs typeface="Times New Roman" panose="02020603050405020304" pitchFamily="18" charset="0"/>
+              </a:rPr>
+              <a:t>verrà richiesto l’inserimento della password scelta)</a:t>
+            </a:r>
+            <a:endParaRPr lang="it-IT" sz="2400" dirty="0">
+              <a:latin typeface="Times New Roman" panose="02020603050405020304" pitchFamily="18" charset="0"/>
+              <a:cs typeface="Times New Roman" panose="02020603050405020304" pitchFamily="18" charset="0"/>
+            </a:endParaRPr>
+          </a:p>
         </p:txBody>
       </p:sp>
     </p:spTree>
     <p:extLst>
       <p:ext uri="{BB962C8B-B14F-4D97-AF65-F5344CB8AC3E}">
-        <p14:creationId xmlns:p14="http://schemas.microsoft.com/office/powerpoint/2010/main" val="2335232519"/>
+        <p14:creationId xmlns:p14="http://schemas.microsoft.com/office/powerpoint/2010/main" val="2710106811"/>
       </p:ext>
     </p:extLst>
   </p:cSld>
@@ -10167,7 +9901,7 @@
                 <a:latin typeface="Times New Roman" panose="02020603050405020304" pitchFamily="18" charset="0"/>
                 <a:cs typeface="Times New Roman" panose="02020603050405020304" pitchFamily="18" charset="0"/>
               </a:rPr>
-              <a:t>      Le </a:t>
+              <a:t>      Clonare un </a:t>
             </a:r>
             <a:r>
               <a:rPr lang="it-IT" altLang="it-IT" sz="3600" b="1" kern="0" dirty="0" err="1" smtClean="0">
@@ -10177,7 +9911,7 @@
                 <a:latin typeface="Times New Roman" panose="02020603050405020304" pitchFamily="18" charset="0"/>
                 <a:cs typeface="Times New Roman" panose="02020603050405020304" pitchFamily="18" charset="0"/>
               </a:rPr>
-              <a:t>branch</a:t>
+              <a:t>repository</a:t>
             </a:r>
             <a:r>
               <a:rPr lang="it-IT" altLang="it-IT" sz="3600" b="1" kern="0" dirty="0" smtClean="0">
@@ -10187,15 +9921,8 @@
                 <a:latin typeface="Times New Roman" panose="02020603050405020304" pitchFamily="18" charset="0"/>
                 <a:cs typeface="Times New Roman" panose="02020603050405020304" pitchFamily="18" charset="0"/>
               </a:rPr>
-              <a:t> - 2</a:t>
-            </a:r>
-            <a:endParaRPr lang="it-IT" altLang="it-IT" sz="3600" b="1" kern="0" dirty="0" smtClean="0">
-              <a:solidFill>
-                <a:prstClr val="white"/>
-              </a:solidFill>
-              <a:latin typeface="Times New Roman" panose="02020603050405020304" pitchFamily="18" charset="0"/>
-              <a:cs typeface="Times New Roman" panose="02020603050405020304" pitchFamily="18" charset="0"/>
-            </a:endParaRPr>
+              <a:t> remoto in locale</a:t>
+            </a:r>
           </a:p>
         </p:txBody>
       </p:sp>
@@ -10224,14 +9951,14 @@
       </p:sp>
       <p:sp>
         <p:nvSpPr>
-          <p:cNvPr id="10" name="Rectangle 9"/>
+          <p:cNvPr id="4" name="Rectangle 3"/>
           <p:cNvSpPr/>
           <p:nvPr/>
         </p:nvSpPr>
         <p:spPr>
           <a:xfrm>
-            <a:off x="1055359" y="2050392"/>
-            <a:ext cx="10171466" cy="5262979"/>
+            <a:off x="1023730" y="2139536"/>
+            <a:ext cx="10171466" cy="4524315"/>
           </a:xfrm>
           <a:prstGeom prst="rect">
             <a:avLst/>
@@ -10244,93 +9971,93 @@
           <a:lstStyle/>
           <a:p>
             <a:pPr algn="just"/>
-            <a:endParaRPr lang="it-IT" sz="2400" dirty="0" smtClean="0">
+            <a:r>
+              <a:rPr lang="it-IT" sz="2400" dirty="0" smtClean="0">
+                <a:latin typeface="Times New Roman" panose="02020603050405020304" pitchFamily="18" charset="0"/>
+                <a:cs typeface="Times New Roman" panose="02020603050405020304" pitchFamily="18" charset="0"/>
+              </a:rPr>
+              <a:t>Al fine di clonare un </a:t>
+            </a:r>
+            <a:r>
+              <a:rPr lang="it-IT" sz="2400" dirty="0" err="1" smtClean="0">
+                <a:latin typeface="Times New Roman" panose="02020603050405020304" pitchFamily="18" charset="0"/>
+                <a:cs typeface="Times New Roman" panose="02020603050405020304" pitchFamily="18" charset="0"/>
+              </a:rPr>
+              <a:t>repository</a:t>
+            </a:r>
+            <a:r>
+              <a:rPr lang="it-IT" sz="2400" dirty="0" smtClean="0">
+                <a:latin typeface="Times New Roman" panose="02020603050405020304" pitchFamily="18" charset="0"/>
+                <a:cs typeface="Times New Roman" panose="02020603050405020304" pitchFamily="18" charset="0"/>
+              </a:rPr>
+              <a:t> remoto in locale, occorre digitare, per esempio:</a:t>
+            </a:r>
+          </a:p>
+          <a:p>
+            <a:pPr algn="just"/>
+            <a:r>
+              <a:rPr lang="it-IT" sz="2400" b="1" dirty="0">
+                <a:latin typeface="Times New Roman" panose="02020603050405020304" pitchFamily="18" charset="0"/>
+                <a:cs typeface="Times New Roman" panose="02020603050405020304" pitchFamily="18" charset="0"/>
+              </a:rPr>
+              <a:t>	</a:t>
+            </a:r>
+            <a:r>
+              <a:rPr lang="it-IT" sz="2400" b="1" dirty="0" smtClean="0">
+                <a:latin typeface="Times New Roman" panose="02020603050405020304" pitchFamily="18" charset="0"/>
+                <a:cs typeface="Times New Roman" panose="02020603050405020304" pitchFamily="18" charset="0"/>
+              </a:rPr>
+              <a:t>$ </a:t>
+            </a:r>
+            <a:r>
+              <a:rPr lang="it-IT" sz="2400" b="1" dirty="0" err="1">
+                <a:latin typeface="Times New Roman" panose="02020603050405020304" pitchFamily="18" charset="0"/>
+                <a:cs typeface="Times New Roman" panose="02020603050405020304" pitchFamily="18" charset="0"/>
+              </a:rPr>
+              <a:t>git</a:t>
+            </a:r>
+            <a:r>
+              <a:rPr lang="it-IT" sz="2400" b="1" dirty="0">
+                <a:latin typeface="Times New Roman" panose="02020603050405020304" pitchFamily="18" charset="0"/>
+                <a:cs typeface="Times New Roman" panose="02020603050405020304" pitchFamily="18" charset="0"/>
+              </a:rPr>
+              <a:t> </a:t>
+            </a:r>
+            <a:r>
+              <a:rPr lang="it-IT" sz="2400" b="1" dirty="0" smtClean="0">
+                <a:latin typeface="Times New Roman" panose="02020603050405020304" pitchFamily="18" charset="0"/>
+                <a:cs typeface="Times New Roman" panose="02020603050405020304" pitchFamily="18" charset="0"/>
+              </a:rPr>
+              <a:t>clone </a:t>
+            </a:r>
+            <a:r>
+              <a:rPr lang="it-IT" sz="2400" b="1" dirty="0" smtClean="0">
+                <a:latin typeface="Times New Roman" panose="02020603050405020304" pitchFamily="18" charset="0"/>
+                <a:cs typeface="Times New Roman" panose="02020603050405020304" pitchFamily="18" charset="0"/>
+                <a:hlinkClick r:id="rId2"/>
+              </a:rPr>
+              <a:t>https</a:t>
+            </a:r>
+            <a:r>
+              <a:rPr lang="it-IT" sz="2400" b="1" dirty="0">
+                <a:latin typeface="Times New Roman" panose="02020603050405020304" pitchFamily="18" charset="0"/>
+                <a:cs typeface="Times New Roman" panose="02020603050405020304" pitchFamily="18" charset="0"/>
+                <a:hlinkClick r:id="rId2"/>
+              </a:rPr>
+              <a:t>://</a:t>
+            </a:r>
+            <a:r>
+              <a:rPr lang="it-IT" sz="2400" b="1" dirty="0" smtClean="0">
+                <a:latin typeface="Times New Roman" panose="02020603050405020304" pitchFamily="18" charset="0"/>
+                <a:cs typeface="Times New Roman" panose="02020603050405020304" pitchFamily="18" charset="0"/>
+                <a:hlinkClick r:id="rId2"/>
+              </a:rPr>
+              <a:t>github.com/lballabio/QuantLib.git</a:t>
+            </a:r>
+            <a:endParaRPr lang="it-IT" sz="2400" b="1" dirty="0" smtClean="0">
               <a:latin typeface="Times New Roman" panose="02020603050405020304" pitchFamily="18" charset="0"/>
               <a:cs typeface="Times New Roman" panose="02020603050405020304" pitchFamily="18" charset="0"/>
             </a:endParaRPr>
-          </a:p>
-          <a:p>
-            <a:pPr algn="just"/>
-            <a:endParaRPr lang="it-IT" sz="2400" dirty="0">
-              <a:latin typeface="Times New Roman" panose="02020603050405020304" pitchFamily="18" charset="0"/>
-              <a:cs typeface="Times New Roman" panose="02020603050405020304" pitchFamily="18" charset="0"/>
-            </a:endParaRPr>
-          </a:p>
-          <a:p>
-            <a:pPr algn="just"/>
-            <a:r>
-              <a:rPr lang="it-IT" sz="2400" dirty="0" smtClean="0">
-                <a:latin typeface="Times New Roman" panose="02020603050405020304" pitchFamily="18" charset="0"/>
-                <a:cs typeface="Times New Roman" panose="02020603050405020304" pitchFamily="18" charset="0"/>
-              </a:rPr>
-              <a:t>Per navigare verso un’altra </a:t>
-            </a:r>
-            <a:r>
-              <a:rPr lang="it-IT" sz="2400" dirty="0" err="1" smtClean="0">
-                <a:latin typeface="Times New Roman" panose="02020603050405020304" pitchFamily="18" charset="0"/>
-                <a:cs typeface="Times New Roman" panose="02020603050405020304" pitchFamily="18" charset="0"/>
-              </a:rPr>
-              <a:t>branch</a:t>
-            </a:r>
-            <a:r>
-              <a:rPr lang="it-IT" sz="2400" dirty="0" smtClean="0">
-                <a:latin typeface="Times New Roman" panose="02020603050405020304" pitchFamily="18" charset="0"/>
-                <a:cs typeface="Times New Roman" panose="02020603050405020304" pitchFamily="18" charset="0"/>
-              </a:rPr>
-              <a:t> occorre digitare:</a:t>
-            </a:r>
-          </a:p>
-          <a:p>
-            <a:pPr algn="just"/>
-            <a:r>
-              <a:rPr lang="it-IT" sz="2400" dirty="0">
-                <a:latin typeface="Times New Roman" panose="02020603050405020304" pitchFamily="18" charset="0"/>
-                <a:cs typeface="Times New Roman" panose="02020603050405020304" pitchFamily="18" charset="0"/>
-              </a:rPr>
-              <a:t>	</a:t>
-            </a:r>
-            <a:r>
-              <a:rPr lang="it-IT" sz="2400" b="1" dirty="0">
-                <a:latin typeface="Times New Roman" panose="02020603050405020304" pitchFamily="18" charset="0"/>
-                <a:cs typeface="Times New Roman" panose="02020603050405020304" pitchFamily="18" charset="0"/>
-              </a:rPr>
-              <a:t>$ </a:t>
-            </a:r>
-            <a:r>
-              <a:rPr lang="it-IT" sz="2400" b="1" dirty="0" err="1">
-                <a:latin typeface="Times New Roman" panose="02020603050405020304" pitchFamily="18" charset="0"/>
-                <a:cs typeface="Times New Roman" panose="02020603050405020304" pitchFamily="18" charset="0"/>
-              </a:rPr>
-              <a:t>git</a:t>
-            </a:r>
-            <a:r>
-              <a:rPr lang="it-IT" sz="2400" b="1" dirty="0">
-                <a:latin typeface="Times New Roman" panose="02020603050405020304" pitchFamily="18" charset="0"/>
-                <a:cs typeface="Times New Roman" panose="02020603050405020304" pitchFamily="18" charset="0"/>
-              </a:rPr>
-              <a:t> checkout </a:t>
-            </a:r>
-            <a:r>
-              <a:rPr lang="it-IT" sz="2400" b="1" dirty="0" smtClean="0">
-                <a:latin typeface="Times New Roman" panose="02020603050405020304" pitchFamily="18" charset="0"/>
-                <a:cs typeface="Times New Roman" panose="02020603050405020304" pitchFamily="18" charset="0"/>
-              </a:rPr>
-              <a:t>&lt;</a:t>
-            </a:r>
-            <a:r>
-              <a:rPr lang="it-IT" sz="2400" b="1" dirty="0" err="1" smtClean="0">
-                <a:latin typeface="Times New Roman" panose="02020603050405020304" pitchFamily="18" charset="0"/>
-                <a:cs typeface="Times New Roman" panose="02020603050405020304" pitchFamily="18" charset="0"/>
-              </a:rPr>
-              <a:t>nomeBranch</a:t>
-            </a:r>
-            <a:r>
-              <a:rPr lang="it-IT" sz="2400" b="1" dirty="0" smtClean="0">
-                <a:latin typeface="Times New Roman" panose="02020603050405020304" pitchFamily="18" charset="0"/>
-                <a:cs typeface="Times New Roman" panose="02020603050405020304" pitchFamily="18" charset="0"/>
-              </a:rPr>
-              <a:t>&gt;</a:t>
-            </a:r>
           </a:p>
           <a:p>
             <a:pPr algn="just"/>
@@ -10346,21 +10073,21 @@
                 <a:latin typeface="Times New Roman" panose="02020603050405020304" pitchFamily="18" charset="0"/>
                 <a:cs typeface="Times New Roman" panose="02020603050405020304" pitchFamily="18" charset="0"/>
               </a:rPr>
-              <a:t>Per visualizzare tutte le </a:t>
+              <a:t>Per verificare lo stato di sincronizzazione tra il </a:t>
             </a:r>
             <a:r>
               <a:rPr lang="it-IT" sz="2400" dirty="0" err="1" smtClean="0">
                 <a:latin typeface="Times New Roman" panose="02020603050405020304" pitchFamily="18" charset="0"/>
                 <a:cs typeface="Times New Roman" panose="02020603050405020304" pitchFamily="18" charset="0"/>
               </a:rPr>
-              <a:t>branch</a:t>
+              <a:t>repository</a:t>
             </a:r>
             <a:r>
               <a:rPr lang="it-IT" sz="2400" dirty="0" smtClean="0">
                 <a:latin typeface="Times New Roman" panose="02020603050405020304" pitchFamily="18" charset="0"/>
                 <a:cs typeface="Times New Roman" panose="02020603050405020304" pitchFamily="18" charset="0"/>
               </a:rPr>
-              <a:t> presenti nel </a:t>
+              <a:t> locale e la versione del </a:t>
             </a:r>
             <a:r>
               <a:rPr lang="it-IT" sz="2400" dirty="0" err="1" smtClean="0">
@@ -10374,17 +10101,24 @@
                 <a:latin typeface="Times New Roman" panose="02020603050405020304" pitchFamily="18" charset="0"/>
                 <a:cs typeface="Times New Roman" panose="02020603050405020304" pitchFamily="18" charset="0"/>
               </a:rPr>
-              <a:t> locale occorre digitare:</a:t>
+              <a:t> in remoto occorre digitare:</a:t>
             </a:r>
           </a:p>
           <a:p>
             <a:pPr algn="just"/>
             <a:r>
+              <a:rPr lang="it-IT" sz="2400" b="1" dirty="0">
+                <a:latin typeface="Times New Roman" panose="02020603050405020304" pitchFamily="18" charset="0"/>
+                <a:cs typeface="Times New Roman" panose="02020603050405020304" pitchFamily="18" charset="0"/>
+              </a:rPr>
+              <a:t>	</a:t>
+            </a:r>
+            <a:r>
               <a:rPr lang="it-IT" sz="2400" b="1" dirty="0" smtClean="0">
                 <a:latin typeface="Times New Roman" panose="02020603050405020304" pitchFamily="18" charset="0"/>
                 <a:cs typeface="Times New Roman" panose="02020603050405020304" pitchFamily="18" charset="0"/>
               </a:rPr>
-              <a:t>	$ </a:t>
+              <a:t>$ </a:t>
             </a:r>
             <a:r>
               <a:rPr lang="it-IT" sz="2400" b="1" dirty="0" err="1" smtClean="0">
@@ -10398,19 +10132,112 @@
                 <a:latin typeface="Times New Roman" panose="02020603050405020304" pitchFamily="18" charset="0"/>
                 <a:cs typeface="Times New Roman" panose="02020603050405020304" pitchFamily="18" charset="0"/>
               </a:rPr>
-              <a:t> </a:t>
-            </a:r>
-            <a:r>
-              <a:rPr lang="it-IT" sz="2400" b="1" dirty="0" err="1" smtClean="0">
-                <a:latin typeface="Times New Roman" panose="02020603050405020304" pitchFamily="18" charset="0"/>
-                <a:cs typeface="Times New Roman" panose="02020603050405020304" pitchFamily="18" charset="0"/>
-              </a:rPr>
-              <a:t>branch</a:t>
-            </a:r>
+              <a:t> status</a:t>
+            </a:r>
+          </a:p>
+          <a:p>
+            <a:pPr algn="just"/>
             <a:endParaRPr lang="it-IT" sz="2400" b="1" dirty="0" smtClean="0">
               <a:latin typeface="Times New Roman" panose="02020603050405020304" pitchFamily="18" charset="0"/>
               <a:cs typeface="Times New Roman" panose="02020603050405020304" pitchFamily="18" charset="0"/>
             </a:endParaRPr>
+          </a:p>
+          <a:p>
+            <a:pPr algn="just"/>
+            <a:r>
+              <a:rPr lang="it-IT" sz="2400" dirty="0" smtClean="0">
+                <a:latin typeface="Times New Roman" panose="02020603050405020304" pitchFamily="18" charset="0"/>
+                <a:cs typeface="Times New Roman" panose="02020603050405020304" pitchFamily="18" charset="0"/>
+              </a:rPr>
+              <a:t>Per osservare la storia dei </a:t>
+            </a:r>
+            <a:r>
+              <a:rPr lang="it-IT" sz="2400" dirty="0" err="1" smtClean="0">
+                <a:latin typeface="Times New Roman" panose="02020603050405020304" pitchFamily="18" charset="0"/>
+                <a:cs typeface="Times New Roman" panose="02020603050405020304" pitchFamily="18" charset="0"/>
+              </a:rPr>
+              <a:t>commit</a:t>
+            </a:r>
+            <a:r>
+              <a:rPr lang="it-IT" sz="2400" dirty="0" smtClean="0">
+                <a:latin typeface="Times New Roman" panose="02020603050405020304" pitchFamily="18" charset="0"/>
+                <a:cs typeface="Times New Roman" panose="02020603050405020304" pitchFamily="18" charset="0"/>
+              </a:rPr>
+              <a:t> con i relativi autori, data del </a:t>
+            </a:r>
+            <a:r>
+              <a:rPr lang="it-IT" sz="2400" dirty="0" err="1" smtClean="0">
+                <a:latin typeface="Times New Roman" panose="02020603050405020304" pitchFamily="18" charset="0"/>
+                <a:cs typeface="Times New Roman" panose="02020603050405020304" pitchFamily="18" charset="0"/>
+              </a:rPr>
+              <a:t>commit</a:t>
+            </a:r>
+            <a:r>
+              <a:rPr lang="it-IT" sz="2400" dirty="0" smtClean="0">
+                <a:latin typeface="Times New Roman" panose="02020603050405020304" pitchFamily="18" charset="0"/>
+                <a:cs typeface="Times New Roman" panose="02020603050405020304" pitchFamily="18" charset="0"/>
+              </a:rPr>
+              <a:t>, identificativo univoco (detto </a:t>
+            </a:r>
+            <a:r>
+              <a:rPr lang="it-IT" sz="2400" b="1" i="1" dirty="0" err="1" smtClean="0">
+                <a:latin typeface="Times New Roman" panose="02020603050405020304" pitchFamily="18" charset="0"/>
+                <a:cs typeface="Times New Roman" panose="02020603050405020304" pitchFamily="18" charset="0"/>
+              </a:rPr>
+              <a:t>hash</a:t>
+            </a:r>
+            <a:r>
+              <a:rPr lang="it-IT" sz="2400" dirty="0" smtClean="0">
+                <a:latin typeface="Times New Roman" panose="02020603050405020304" pitchFamily="18" charset="0"/>
+                <a:cs typeface="Times New Roman" panose="02020603050405020304" pitchFamily="18" charset="0"/>
+              </a:rPr>
+              <a:t>) del </a:t>
+            </a:r>
+            <a:r>
+              <a:rPr lang="it-IT" sz="2400" dirty="0" err="1" smtClean="0">
+                <a:latin typeface="Times New Roman" panose="02020603050405020304" pitchFamily="18" charset="0"/>
+                <a:cs typeface="Times New Roman" panose="02020603050405020304" pitchFamily="18" charset="0"/>
+              </a:rPr>
+              <a:t>commit</a:t>
+            </a:r>
+            <a:r>
+              <a:rPr lang="it-IT" sz="2400" dirty="0" smtClean="0">
+                <a:latin typeface="Times New Roman" panose="02020603050405020304" pitchFamily="18" charset="0"/>
+                <a:cs typeface="Times New Roman" panose="02020603050405020304" pitchFamily="18" charset="0"/>
+              </a:rPr>
+              <a:t> e il titolo della stessa occorre digitare:</a:t>
+            </a:r>
+          </a:p>
+          <a:p>
+            <a:pPr algn="just"/>
+            <a:r>
+              <a:rPr lang="it-IT" sz="2400" dirty="0">
+                <a:latin typeface="Times New Roman" panose="02020603050405020304" pitchFamily="18" charset="0"/>
+                <a:cs typeface="Times New Roman" panose="02020603050405020304" pitchFamily="18" charset="0"/>
+              </a:rPr>
+              <a:t>	</a:t>
+            </a:r>
+            <a:r>
+              <a:rPr lang="it-IT" sz="2400" b="1" dirty="0" smtClean="0">
+                <a:latin typeface="Times New Roman" panose="02020603050405020304" pitchFamily="18" charset="0"/>
+                <a:cs typeface="Times New Roman" panose="02020603050405020304" pitchFamily="18" charset="0"/>
+              </a:rPr>
+              <a:t>$ </a:t>
+            </a:r>
+            <a:r>
+              <a:rPr lang="it-IT" sz="2400" b="1" dirty="0" err="1" smtClean="0">
+                <a:latin typeface="Times New Roman" panose="02020603050405020304" pitchFamily="18" charset="0"/>
+                <a:cs typeface="Times New Roman" panose="02020603050405020304" pitchFamily="18" charset="0"/>
+              </a:rPr>
+              <a:t>git</a:t>
+            </a:r>
+            <a:r>
+              <a:rPr lang="it-IT" sz="2400" b="1" dirty="0" smtClean="0">
+                <a:latin typeface="Times New Roman" panose="02020603050405020304" pitchFamily="18" charset="0"/>
+                <a:cs typeface="Times New Roman" panose="02020603050405020304" pitchFamily="18" charset="0"/>
+              </a:rPr>
+              <a:t> log</a:t>
+            </a:r>
           </a:p>
           <a:p>
             <a:pPr algn="just"/>
@@ -10419,127 +10246,12 @@
               <a:cs typeface="Times New Roman" panose="02020603050405020304" pitchFamily="18" charset="0"/>
             </a:endParaRPr>
           </a:p>
-          <a:p>
-            <a:pPr algn="just"/>
-            <a:r>
-              <a:rPr lang="it-IT" sz="2400" dirty="0" smtClean="0">
-                <a:latin typeface="Times New Roman" panose="02020603050405020304" pitchFamily="18" charset="0"/>
-                <a:cs typeface="Times New Roman" panose="02020603050405020304" pitchFamily="18" charset="0"/>
-              </a:rPr>
-              <a:t>Per eliminare una </a:t>
-            </a:r>
-            <a:r>
-              <a:rPr lang="it-IT" sz="2400" dirty="0" err="1" smtClean="0">
-                <a:latin typeface="Times New Roman" panose="02020603050405020304" pitchFamily="18" charset="0"/>
-                <a:cs typeface="Times New Roman" panose="02020603050405020304" pitchFamily="18" charset="0"/>
-              </a:rPr>
-              <a:t>branch</a:t>
-            </a:r>
-            <a:r>
-              <a:rPr lang="it-IT" sz="2400" dirty="0" smtClean="0">
-                <a:latin typeface="Times New Roman" panose="02020603050405020304" pitchFamily="18" charset="0"/>
-                <a:cs typeface="Times New Roman" panose="02020603050405020304" pitchFamily="18" charset="0"/>
-              </a:rPr>
-              <a:t>, terminati gli sviluppi, occorre digitare:</a:t>
-            </a:r>
-          </a:p>
-          <a:p>
-            <a:pPr algn="just"/>
-            <a:r>
-              <a:rPr lang="it-IT" sz="2400" b="1" dirty="0" smtClean="0">
-                <a:latin typeface="Times New Roman" panose="02020603050405020304" pitchFamily="18" charset="0"/>
-                <a:cs typeface="Times New Roman" panose="02020603050405020304" pitchFamily="18" charset="0"/>
-              </a:rPr>
-              <a:t>	$ </a:t>
-            </a:r>
-            <a:r>
-              <a:rPr lang="it-IT" sz="2400" b="1" dirty="0" err="1" smtClean="0">
-                <a:latin typeface="Times New Roman" panose="02020603050405020304" pitchFamily="18" charset="0"/>
-                <a:cs typeface="Times New Roman" panose="02020603050405020304" pitchFamily="18" charset="0"/>
-              </a:rPr>
-              <a:t>git</a:t>
-            </a:r>
-            <a:r>
-              <a:rPr lang="it-IT" sz="2400" b="1" dirty="0" smtClean="0">
-                <a:latin typeface="Times New Roman" panose="02020603050405020304" pitchFamily="18" charset="0"/>
-                <a:cs typeface="Times New Roman" panose="02020603050405020304" pitchFamily="18" charset="0"/>
-              </a:rPr>
-              <a:t> </a:t>
-            </a:r>
-            <a:r>
-              <a:rPr lang="it-IT" sz="2400" b="1" dirty="0" err="1" smtClean="0">
-                <a:latin typeface="Times New Roman" panose="02020603050405020304" pitchFamily="18" charset="0"/>
-                <a:cs typeface="Times New Roman" panose="02020603050405020304" pitchFamily="18" charset="0"/>
-              </a:rPr>
-              <a:t>branch</a:t>
-            </a:r>
-            <a:r>
-              <a:rPr lang="it-IT" sz="2400" b="1" dirty="0" smtClean="0">
-                <a:latin typeface="Times New Roman" panose="02020603050405020304" pitchFamily="18" charset="0"/>
-                <a:cs typeface="Times New Roman" panose="02020603050405020304" pitchFamily="18" charset="0"/>
-              </a:rPr>
-              <a:t> –D &lt;</a:t>
-            </a:r>
-            <a:r>
-              <a:rPr lang="it-IT" sz="2400" b="1" dirty="0" err="1" smtClean="0">
-                <a:latin typeface="Times New Roman" panose="02020603050405020304" pitchFamily="18" charset="0"/>
-                <a:cs typeface="Times New Roman" panose="02020603050405020304" pitchFamily="18" charset="0"/>
-              </a:rPr>
-              <a:t>nomeBranch</a:t>
-            </a:r>
-            <a:r>
-              <a:rPr lang="it-IT" sz="2400" b="1" dirty="0" smtClean="0">
-                <a:latin typeface="Times New Roman" panose="02020603050405020304" pitchFamily="18" charset="0"/>
-                <a:cs typeface="Times New Roman" panose="02020603050405020304" pitchFamily="18" charset="0"/>
-              </a:rPr>
-              <a:t>&gt;</a:t>
-            </a:r>
-            <a:endParaRPr lang="it-IT" sz="2400" b="1" dirty="0">
-              <a:latin typeface="Times New Roman" panose="02020603050405020304" pitchFamily="18" charset="0"/>
-              <a:cs typeface="Times New Roman" panose="02020603050405020304" pitchFamily="18" charset="0"/>
-            </a:endParaRPr>
-          </a:p>
-          <a:p>
-            <a:pPr algn="just"/>
-            <a:endParaRPr lang="it-IT" sz="2400" dirty="0" smtClean="0">
-              <a:latin typeface="Times New Roman" panose="02020603050405020304" pitchFamily="18" charset="0"/>
-              <a:cs typeface="Times New Roman" panose="02020603050405020304" pitchFamily="18" charset="0"/>
-            </a:endParaRPr>
-          </a:p>
-          <a:p>
-            <a:pPr algn="just"/>
-            <a:r>
-              <a:rPr lang="it-IT" sz="2400" dirty="0">
-                <a:latin typeface="Times New Roman" panose="02020603050405020304" pitchFamily="18" charset="0"/>
-                <a:cs typeface="Times New Roman" panose="02020603050405020304" pitchFamily="18" charset="0"/>
-              </a:rPr>
-              <a:t>	</a:t>
-            </a:r>
-            <a:endParaRPr lang="it-IT" sz="2400" dirty="0" smtClean="0">
-              <a:latin typeface="Times New Roman" panose="02020603050405020304" pitchFamily="18" charset="0"/>
-              <a:cs typeface="Times New Roman" panose="02020603050405020304" pitchFamily="18" charset="0"/>
-            </a:endParaRPr>
-          </a:p>
-          <a:p>
-            <a:pPr algn="just"/>
-            <a:endParaRPr lang="it-IT" sz="2400" b="1" dirty="0" smtClean="0">
-              <a:latin typeface="Times New Roman" panose="02020603050405020304" pitchFamily="18" charset="0"/>
-              <a:cs typeface="Times New Roman" panose="02020603050405020304" pitchFamily="18" charset="0"/>
-            </a:endParaRPr>
-          </a:p>
-          <a:p>
-            <a:pPr algn="just"/>
-            <a:endParaRPr lang="it-IT" sz="2400" b="1" dirty="0">
-              <a:latin typeface="Times New Roman" panose="02020603050405020304" pitchFamily="18" charset="0"/>
-              <a:cs typeface="Times New Roman" panose="02020603050405020304" pitchFamily="18" charset="0"/>
-            </a:endParaRPr>
-          </a:p>
         </p:txBody>
       </p:sp>
     </p:spTree>
     <p:extLst>
       <p:ext uri="{BB962C8B-B14F-4D97-AF65-F5344CB8AC3E}">
-        <p14:creationId xmlns:p14="http://schemas.microsoft.com/office/powerpoint/2010/main" val="772430544"/>
+        <p14:creationId xmlns:p14="http://schemas.microsoft.com/office/powerpoint/2010/main" val="2959345568"/>
       </p:ext>
     </p:extLst>
   </p:cSld>
@@ -10674,7 +10386,7 @@
                 <a:latin typeface="Times New Roman" panose="02020603050405020304" pitchFamily="18" charset="0"/>
                 <a:cs typeface="Times New Roman" panose="02020603050405020304" pitchFamily="18" charset="0"/>
               </a:rPr>
-              <a:t>      Stage e </a:t>
+              <a:t>      Le </a:t>
             </a:r>
             <a:r>
               <a:rPr lang="it-IT" altLang="it-IT" sz="3600" b="1" kern="0" dirty="0" err="1" smtClean="0">
@@ -10684,15 +10396,18 @@
                 <a:latin typeface="Times New Roman" panose="02020603050405020304" pitchFamily="18" charset="0"/>
                 <a:cs typeface="Times New Roman" panose="02020603050405020304" pitchFamily="18" charset="0"/>
               </a:rPr>
-              <a:t>commit</a:t>
-            </a:r>
-            <a:endParaRPr lang="it-IT" altLang="it-IT" sz="3600" b="1" kern="0" dirty="0" smtClean="0">
-              <a:solidFill>
-                <a:prstClr val="white"/>
-              </a:solidFill>
-              <a:latin typeface="Times New Roman" panose="02020603050405020304" pitchFamily="18" charset="0"/>
-              <a:cs typeface="Times New Roman" panose="02020603050405020304" pitchFamily="18" charset="0"/>
-            </a:endParaRPr>
+              <a:t>branch</a:t>
+            </a:r>
+            <a:r>
+              <a:rPr lang="it-IT" altLang="it-IT" sz="3600" b="1" kern="0" dirty="0" smtClean="0">
+                <a:solidFill>
+                  <a:prstClr val="white"/>
+                </a:solidFill>
+                <a:latin typeface="Times New Roman" panose="02020603050405020304" pitchFamily="18" charset="0"/>
+                <a:cs typeface="Times New Roman" panose="02020603050405020304" pitchFamily="18" charset="0"/>
+              </a:rPr>
+              <a:t> - 1</a:t>
+            </a:r>
           </a:p>
         </p:txBody>
       </p:sp>
@@ -10727,8 +10442,8 @@
         </p:nvSpPr>
         <p:spPr>
           <a:xfrm>
-            <a:off x="1023730" y="2018765"/>
-            <a:ext cx="10171466" cy="4893647"/>
+            <a:off x="1023730" y="2036018"/>
+            <a:ext cx="10171466" cy="1200329"/>
           </a:xfrm>
           <a:prstGeom prst="rect">
             <a:avLst/>
@@ -10746,350 +10461,211 @@
                 <a:latin typeface="Times New Roman" panose="02020603050405020304" pitchFamily="18" charset="0"/>
                 <a:cs typeface="Times New Roman" panose="02020603050405020304" pitchFamily="18" charset="0"/>
               </a:rPr>
-              <a:t>Una volta effettuate le modifiche necessarie in locale, è possibile aggiungere i file modificati alla </a:t>
-            </a:r>
-            <a:r>
-              <a:rPr lang="it-IT" sz="2400" b="1" i="1" dirty="0" smtClean="0">
-                <a:latin typeface="Times New Roman" panose="02020603050405020304" pitchFamily="18" charset="0"/>
-                <a:cs typeface="Times New Roman" panose="02020603050405020304" pitchFamily="18" charset="0"/>
-              </a:rPr>
-              <a:t>stage area</a:t>
+              <a:t>Le </a:t>
+            </a:r>
+            <a:r>
+              <a:rPr lang="it-IT" sz="2400" dirty="0" err="1" smtClean="0">
+                <a:latin typeface="Times New Roman" panose="02020603050405020304" pitchFamily="18" charset="0"/>
+                <a:cs typeface="Times New Roman" panose="02020603050405020304" pitchFamily="18" charset="0"/>
+              </a:rPr>
+              <a:t>branch</a:t>
             </a:r>
             <a:r>
               <a:rPr lang="it-IT" sz="2400" dirty="0" smtClean="0">
                 <a:latin typeface="Times New Roman" panose="02020603050405020304" pitchFamily="18" charset="0"/>
                 <a:cs typeface="Times New Roman" panose="02020603050405020304" pitchFamily="18" charset="0"/>
               </a:rPr>
-              <a:t>, che contiene il contenuto del prossimo </a:t>
+              <a:t> locali (le equivalenti remote prendono il nome di </a:t>
+            </a:r>
+            <a:r>
+              <a:rPr lang="it-IT" sz="2400" b="1" i="1" dirty="0" err="1" smtClean="0">
+                <a:latin typeface="Times New Roman" panose="02020603050405020304" pitchFamily="18" charset="0"/>
+                <a:cs typeface="Times New Roman" panose="02020603050405020304" pitchFamily="18" charset="0"/>
+              </a:rPr>
+              <a:t>sandbox</a:t>
+            </a:r>
+            <a:r>
+              <a:rPr lang="it-IT" sz="2400" dirty="0" smtClean="0">
+                <a:latin typeface="Times New Roman" panose="02020603050405020304" pitchFamily="18" charset="0"/>
+                <a:cs typeface="Times New Roman" panose="02020603050405020304" pitchFamily="18" charset="0"/>
+              </a:rPr>
+              <a:t>) sono delle diramazioni di quella principale detta </a:t>
+            </a:r>
+            <a:r>
+              <a:rPr lang="it-IT" sz="2400" b="1" dirty="0" smtClean="0">
+                <a:latin typeface="Times New Roman" panose="02020603050405020304" pitchFamily="18" charset="0"/>
+                <a:cs typeface="Times New Roman" panose="02020603050405020304" pitchFamily="18" charset="0"/>
+              </a:rPr>
+              <a:t>«master»</a:t>
+            </a:r>
+            <a:r>
+              <a:rPr lang="it-IT" sz="2400" dirty="0" smtClean="0">
+                <a:latin typeface="Times New Roman" panose="02020603050405020304" pitchFamily="18" charset="0"/>
+                <a:cs typeface="Times New Roman" panose="02020603050405020304" pitchFamily="18" charset="0"/>
+              </a:rPr>
+              <a:t>, che vengono create per eseguire degli sviluppi specifici. </a:t>
+            </a:r>
+            <a:endParaRPr lang="it-IT" sz="2400" b="1" dirty="0">
+              <a:latin typeface="Times New Roman" panose="02020603050405020304" pitchFamily="18" charset="0"/>
+              <a:cs typeface="Times New Roman" panose="02020603050405020304" pitchFamily="18" charset="0"/>
+            </a:endParaRPr>
+          </a:p>
+        </p:txBody>
+      </p:sp>
+      <p:pic>
+        <p:nvPicPr>
+          <p:cNvPr id="6" name="Picture 5"/>
+          <p:cNvPicPr>
+            <a:picLocks noChangeAspect="1"/>
+          </p:cNvPicPr>
+          <p:nvPr/>
+        </p:nvPicPr>
+        <p:blipFill>
+          <a:blip r:embed="rId2"/>
+          <a:stretch>
+            <a:fillRect/>
+          </a:stretch>
+        </p:blipFill>
+        <p:spPr>
+          <a:xfrm>
+            <a:off x="4357238" y="3290247"/>
+            <a:ext cx="3028950" cy="1504950"/>
+          </a:xfrm>
+          <a:prstGeom prst="rect">
+            <a:avLst/>
+          </a:prstGeom>
+        </p:spPr>
+      </p:pic>
+      <p:sp>
+        <p:nvSpPr>
+          <p:cNvPr id="10" name="Rectangle 9"/>
+          <p:cNvSpPr/>
+          <p:nvPr/>
+        </p:nvSpPr>
+        <p:spPr>
+          <a:xfrm>
+            <a:off x="977554" y="4690073"/>
+            <a:ext cx="10171466" cy="2677656"/>
+          </a:xfrm>
+          <a:prstGeom prst="rect">
+            <a:avLst/>
+          </a:prstGeom>
+        </p:spPr>
+        <p:txBody>
+          <a:bodyPr wrap="square">
+            <a:spAutoFit/>
+          </a:bodyPr>
+          <a:lstStyle/>
+          <a:p>
+            <a:pPr algn="just"/>
+            <a:endParaRPr lang="it-IT" sz="2400" dirty="0" smtClean="0">
+              <a:latin typeface="Times New Roman" panose="02020603050405020304" pitchFamily="18" charset="0"/>
+              <a:cs typeface="Times New Roman" panose="02020603050405020304" pitchFamily="18" charset="0"/>
+            </a:endParaRPr>
+          </a:p>
+          <a:p>
+            <a:pPr algn="just"/>
+            <a:r>
+              <a:rPr lang="it-IT" sz="2400" dirty="0" smtClean="0">
+                <a:latin typeface="Times New Roman" panose="02020603050405020304" pitchFamily="18" charset="0"/>
+                <a:cs typeface="Times New Roman" panose="02020603050405020304" pitchFamily="18" charset="0"/>
+              </a:rPr>
+              <a:t>Per creare una </a:t>
             </a:r>
             <a:r>
               <a:rPr lang="it-IT" sz="2400" dirty="0" err="1" smtClean="0">
                 <a:latin typeface="Times New Roman" panose="02020603050405020304" pitchFamily="18" charset="0"/>
                 <a:cs typeface="Times New Roman" panose="02020603050405020304" pitchFamily="18" charset="0"/>
               </a:rPr>
-              <a:t>commit</a:t>
+              <a:t>branch</a:t>
             </a:r>
             <a:r>
               <a:rPr lang="it-IT" sz="2400" dirty="0" smtClean="0">
                 <a:latin typeface="Times New Roman" panose="02020603050405020304" pitchFamily="18" charset="0"/>
                 <a:cs typeface="Times New Roman" panose="02020603050405020304" pitchFamily="18" charset="0"/>
               </a:rPr>
-              <a:t>, digitando il comando:</a:t>
+              <a:t> occorre digitare:</a:t>
             </a:r>
           </a:p>
           <a:p>
             <a:pPr algn="just"/>
             <a:r>
-              <a:rPr lang="it-IT" sz="2400" dirty="0" smtClean="0">
+              <a:rPr lang="it-IT" sz="2400" b="1" dirty="0" smtClean="0">
                 <a:latin typeface="Times New Roman" panose="02020603050405020304" pitchFamily="18" charset="0"/>
                 <a:cs typeface="Times New Roman" panose="02020603050405020304" pitchFamily="18" charset="0"/>
               </a:rPr>
               <a:t>	$ </a:t>
             </a:r>
             <a:r>
-              <a:rPr lang="it-IT" sz="2400" b="1" dirty="0" err="1">
-                <a:latin typeface="Times New Roman" panose="02020603050405020304" pitchFamily="18" charset="0"/>
-                <a:cs typeface="Times New Roman" panose="02020603050405020304" pitchFamily="18" charset="0"/>
-              </a:rPr>
-              <a:t>g</a:t>
-            </a:r>
-            <a:r>
               <a:rPr lang="it-IT" sz="2400" b="1" dirty="0" err="1" smtClean="0">
                 <a:latin typeface="Times New Roman" panose="02020603050405020304" pitchFamily="18" charset="0"/>
                 <a:cs typeface="Times New Roman" panose="02020603050405020304" pitchFamily="18" charset="0"/>
               </a:rPr>
-              <a:t>it</a:t>
+              <a:t>git</a:t>
             </a:r>
             <a:r>
               <a:rPr lang="it-IT" sz="2400" b="1" dirty="0" smtClean="0">
                 <a:latin typeface="Times New Roman" panose="02020603050405020304" pitchFamily="18" charset="0"/>
                 <a:cs typeface="Times New Roman" panose="02020603050405020304" pitchFamily="18" charset="0"/>
               </a:rPr>
-              <a:t> </a:t>
+              <a:t> checkout –b &lt;</a:t>
             </a:r>
             <a:r>
               <a:rPr lang="it-IT" sz="2400" b="1" dirty="0" err="1" smtClean="0">
                 <a:latin typeface="Times New Roman" panose="02020603050405020304" pitchFamily="18" charset="0"/>
                 <a:cs typeface="Times New Roman" panose="02020603050405020304" pitchFamily="18" charset="0"/>
               </a:rPr>
-              <a:t>add</a:t>
+              <a:t>nomeBranch</a:t>
             </a:r>
             <a:r>
               <a:rPr lang="it-IT" sz="2400" b="1" dirty="0" smtClean="0">
                 <a:latin typeface="Times New Roman" panose="02020603050405020304" pitchFamily="18" charset="0"/>
                 <a:cs typeface="Times New Roman" panose="02020603050405020304" pitchFamily="18" charset="0"/>
               </a:rPr>
-              <a:t> &lt;</a:t>
-            </a:r>
-            <a:r>
-              <a:rPr lang="it-IT" sz="2400" b="1" dirty="0" err="1" smtClean="0">
-                <a:latin typeface="Times New Roman" panose="02020603050405020304" pitchFamily="18" charset="0"/>
-                <a:cs typeface="Times New Roman" panose="02020603050405020304" pitchFamily="18" charset="0"/>
-              </a:rPr>
-              <a:t>nomeFile</a:t>
-            </a:r>
-            <a:r>
-              <a:rPr lang="it-IT" sz="2400" b="1" dirty="0" smtClean="0">
-                <a:latin typeface="Times New Roman" panose="02020603050405020304" pitchFamily="18" charset="0"/>
-                <a:cs typeface="Times New Roman" panose="02020603050405020304" pitchFamily="18" charset="0"/>
-              </a:rPr>
-              <a:t>&gt; </a:t>
-            </a:r>
-            <a:r>
-              <a:rPr lang="it-IT" sz="2400" b="1" dirty="0" smtClean="0">
-                <a:latin typeface="Times New Roman" panose="02020603050405020304" pitchFamily="18" charset="0"/>
-                <a:cs typeface="Times New Roman" panose="02020603050405020304" pitchFamily="18" charset="0"/>
-                <a:sym typeface="Wingdings" panose="05000000000000000000" pitchFamily="2" charset="2"/>
-              </a:rPr>
-              <a:t> </a:t>
-            </a:r>
-            <a:r>
-              <a:rPr lang="it-IT" sz="2400" dirty="0" smtClean="0">
-                <a:latin typeface="Times New Roman" panose="02020603050405020304" pitchFamily="18" charset="0"/>
-                <a:cs typeface="Times New Roman" panose="02020603050405020304" pitchFamily="18" charset="0"/>
-              </a:rPr>
-              <a:t>aggiungere un file specifico alla stage area</a:t>
+              <a:t>&gt;</a:t>
             </a:r>
           </a:p>
           <a:p>
             <a:pPr algn="just"/>
-            <a:r>
-              <a:rPr lang="it-IT" sz="2400" dirty="0" smtClean="0">
-                <a:latin typeface="Times New Roman" panose="02020603050405020304" pitchFamily="18" charset="0"/>
-                <a:cs typeface="Times New Roman" panose="02020603050405020304" pitchFamily="18" charset="0"/>
-              </a:rPr>
-              <a:t>	$ </a:t>
-            </a:r>
-            <a:r>
-              <a:rPr lang="it-IT" sz="2400" b="1" dirty="0" err="1">
-                <a:latin typeface="Times New Roman" panose="02020603050405020304" pitchFamily="18" charset="0"/>
-                <a:cs typeface="Times New Roman" panose="02020603050405020304" pitchFamily="18" charset="0"/>
-              </a:rPr>
-              <a:t>g</a:t>
-            </a:r>
-            <a:r>
-              <a:rPr lang="it-IT" sz="2400" b="1" dirty="0" err="1" smtClean="0">
-                <a:latin typeface="Times New Roman" panose="02020603050405020304" pitchFamily="18" charset="0"/>
-                <a:cs typeface="Times New Roman" panose="02020603050405020304" pitchFamily="18" charset="0"/>
-              </a:rPr>
-              <a:t>it</a:t>
-            </a:r>
-            <a:r>
-              <a:rPr lang="it-IT" sz="2400" b="1" dirty="0" smtClean="0">
-                <a:latin typeface="Times New Roman" panose="02020603050405020304" pitchFamily="18" charset="0"/>
-                <a:cs typeface="Times New Roman" panose="02020603050405020304" pitchFamily="18" charset="0"/>
-              </a:rPr>
-              <a:t> </a:t>
-            </a:r>
-            <a:r>
-              <a:rPr lang="it-IT" sz="2400" b="1" dirty="0" err="1" smtClean="0">
-                <a:latin typeface="Times New Roman" panose="02020603050405020304" pitchFamily="18" charset="0"/>
-                <a:cs typeface="Times New Roman" panose="02020603050405020304" pitchFamily="18" charset="0"/>
-              </a:rPr>
-              <a:t>add</a:t>
-            </a:r>
-            <a:r>
-              <a:rPr lang="it-IT" sz="2400" b="1" dirty="0" smtClean="0">
-                <a:latin typeface="Times New Roman" panose="02020603050405020304" pitchFamily="18" charset="0"/>
-                <a:cs typeface="Times New Roman" panose="02020603050405020304" pitchFamily="18" charset="0"/>
-              </a:rPr>
-              <a:t> . </a:t>
-            </a:r>
-            <a:r>
-              <a:rPr lang="it-IT" sz="2400" dirty="0" smtClean="0">
-                <a:latin typeface="Times New Roman" panose="02020603050405020304" pitchFamily="18" charset="0"/>
-                <a:cs typeface="Times New Roman" panose="02020603050405020304" pitchFamily="18" charset="0"/>
-                <a:sym typeface="Wingdings" panose="05000000000000000000" pitchFamily="2" charset="2"/>
-              </a:rPr>
-              <a:t></a:t>
-            </a:r>
-            <a:r>
-              <a:rPr lang="it-IT" sz="2400" dirty="0" smtClean="0">
-                <a:latin typeface="Times New Roman" panose="02020603050405020304" pitchFamily="18" charset="0"/>
-                <a:cs typeface="Times New Roman" panose="02020603050405020304" pitchFamily="18" charset="0"/>
-              </a:rPr>
-              <a:t> aggiungere alla stage area tutti i file modificati </a:t>
-            </a:r>
+            <a:endParaRPr lang="it-IT" sz="2400" dirty="0" smtClean="0">
+              <a:latin typeface="Times New Roman" panose="02020603050405020304" pitchFamily="18" charset="0"/>
+              <a:cs typeface="Times New Roman" panose="02020603050405020304" pitchFamily="18" charset="0"/>
+            </a:endParaRPr>
+          </a:p>
+          <a:p>
+            <a:pPr algn="just"/>
             <a:r>
               <a:rPr lang="it-IT" sz="2400" dirty="0">
                 <a:latin typeface="Times New Roman" panose="02020603050405020304" pitchFamily="18" charset="0"/>
                 <a:cs typeface="Times New Roman" panose="02020603050405020304" pitchFamily="18" charset="0"/>
               </a:rPr>
-              <a:t>alla </a:t>
-            </a:r>
-            <a:r>
-              <a:rPr lang="it-IT" sz="2400" dirty="0" smtClean="0">
-                <a:latin typeface="Times New Roman" panose="02020603050405020304" pitchFamily="18" charset="0"/>
-                <a:cs typeface="Times New Roman" panose="02020603050405020304" pitchFamily="18" charset="0"/>
-              </a:rPr>
-              <a:t>stage area</a:t>
-            </a:r>
+              <a:t>	</a:t>
+            </a:r>
+            <a:endParaRPr lang="it-IT" sz="2400" dirty="0" smtClean="0">
+              <a:latin typeface="Times New Roman" panose="02020603050405020304" pitchFamily="18" charset="0"/>
+              <a:cs typeface="Times New Roman" panose="02020603050405020304" pitchFamily="18" charset="0"/>
+            </a:endParaRPr>
           </a:p>
           <a:p>
             <a:pPr algn="just"/>
-            <a:r>
-              <a:rPr lang="it-IT" sz="2400" dirty="0" smtClean="0">
-                <a:latin typeface="Times New Roman" panose="02020603050405020304" pitchFamily="18" charset="0"/>
-                <a:cs typeface="Times New Roman" panose="02020603050405020304" pitchFamily="18" charset="0"/>
-              </a:rPr>
-              <a:t>I file modificati, che prima di essere aggiunti alla stage area erano evidenziati in </a:t>
-            </a:r>
-            <a:r>
-              <a:rPr lang="it-IT" sz="2400" dirty="0" smtClean="0">
-                <a:solidFill>
-                  <a:srgbClr val="FF0000"/>
-                </a:solidFill>
-                <a:latin typeface="Times New Roman" panose="02020603050405020304" pitchFamily="18" charset="0"/>
-                <a:cs typeface="Times New Roman" panose="02020603050405020304" pitchFamily="18" charset="0"/>
-              </a:rPr>
-              <a:t>rosso</a:t>
-            </a:r>
-            <a:r>
-              <a:rPr lang="it-IT" sz="2400" dirty="0" smtClean="0">
-                <a:latin typeface="Times New Roman" panose="02020603050405020304" pitchFamily="18" charset="0"/>
-                <a:cs typeface="Times New Roman" panose="02020603050405020304" pitchFamily="18" charset="0"/>
-              </a:rPr>
-              <a:t>, dopo l’aggiunta verranno visualizzati in </a:t>
-            </a:r>
-            <a:r>
-              <a:rPr lang="it-IT" sz="2400" dirty="0" smtClean="0">
-                <a:solidFill>
-                  <a:schemeClr val="accent6"/>
-                </a:solidFill>
-                <a:latin typeface="Times New Roman" panose="02020603050405020304" pitchFamily="18" charset="0"/>
-                <a:cs typeface="Times New Roman" panose="02020603050405020304" pitchFamily="18" charset="0"/>
-              </a:rPr>
-              <a:t>verde </a:t>
-            </a:r>
-            <a:r>
-              <a:rPr lang="it-IT" sz="2400" dirty="0" smtClean="0">
-                <a:latin typeface="Times New Roman" panose="02020603050405020304" pitchFamily="18" charset="0"/>
-                <a:cs typeface="Times New Roman" panose="02020603050405020304" pitchFamily="18" charset="0"/>
-              </a:rPr>
-              <a:t>digitando il comando $</a:t>
-            </a:r>
-            <a:r>
-              <a:rPr lang="it-IT" sz="2400" dirty="0" err="1" smtClean="0">
-                <a:latin typeface="Times New Roman" panose="02020603050405020304" pitchFamily="18" charset="0"/>
-                <a:cs typeface="Times New Roman" panose="02020603050405020304" pitchFamily="18" charset="0"/>
-              </a:rPr>
-              <a:t>git</a:t>
-            </a:r>
-            <a:r>
-              <a:rPr lang="it-IT" sz="2400" dirty="0" smtClean="0">
-                <a:latin typeface="Times New Roman" panose="02020603050405020304" pitchFamily="18" charset="0"/>
-                <a:cs typeface="Times New Roman" panose="02020603050405020304" pitchFamily="18" charset="0"/>
-              </a:rPr>
-              <a:t> status</a:t>
-            </a:r>
-          </a:p>
-          <a:p>
-            <a:pPr algn="just"/>
-            <a:r>
-              <a:rPr lang="it-IT" sz="2400" dirty="0" smtClean="0">
-                <a:latin typeface="Times New Roman" panose="02020603050405020304" pitchFamily="18" charset="0"/>
-                <a:cs typeface="Times New Roman" panose="02020603050405020304" pitchFamily="18" charset="0"/>
-              </a:rPr>
-              <a:t>Per inserire il contenuto della stage area nel </a:t>
-            </a:r>
-            <a:r>
-              <a:rPr lang="it-IT" sz="2400" dirty="0" err="1" smtClean="0">
-                <a:latin typeface="Times New Roman" panose="02020603050405020304" pitchFamily="18" charset="0"/>
-                <a:cs typeface="Times New Roman" panose="02020603050405020304" pitchFamily="18" charset="0"/>
-              </a:rPr>
-              <a:t>commit</a:t>
-            </a:r>
-            <a:r>
-              <a:rPr lang="it-IT" sz="2400" dirty="0">
-                <a:latin typeface="Times New Roman" panose="02020603050405020304" pitchFamily="18" charset="0"/>
-                <a:cs typeface="Times New Roman" panose="02020603050405020304" pitchFamily="18" charset="0"/>
-              </a:rPr>
-              <a:t> </a:t>
-            </a:r>
-            <a:r>
-              <a:rPr lang="it-IT" sz="2400" dirty="0" smtClean="0">
-                <a:latin typeface="Times New Roman" panose="02020603050405020304" pitchFamily="18" charset="0"/>
-                <a:cs typeface="Times New Roman" panose="02020603050405020304" pitchFamily="18" charset="0"/>
-              </a:rPr>
-              <a:t>(che come </a:t>
-            </a:r>
-            <a:r>
-              <a:rPr lang="it-IT" sz="2400" dirty="0" err="1" smtClean="0">
-                <a:latin typeface="Times New Roman" panose="02020603050405020304" pitchFamily="18" charset="0"/>
-                <a:cs typeface="Times New Roman" panose="02020603050405020304" pitchFamily="18" charset="0"/>
-              </a:rPr>
-              <a:t>accennavavo</a:t>
-            </a:r>
-            <a:r>
-              <a:rPr lang="it-IT" sz="2400" dirty="0" smtClean="0">
-                <a:latin typeface="Times New Roman" panose="02020603050405020304" pitchFamily="18" charset="0"/>
-                <a:cs typeface="Times New Roman" panose="02020603050405020304" pitchFamily="18" charset="0"/>
-              </a:rPr>
-              <a:t> rappresenta uno </a:t>
-            </a:r>
-            <a:r>
-              <a:rPr lang="it-IT" sz="2400" dirty="0" err="1" smtClean="0">
-                <a:latin typeface="Times New Roman" panose="02020603050405020304" pitchFamily="18" charset="0"/>
-                <a:cs typeface="Times New Roman" panose="02020603050405020304" pitchFamily="18" charset="0"/>
-              </a:rPr>
-              <a:t>snapshot</a:t>
-            </a:r>
-            <a:r>
-              <a:rPr lang="it-IT" sz="2400" dirty="0" smtClean="0">
-                <a:latin typeface="Times New Roman" panose="02020603050405020304" pitchFamily="18" charset="0"/>
-                <a:cs typeface="Times New Roman" panose="02020603050405020304" pitchFamily="18" charset="0"/>
-              </a:rPr>
-              <a:t> dello stato dei file tracciati al netto delle modifiche) occorre digitare il comando:</a:t>
-            </a:r>
-          </a:p>
-          <a:p>
-            <a:pPr algn="just"/>
-            <a:r>
-              <a:rPr lang="it-IT" sz="2400" dirty="0" smtClean="0">
-                <a:latin typeface="Times New Roman" panose="02020603050405020304" pitchFamily="18" charset="0"/>
-                <a:cs typeface="Times New Roman" panose="02020603050405020304" pitchFamily="18" charset="0"/>
-              </a:rPr>
-              <a:t>	</a:t>
-            </a:r>
-            <a:r>
-              <a:rPr lang="it-IT" sz="2400" b="1" dirty="0" smtClean="0">
-                <a:latin typeface="Times New Roman" panose="02020603050405020304" pitchFamily="18" charset="0"/>
-                <a:cs typeface="Times New Roman" panose="02020603050405020304" pitchFamily="18" charset="0"/>
-              </a:rPr>
-              <a:t>$ </a:t>
-            </a:r>
-            <a:r>
-              <a:rPr lang="it-IT" sz="2400" b="1" dirty="0" err="1" smtClean="0">
-                <a:latin typeface="Times New Roman" panose="02020603050405020304" pitchFamily="18" charset="0"/>
-                <a:cs typeface="Times New Roman" panose="02020603050405020304" pitchFamily="18" charset="0"/>
-              </a:rPr>
-              <a:t>git</a:t>
-            </a:r>
-            <a:r>
-              <a:rPr lang="it-IT" sz="2400" b="1" dirty="0" smtClean="0">
-                <a:latin typeface="Times New Roman" panose="02020603050405020304" pitchFamily="18" charset="0"/>
-                <a:cs typeface="Times New Roman" panose="02020603050405020304" pitchFamily="18" charset="0"/>
-              </a:rPr>
-              <a:t> </a:t>
-            </a:r>
-            <a:r>
-              <a:rPr lang="it-IT" sz="2400" b="1" dirty="0" err="1" smtClean="0">
-                <a:latin typeface="Times New Roman" panose="02020603050405020304" pitchFamily="18" charset="0"/>
-                <a:cs typeface="Times New Roman" panose="02020603050405020304" pitchFamily="18" charset="0"/>
-              </a:rPr>
-              <a:t>commit</a:t>
-            </a:r>
             <a:endParaRPr lang="it-IT" sz="2400" b="1" dirty="0" smtClean="0">
               <a:latin typeface="Times New Roman" panose="02020603050405020304" pitchFamily="18" charset="0"/>
               <a:cs typeface="Times New Roman" panose="02020603050405020304" pitchFamily="18" charset="0"/>
             </a:endParaRPr>
           </a:p>
+          <a:p>
+            <a:pPr algn="just"/>
+            <a:endParaRPr lang="it-IT" sz="2400" b="1" dirty="0">
+              <a:latin typeface="Times New Roman" panose="02020603050405020304" pitchFamily="18" charset="0"/>
+              <a:cs typeface="Times New Roman" panose="02020603050405020304" pitchFamily="18" charset="0"/>
+            </a:endParaRPr>
+          </a:p>
         </p:txBody>
       </p:sp>
     </p:spTree>
     <p:extLst>
       <p:ext uri="{BB962C8B-B14F-4D97-AF65-F5344CB8AC3E}">
-        <p14:creationId xmlns:p14="http://schemas.microsoft.com/office/powerpoint/2010/main" val="1137116470"/>
+        <p14:creationId xmlns:p14="http://schemas.microsoft.com/office/powerpoint/2010/main" val="2335232519"/>
       </p:ext>
     </p:extLst>
   </p:cSld>
@@ -11224,7 +10800,7 @@
                 <a:latin typeface="Times New Roman" panose="02020603050405020304" pitchFamily="18" charset="0"/>
                 <a:cs typeface="Times New Roman" panose="02020603050405020304" pitchFamily="18" charset="0"/>
               </a:rPr>
-              <a:t>      Pull e </a:t>
+              <a:t>      Le </a:t>
             </a:r>
             <a:r>
               <a:rPr lang="it-IT" altLang="it-IT" sz="3600" b="1" kern="0" dirty="0" err="1" smtClean="0">
@@ -11234,7 +10810,517 @@
                 <a:latin typeface="Times New Roman" panose="02020603050405020304" pitchFamily="18" charset="0"/>
                 <a:cs typeface="Times New Roman" panose="02020603050405020304" pitchFamily="18" charset="0"/>
               </a:rPr>
-              <a:t>Push</a:t>
+              <a:t>branch</a:t>
+            </a:r>
+            <a:r>
+              <a:rPr lang="it-IT" altLang="it-IT" sz="3600" b="1" kern="0" dirty="0" smtClean="0">
+                <a:solidFill>
+                  <a:prstClr val="white"/>
+                </a:solidFill>
+                <a:latin typeface="Times New Roman" panose="02020603050405020304" pitchFamily="18" charset="0"/>
+                <a:cs typeface="Times New Roman" panose="02020603050405020304" pitchFamily="18" charset="0"/>
+              </a:rPr>
+              <a:t> - 2</a:t>
+            </a:r>
+          </a:p>
+        </p:txBody>
+      </p:sp>
+      <p:sp>
+        <p:nvSpPr>
+          <p:cNvPr id="8" name="Slide Number Placeholder 7"/>
+          <p:cNvSpPr>
+            <a:spLocks noGrp="1"/>
+          </p:cNvSpPr>
+          <p:nvPr>
+            <p:ph type="sldNum" sz="quarter" idx="12"/>
+          </p:nvPr>
+        </p:nvSpPr>
+        <p:spPr/>
+        <p:txBody>
+          <a:bodyPr/>
+          <a:lstStyle/>
+          <a:p>
+            <a:fld id="{A001332D-C347-4A08-BEBF-37FDE9C42D7D}" type="slidenum">
+              <a:rPr lang="en-US" smtClean="0"/>
+              <a:t>26</a:t>
+            </a:fld>
+            <a:endParaRPr lang="en-US" dirty="0"/>
+          </a:p>
+        </p:txBody>
+      </p:sp>
+      <p:sp>
+        <p:nvSpPr>
+          <p:cNvPr id="10" name="Rectangle 9"/>
+          <p:cNvSpPr/>
+          <p:nvPr/>
+        </p:nvSpPr>
+        <p:spPr>
+          <a:xfrm>
+            <a:off x="1055359" y="2050392"/>
+            <a:ext cx="10171466" cy="5262979"/>
+          </a:xfrm>
+          <a:prstGeom prst="rect">
+            <a:avLst/>
+          </a:prstGeom>
+        </p:spPr>
+        <p:txBody>
+          <a:bodyPr wrap="square">
+            <a:spAutoFit/>
+          </a:bodyPr>
+          <a:lstStyle/>
+          <a:p>
+            <a:pPr algn="just"/>
+            <a:endParaRPr lang="it-IT" sz="2400" dirty="0" smtClean="0">
+              <a:latin typeface="Times New Roman" panose="02020603050405020304" pitchFamily="18" charset="0"/>
+              <a:cs typeface="Times New Roman" panose="02020603050405020304" pitchFamily="18" charset="0"/>
+            </a:endParaRPr>
+          </a:p>
+          <a:p>
+            <a:pPr algn="just"/>
+            <a:endParaRPr lang="it-IT" sz="2400" dirty="0">
+              <a:latin typeface="Times New Roman" panose="02020603050405020304" pitchFamily="18" charset="0"/>
+              <a:cs typeface="Times New Roman" panose="02020603050405020304" pitchFamily="18" charset="0"/>
+            </a:endParaRPr>
+          </a:p>
+          <a:p>
+            <a:pPr algn="just"/>
+            <a:r>
+              <a:rPr lang="it-IT" sz="2400" dirty="0" smtClean="0">
+                <a:latin typeface="Times New Roman" panose="02020603050405020304" pitchFamily="18" charset="0"/>
+                <a:cs typeface="Times New Roman" panose="02020603050405020304" pitchFamily="18" charset="0"/>
+              </a:rPr>
+              <a:t>Per navigare verso un’altra </a:t>
+            </a:r>
+            <a:r>
+              <a:rPr lang="it-IT" sz="2400" dirty="0" err="1" smtClean="0">
+                <a:latin typeface="Times New Roman" panose="02020603050405020304" pitchFamily="18" charset="0"/>
+                <a:cs typeface="Times New Roman" panose="02020603050405020304" pitchFamily="18" charset="0"/>
+              </a:rPr>
+              <a:t>branch</a:t>
+            </a:r>
+            <a:r>
+              <a:rPr lang="it-IT" sz="2400" dirty="0" smtClean="0">
+                <a:latin typeface="Times New Roman" panose="02020603050405020304" pitchFamily="18" charset="0"/>
+                <a:cs typeface="Times New Roman" panose="02020603050405020304" pitchFamily="18" charset="0"/>
+              </a:rPr>
+              <a:t> occorre digitare:</a:t>
+            </a:r>
+          </a:p>
+          <a:p>
+            <a:pPr algn="just"/>
+            <a:r>
+              <a:rPr lang="it-IT" sz="2400" dirty="0">
+                <a:latin typeface="Times New Roman" panose="02020603050405020304" pitchFamily="18" charset="0"/>
+                <a:cs typeface="Times New Roman" panose="02020603050405020304" pitchFamily="18" charset="0"/>
+              </a:rPr>
+              <a:t>	</a:t>
+            </a:r>
+            <a:r>
+              <a:rPr lang="it-IT" sz="2400" b="1" dirty="0">
+                <a:latin typeface="Times New Roman" panose="02020603050405020304" pitchFamily="18" charset="0"/>
+                <a:cs typeface="Times New Roman" panose="02020603050405020304" pitchFamily="18" charset="0"/>
+              </a:rPr>
+              <a:t>$ </a:t>
+            </a:r>
+            <a:r>
+              <a:rPr lang="it-IT" sz="2400" b="1" dirty="0" err="1">
+                <a:latin typeface="Times New Roman" panose="02020603050405020304" pitchFamily="18" charset="0"/>
+                <a:cs typeface="Times New Roman" panose="02020603050405020304" pitchFamily="18" charset="0"/>
+              </a:rPr>
+              <a:t>git</a:t>
+            </a:r>
+            <a:r>
+              <a:rPr lang="it-IT" sz="2400" b="1" dirty="0">
+                <a:latin typeface="Times New Roman" panose="02020603050405020304" pitchFamily="18" charset="0"/>
+                <a:cs typeface="Times New Roman" panose="02020603050405020304" pitchFamily="18" charset="0"/>
+              </a:rPr>
+              <a:t> checkout </a:t>
+            </a:r>
+            <a:r>
+              <a:rPr lang="it-IT" sz="2400" b="1" dirty="0" smtClean="0">
+                <a:latin typeface="Times New Roman" panose="02020603050405020304" pitchFamily="18" charset="0"/>
+                <a:cs typeface="Times New Roman" panose="02020603050405020304" pitchFamily="18" charset="0"/>
+              </a:rPr>
+              <a:t>&lt;</a:t>
+            </a:r>
+            <a:r>
+              <a:rPr lang="it-IT" sz="2400" b="1" dirty="0" err="1" smtClean="0">
+                <a:latin typeface="Times New Roman" panose="02020603050405020304" pitchFamily="18" charset="0"/>
+                <a:cs typeface="Times New Roman" panose="02020603050405020304" pitchFamily="18" charset="0"/>
+              </a:rPr>
+              <a:t>nomeBranch</a:t>
+            </a:r>
+            <a:r>
+              <a:rPr lang="it-IT" sz="2400" b="1" dirty="0" smtClean="0">
+                <a:latin typeface="Times New Roman" panose="02020603050405020304" pitchFamily="18" charset="0"/>
+                <a:cs typeface="Times New Roman" panose="02020603050405020304" pitchFamily="18" charset="0"/>
+              </a:rPr>
+              <a:t>&gt;</a:t>
+            </a:r>
+          </a:p>
+          <a:p>
+            <a:pPr algn="just"/>
+            <a:endParaRPr lang="it-IT" sz="2400" b="1" dirty="0">
+              <a:latin typeface="Times New Roman" panose="02020603050405020304" pitchFamily="18" charset="0"/>
+              <a:cs typeface="Times New Roman" panose="02020603050405020304" pitchFamily="18" charset="0"/>
+            </a:endParaRPr>
+          </a:p>
+          <a:p>
+            <a:pPr algn="just"/>
+            <a:r>
+              <a:rPr lang="it-IT" sz="2400" dirty="0" smtClean="0">
+                <a:latin typeface="Times New Roman" panose="02020603050405020304" pitchFamily="18" charset="0"/>
+                <a:cs typeface="Times New Roman" panose="02020603050405020304" pitchFamily="18" charset="0"/>
+              </a:rPr>
+              <a:t>Per visualizzare tutte le </a:t>
+            </a:r>
+            <a:r>
+              <a:rPr lang="it-IT" sz="2400" dirty="0" err="1" smtClean="0">
+                <a:latin typeface="Times New Roman" panose="02020603050405020304" pitchFamily="18" charset="0"/>
+                <a:cs typeface="Times New Roman" panose="02020603050405020304" pitchFamily="18" charset="0"/>
+              </a:rPr>
+              <a:t>branch</a:t>
+            </a:r>
+            <a:r>
+              <a:rPr lang="it-IT" sz="2400" dirty="0" smtClean="0">
+                <a:latin typeface="Times New Roman" panose="02020603050405020304" pitchFamily="18" charset="0"/>
+                <a:cs typeface="Times New Roman" panose="02020603050405020304" pitchFamily="18" charset="0"/>
+              </a:rPr>
+              <a:t> presenti nel </a:t>
+            </a:r>
+            <a:r>
+              <a:rPr lang="it-IT" sz="2400" dirty="0" err="1" smtClean="0">
+                <a:latin typeface="Times New Roman" panose="02020603050405020304" pitchFamily="18" charset="0"/>
+                <a:cs typeface="Times New Roman" panose="02020603050405020304" pitchFamily="18" charset="0"/>
+              </a:rPr>
+              <a:t>repository</a:t>
+            </a:r>
+            <a:r>
+              <a:rPr lang="it-IT" sz="2400" dirty="0" smtClean="0">
+                <a:latin typeface="Times New Roman" panose="02020603050405020304" pitchFamily="18" charset="0"/>
+                <a:cs typeface="Times New Roman" panose="02020603050405020304" pitchFamily="18" charset="0"/>
+              </a:rPr>
+              <a:t> locale occorre digitare:</a:t>
+            </a:r>
+          </a:p>
+          <a:p>
+            <a:pPr algn="just"/>
+            <a:r>
+              <a:rPr lang="it-IT" sz="2400" b="1" dirty="0" smtClean="0">
+                <a:latin typeface="Times New Roman" panose="02020603050405020304" pitchFamily="18" charset="0"/>
+                <a:cs typeface="Times New Roman" panose="02020603050405020304" pitchFamily="18" charset="0"/>
+              </a:rPr>
+              <a:t>	$ </a:t>
+            </a:r>
+            <a:r>
+              <a:rPr lang="it-IT" sz="2400" b="1" dirty="0" err="1" smtClean="0">
+                <a:latin typeface="Times New Roman" panose="02020603050405020304" pitchFamily="18" charset="0"/>
+                <a:cs typeface="Times New Roman" panose="02020603050405020304" pitchFamily="18" charset="0"/>
+              </a:rPr>
+              <a:t>git</a:t>
+            </a:r>
+            <a:r>
+              <a:rPr lang="it-IT" sz="2400" b="1" dirty="0" smtClean="0">
+                <a:latin typeface="Times New Roman" panose="02020603050405020304" pitchFamily="18" charset="0"/>
+                <a:cs typeface="Times New Roman" panose="02020603050405020304" pitchFamily="18" charset="0"/>
+              </a:rPr>
+              <a:t> </a:t>
+            </a:r>
+            <a:r>
+              <a:rPr lang="it-IT" sz="2400" b="1" dirty="0" err="1" smtClean="0">
+                <a:latin typeface="Times New Roman" panose="02020603050405020304" pitchFamily="18" charset="0"/>
+                <a:cs typeface="Times New Roman" panose="02020603050405020304" pitchFamily="18" charset="0"/>
+              </a:rPr>
+              <a:t>branch</a:t>
+            </a:r>
+            <a:endParaRPr lang="it-IT" sz="2400" b="1" dirty="0" smtClean="0">
+              <a:latin typeface="Times New Roman" panose="02020603050405020304" pitchFamily="18" charset="0"/>
+              <a:cs typeface="Times New Roman" panose="02020603050405020304" pitchFamily="18" charset="0"/>
+            </a:endParaRPr>
+          </a:p>
+          <a:p>
+            <a:pPr algn="just"/>
+            <a:endParaRPr lang="it-IT" sz="2400" b="1" dirty="0">
+              <a:latin typeface="Times New Roman" panose="02020603050405020304" pitchFamily="18" charset="0"/>
+              <a:cs typeface="Times New Roman" panose="02020603050405020304" pitchFamily="18" charset="0"/>
+            </a:endParaRPr>
+          </a:p>
+          <a:p>
+            <a:pPr algn="just"/>
+            <a:r>
+              <a:rPr lang="it-IT" sz="2400" dirty="0" smtClean="0">
+                <a:latin typeface="Times New Roman" panose="02020603050405020304" pitchFamily="18" charset="0"/>
+                <a:cs typeface="Times New Roman" panose="02020603050405020304" pitchFamily="18" charset="0"/>
+              </a:rPr>
+              <a:t>Per eliminare una </a:t>
+            </a:r>
+            <a:r>
+              <a:rPr lang="it-IT" sz="2400" dirty="0" err="1" smtClean="0">
+                <a:latin typeface="Times New Roman" panose="02020603050405020304" pitchFamily="18" charset="0"/>
+                <a:cs typeface="Times New Roman" panose="02020603050405020304" pitchFamily="18" charset="0"/>
+              </a:rPr>
+              <a:t>branch</a:t>
+            </a:r>
+            <a:r>
+              <a:rPr lang="it-IT" sz="2400" dirty="0" smtClean="0">
+                <a:latin typeface="Times New Roman" panose="02020603050405020304" pitchFamily="18" charset="0"/>
+                <a:cs typeface="Times New Roman" panose="02020603050405020304" pitchFamily="18" charset="0"/>
+              </a:rPr>
+              <a:t>, terminati gli sviluppi, occorre digitare:</a:t>
+            </a:r>
+          </a:p>
+          <a:p>
+            <a:pPr algn="just"/>
+            <a:r>
+              <a:rPr lang="it-IT" sz="2400" b="1" dirty="0" smtClean="0">
+                <a:latin typeface="Times New Roman" panose="02020603050405020304" pitchFamily="18" charset="0"/>
+                <a:cs typeface="Times New Roman" panose="02020603050405020304" pitchFamily="18" charset="0"/>
+              </a:rPr>
+              <a:t>	$ </a:t>
+            </a:r>
+            <a:r>
+              <a:rPr lang="it-IT" sz="2400" b="1" dirty="0" err="1" smtClean="0">
+                <a:latin typeface="Times New Roman" panose="02020603050405020304" pitchFamily="18" charset="0"/>
+                <a:cs typeface="Times New Roman" panose="02020603050405020304" pitchFamily="18" charset="0"/>
+              </a:rPr>
+              <a:t>git</a:t>
+            </a:r>
+            <a:r>
+              <a:rPr lang="it-IT" sz="2400" b="1" dirty="0" smtClean="0">
+                <a:latin typeface="Times New Roman" panose="02020603050405020304" pitchFamily="18" charset="0"/>
+                <a:cs typeface="Times New Roman" panose="02020603050405020304" pitchFamily="18" charset="0"/>
+              </a:rPr>
+              <a:t> </a:t>
+            </a:r>
+            <a:r>
+              <a:rPr lang="it-IT" sz="2400" b="1" dirty="0" err="1" smtClean="0">
+                <a:latin typeface="Times New Roman" panose="02020603050405020304" pitchFamily="18" charset="0"/>
+                <a:cs typeface="Times New Roman" panose="02020603050405020304" pitchFamily="18" charset="0"/>
+              </a:rPr>
+              <a:t>branch</a:t>
+            </a:r>
+            <a:r>
+              <a:rPr lang="it-IT" sz="2400" b="1" dirty="0" smtClean="0">
+                <a:latin typeface="Times New Roman" panose="02020603050405020304" pitchFamily="18" charset="0"/>
+                <a:cs typeface="Times New Roman" panose="02020603050405020304" pitchFamily="18" charset="0"/>
+              </a:rPr>
+              <a:t> –D &lt;</a:t>
+            </a:r>
+            <a:r>
+              <a:rPr lang="it-IT" sz="2400" b="1" dirty="0" err="1" smtClean="0">
+                <a:latin typeface="Times New Roman" panose="02020603050405020304" pitchFamily="18" charset="0"/>
+                <a:cs typeface="Times New Roman" panose="02020603050405020304" pitchFamily="18" charset="0"/>
+              </a:rPr>
+              <a:t>nomeBranch</a:t>
+            </a:r>
+            <a:r>
+              <a:rPr lang="it-IT" sz="2400" b="1" dirty="0" smtClean="0">
+                <a:latin typeface="Times New Roman" panose="02020603050405020304" pitchFamily="18" charset="0"/>
+                <a:cs typeface="Times New Roman" panose="02020603050405020304" pitchFamily="18" charset="0"/>
+              </a:rPr>
+              <a:t>&gt;</a:t>
+            </a:r>
+            <a:endParaRPr lang="it-IT" sz="2400" b="1" dirty="0">
+              <a:latin typeface="Times New Roman" panose="02020603050405020304" pitchFamily="18" charset="0"/>
+              <a:cs typeface="Times New Roman" panose="02020603050405020304" pitchFamily="18" charset="0"/>
+            </a:endParaRPr>
+          </a:p>
+          <a:p>
+            <a:pPr algn="just"/>
+            <a:endParaRPr lang="it-IT" sz="2400" dirty="0" smtClean="0">
+              <a:latin typeface="Times New Roman" panose="02020603050405020304" pitchFamily="18" charset="0"/>
+              <a:cs typeface="Times New Roman" panose="02020603050405020304" pitchFamily="18" charset="0"/>
+            </a:endParaRPr>
+          </a:p>
+          <a:p>
+            <a:pPr algn="just"/>
+            <a:r>
+              <a:rPr lang="it-IT" sz="2400" dirty="0">
+                <a:latin typeface="Times New Roman" panose="02020603050405020304" pitchFamily="18" charset="0"/>
+                <a:cs typeface="Times New Roman" panose="02020603050405020304" pitchFamily="18" charset="0"/>
+              </a:rPr>
+              <a:t>	</a:t>
+            </a:r>
+            <a:endParaRPr lang="it-IT" sz="2400" dirty="0" smtClean="0">
+              <a:latin typeface="Times New Roman" panose="02020603050405020304" pitchFamily="18" charset="0"/>
+              <a:cs typeface="Times New Roman" panose="02020603050405020304" pitchFamily="18" charset="0"/>
+            </a:endParaRPr>
+          </a:p>
+          <a:p>
+            <a:pPr algn="just"/>
+            <a:endParaRPr lang="it-IT" sz="2400" b="1" dirty="0" smtClean="0">
+              <a:latin typeface="Times New Roman" panose="02020603050405020304" pitchFamily="18" charset="0"/>
+              <a:cs typeface="Times New Roman" panose="02020603050405020304" pitchFamily="18" charset="0"/>
+            </a:endParaRPr>
+          </a:p>
+          <a:p>
+            <a:pPr algn="just"/>
+            <a:endParaRPr lang="it-IT" sz="2400" b="1" dirty="0">
+              <a:latin typeface="Times New Roman" panose="02020603050405020304" pitchFamily="18" charset="0"/>
+              <a:cs typeface="Times New Roman" panose="02020603050405020304" pitchFamily="18" charset="0"/>
+            </a:endParaRPr>
+          </a:p>
+        </p:txBody>
+      </p:sp>
+    </p:spTree>
+    <p:extLst>
+      <p:ext uri="{BB962C8B-B14F-4D97-AF65-F5344CB8AC3E}">
+        <p14:creationId xmlns:p14="http://schemas.microsoft.com/office/powerpoint/2010/main" val="772430544"/>
+      </p:ext>
+    </p:extLst>
+  </p:cSld>
+  <p:clrMapOvr>
+    <a:masterClrMapping/>
+  </p:clrMapOvr>
+  <p:timing>
+    <p:tnLst>
+      <p:par>
+        <p:cTn id="1" dur="indefinite" restart="never" nodeType="tmRoot"/>
+      </p:par>
+    </p:tnLst>
+  </p:timing>
+</p:sld>
+</file>
+
+<file path=ppt/slides/slide27.xml><?xml version="1.0" encoding="utf-8"?>
+<p:sld xmlns:a="http://schemas.openxmlformats.org/drawingml/2006/main" xmlns:r="http://schemas.openxmlformats.org/officeDocument/2006/relationships" xmlns:p="http://schemas.openxmlformats.org/presentationml/2006/main">
+  <p:cSld>
+    <p:spTree>
+      <p:nvGrpSpPr>
+        <p:cNvPr id="1" name=""/>
+        <p:cNvGrpSpPr/>
+        <p:nvPr/>
+      </p:nvGrpSpPr>
+      <p:grpSpPr>
+        <a:xfrm>
+          <a:off x="0" y="0"/>
+          <a:ext cx="0" cy="0"/>
+          <a:chOff x="0" y="0"/>
+          <a:chExt cx="0" cy="0"/>
+        </a:xfrm>
+      </p:grpSpPr>
+      <p:sp>
+        <p:nvSpPr>
+          <p:cNvPr id="2" name="Title 1"/>
+          <p:cNvSpPr>
+            <a:spLocks noGrp="1"/>
+          </p:cNvSpPr>
+          <p:nvPr>
+            <p:ph type="title"/>
+          </p:nvPr>
+        </p:nvSpPr>
+        <p:spPr/>
+        <p:txBody>
+          <a:bodyPr/>
+          <a:lstStyle/>
+          <a:p>
+            <a:r>
+              <a:rPr lang="it-IT" dirty="0" smtClean="0">
+                <a:latin typeface="Times New Roman" panose="02020603050405020304" pitchFamily="18" charset="0"/>
+                <a:cs typeface="Times New Roman" panose="02020603050405020304" pitchFamily="18" charset="0"/>
+              </a:rPr>
+              <a:t>Processi Stocastici</a:t>
+            </a:r>
+            <a:endParaRPr lang="en-US" dirty="0">
+              <a:latin typeface="Times New Roman" panose="02020603050405020304" pitchFamily="18" charset="0"/>
+              <a:cs typeface="Times New Roman" panose="02020603050405020304" pitchFamily="18" charset="0"/>
+            </a:endParaRPr>
+          </a:p>
+        </p:txBody>
+      </p:sp>
+      <p:sp>
+        <p:nvSpPr>
+          <p:cNvPr id="9" name="Title 3"/>
+          <p:cNvSpPr txBox="1">
+            <a:spLocks/>
+          </p:cNvSpPr>
+          <p:nvPr/>
+        </p:nvSpPr>
+        <p:spPr bwMode="gray">
+          <a:xfrm>
+            <a:off x="977554" y="614951"/>
+            <a:ext cx="10217642" cy="1381292"/>
+          </a:xfrm>
+          <a:prstGeom prst="rect">
+            <a:avLst/>
+          </a:prstGeom>
+          <a:solidFill>
+            <a:srgbClr val="597189"/>
+          </a:solidFill>
+          <a:ln w="9525" cap="flat" cmpd="sng" algn="ctr">
+            <a:solidFill>
+              <a:sysClr val="window" lastClr="FFFFFF"/>
+            </a:solidFill>
+            <a:prstDash val="solid"/>
+          </a:ln>
+          <a:effectLst/>
+        </p:spPr>
+        <p:txBody>
+          <a:bodyPr vert="horz" lIns="36000" tIns="36000" rIns="36000" bIns="36000" rtlCol="0" anchor="ctr">
+            <a:normAutofit/>
+          </a:bodyPr>
+          <a:lstStyle>
+            <a:lvl1pPr algn="l" defTabSz="914400" rtl="0" eaLnBrk="1" latinLnBrk="0" hangingPunct="1">
+              <a:lnSpc>
+                <a:spcPct val="90000"/>
+              </a:lnSpc>
+              <a:spcBef>
+                <a:spcPct val="0"/>
+              </a:spcBef>
+              <a:buNone/>
+              <a:defRPr sz="4400" kern="1200">
+                <a:solidFill>
+                  <a:schemeClr val="tx1"/>
+                </a:solidFill>
+                <a:latin typeface="+mj-lt"/>
+                <a:ea typeface="+mj-ea"/>
+                <a:cs typeface="+mj-cs"/>
+              </a:defRPr>
+            </a:lvl1pPr>
+          </a:lstStyle>
+          <a:p>
+            <a:pPr defTabSz="1039020">
+              <a:spcBef>
+                <a:spcPts val="0"/>
+              </a:spcBef>
+              <a:tabLst>
+                <a:tab pos="3849665" algn="r"/>
+                <a:tab pos="4750255" algn="r"/>
+                <a:tab pos="5627511" algn="r"/>
+                <a:tab pos="6493881" algn="r"/>
+                <a:tab pos="7277811" algn="r"/>
+                <a:tab pos="8352606" algn="r"/>
+              </a:tabLst>
+            </a:pPr>
+            <a:r>
+              <a:rPr lang="it-IT" altLang="it-IT" sz="3600" b="1" kern="0" dirty="0" smtClean="0">
+                <a:solidFill>
+                  <a:prstClr val="white"/>
+                </a:solidFill>
+                <a:latin typeface="Times New Roman" panose="02020603050405020304" pitchFamily="18" charset="0"/>
+                <a:cs typeface="Times New Roman" panose="02020603050405020304" pitchFamily="18" charset="0"/>
+              </a:rPr>
+              <a:t>      </a:t>
+            </a:r>
+            <a:r>
+              <a:rPr lang="it-IT" altLang="it-IT" sz="3600" b="1" kern="0" dirty="0" smtClean="0">
+                <a:solidFill>
+                  <a:prstClr val="white"/>
+                </a:solidFill>
+                <a:latin typeface="Times New Roman" panose="02020603050405020304" pitchFamily="18" charset="0"/>
+                <a:cs typeface="Times New Roman" panose="02020603050405020304" pitchFamily="18" charset="0"/>
+              </a:rPr>
+              <a:t>Comando </a:t>
+            </a:r>
+            <a:r>
+              <a:rPr lang="it-IT" altLang="it-IT" sz="3600" b="1" kern="0" dirty="0" err="1" smtClean="0">
+                <a:solidFill>
+                  <a:prstClr val="white"/>
+                </a:solidFill>
+                <a:latin typeface="Times New Roman" panose="02020603050405020304" pitchFamily="18" charset="0"/>
+                <a:cs typeface="Times New Roman" panose="02020603050405020304" pitchFamily="18" charset="0"/>
+              </a:rPr>
+              <a:t>gitk</a:t>
             </a:r>
             <a:endParaRPr lang="it-IT" altLang="it-IT" sz="3600" b="1" kern="0" dirty="0" smtClean="0">
               <a:solidFill>
@@ -11263,7 +11349,884 @@
           <a:p>
             <a:fld id="{A001332D-C347-4A08-BEBF-37FDE9C42D7D}" type="slidenum">
               <a:rPr lang="en-US" smtClean="0"/>
-              <a:t>26</a:t>
+              <a:t>27</a:t>
+            </a:fld>
+            <a:endParaRPr lang="en-US" dirty="0"/>
+          </a:p>
+        </p:txBody>
+      </p:sp>
+      <p:sp>
+        <p:nvSpPr>
+          <p:cNvPr id="10" name="Rectangle 9"/>
+          <p:cNvSpPr/>
+          <p:nvPr/>
+        </p:nvSpPr>
+        <p:spPr>
+          <a:xfrm>
+            <a:off x="1055359" y="2050392"/>
+            <a:ext cx="10171466" cy="3046988"/>
+          </a:xfrm>
+          <a:prstGeom prst="rect">
+            <a:avLst/>
+          </a:prstGeom>
+        </p:spPr>
+        <p:txBody>
+          <a:bodyPr wrap="square">
+            <a:spAutoFit/>
+          </a:bodyPr>
+          <a:lstStyle/>
+          <a:p>
+            <a:pPr algn="just"/>
+            <a:r>
+              <a:rPr lang="it-IT" sz="2400" dirty="0" smtClean="0">
+                <a:latin typeface="Times New Roman" panose="02020603050405020304" pitchFamily="18" charset="0"/>
+                <a:cs typeface="Times New Roman" panose="02020603050405020304" pitchFamily="18" charset="0"/>
+              </a:rPr>
+              <a:t>Per visualizzare un’interfaccia grafica dello stato del </a:t>
+            </a:r>
+            <a:r>
+              <a:rPr lang="it-IT" sz="2400" dirty="0" err="1" smtClean="0">
+                <a:latin typeface="Times New Roman" panose="02020603050405020304" pitchFamily="18" charset="0"/>
+                <a:cs typeface="Times New Roman" panose="02020603050405020304" pitchFamily="18" charset="0"/>
+              </a:rPr>
+              <a:t>repository</a:t>
+            </a:r>
+            <a:r>
+              <a:rPr lang="it-IT" sz="2400" dirty="0" smtClean="0">
+                <a:latin typeface="Times New Roman" panose="02020603050405020304" pitchFamily="18" charset="0"/>
+                <a:cs typeface="Times New Roman" panose="02020603050405020304" pitchFamily="18" charset="0"/>
+              </a:rPr>
+              <a:t> digitare il comando:</a:t>
+            </a:r>
+            <a:endParaRPr lang="it-IT" sz="2400" dirty="0" smtClean="0">
+              <a:latin typeface="Times New Roman" panose="02020603050405020304" pitchFamily="18" charset="0"/>
+              <a:cs typeface="Times New Roman" panose="02020603050405020304" pitchFamily="18" charset="0"/>
+            </a:endParaRPr>
+          </a:p>
+          <a:p>
+            <a:pPr algn="just"/>
+            <a:r>
+              <a:rPr lang="it-IT" sz="2400" dirty="0">
+                <a:latin typeface="Times New Roman" panose="02020603050405020304" pitchFamily="18" charset="0"/>
+                <a:cs typeface="Times New Roman" panose="02020603050405020304" pitchFamily="18" charset="0"/>
+              </a:rPr>
+              <a:t>	</a:t>
+            </a:r>
+            <a:r>
+              <a:rPr lang="it-IT" sz="2400" b="1" dirty="0">
+                <a:latin typeface="Times New Roman" panose="02020603050405020304" pitchFamily="18" charset="0"/>
+                <a:cs typeface="Times New Roman" panose="02020603050405020304" pitchFamily="18" charset="0"/>
+              </a:rPr>
+              <a:t>$ </a:t>
+            </a:r>
+            <a:r>
+              <a:rPr lang="it-IT" sz="2400" b="1" dirty="0" err="1" smtClean="0">
+                <a:latin typeface="Times New Roman" panose="02020603050405020304" pitchFamily="18" charset="0"/>
+                <a:cs typeface="Times New Roman" panose="02020603050405020304" pitchFamily="18" charset="0"/>
+              </a:rPr>
+              <a:t>gitk</a:t>
+            </a:r>
+            <a:endParaRPr lang="it-IT" sz="2400" b="1" dirty="0" smtClean="0">
+              <a:latin typeface="Times New Roman" panose="02020603050405020304" pitchFamily="18" charset="0"/>
+              <a:cs typeface="Times New Roman" panose="02020603050405020304" pitchFamily="18" charset="0"/>
+            </a:endParaRPr>
+          </a:p>
+          <a:p>
+            <a:pPr algn="just"/>
+            <a:endParaRPr lang="it-IT" sz="2400" b="1" dirty="0">
+              <a:latin typeface="Times New Roman" panose="02020603050405020304" pitchFamily="18" charset="0"/>
+              <a:cs typeface="Times New Roman" panose="02020603050405020304" pitchFamily="18" charset="0"/>
+            </a:endParaRPr>
+          </a:p>
+          <a:p>
+            <a:pPr algn="just"/>
+            <a:endParaRPr lang="it-IT" sz="2400" dirty="0" smtClean="0">
+              <a:latin typeface="Times New Roman" panose="02020603050405020304" pitchFamily="18" charset="0"/>
+              <a:cs typeface="Times New Roman" panose="02020603050405020304" pitchFamily="18" charset="0"/>
+            </a:endParaRPr>
+          </a:p>
+          <a:p>
+            <a:pPr algn="just"/>
+            <a:r>
+              <a:rPr lang="it-IT" sz="2400" dirty="0">
+                <a:latin typeface="Times New Roman" panose="02020603050405020304" pitchFamily="18" charset="0"/>
+                <a:cs typeface="Times New Roman" panose="02020603050405020304" pitchFamily="18" charset="0"/>
+              </a:rPr>
+              <a:t>	</a:t>
+            </a:r>
+            <a:endParaRPr lang="it-IT" sz="2400" dirty="0" smtClean="0">
+              <a:latin typeface="Times New Roman" panose="02020603050405020304" pitchFamily="18" charset="0"/>
+              <a:cs typeface="Times New Roman" panose="02020603050405020304" pitchFamily="18" charset="0"/>
+            </a:endParaRPr>
+          </a:p>
+          <a:p>
+            <a:pPr algn="just"/>
+            <a:endParaRPr lang="it-IT" sz="2400" b="1" dirty="0" smtClean="0">
+              <a:latin typeface="Times New Roman" panose="02020603050405020304" pitchFamily="18" charset="0"/>
+              <a:cs typeface="Times New Roman" panose="02020603050405020304" pitchFamily="18" charset="0"/>
+            </a:endParaRPr>
+          </a:p>
+          <a:p>
+            <a:pPr algn="just"/>
+            <a:endParaRPr lang="it-IT" sz="2400" b="1" dirty="0">
+              <a:latin typeface="Times New Roman" panose="02020603050405020304" pitchFamily="18" charset="0"/>
+              <a:cs typeface="Times New Roman" panose="02020603050405020304" pitchFamily="18" charset="0"/>
+            </a:endParaRPr>
+          </a:p>
+        </p:txBody>
+      </p:sp>
+      <p:pic>
+        <p:nvPicPr>
+          <p:cNvPr id="3" name="Picture 2"/>
+          <p:cNvPicPr>
+            <a:picLocks noChangeAspect="1"/>
+          </p:cNvPicPr>
+          <p:nvPr/>
+        </p:nvPicPr>
+        <p:blipFill>
+          <a:blip r:embed="rId2"/>
+          <a:stretch>
+            <a:fillRect/>
+          </a:stretch>
+        </p:blipFill>
+        <p:spPr>
+          <a:xfrm>
+            <a:off x="2857295" y="3252125"/>
+            <a:ext cx="5869262" cy="3286787"/>
+          </a:xfrm>
+          <a:prstGeom prst="rect">
+            <a:avLst/>
+          </a:prstGeom>
+        </p:spPr>
+      </p:pic>
+    </p:spTree>
+    <p:extLst>
+      <p:ext uri="{BB962C8B-B14F-4D97-AF65-F5344CB8AC3E}">
+        <p14:creationId xmlns:p14="http://schemas.microsoft.com/office/powerpoint/2010/main" val="414144829"/>
+      </p:ext>
+    </p:extLst>
+  </p:cSld>
+  <p:clrMapOvr>
+    <a:masterClrMapping/>
+  </p:clrMapOvr>
+  <p:timing>
+    <p:tnLst>
+      <p:par>
+        <p:cTn id="1" dur="indefinite" restart="never" nodeType="tmRoot"/>
+      </p:par>
+    </p:tnLst>
+  </p:timing>
+</p:sld>
+</file>
+
+<file path=ppt/slides/slide28.xml><?xml version="1.0" encoding="utf-8"?>
+<p:sld xmlns:a="http://schemas.openxmlformats.org/drawingml/2006/main" xmlns:r="http://schemas.openxmlformats.org/officeDocument/2006/relationships" xmlns:p="http://schemas.openxmlformats.org/presentationml/2006/main">
+  <p:cSld>
+    <p:spTree>
+      <p:nvGrpSpPr>
+        <p:cNvPr id="1" name=""/>
+        <p:cNvGrpSpPr/>
+        <p:nvPr/>
+      </p:nvGrpSpPr>
+      <p:grpSpPr>
+        <a:xfrm>
+          <a:off x="0" y="0"/>
+          <a:ext cx="0" cy="0"/>
+          <a:chOff x="0" y="0"/>
+          <a:chExt cx="0" cy="0"/>
+        </a:xfrm>
+      </p:grpSpPr>
+      <p:sp>
+        <p:nvSpPr>
+          <p:cNvPr id="2" name="Title 1"/>
+          <p:cNvSpPr>
+            <a:spLocks noGrp="1"/>
+          </p:cNvSpPr>
+          <p:nvPr>
+            <p:ph type="title"/>
+          </p:nvPr>
+        </p:nvSpPr>
+        <p:spPr/>
+        <p:txBody>
+          <a:bodyPr/>
+          <a:lstStyle/>
+          <a:p>
+            <a:r>
+              <a:rPr lang="it-IT" dirty="0" smtClean="0">
+                <a:latin typeface="Times New Roman" panose="02020603050405020304" pitchFamily="18" charset="0"/>
+                <a:cs typeface="Times New Roman" panose="02020603050405020304" pitchFamily="18" charset="0"/>
+              </a:rPr>
+              <a:t>Processi Stocastici</a:t>
+            </a:r>
+            <a:endParaRPr lang="en-US" dirty="0">
+              <a:latin typeface="Times New Roman" panose="02020603050405020304" pitchFamily="18" charset="0"/>
+              <a:cs typeface="Times New Roman" panose="02020603050405020304" pitchFamily="18" charset="0"/>
+            </a:endParaRPr>
+          </a:p>
+        </p:txBody>
+      </p:sp>
+      <p:sp>
+        <p:nvSpPr>
+          <p:cNvPr id="9" name="Title 3"/>
+          <p:cNvSpPr txBox="1">
+            <a:spLocks/>
+          </p:cNvSpPr>
+          <p:nvPr/>
+        </p:nvSpPr>
+        <p:spPr bwMode="gray">
+          <a:xfrm>
+            <a:off x="977554" y="614951"/>
+            <a:ext cx="10217642" cy="1381292"/>
+          </a:xfrm>
+          <a:prstGeom prst="rect">
+            <a:avLst/>
+          </a:prstGeom>
+          <a:solidFill>
+            <a:srgbClr val="597189"/>
+          </a:solidFill>
+          <a:ln w="9525" cap="flat" cmpd="sng" algn="ctr">
+            <a:solidFill>
+              <a:sysClr val="window" lastClr="FFFFFF"/>
+            </a:solidFill>
+            <a:prstDash val="solid"/>
+          </a:ln>
+          <a:effectLst/>
+        </p:spPr>
+        <p:txBody>
+          <a:bodyPr vert="horz" lIns="36000" tIns="36000" rIns="36000" bIns="36000" rtlCol="0" anchor="ctr">
+            <a:normAutofit/>
+          </a:bodyPr>
+          <a:lstStyle>
+            <a:lvl1pPr algn="l" defTabSz="914400" rtl="0" eaLnBrk="1" latinLnBrk="0" hangingPunct="1">
+              <a:lnSpc>
+                <a:spcPct val="90000"/>
+              </a:lnSpc>
+              <a:spcBef>
+                <a:spcPct val="0"/>
+              </a:spcBef>
+              <a:buNone/>
+              <a:defRPr sz="4400" kern="1200">
+                <a:solidFill>
+                  <a:schemeClr val="tx1"/>
+                </a:solidFill>
+                <a:latin typeface="+mj-lt"/>
+                <a:ea typeface="+mj-ea"/>
+                <a:cs typeface="+mj-cs"/>
+              </a:defRPr>
+            </a:lvl1pPr>
+          </a:lstStyle>
+          <a:p>
+            <a:pPr defTabSz="1039020">
+              <a:spcBef>
+                <a:spcPts val="0"/>
+              </a:spcBef>
+              <a:tabLst>
+                <a:tab pos="3849665" algn="r"/>
+                <a:tab pos="4750255" algn="r"/>
+                <a:tab pos="5627511" algn="r"/>
+                <a:tab pos="6493881" algn="r"/>
+                <a:tab pos="7277811" algn="r"/>
+                <a:tab pos="8352606" algn="r"/>
+              </a:tabLst>
+            </a:pPr>
+            <a:r>
+              <a:rPr lang="it-IT" altLang="it-IT" sz="3600" b="1" kern="0" dirty="0" smtClean="0">
+                <a:solidFill>
+                  <a:prstClr val="white"/>
+                </a:solidFill>
+                <a:latin typeface="Times New Roman" panose="02020603050405020304" pitchFamily="18" charset="0"/>
+                <a:cs typeface="Times New Roman" panose="02020603050405020304" pitchFamily="18" charset="0"/>
+              </a:rPr>
+              <a:t>      Stage e </a:t>
+            </a:r>
+            <a:r>
+              <a:rPr lang="it-IT" altLang="it-IT" sz="3600" b="1" kern="0" dirty="0" err="1" smtClean="0">
+                <a:solidFill>
+                  <a:prstClr val="white"/>
+                </a:solidFill>
+                <a:latin typeface="Times New Roman" panose="02020603050405020304" pitchFamily="18" charset="0"/>
+                <a:cs typeface="Times New Roman" panose="02020603050405020304" pitchFamily="18" charset="0"/>
+              </a:rPr>
+              <a:t>commit</a:t>
+            </a:r>
+            <a:endParaRPr lang="it-IT" altLang="it-IT" sz="3600" b="1" kern="0" dirty="0" smtClean="0">
+              <a:solidFill>
+                <a:prstClr val="white"/>
+              </a:solidFill>
+              <a:latin typeface="Times New Roman" panose="02020603050405020304" pitchFamily="18" charset="0"/>
+              <a:cs typeface="Times New Roman" panose="02020603050405020304" pitchFamily="18" charset="0"/>
+            </a:endParaRPr>
+          </a:p>
+        </p:txBody>
+      </p:sp>
+      <p:sp>
+        <p:nvSpPr>
+          <p:cNvPr id="8" name="Slide Number Placeholder 7"/>
+          <p:cNvSpPr>
+            <a:spLocks noGrp="1"/>
+          </p:cNvSpPr>
+          <p:nvPr>
+            <p:ph type="sldNum" sz="quarter" idx="12"/>
+          </p:nvPr>
+        </p:nvSpPr>
+        <p:spPr/>
+        <p:txBody>
+          <a:bodyPr/>
+          <a:lstStyle/>
+          <a:p>
+            <a:fld id="{A001332D-C347-4A08-BEBF-37FDE9C42D7D}" type="slidenum">
+              <a:rPr lang="en-US" smtClean="0"/>
+              <a:t>28</a:t>
+            </a:fld>
+            <a:endParaRPr lang="en-US" dirty="0"/>
+          </a:p>
+        </p:txBody>
+      </p:sp>
+      <p:sp>
+        <p:nvSpPr>
+          <p:cNvPr id="4" name="Rectangle 3"/>
+          <p:cNvSpPr/>
+          <p:nvPr/>
+        </p:nvSpPr>
+        <p:spPr>
+          <a:xfrm>
+            <a:off x="1023730" y="2018765"/>
+            <a:ext cx="10171466" cy="4893647"/>
+          </a:xfrm>
+          <a:prstGeom prst="rect">
+            <a:avLst/>
+          </a:prstGeom>
+        </p:spPr>
+        <p:txBody>
+          <a:bodyPr wrap="square">
+            <a:spAutoFit/>
+          </a:bodyPr>
+          <a:lstStyle/>
+          <a:p>
+            <a:pPr algn="just"/>
+            <a:r>
+              <a:rPr lang="it-IT" sz="2400" dirty="0" smtClean="0">
+                <a:latin typeface="Times New Roman" panose="02020603050405020304" pitchFamily="18" charset="0"/>
+                <a:cs typeface="Times New Roman" panose="02020603050405020304" pitchFamily="18" charset="0"/>
+              </a:rPr>
+              <a:t>Una volta effettuate le modifiche necessarie in locale, è possibile aggiungere i file modificati alla </a:t>
+            </a:r>
+            <a:r>
+              <a:rPr lang="it-IT" sz="2400" b="1" i="1" dirty="0" smtClean="0">
+                <a:latin typeface="Times New Roman" panose="02020603050405020304" pitchFamily="18" charset="0"/>
+                <a:cs typeface="Times New Roman" panose="02020603050405020304" pitchFamily="18" charset="0"/>
+              </a:rPr>
+              <a:t>stage area</a:t>
+            </a:r>
+            <a:r>
+              <a:rPr lang="it-IT" sz="2400" dirty="0" smtClean="0">
+                <a:latin typeface="Times New Roman" panose="02020603050405020304" pitchFamily="18" charset="0"/>
+                <a:cs typeface="Times New Roman" panose="02020603050405020304" pitchFamily="18" charset="0"/>
+              </a:rPr>
+              <a:t>, che contiene il contenuto del prossimo </a:t>
+            </a:r>
+            <a:r>
+              <a:rPr lang="it-IT" sz="2400" dirty="0" err="1" smtClean="0">
+                <a:latin typeface="Times New Roman" panose="02020603050405020304" pitchFamily="18" charset="0"/>
+                <a:cs typeface="Times New Roman" panose="02020603050405020304" pitchFamily="18" charset="0"/>
+              </a:rPr>
+              <a:t>commit</a:t>
+            </a:r>
+            <a:r>
+              <a:rPr lang="it-IT" sz="2400" dirty="0" smtClean="0">
+                <a:latin typeface="Times New Roman" panose="02020603050405020304" pitchFamily="18" charset="0"/>
+                <a:cs typeface="Times New Roman" panose="02020603050405020304" pitchFamily="18" charset="0"/>
+              </a:rPr>
+              <a:t>, digitando il comando:</a:t>
+            </a:r>
+          </a:p>
+          <a:p>
+            <a:pPr algn="just"/>
+            <a:r>
+              <a:rPr lang="it-IT" sz="2400" dirty="0" smtClean="0">
+                <a:latin typeface="Times New Roman" panose="02020603050405020304" pitchFamily="18" charset="0"/>
+                <a:cs typeface="Times New Roman" panose="02020603050405020304" pitchFamily="18" charset="0"/>
+              </a:rPr>
+              <a:t>	$ </a:t>
+            </a:r>
+            <a:r>
+              <a:rPr lang="it-IT" sz="2400" b="1" dirty="0" err="1">
+                <a:latin typeface="Times New Roman" panose="02020603050405020304" pitchFamily="18" charset="0"/>
+                <a:cs typeface="Times New Roman" panose="02020603050405020304" pitchFamily="18" charset="0"/>
+              </a:rPr>
+              <a:t>g</a:t>
+            </a:r>
+            <a:r>
+              <a:rPr lang="it-IT" sz="2400" b="1" dirty="0" err="1" smtClean="0">
+                <a:latin typeface="Times New Roman" panose="02020603050405020304" pitchFamily="18" charset="0"/>
+                <a:cs typeface="Times New Roman" panose="02020603050405020304" pitchFamily="18" charset="0"/>
+              </a:rPr>
+              <a:t>it</a:t>
+            </a:r>
+            <a:r>
+              <a:rPr lang="it-IT" sz="2400" b="1" dirty="0" smtClean="0">
+                <a:latin typeface="Times New Roman" panose="02020603050405020304" pitchFamily="18" charset="0"/>
+                <a:cs typeface="Times New Roman" panose="02020603050405020304" pitchFamily="18" charset="0"/>
+              </a:rPr>
+              <a:t> </a:t>
+            </a:r>
+            <a:r>
+              <a:rPr lang="it-IT" sz="2400" b="1" dirty="0" err="1" smtClean="0">
+                <a:latin typeface="Times New Roman" panose="02020603050405020304" pitchFamily="18" charset="0"/>
+                <a:cs typeface="Times New Roman" panose="02020603050405020304" pitchFamily="18" charset="0"/>
+              </a:rPr>
+              <a:t>add</a:t>
+            </a:r>
+            <a:r>
+              <a:rPr lang="it-IT" sz="2400" b="1" dirty="0" smtClean="0">
+                <a:latin typeface="Times New Roman" panose="02020603050405020304" pitchFamily="18" charset="0"/>
+                <a:cs typeface="Times New Roman" panose="02020603050405020304" pitchFamily="18" charset="0"/>
+              </a:rPr>
+              <a:t> &lt;</a:t>
+            </a:r>
+            <a:r>
+              <a:rPr lang="it-IT" sz="2400" b="1" dirty="0" err="1" smtClean="0">
+                <a:latin typeface="Times New Roman" panose="02020603050405020304" pitchFamily="18" charset="0"/>
+                <a:cs typeface="Times New Roman" panose="02020603050405020304" pitchFamily="18" charset="0"/>
+              </a:rPr>
+              <a:t>nomeFile</a:t>
+            </a:r>
+            <a:r>
+              <a:rPr lang="it-IT" sz="2400" b="1" dirty="0" smtClean="0">
+                <a:latin typeface="Times New Roman" panose="02020603050405020304" pitchFamily="18" charset="0"/>
+                <a:cs typeface="Times New Roman" panose="02020603050405020304" pitchFamily="18" charset="0"/>
+              </a:rPr>
+              <a:t>&gt; </a:t>
+            </a:r>
+            <a:r>
+              <a:rPr lang="it-IT" sz="2400" b="1" dirty="0" smtClean="0">
+                <a:latin typeface="Times New Roman" panose="02020603050405020304" pitchFamily="18" charset="0"/>
+                <a:cs typeface="Times New Roman" panose="02020603050405020304" pitchFamily="18" charset="0"/>
+                <a:sym typeface="Wingdings" panose="05000000000000000000" pitchFamily="2" charset="2"/>
+              </a:rPr>
+              <a:t> </a:t>
+            </a:r>
+            <a:r>
+              <a:rPr lang="it-IT" sz="2400" dirty="0" smtClean="0">
+                <a:latin typeface="Times New Roman" panose="02020603050405020304" pitchFamily="18" charset="0"/>
+                <a:cs typeface="Times New Roman" panose="02020603050405020304" pitchFamily="18" charset="0"/>
+              </a:rPr>
+              <a:t>aggiungere un file specifico alla stage area</a:t>
+            </a:r>
+          </a:p>
+          <a:p>
+            <a:pPr algn="just"/>
+            <a:r>
+              <a:rPr lang="it-IT" sz="2400" dirty="0" smtClean="0">
+                <a:latin typeface="Times New Roman" panose="02020603050405020304" pitchFamily="18" charset="0"/>
+                <a:cs typeface="Times New Roman" panose="02020603050405020304" pitchFamily="18" charset="0"/>
+              </a:rPr>
+              <a:t>	$ </a:t>
+            </a:r>
+            <a:r>
+              <a:rPr lang="it-IT" sz="2400" b="1" dirty="0" err="1">
+                <a:latin typeface="Times New Roman" panose="02020603050405020304" pitchFamily="18" charset="0"/>
+                <a:cs typeface="Times New Roman" panose="02020603050405020304" pitchFamily="18" charset="0"/>
+              </a:rPr>
+              <a:t>g</a:t>
+            </a:r>
+            <a:r>
+              <a:rPr lang="it-IT" sz="2400" b="1" dirty="0" err="1" smtClean="0">
+                <a:latin typeface="Times New Roman" panose="02020603050405020304" pitchFamily="18" charset="0"/>
+                <a:cs typeface="Times New Roman" panose="02020603050405020304" pitchFamily="18" charset="0"/>
+              </a:rPr>
+              <a:t>it</a:t>
+            </a:r>
+            <a:r>
+              <a:rPr lang="it-IT" sz="2400" b="1" dirty="0" smtClean="0">
+                <a:latin typeface="Times New Roman" panose="02020603050405020304" pitchFamily="18" charset="0"/>
+                <a:cs typeface="Times New Roman" panose="02020603050405020304" pitchFamily="18" charset="0"/>
+              </a:rPr>
+              <a:t> </a:t>
+            </a:r>
+            <a:r>
+              <a:rPr lang="it-IT" sz="2400" b="1" dirty="0" err="1" smtClean="0">
+                <a:latin typeface="Times New Roman" panose="02020603050405020304" pitchFamily="18" charset="0"/>
+                <a:cs typeface="Times New Roman" panose="02020603050405020304" pitchFamily="18" charset="0"/>
+              </a:rPr>
+              <a:t>add</a:t>
+            </a:r>
+            <a:r>
+              <a:rPr lang="it-IT" sz="2400" b="1" dirty="0" smtClean="0">
+                <a:latin typeface="Times New Roman" panose="02020603050405020304" pitchFamily="18" charset="0"/>
+                <a:cs typeface="Times New Roman" panose="02020603050405020304" pitchFamily="18" charset="0"/>
+              </a:rPr>
+              <a:t> . </a:t>
+            </a:r>
+            <a:r>
+              <a:rPr lang="it-IT" sz="2400" dirty="0" smtClean="0">
+                <a:latin typeface="Times New Roman" panose="02020603050405020304" pitchFamily="18" charset="0"/>
+                <a:cs typeface="Times New Roman" panose="02020603050405020304" pitchFamily="18" charset="0"/>
+                <a:sym typeface="Wingdings" panose="05000000000000000000" pitchFamily="2" charset="2"/>
+              </a:rPr>
+              <a:t></a:t>
+            </a:r>
+            <a:r>
+              <a:rPr lang="it-IT" sz="2400" dirty="0" smtClean="0">
+                <a:latin typeface="Times New Roman" panose="02020603050405020304" pitchFamily="18" charset="0"/>
+                <a:cs typeface="Times New Roman" panose="02020603050405020304" pitchFamily="18" charset="0"/>
+              </a:rPr>
+              <a:t> aggiungere alla stage area tutti i file modificati </a:t>
+            </a:r>
+            <a:r>
+              <a:rPr lang="it-IT" sz="2400" dirty="0">
+                <a:latin typeface="Times New Roman" panose="02020603050405020304" pitchFamily="18" charset="0"/>
+                <a:cs typeface="Times New Roman" panose="02020603050405020304" pitchFamily="18" charset="0"/>
+              </a:rPr>
+              <a:t>alla </a:t>
+            </a:r>
+            <a:r>
+              <a:rPr lang="it-IT" sz="2400" dirty="0" smtClean="0">
+                <a:latin typeface="Times New Roman" panose="02020603050405020304" pitchFamily="18" charset="0"/>
+                <a:cs typeface="Times New Roman" panose="02020603050405020304" pitchFamily="18" charset="0"/>
+              </a:rPr>
+              <a:t>stage area</a:t>
+            </a:r>
+          </a:p>
+          <a:p>
+            <a:pPr algn="just"/>
+            <a:r>
+              <a:rPr lang="it-IT" sz="2400" dirty="0" smtClean="0">
+                <a:latin typeface="Times New Roman" panose="02020603050405020304" pitchFamily="18" charset="0"/>
+                <a:cs typeface="Times New Roman" panose="02020603050405020304" pitchFamily="18" charset="0"/>
+              </a:rPr>
+              <a:t>I file modificati, che prima di essere aggiunti alla stage area erano evidenziati in </a:t>
+            </a:r>
+            <a:r>
+              <a:rPr lang="it-IT" sz="2400" dirty="0" smtClean="0">
+                <a:solidFill>
+                  <a:srgbClr val="FF0000"/>
+                </a:solidFill>
+                <a:latin typeface="Times New Roman" panose="02020603050405020304" pitchFamily="18" charset="0"/>
+                <a:cs typeface="Times New Roman" panose="02020603050405020304" pitchFamily="18" charset="0"/>
+              </a:rPr>
+              <a:t>rosso</a:t>
+            </a:r>
+            <a:r>
+              <a:rPr lang="it-IT" sz="2400" dirty="0" smtClean="0">
+                <a:latin typeface="Times New Roman" panose="02020603050405020304" pitchFamily="18" charset="0"/>
+                <a:cs typeface="Times New Roman" panose="02020603050405020304" pitchFamily="18" charset="0"/>
+              </a:rPr>
+              <a:t>, dopo l’aggiunta verranno visualizzati in </a:t>
+            </a:r>
+            <a:r>
+              <a:rPr lang="it-IT" sz="2400" dirty="0" smtClean="0">
+                <a:solidFill>
+                  <a:schemeClr val="accent6"/>
+                </a:solidFill>
+                <a:latin typeface="Times New Roman" panose="02020603050405020304" pitchFamily="18" charset="0"/>
+                <a:cs typeface="Times New Roman" panose="02020603050405020304" pitchFamily="18" charset="0"/>
+              </a:rPr>
+              <a:t>verde </a:t>
+            </a:r>
+            <a:r>
+              <a:rPr lang="it-IT" sz="2400" dirty="0" smtClean="0">
+                <a:latin typeface="Times New Roman" panose="02020603050405020304" pitchFamily="18" charset="0"/>
+                <a:cs typeface="Times New Roman" panose="02020603050405020304" pitchFamily="18" charset="0"/>
+              </a:rPr>
+              <a:t>digitando il comando $</a:t>
+            </a:r>
+            <a:r>
+              <a:rPr lang="it-IT" sz="2400" dirty="0" err="1" smtClean="0">
+                <a:latin typeface="Times New Roman" panose="02020603050405020304" pitchFamily="18" charset="0"/>
+                <a:cs typeface="Times New Roman" panose="02020603050405020304" pitchFamily="18" charset="0"/>
+              </a:rPr>
+              <a:t>git</a:t>
+            </a:r>
+            <a:r>
+              <a:rPr lang="it-IT" sz="2400" dirty="0" smtClean="0">
+                <a:latin typeface="Times New Roman" panose="02020603050405020304" pitchFamily="18" charset="0"/>
+                <a:cs typeface="Times New Roman" panose="02020603050405020304" pitchFamily="18" charset="0"/>
+              </a:rPr>
+              <a:t> status</a:t>
+            </a:r>
+          </a:p>
+          <a:p>
+            <a:pPr algn="just"/>
+            <a:r>
+              <a:rPr lang="it-IT" sz="2400" dirty="0" smtClean="0">
+                <a:latin typeface="Times New Roman" panose="02020603050405020304" pitchFamily="18" charset="0"/>
+                <a:cs typeface="Times New Roman" panose="02020603050405020304" pitchFamily="18" charset="0"/>
+              </a:rPr>
+              <a:t>Per inserire il contenuto della stage area nel </a:t>
+            </a:r>
+            <a:r>
+              <a:rPr lang="it-IT" sz="2400" dirty="0" err="1" smtClean="0">
+                <a:latin typeface="Times New Roman" panose="02020603050405020304" pitchFamily="18" charset="0"/>
+                <a:cs typeface="Times New Roman" panose="02020603050405020304" pitchFamily="18" charset="0"/>
+              </a:rPr>
+              <a:t>commit</a:t>
+            </a:r>
+            <a:r>
+              <a:rPr lang="it-IT" sz="2400" dirty="0">
+                <a:latin typeface="Times New Roman" panose="02020603050405020304" pitchFamily="18" charset="0"/>
+                <a:cs typeface="Times New Roman" panose="02020603050405020304" pitchFamily="18" charset="0"/>
+              </a:rPr>
+              <a:t> </a:t>
+            </a:r>
+            <a:r>
+              <a:rPr lang="it-IT" sz="2400" dirty="0" smtClean="0">
+                <a:latin typeface="Times New Roman" panose="02020603050405020304" pitchFamily="18" charset="0"/>
+                <a:cs typeface="Times New Roman" panose="02020603050405020304" pitchFamily="18" charset="0"/>
+              </a:rPr>
+              <a:t>(che come </a:t>
+            </a:r>
+            <a:r>
+              <a:rPr lang="it-IT" sz="2400" dirty="0" err="1" smtClean="0">
+                <a:latin typeface="Times New Roman" panose="02020603050405020304" pitchFamily="18" charset="0"/>
+                <a:cs typeface="Times New Roman" panose="02020603050405020304" pitchFamily="18" charset="0"/>
+              </a:rPr>
+              <a:t>accennavavo</a:t>
+            </a:r>
+            <a:r>
+              <a:rPr lang="it-IT" sz="2400" dirty="0" smtClean="0">
+                <a:latin typeface="Times New Roman" panose="02020603050405020304" pitchFamily="18" charset="0"/>
+                <a:cs typeface="Times New Roman" panose="02020603050405020304" pitchFamily="18" charset="0"/>
+              </a:rPr>
+              <a:t> rappresenta uno </a:t>
+            </a:r>
+            <a:r>
+              <a:rPr lang="it-IT" sz="2400" dirty="0" err="1" smtClean="0">
+                <a:latin typeface="Times New Roman" panose="02020603050405020304" pitchFamily="18" charset="0"/>
+                <a:cs typeface="Times New Roman" panose="02020603050405020304" pitchFamily="18" charset="0"/>
+              </a:rPr>
+              <a:t>snapshot</a:t>
+            </a:r>
+            <a:r>
+              <a:rPr lang="it-IT" sz="2400" dirty="0" smtClean="0">
+                <a:latin typeface="Times New Roman" panose="02020603050405020304" pitchFamily="18" charset="0"/>
+                <a:cs typeface="Times New Roman" panose="02020603050405020304" pitchFamily="18" charset="0"/>
+              </a:rPr>
+              <a:t> dello stato dei file tracciati al netto delle modifiche) occorre digitare il comando:</a:t>
+            </a:r>
+          </a:p>
+          <a:p>
+            <a:pPr algn="just"/>
+            <a:r>
+              <a:rPr lang="it-IT" sz="2400" dirty="0" smtClean="0">
+                <a:latin typeface="Times New Roman" panose="02020603050405020304" pitchFamily="18" charset="0"/>
+                <a:cs typeface="Times New Roman" panose="02020603050405020304" pitchFamily="18" charset="0"/>
+              </a:rPr>
+              <a:t>	</a:t>
+            </a:r>
+            <a:r>
+              <a:rPr lang="it-IT" sz="2400" b="1" dirty="0" smtClean="0">
+                <a:latin typeface="Times New Roman" panose="02020603050405020304" pitchFamily="18" charset="0"/>
+                <a:cs typeface="Times New Roman" panose="02020603050405020304" pitchFamily="18" charset="0"/>
+              </a:rPr>
+              <a:t>$ </a:t>
+            </a:r>
+            <a:r>
+              <a:rPr lang="it-IT" sz="2400" b="1" dirty="0" err="1" smtClean="0">
+                <a:latin typeface="Times New Roman" panose="02020603050405020304" pitchFamily="18" charset="0"/>
+                <a:cs typeface="Times New Roman" panose="02020603050405020304" pitchFamily="18" charset="0"/>
+              </a:rPr>
+              <a:t>git</a:t>
+            </a:r>
+            <a:r>
+              <a:rPr lang="it-IT" sz="2400" b="1" dirty="0" smtClean="0">
+                <a:latin typeface="Times New Roman" panose="02020603050405020304" pitchFamily="18" charset="0"/>
+                <a:cs typeface="Times New Roman" panose="02020603050405020304" pitchFamily="18" charset="0"/>
+              </a:rPr>
+              <a:t> </a:t>
+            </a:r>
+            <a:r>
+              <a:rPr lang="it-IT" sz="2400" b="1" dirty="0" err="1" smtClean="0">
+                <a:latin typeface="Times New Roman" panose="02020603050405020304" pitchFamily="18" charset="0"/>
+                <a:cs typeface="Times New Roman" panose="02020603050405020304" pitchFamily="18" charset="0"/>
+              </a:rPr>
+              <a:t>commit</a:t>
+            </a:r>
+            <a:endParaRPr lang="it-IT" sz="2400" b="1" dirty="0" smtClean="0">
+              <a:latin typeface="Times New Roman" panose="02020603050405020304" pitchFamily="18" charset="0"/>
+              <a:cs typeface="Times New Roman" panose="02020603050405020304" pitchFamily="18" charset="0"/>
+            </a:endParaRPr>
+          </a:p>
+        </p:txBody>
+      </p:sp>
+    </p:spTree>
+    <p:extLst>
+      <p:ext uri="{BB962C8B-B14F-4D97-AF65-F5344CB8AC3E}">
+        <p14:creationId xmlns:p14="http://schemas.microsoft.com/office/powerpoint/2010/main" val="1137116470"/>
+      </p:ext>
+    </p:extLst>
+  </p:cSld>
+  <p:clrMapOvr>
+    <a:masterClrMapping/>
+  </p:clrMapOvr>
+  <p:timing>
+    <p:tnLst>
+      <p:par>
+        <p:cTn id="1" dur="indefinite" restart="never" nodeType="tmRoot"/>
+      </p:par>
+    </p:tnLst>
+  </p:timing>
+</p:sld>
+</file>
+
+<file path=ppt/slides/slide29.xml><?xml version="1.0" encoding="utf-8"?>
+<p:sld xmlns:a="http://schemas.openxmlformats.org/drawingml/2006/main" xmlns:r="http://schemas.openxmlformats.org/officeDocument/2006/relationships" xmlns:p="http://schemas.openxmlformats.org/presentationml/2006/main">
+  <p:cSld>
+    <p:spTree>
+      <p:nvGrpSpPr>
+        <p:cNvPr id="1" name=""/>
+        <p:cNvGrpSpPr/>
+        <p:nvPr/>
+      </p:nvGrpSpPr>
+      <p:grpSpPr>
+        <a:xfrm>
+          <a:off x="0" y="0"/>
+          <a:ext cx="0" cy="0"/>
+          <a:chOff x="0" y="0"/>
+          <a:chExt cx="0" cy="0"/>
+        </a:xfrm>
+      </p:grpSpPr>
+      <p:sp>
+        <p:nvSpPr>
+          <p:cNvPr id="2" name="Title 1"/>
+          <p:cNvSpPr>
+            <a:spLocks noGrp="1"/>
+          </p:cNvSpPr>
+          <p:nvPr>
+            <p:ph type="title"/>
+          </p:nvPr>
+        </p:nvSpPr>
+        <p:spPr/>
+        <p:txBody>
+          <a:bodyPr/>
+          <a:lstStyle/>
+          <a:p>
+            <a:r>
+              <a:rPr lang="it-IT" dirty="0" smtClean="0">
+                <a:latin typeface="Times New Roman" panose="02020603050405020304" pitchFamily="18" charset="0"/>
+                <a:cs typeface="Times New Roman" panose="02020603050405020304" pitchFamily="18" charset="0"/>
+              </a:rPr>
+              <a:t>Processi Stocastici</a:t>
+            </a:r>
+            <a:endParaRPr lang="en-US" dirty="0">
+              <a:latin typeface="Times New Roman" panose="02020603050405020304" pitchFamily="18" charset="0"/>
+              <a:cs typeface="Times New Roman" panose="02020603050405020304" pitchFamily="18" charset="0"/>
+            </a:endParaRPr>
+          </a:p>
+        </p:txBody>
+      </p:sp>
+      <p:sp>
+        <p:nvSpPr>
+          <p:cNvPr id="9" name="Title 3"/>
+          <p:cNvSpPr txBox="1">
+            <a:spLocks/>
+          </p:cNvSpPr>
+          <p:nvPr/>
+        </p:nvSpPr>
+        <p:spPr bwMode="gray">
+          <a:xfrm>
+            <a:off x="977554" y="614951"/>
+            <a:ext cx="10217642" cy="1381292"/>
+          </a:xfrm>
+          <a:prstGeom prst="rect">
+            <a:avLst/>
+          </a:prstGeom>
+          <a:solidFill>
+            <a:srgbClr val="597189"/>
+          </a:solidFill>
+          <a:ln w="9525" cap="flat" cmpd="sng" algn="ctr">
+            <a:solidFill>
+              <a:sysClr val="window" lastClr="FFFFFF"/>
+            </a:solidFill>
+            <a:prstDash val="solid"/>
+          </a:ln>
+          <a:effectLst/>
+        </p:spPr>
+        <p:txBody>
+          <a:bodyPr vert="horz" lIns="36000" tIns="36000" rIns="36000" bIns="36000" rtlCol="0" anchor="ctr">
+            <a:normAutofit/>
+          </a:bodyPr>
+          <a:lstStyle>
+            <a:lvl1pPr algn="l" defTabSz="914400" rtl="0" eaLnBrk="1" latinLnBrk="0" hangingPunct="1">
+              <a:lnSpc>
+                <a:spcPct val="90000"/>
+              </a:lnSpc>
+              <a:spcBef>
+                <a:spcPct val="0"/>
+              </a:spcBef>
+              <a:buNone/>
+              <a:defRPr sz="4400" kern="1200">
+                <a:solidFill>
+                  <a:schemeClr val="tx1"/>
+                </a:solidFill>
+                <a:latin typeface="+mj-lt"/>
+                <a:ea typeface="+mj-ea"/>
+                <a:cs typeface="+mj-cs"/>
+              </a:defRPr>
+            </a:lvl1pPr>
+          </a:lstStyle>
+          <a:p>
+            <a:pPr defTabSz="1039020">
+              <a:spcBef>
+                <a:spcPts val="0"/>
+              </a:spcBef>
+              <a:tabLst>
+                <a:tab pos="3849665" algn="r"/>
+                <a:tab pos="4750255" algn="r"/>
+                <a:tab pos="5627511" algn="r"/>
+                <a:tab pos="6493881" algn="r"/>
+                <a:tab pos="7277811" algn="r"/>
+                <a:tab pos="8352606" algn="r"/>
+              </a:tabLst>
+            </a:pPr>
+            <a:r>
+              <a:rPr lang="it-IT" altLang="it-IT" sz="3600" b="1" kern="0" dirty="0" smtClean="0">
+                <a:solidFill>
+                  <a:prstClr val="white"/>
+                </a:solidFill>
+                <a:latin typeface="Times New Roman" panose="02020603050405020304" pitchFamily="18" charset="0"/>
+                <a:cs typeface="Times New Roman" panose="02020603050405020304" pitchFamily="18" charset="0"/>
+              </a:rPr>
+              <a:t>      Pull e </a:t>
+            </a:r>
+            <a:r>
+              <a:rPr lang="it-IT" altLang="it-IT" sz="3600" b="1" kern="0" dirty="0" err="1" smtClean="0">
+                <a:solidFill>
+                  <a:prstClr val="white"/>
+                </a:solidFill>
+                <a:latin typeface="Times New Roman" panose="02020603050405020304" pitchFamily="18" charset="0"/>
+                <a:cs typeface="Times New Roman" panose="02020603050405020304" pitchFamily="18" charset="0"/>
+              </a:rPr>
+              <a:t>Push</a:t>
+            </a:r>
+            <a:endParaRPr lang="it-IT" altLang="it-IT" sz="3600" b="1" kern="0" dirty="0" smtClean="0">
+              <a:solidFill>
+                <a:prstClr val="white"/>
+              </a:solidFill>
+              <a:latin typeface="Times New Roman" panose="02020603050405020304" pitchFamily="18" charset="0"/>
+              <a:cs typeface="Times New Roman" panose="02020603050405020304" pitchFamily="18" charset="0"/>
+            </a:endParaRPr>
+          </a:p>
+        </p:txBody>
+      </p:sp>
+      <p:sp>
+        <p:nvSpPr>
+          <p:cNvPr id="8" name="Slide Number Placeholder 7"/>
+          <p:cNvSpPr>
+            <a:spLocks noGrp="1"/>
+          </p:cNvSpPr>
+          <p:nvPr>
+            <p:ph type="sldNum" sz="quarter" idx="12"/>
+          </p:nvPr>
+        </p:nvSpPr>
+        <p:spPr/>
+        <p:txBody>
+          <a:bodyPr/>
+          <a:lstStyle/>
+          <a:p>
+            <a:fld id="{A001332D-C347-4A08-BEBF-37FDE9C42D7D}" type="slidenum">
+              <a:rPr lang="en-US" smtClean="0"/>
+              <a:t>29</a:t>
             </a:fld>
             <a:endParaRPr lang="en-US" dirty="0"/>
           </a:p>
@@ -11530,7 +12493,23 @@
                 <a:cs typeface="Times New Roman" panose="02020603050405020304" pitchFamily="18" charset="0"/>
                 <a:sym typeface="Wingdings" panose="05000000000000000000" pitchFamily="2" charset="2"/>
               </a:rPr>
-              <a:t> che mancanti in locale </a:t>
+              <a:t> </a:t>
+            </a:r>
+            <a:r>
+              <a:rPr lang="it-IT" sz="2200" dirty="0" smtClean="0">
+                <a:latin typeface="Times New Roman" panose="02020603050405020304" pitchFamily="18" charset="0"/>
+                <a:cs typeface="Times New Roman" panose="02020603050405020304" pitchFamily="18" charset="0"/>
+                <a:sym typeface="Wingdings" panose="05000000000000000000" pitchFamily="2" charset="2"/>
+              </a:rPr>
+              <a:t>mancanti </a:t>
+            </a:r>
+            <a:r>
+              <a:rPr lang="it-IT" sz="2200" dirty="0" smtClean="0">
+                <a:latin typeface="Times New Roman" panose="02020603050405020304" pitchFamily="18" charset="0"/>
+                <a:cs typeface="Times New Roman" panose="02020603050405020304" pitchFamily="18" charset="0"/>
+                <a:sym typeface="Wingdings" panose="05000000000000000000" pitchFamily="2" charset="2"/>
+              </a:rPr>
+              <a:t>in locale </a:t>
             </a:r>
           </a:p>
           <a:p>
@@ -11998,25 +12977,8 @@
                 <a:latin typeface="Times New Roman" panose="02020603050405020304" pitchFamily="18" charset="0"/>
                 <a:cs typeface="Times New Roman" panose="02020603050405020304" pitchFamily="18" charset="0"/>
               </a:rPr>
-              <a:t>     </a:t>
-            </a:r>
-            <a:r>
-              <a:rPr lang="it-IT" altLang="it-IT" sz="3600" b="1" kern="0" dirty="0" smtClean="0">
-                <a:solidFill>
-                  <a:prstClr val="white"/>
-                </a:solidFill>
-                <a:latin typeface="Times New Roman" panose="02020603050405020304" pitchFamily="18" charset="0"/>
-                <a:cs typeface="Times New Roman" panose="02020603050405020304" pitchFamily="18" charset="0"/>
-              </a:rPr>
-              <a:t>Installare Anaconda - 1  </a:t>
-            </a:r>
-            <a:endParaRPr lang="it-IT" altLang="it-IT" sz="3600" b="1" kern="0" dirty="0" smtClean="0">
-              <a:solidFill>
-                <a:prstClr val="white"/>
-              </a:solidFill>
-              <a:latin typeface="Times New Roman" panose="02020603050405020304" pitchFamily="18" charset="0"/>
-              <a:cs typeface="Times New Roman" panose="02020603050405020304" pitchFamily="18" charset="0"/>
-            </a:endParaRPr>
+              <a:t>     Installare Anaconda - 1  </a:t>
+            </a:r>
           </a:p>
         </p:txBody>
       </p:sp>
@@ -12398,25 +13360,8 @@
                 <a:latin typeface="Times New Roman" panose="02020603050405020304" pitchFamily="18" charset="0"/>
                 <a:cs typeface="Times New Roman" panose="02020603050405020304" pitchFamily="18" charset="0"/>
               </a:rPr>
-              <a:t>     </a:t>
-            </a:r>
-            <a:r>
-              <a:rPr lang="it-IT" altLang="it-IT" sz="3600" b="1" kern="0" dirty="0" smtClean="0">
-                <a:solidFill>
-                  <a:prstClr val="white"/>
-                </a:solidFill>
-                <a:latin typeface="Times New Roman" panose="02020603050405020304" pitchFamily="18" charset="0"/>
-                <a:cs typeface="Times New Roman" panose="02020603050405020304" pitchFamily="18" charset="0"/>
-              </a:rPr>
-              <a:t>Installare Anaconda - 2</a:t>
-            </a:r>
-            <a:endParaRPr lang="it-IT" altLang="it-IT" sz="3600" b="1" kern="0" dirty="0" smtClean="0">
-              <a:solidFill>
-                <a:prstClr val="white"/>
-              </a:solidFill>
-              <a:latin typeface="Times New Roman" panose="02020603050405020304" pitchFamily="18" charset="0"/>
-              <a:cs typeface="Times New Roman" panose="02020603050405020304" pitchFamily="18" charset="0"/>
-            </a:endParaRPr>
+              <a:t>     Installare Anaconda - 2</a:t>
+            </a:r>
           </a:p>
         </p:txBody>
       </p:sp>
@@ -12692,25 +13637,8 @@
                 <a:latin typeface="Times New Roman" panose="02020603050405020304" pitchFamily="18" charset="0"/>
                 <a:cs typeface="Times New Roman" panose="02020603050405020304" pitchFamily="18" charset="0"/>
               </a:rPr>
-              <a:t>     </a:t>
-            </a:r>
-            <a:r>
-              <a:rPr lang="it-IT" altLang="it-IT" sz="3600" b="1" kern="0" dirty="0" smtClean="0">
-                <a:solidFill>
-                  <a:prstClr val="white"/>
-                </a:solidFill>
-                <a:latin typeface="Times New Roman" panose="02020603050405020304" pitchFamily="18" charset="0"/>
-                <a:cs typeface="Times New Roman" panose="02020603050405020304" pitchFamily="18" charset="0"/>
-              </a:rPr>
-              <a:t>Installare Anaconda - 3</a:t>
-            </a:r>
-            <a:endParaRPr lang="it-IT" altLang="it-IT" sz="3600" b="1" kern="0" dirty="0" smtClean="0">
-              <a:solidFill>
-                <a:prstClr val="white"/>
-              </a:solidFill>
-              <a:latin typeface="Times New Roman" panose="02020603050405020304" pitchFamily="18" charset="0"/>
-              <a:cs typeface="Times New Roman" panose="02020603050405020304" pitchFamily="18" charset="0"/>
-            </a:endParaRPr>
+              <a:t>     Installare Anaconda - 3</a:t>
+            </a:r>
           </a:p>
         </p:txBody>
       </p:sp>
@@ -13433,7 +14361,17 @@
                 <a:latin typeface="Times New Roman" panose="02020603050405020304" pitchFamily="18" charset="0"/>
                 <a:cs typeface="Times New Roman" panose="02020603050405020304" pitchFamily="18" charset="0"/>
               </a:rPr>
-              <a:t>     </a:t>
+              <a:t>     Cos’è </a:t>
+            </a:r>
+            <a:r>
+              <a:rPr lang="it-IT" altLang="it-IT" sz="3600" b="1" kern="0" dirty="0" err="1" smtClean="0">
+                <a:solidFill>
+                  <a:prstClr val="white"/>
+                </a:solidFill>
+                <a:latin typeface="Times New Roman" panose="02020603050405020304" pitchFamily="18" charset="0"/>
+                <a:cs typeface="Times New Roman" panose="02020603050405020304" pitchFamily="18" charset="0"/>
+              </a:rPr>
+              <a:t>PyCharm</a:t>
             </a:r>
             <a:r>
               <a:rPr lang="it-IT" altLang="it-IT" sz="3600" b="1" kern="0" dirty="0" smtClean="0">
@@ -13443,35 +14381,8 @@
                 <a:latin typeface="Times New Roman" panose="02020603050405020304" pitchFamily="18" charset="0"/>
                 <a:cs typeface="Times New Roman" panose="02020603050405020304" pitchFamily="18" charset="0"/>
               </a:rPr>
-              <a:t>Cos’è </a:t>
-            </a:r>
-            <a:r>
-              <a:rPr lang="it-IT" altLang="it-IT" sz="3600" b="1" kern="0" dirty="0" err="1" smtClean="0">
-                <a:solidFill>
-                  <a:prstClr val="white"/>
-                </a:solidFill>
-                <a:latin typeface="Times New Roman" panose="02020603050405020304" pitchFamily="18" charset="0"/>
-                <a:cs typeface="Times New Roman" panose="02020603050405020304" pitchFamily="18" charset="0"/>
-              </a:rPr>
-              <a:t>PyCharm</a:t>
-            </a:r>
-            <a:r>
-              <a:rPr lang="it-IT" altLang="it-IT" sz="3600" b="1" kern="0" dirty="0" smtClean="0">
-                <a:solidFill>
-                  <a:prstClr val="white"/>
-                </a:solidFill>
-                <a:latin typeface="Times New Roman" panose="02020603050405020304" pitchFamily="18" charset="0"/>
-                <a:cs typeface="Times New Roman" panose="02020603050405020304" pitchFamily="18" charset="0"/>
-              </a:rPr>
               <a:t>?  </a:t>
             </a:r>
-            <a:endParaRPr lang="it-IT" altLang="it-IT" sz="3600" b="1" kern="0" dirty="0" smtClean="0">
-              <a:solidFill>
-                <a:prstClr val="white"/>
-              </a:solidFill>
-              <a:latin typeface="Times New Roman" panose="02020603050405020304" pitchFamily="18" charset="0"/>
-              <a:cs typeface="Times New Roman" panose="02020603050405020304" pitchFamily="18" charset="0"/>
-            </a:endParaRPr>
           </a:p>
         </p:txBody>
       </p:sp>
@@ -14001,7 +14912,17 @@
                 <a:latin typeface="Times New Roman" panose="02020603050405020304" pitchFamily="18" charset="0"/>
                 <a:cs typeface="Times New Roman" panose="02020603050405020304" pitchFamily="18" charset="0"/>
               </a:rPr>
-              <a:t>     </a:t>
+              <a:t>     Installare </a:t>
+            </a:r>
+            <a:r>
+              <a:rPr lang="it-IT" altLang="it-IT" sz="3600" b="1" kern="0" dirty="0" err="1" smtClean="0">
+                <a:solidFill>
+                  <a:prstClr val="white"/>
+                </a:solidFill>
+                <a:latin typeface="Times New Roman" panose="02020603050405020304" pitchFamily="18" charset="0"/>
+                <a:cs typeface="Times New Roman" panose="02020603050405020304" pitchFamily="18" charset="0"/>
+              </a:rPr>
+              <a:t>PyCharm</a:t>
             </a:r>
             <a:r>
               <a:rPr lang="it-IT" altLang="it-IT" sz="3600" b="1" kern="0" dirty="0" smtClean="0">
@@ -14011,35 +14932,8 @@
                 <a:latin typeface="Times New Roman" panose="02020603050405020304" pitchFamily="18" charset="0"/>
                 <a:cs typeface="Times New Roman" panose="02020603050405020304" pitchFamily="18" charset="0"/>
               </a:rPr>
-              <a:t>Installare </a:t>
-            </a:r>
-            <a:r>
-              <a:rPr lang="it-IT" altLang="it-IT" sz="3600" b="1" kern="0" dirty="0" err="1" smtClean="0">
-                <a:solidFill>
-                  <a:prstClr val="white"/>
-                </a:solidFill>
-                <a:latin typeface="Times New Roman" panose="02020603050405020304" pitchFamily="18" charset="0"/>
-                <a:cs typeface="Times New Roman" panose="02020603050405020304" pitchFamily="18" charset="0"/>
-              </a:rPr>
-              <a:t>PyCharm</a:t>
-            </a:r>
-            <a:r>
-              <a:rPr lang="it-IT" altLang="it-IT" sz="3600" b="1" kern="0" dirty="0" smtClean="0">
-                <a:solidFill>
-                  <a:prstClr val="white"/>
-                </a:solidFill>
-                <a:latin typeface="Times New Roman" panose="02020603050405020304" pitchFamily="18" charset="0"/>
-                <a:cs typeface="Times New Roman" panose="02020603050405020304" pitchFamily="18" charset="0"/>
-              </a:rPr>
               <a:t> - 1</a:t>
             </a:r>
-            <a:endParaRPr lang="it-IT" altLang="it-IT" sz="3600" b="1" kern="0" dirty="0" smtClean="0">
-              <a:solidFill>
-                <a:prstClr val="white"/>
-              </a:solidFill>
-              <a:latin typeface="Times New Roman" panose="02020603050405020304" pitchFamily="18" charset="0"/>
-              <a:cs typeface="Times New Roman" panose="02020603050405020304" pitchFamily="18" charset="0"/>
-            </a:endParaRPr>
           </a:p>
         </p:txBody>
       </p:sp>
@@ -14307,7 +15201,17 @@
                 <a:latin typeface="Times New Roman" panose="02020603050405020304" pitchFamily="18" charset="0"/>
                 <a:cs typeface="Times New Roman" panose="02020603050405020304" pitchFamily="18" charset="0"/>
               </a:rPr>
-              <a:t>     </a:t>
+              <a:t>     Installare </a:t>
+            </a:r>
+            <a:r>
+              <a:rPr lang="it-IT" altLang="it-IT" sz="3600" b="1" kern="0" dirty="0" err="1" smtClean="0">
+                <a:solidFill>
+                  <a:prstClr val="white"/>
+                </a:solidFill>
+                <a:latin typeface="Times New Roman" panose="02020603050405020304" pitchFamily="18" charset="0"/>
+                <a:cs typeface="Times New Roman" panose="02020603050405020304" pitchFamily="18" charset="0"/>
+              </a:rPr>
+              <a:t>PyCharm</a:t>
             </a:r>
             <a:r>
               <a:rPr lang="it-IT" altLang="it-IT" sz="3600" b="1" kern="0" dirty="0" smtClean="0">
@@ -14317,35 +15221,8 @@
                 <a:latin typeface="Times New Roman" panose="02020603050405020304" pitchFamily="18" charset="0"/>
                 <a:cs typeface="Times New Roman" panose="02020603050405020304" pitchFamily="18" charset="0"/>
               </a:rPr>
-              <a:t>Installare </a:t>
-            </a:r>
-            <a:r>
-              <a:rPr lang="it-IT" altLang="it-IT" sz="3600" b="1" kern="0" dirty="0" err="1" smtClean="0">
-                <a:solidFill>
-                  <a:prstClr val="white"/>
-                </a:solidFill>
-                <a:latin typeface="Times New Roman" panose="02020603050405020304" pitchFamily="18" charset="0"/>
-                <a:cs typeface="Times New Roman" panose="02020603050405020304" pitchFamily="18" charset="0"/>
-              </a:rPr>
-              <a:t>PyCharm</a:t>
-            </a:r>
-            <a:r>
-              <a:rPr lang="it-IT" altLang="it-IT" sz="3600" b="1" kern="0" dirty="0" smtClean="0">
-                <a:solidFill>
-                  <a:prstClr val="white"/>
-                </a:solidFill>
-                <a:latin typeface="Times New Roman" panose="02020603050405020304" pitchFamily="18" charset="0"/>
-                <a:cs typeface="Times New Roman" panose="02020603050405020304" pitchFamily="18" charset="0"/>
-              </a:rPr>
               <a:t> - 2</a:t>
             </a:r>
-            <a:endParaRPr lang="it-IT" altLang="it-IT" sz="3600" b="1" kern="0" dirty="0" smtClean="0">
-              <a:solidFill>
-                <a:prstClr val="white"/>
-              </a:solidFill>
-              <a:latin typeface="Times New Roman" panose="02020603050405020304" pitchFamily="18" charset="0"/>
-              <a:cs typeface="Times New Roman" panose="02020603050405020304" pitchFamily="18" charset="0"/>
-            </a:endParaRPr>
           </a:p>
         </p:txBody>
       </p:sp>
